--- a/Text/Хорунженко_презентация_3_сем.pptx
+++ b/Text/Хорунженко_презентация_3_сем.pptx
@@ -5,7 +5,7 @@
     <p:sldMasterId id="2147483648" r:id="rId1"/>
   </p:sldMasterIdLst>
   <p:notesMasterIdLst>
-    <p:notesMasterId r:id="rId17"/>
+    <p:notesMasterId r:id="rId19"/>
   </p:notesMasterIdLst>
   <p:sldIdLst>
     <p:sldId id="256" r:id="rId2"/>
@@ -18,11 +18,13 @@
     <p:sldId id="264" r:id="rId9"/>
     <p:sldId id="265" r:id="rId10"/>
     <p:sldId id="270" r:id="rId11"/>
-    <p:sldId id="262" r:id="rId12"/>
-    <p:sldId id="266" r:id="rId13"/>
-    <p:sldId id="269" r:id="rId14"/>
-    <p:sldId id="267" r:id="rId15"/>
-    <p:sldId id="268" r:id="rId16"/>
+    <p:sldId id="272" r:id="rId12"/>
+    <p:sldId id="262" r:id="rId13"/>
+    <p:sldId id="266" r:id="rId14"/>
+    <p:sldId id="269" r:id="rId15"/>
+    <p:sldId id="267" r:id="rId16"/>
+    <p:sldId id="271" r:id="rId17"/>
+    <p:sldId id="268" r:id="rId18"/>
   </p:sldIdLst>
   <p:sldSz cx="12192000" cy="6858000"/>
   <p:notesSz cx="6858000" cy="9144000"/>
@@ -211,7 +213,7 @@
           <a:p>
             <a:fld id="{81248907-F516-46AB-BD86-AD7F77155939}" type="datetimeFigureOut">
               <a:rPr lang="en-US" smtClean="0"/>
-              <a:t>11/19/2023</a:t>
+              <a:t>11/21/2023</a:t>
             </a:fld>
             <a:endParaRPr lang="en-US"/>
           </a:p>
@@ -724,7 +726,7 @@
           <a:p>
             <a:fld id="{2977B670-CD6F-44BD-91AC-635F81E02A72}" type="datetimeFigureOut">
               <a:rPr lang="en-US" smtClean="0"/>
-              <a:t>11/19/2023</a:t>
+              <a:t>11/21/2023</a:t>
             </a:fld>
             <a:endParaRPr lang="en-US"/>
           </a:p>
@@ -922,7 +924,7 @@
           <a:p>
             <a:fld id="{2977B670-CD6F-44BD-91AC-635F81E02A72}" type="datetimeFigureOut">
               <a:rPr lang="en-US" smtClean="0"/>
-              <a:t>11/19/2023</a:t>
+              <a:t>11/21/2023</a:t>
             </a:fld>
             <a:endParaRPr lang="en-US"/>
           </a:p>
@@ -1130,7 +1132,7 @@
           <a:p>
             <a:fld id="{2977B670-CD6F-44BD-91AC-635F81E02A72}" type="datetimeFigureOut">
               <a:rPr lang="en-US" smtClean="0"/>
-              <a:t>11/19/2023</a:t>
+              <a:t>11/21/2023</a:t>
             </a:fld>
             <a:endParaRPr lang="en-US"/>
           </a:p>
@@ -1328,7 +1330,7 @@
           <a:p>
             <a:fld id="{2977B670-CD6F-44BD-91AC-635F81E02A72}" type="datetimeFigureOut">
               <a:rPr lang="en-US" smtClean="0"/>
-              <a:t>11/19/2023</a:t>
+              <a:t>11/21/2023</a:t>
             </a:fld>
             <a:endParaRPr lang="en-US"/>
           </a:p>
@@ -1603,7 +1605,7 @@
           <a:p>
             <a:fld id="{2977B670-CD6F-44BD-91AC-635F81E02A72}" type="datetimeFigureOut">
               <a:rPr lang="en-US" smtClean="0"/>
-              <a:t>11/19/2023</a:t>
+              <a:t>11/21/2023</a:t>
             </a:fld>
             <a:endParaRPr lang="en-US"/>
           </a:p>
@@ -1868,7 +1870,7 @@
           <a:p>
             <a:fld id="{2977B670-CD6F-44BD-91AC-635F81E02A72}" type="datetimeFigureOut">
               <a:rPr lang="en-US" smtClean="0"/>
-              <a:t>11/19/2023</a:t>
+              <a:t>11/21/2023</a:t>
             </a:fld>
             <a:endParaRPr lang="en-US"/>
           </a:p>
@@ -2280,7 +2282,7 @@
           <a:p>
             <a:fld id="{2977B670-CD6F-44BD-91AC-635F81E02A72}" type="datetimeFigureOut">
               <a:rPr lang="en-US" smtClean="0"/>
-              <a:t>11/19/2023</a:t>
+              <a:t>11/21/2023</a:t>
             </a:fld>
             <a:endParaRPr lang="en-US"/>
           </a:p>
@@ -2421,7 +2423,7 @@
           <a:p>
             <a:fld id="{2977B670-CD6F-44BD-91AC-635F81E02A72}" type="datetimeFigureOut">
               <a:rPr lang="en-US" smtClean="0"/>
-              <a:t>11/19/2023</a:t>
+              <a:t>11/21/2023</a:t>
             </a:fld>
             <a:endParaRPr lang="en-US"/>
           </a:p>
@@ -2534,7 +2536,7 @@
           <a:p>
             <a:fld id="{2977B670-CD6F-44BD-91AC-635F81E02A72}" type="datetimeFigureOut">
               <a:rPr lang="en-US" smtClean="0"/>
-              <a:t>11/19/2023</a:t>
+              <a:t>11/21/2023</a:t>
             </a:fld>
             <a:endParaRPr lang="en-US"/>
           </a:p>
@@ -2845,7 +2847,7 @@
           <a:p>
             <a:fld id="{2977B670-CD6F-44BD-91AC-635F81E02A72}" type="datetimeFigureOut">
               <a:rPr lang="en-US" smtClean="0"/>
-              <a:t>11/19/2023</a:t>
+              <a:t>11/21/2023</a:t>
             </a:fld>
             <a:endParaRPr lang="en-US"/>
           </a:p>
@@ -3133,7 +3135,7 @@
           <a:p>
             <a:fld id="{2977B670-CD6F-44BD-91AC-635F81E02A72}" type="datetimeFigureOut">
               <a:rPr lang="en-US" smtClean="0"/>
-              <a:t>11/19/2023</a:t>
+              <a:t>11/21/2023</a:t>
             </a:fld>
             <a:endParaRPr lang="en-US"/>
           </a:p>
@@ -3374,7 +3376,7 @@
           <a:p>
             <a:fld id="{2977B670-CD6F-44BD-91AC-635F81E02A72}" type="datetimeFigureOut">
               <a:rPr lang="en-US" smtClean="0"/>
-              <a:t>11/19/2023</a:t>
+              <a:t>11/21/2023</a:t>
             </a:fld>
             <a:endParaRPr lang="en-US"/>
           </a:p>
@@ -4043,7 +4045,7 @@
               <a:rPr lang="ru-RU" sz="2000" dirty="0">
                 <a:latin typeface="Monotype Corsiva" panose="03010101010201010101" pitchFamily="66" charset="0"/>
               </a:rPr>
-              <a:t>2</a:t>
+              <a:t>5</a:t>
             </a:r>
             <a:endParaRPr lang="en-US" sz="2000" dirty="0">
               <a:latin typeface="Monotype Corsiva" panose="03010101010201010101" pitchFamily="66" charset="0"/>
@@ -4185,18 +4187,11 @@
               <a:buNone/>
             </a:pPr>
             <a:r>
-              <a:rPr lang="en-US" dirty="0">
-                <a:latin typeface="Times New Roman" panose="02020603050405020304" pitchFamily="18" charset="0"/>
-                <a:cs typeface="Times New Roman" panose="02020603050405020304" pitchFamily="18" charset="0"/>
-              </a:rPr>
-              <a:t>4</a:t>
-            </a:r>
-            <a:r>
               <a:rPr lang="ru-RU" dirty="0">
                 <a:latin typeface="Times New Roman" panose="02020603050405020304" pitchFamily="18" charset="0"/>
                 <a:cs typeface="Times New Roman" panose="02020603050405020304" pitchFamily="18" charset="0"/>
               </a:rPr>
-              <a:t>. Наборы были получены с минутным шагом и были преобразованы данные с разной частотой</a:t>
+              <a:t>3.1. Наборы были получены с минутным шагом и были преобразованы данные с разной частотой</a:t>
             </a:r>
             <a:r>
               <a:rPr lang="en-US" dirty="0">
@@ -4314,7 +4309,7 @@
               <a:rPr lang="ru-RU" sz="2000" dirty="0">
                 <a:latin typeface="Monotype Corsiva" panose="03010101010201010101" pitchFamily="66" charset="0"/>
               </a:rPr>
-              <a:t>8</a:t>
+              <a:t>9</a:t>
             </a:r>
             <a:r>
               <a:rPr lang="en-US" sz="2000" dirty="0">
@@ -4326,7 +4321,7 @@
               <a:rPr lang="ru-RU" sz="2000" dirty="0">
                 <a:latin typeface="Monotype Corsiva" panose="03010101010201010101" pitchFamily="66" charset="0"/>
               </a:rPr>
-              <a:t>2</a:t>
+              <a:t>5</a:t>
             </a:r>
             <a:endParaRPr lang="en-US" sz="2000" dirty="0">
               <a:latin typeface="Monotype Corsiva" panose="03010101010201010101" pitchFamily="66" charset="0"/>
@@ -4661,8 +4656,8 @@
         </p:nvSpPr>
         <p:spPr>
           <a:xfrm>
-            <a:off x="635977" y="945545"/>
-            <a:ext cx="10515600" cy="4351338"/>
+            <a:off x="196820" y="1265017"/>
+            <a:ext cx="10316729" cy="3700626"/>
           </a:xfrm>
         </p:spPr>
         <p:txBody>
@@ -4677,79 +4672,115 @@
                 <a:latin typeface="Times New Roman" panose="02020603050405020304" pitchFamily="18" charset="0"/>
                 <a:cs typeface="Times New Roman" panose="02020603050405020304" pitchFamily="18" charset="0"/>
               </a:rPr>
-              <a:t>4. Получены результаты для </a:t>
-            </a:r>
-            <a:r>
-              <a:rPr lang="ru-RU" dirty="0" err="1">
+              <a:t>3.</a:t>
+            </a:r>
+            <a:r>
+              <a:rPr lang="en-US" dirty="0">
                 <a:latin typeface="Times New Roman" panose="02020603050405020304" pitchFamily="18" charset="0"/>
                 <a:cs typeface="Times New Roman" panose="02020603050405020304" pitchFamily="18" charset="0"/>
               </a:rPr>
-              <a:t>датасета</a:t>
+              <a:t>2</a:t>
             </a:r>
             <a:r>
               <a:rPr lang="ru-RU" dirty="0">
                 <a:latin typeface="Times New Roman" panose="02020603050405020304" pitchFamily="18" charset="0"/>
                 <a:cs typeface="Times New Roman" panose="02020603050405020304" pitchFamily="18" charset="0"/>
               </a:rPr>
-              <a:t> </a:t>
+              <a:t>. Наборы данных имеют пропуски в выходные и праздничные дни. В зависимости от варианта заполнения пропусков получаем ещё несколько наборов данный</a:t>
             </a:r>
             <a:r>
               <a:rPr lang="en-US" dirty="0">
                 <a:latin typeface="Times New Roman" panose="02020603050405020304" pitchFamily="18" charset="0"/>
                 <a:cs typeface="Times New Roman" panose="02020603050405020304" pitchFamily="18" charset="0"/>
               </a:rPr>
-              <a:t>S&amp;P500</a:t>
-            </a:r>
+              <a:t>:</a:t>
+            </a:r>
+            <a:endParaRPr lang="ru-RU" dirty="0">
+              <a:latin typeface="Times New Roman" panose="02020603050405020304" pitchFamily="18" charset="0"/>
+              <a:cs typeface="Times New Roman" panose="02020603050405020304" pitchFamily="18" charset="0"/>
+            </a:endParaRPr>
+          </a:p>
+          <a:p>
+            <a:pPr marL="514350" indent="-514350">
+              <a:buFont typeface="+mj-lt"/>
+              <a:buAutoNum type="arabicPeriod"/>
+            </a:pPr>
             <a:r>
               <a:rPr lang="ru-RU" dirty="0">
                 <a:latin typeface="Times New Roman" panose="02020603050405020304" pitchFamily="18" charset="0"/>
                 <a:cs typeface="Times New Roman" panose="02020603050405020304" pitchFamily="18" charset="0"/>
               </a:rPr>
-              <a:t>(2010-2015) для моделей нейронных сетей</a:t>
-            </a:r>
-            <a:endParaRPr lang="en-US" dirty="0">
-              <a:latin typeface="Times New Roman" panose="02020603050405020304" pitchFamily="18" charset="0"/>
-              <a:cs typeface="Times New Roman" panose="02020603050405020304" pitchFamily="18" charset="0"/>
-            </a:endParaRPr>
-          </a:p>
-        </p:txBody>
-      </p:sp>
-      <p:pic>
-        <p:nvPicPr>
-          <p:cNvPr id="5" name="Picture 4">
-            <a:extLst>
-              <a:ext uri="{FF2B5EF4-FFF2-40B4-BE49-F238E27FC236}">
-                <a16:creationId xmlns:a16="http://schemas.microsoft.com/office/drawing/2014/main" id="{89585B61-C1AE-4A5E-AF8E-14CD0785AAD5}"/>
-              </a:ext>
-            </a:extLst>
-          </p:cNvPr>
-          <p:cNvPicPr>
-            <a:picLocks noChangeAspect="1"/>
-          </p:cNvPicPr>
-          <p:nvPr/>
-        </p:nvPicPr>
-        <p:blipFill>
-          <a:blip r:embed="rId2"/>
-          <a:stretch>
-            <a:fillRect/>
-          </a:stretch>
-        </p:blipFill>
-        <p:spPr>
-          <a:xfrm>
-            <a:off x="2374690" y="2501702"/>
-            <a:ext cx="8128418" cy="3860998"/>
-          </a:xfrm>
-          <a:prstGeom prst="rect">
-            <a:avLst/>
-          </a:prstGeom>
-        </p:spPr>
-      </p:pic>
-      <p:sp>
-        <p:nvSpPr>
-          <p:cNvPr id="6" name="TextBox 5">
-            <a:extLst>
-              <a:ext uri="{FF2B5EF4-FFF2-40B4-BE49-F238E27FC236}">
-                <a16:creationId xmlns:a16="http://schemas.microsoft.com/office/drawing/2014/main" id="{0FDFA71C-76AA-4014-9A95-AFAE769475E5}"/>
+              <a:t>Сдвиг даты</a:t>
+            </a:r>
+          </a:p>
+          <a:p>
+            <a:pPr marL="514350" indent="-514350">
+              <a:buFont typeface="+mj-lt"/>
+              <a:buAutoNum type="arabicPeriod"/>
+            </a:pPr>
+            <a:r>
+              <a:rPr lang="ru-RU" dirty="0">
+                <a:latin typeface="Times New Roman" panose="02020603050405020304" pitchFamily="18" charset="0"/>
+                <a:cs typeface="Times New Roman" panose="02020603050405020304" pitchFamily="18" charset="0"/>
+              </a:rPr>
+              <a:t>Заполнение последним рабочим днём</a:t>
+            </a:r>
+          </a:p>
+          <a:p>
+            <a:pPr marL="514350" indent="-514350">
+              <a:buFont typeface="+mj-lt"/>
+              <a:buAutoNum type="arabicPeriod"/>
+            </a:pPr>
+            <a:r>
+              <a:rPr lang="ru-RU" dirty="0">
+                <a:latin typeface="Times New Roman" panose="02020603050405020304" pitchFamily="18" charset="0"/>
+                <a:cs typeface="Times New Roman" panose="02020603050405020304" pitchFamily="18" charset="0"/>
+              </a:rPr>
+              <a:t>Линейное заполнение между двумя рабочими днями</a:t>
+            </a:r>
+          </a:p>
+          <a:p>
+            <a:pPr marL="514350" indent="-514350">
+              <a:buFont typeface="+mj-lt"/>
+              <a:buAutoNum type="arabicPeriod"/>
+            </a:pPr>
+            <a:r>
+              <a:rPr lang="ru-RU" dirty="0">
+                <a:latin typeface="Times New Roman" panose="02020603050405020304" pitchFamily="18" charset="0"/>
+                <a:cs typeface="Times New Roman" panose="02020603050405020304" pitchFamily="18" charset="0"/>
+              </a:rPr>
+              <a:t>Использование категориальных признаков (Для подходов </a:t>
+            </a:r>
+            <a:r>
+              <a:rPr lang="en-US" dirty="0">
+                <a:latin typeface="Times New Roman" panose="02020603050405020304" pitchFamily="18" charset="0"/>
+                <a:cs typeface="Times New Roman" panose="02020603050405020304" pitchFamily="18" charset="0"/>
+              </a:rPr>
+              <a:t>DL </a:t>
+            </a:r>
+            <a:r>
+              <a:rPr lang="ru-RU" dirty="0">
+                <a:latin typeface="Times New Roman" panose="02020603050405020304" pitchFamily="18" charset="0"/>
+                <a:cs typeface="Times New Roman" panose="02020603050405020304" pitchFamily="18" charset="0"/>
+              </a:rPr>
+              <a:t>и </a:t>
+            </a:r>
+            <a:r>
+              <a:rPr lang="en-US" dirty="0">
+                <a:latin typeface="Times New Roman" panose="02020603050405020304" pitchFamily="18" charset="0"/>
+                <a:cs typeface="Times New Roman" panose="02020603050405020304" pitchFamily="18" charset="0"/>
+              </a:rPr>
+              <a:t>ML)</a:t>
+            </a:r>
+          </a:p>
+        </p:txBody>
+      </p:sp>
+      <p:sp>
+        <p:nvSpPr>
+          <p:cNvPr id="8" name="TextBox 7">
+            <a:extLst>
+              <a:ext uri="{FF2B5EF4-FFF2-40B4-BE49-F238E27FC236}">
+                <a16:creationId xmlns:a16="http://schemas.microsoft.com/office/drawing/2014/main" id="{1EF888D1-43A8-4016-97CF-60BB8DD915D4}"/>
               </a:ext>
             </a:extLst>
           </p:cNvPr>
@@ -4758,8 +4789,8 @@
         </p:nvSpPr>
         <p:spPr>
           <a:xfrm>
-            <a:off x="323849" y="3121214"/>
-            <a:ext cx="2050841" cy="1200329"/>
+            <a:off x="11890314" y="6488668"/>
+            <a:ext cx="301686" cy="369332"/>
           </a:xfrm>
           <a:prstGeom prst="rect">
             <a:avLst/>
@@ -4767,106 +4798,25 @@
           <a:noFill/>
         </p:spPr>
         <p:txBody>
-          <a:bodyPr wrap="square" rtlCol="0">
+          <a:bodyPr wrap="none" rtlCol="0">
             <a:spAutoFit/>
           </a:bodyPr>
           <a:lstStyle/>
           <a:p>
-            <a:pPr algn="ctr"/>
-            <a:r>
-              <a:rPr lang="ru-RU" dirty="0">
-                <a:latin typeface="Times New Roman" panose="02020603050405020304" pitchFamily="18" charset="0"/>
-                <a:cs typeface="Times New Roman" panose="02020603050405020304" pitchFamily="18" charset="0"/>
-              </a:rPr>
-              <a:t>Весь </a:t>
-            </a:r>
-            <a:r>
-              <a:rPr lang="ru-RU" dirty="0" err="1">
-                <a:latin typeface="Times New Roman" panose="02020603050405020304" pitchFamily="18" charset="0"/>
-                <a:cs typeface="Times New Roman" panose="02020603050405020304" pitchFamily="18" charset="0"/>
-              </a:rPr>
-              <a:t>датасет</a:t>
-            </a:r>
-            <a:r>
-              <a:rPr lang="ru-RU" dirty="0">
-                <a:latin typeface="Times New Roman" panose="02020603050405020304" pitchFamily="18" charset="0"/>
-                <a:cs typeface="Times New Roman" panose="02020603050405020304" pitchFamily="18" charset="0"/>
-              </a:rPr>
-              <a:t> с участком предсказания и теста</a:t>
-            </a:r>
-            <a:endParaRPr lang="en-US" dirty="0">
-              <a:latin typeface="Times New Roman" panose="02020603050405020304" pitchFamily="18" charset="0"/>
-              <a:cs typeface="Times New Roman" panose="02020603050405020304" pitchFamily="18" charset="0"/>
-            </a:endParaRPr>
-          </a:p>
-        </p:txBody>
-      </p:sp>
-      <p:sp>
-        <p:nvSpPr>
-          <p:cNvPr id="7" name="TextBox 6">
-            <a:extLst>
-              <a:ext uri="{FF2B5EF4-FFF2-40B4-BE49-F238E27FC236}">
-                <a16:creationId xmlns:a16="http://schemas.microsoft.com/office/drawing/2014/main" id="{451EDCA7-4DF5-46AB-A060-49CC97F459D6}"/>
-              </a:ext>
-            </a:extLst>
-          </p:cNvPr>
-          <p:cNvSpPr txBox="1"/>
-          <p:nvPr/>
-        </p:nvSpPr>
-        <p:spPr>
-          <a:xfrm>
-            <a:off x="323849" y="5209838"/>
-            <a:ext cx="2050841" cy="646331"/>
-          </a:xfrm>
-          <a:prstGeom prst="rect">
-            <a:avLst/>
-          </a:prstGeom>
-          <a:noFill/>
-        </p:spPr>
-        <p:txBody>
-          <a:bodyPr wrap="square" rtlCol="0">
-            <a:spAutoFit/>
-          </a:bodyPr>
-          <a:lstStyle/>
-          <a:p>
-            <a:pPr algn="ctr"/>
-            <a:r>
-              <a:rPr lang="ru-RU" dirty="0">
-                <a:latin typeface="Times New Roman" panose="02020603050405020304" pitchFamily="18" charset="0"/>
-                <a:cs typeface="Times New Roman" panose="02020603050405020304" pitchFamily="18" charset="0"/>
-              </a:rPr>
-              <a:t>Предсказание</a:t>
-            </a:r>
-            <a:r>
-              <a:rPr lang="en-US" dirty="0">
-                <a:latin typeface="Times New Roman" panose="02020603050405020304" pitchFamily="18" charset="0"/>
-                <a:cs typeface="Times New Roman" panose="02020603050405020304" pitchFamily="18" charset="0"/>
-              </a:rPr>
-              <a:t>:</a:t>
-            </a:r>
-          </a:p>
-          <a:p>
-            <a:pPr algn="ctr"/>
-            <a:r>
-              <a:rPr lang="ru-RU" dirty="0">
-                <a:latin typeface="Times New Roman" panose="02020603050405020304" pitchFamily="18" charset="0"/>
-                <a:cs typeface="Times New Roman" panose="02020603050405020304" pitchFamily="18" charset="0"/>
-              </a:rPr>
-              <a:t>Тест и валидация</a:t>
-            </a:r>
-            <a:endParaRPr lang="en-US" dirty="0">
-              <a:latin typeface="Times New Roman" panose="02020603050405020304" pitchFamily="18" charset="0"/>
-              <a:cs typeface="Times New Roman" panose="02020603050405020304" pitchFamily="18" charset="0"/>
-            </a:endParaRPr>
-          </a:p>
-        </p:txBody>
-      </p:sp>
-      <p:sp>
-        <p:nvSpPr>
-          <p:cNvPr id="11" name="Rectangle 10">
-            <a:extLst>
-              <a:ext uri="{FF2B5EF4-FFF2-40B4-BE49-F238E27FC236}">
-                <a16:creationId xmlns:a16="http://schemas.microsoft.com/office/drawing/2014/main" id="{22C388C0-594B-4536-8392-8669A01F1456}"/>
+            <a:r>
+              <a:rPr lang="ru-RU" dirty="0"/>
+              <a:t>8</a:t>
+            </a:r>
+            <a:endParaRPr lang="en-US" dirty="0"/>
+          </a:p>
+        </p:txBody>
+      </p:sp>
+      <p:sp>
+        <p:nvSpPr>
+          <p:cNvPr id="5" name="Rectangle 4">
+            <a:extLst>
+              <a:ext uri="{FF2B5EF4-FFF2-40B4-BE49-F238E27FC236}">
+                <a16:creationId xmlns:a16="http://schemas.microsoft.com/office/drawing/2014/main" id="{19AD45D8-2171-4CC7-9CCF-08D2B64BC5FC}"/>
               </a:ext>
             </a:extLst>
           </p:cNvPr>
@@ -4912,16 +4862,22 @@
           <a:p>
             <a:pPr algn="r"/>
             <a:r>
+              <a:rPr lang="ru-RU" sz="2000" dirty="0">
+                <a:latin typeface="Monotype Corsiva" panose="03010101010201010101" pitchFamily="66" charset="0"/>
+              </a:rPr>
+              <a:t>10</a:t>
+            </a:r>
+            <a:r>
               <a:rPr lang="en-US" sz="2000" dirty="0">
                 <a:latin typeface="Monotype Corsiva" panose="03010101010201010101" pitchFamily="66" charset="0"/>
               </a:rPr>
-              <a:t>9/1</a:t>
+              <a:t>/1</a:t>
             </a:r>
             <a:r>
               <a:rPr lang="ru-RU" sz="2000" dirty="0">
                 <a:latin typeface="Monotype Corsiva" panose="03010101010201010101" pitchFamily="66" charset="0"/>
               </a:rPr>
-              <a:t>2</a:t>
+              <a:t>5</a:t>
             </a:r>
             <a:endParaRPr lang="en-US" sz="2000" dirty="0">
               <a:latin typeface="Monotype Corsiva" panose="03010101010201010101" pitchFamily="66" charset="0"/>
@@ -4931,10 +4887,10 @@
       </p:sp>
       <p:sp>
         <p:nvSpPr>
-          <p:cNvPr id="12" name="Rectangle 11">
-            <a:extLst>
-              <a:ext uri="{FF2B5EF4-FFF2-40B4-BE49-F238E27FC236}">
-                <a16:creationId xmlns:a16="http://schemas.microsoft.com/office/drawing/2014/main" id="{18F0FAF1-41EA-4CF7-B464-50AE9A827458}"/>
+          <p:cNvPr id="6" name="Rectangle 5">
+            <a:extLst>
+              <a:ext uri="{FF2B5EF4-FFF2-40B4-BE49-F238E27FC236}">
+                <a16:creationId xmlns:a16="http://schemas.microsoft.com/office/drawing/2014/main" id="{1C373916-FE84-4551-A87D-EE438522466A}"/>
               </a:ext>
             </a:extLst>
           </p:cNvPr>
@@ -4992,10 +4948,10 @@
       </p:sp>
       <p:sp>
         <p:nvSpPr>
-          <p:cNvPr id="13" name="Rectangle 12">
-            <a:extLst>
-              <a:ext uri="{FF2B5EF4-FFF2-40B4-BE49-F238E27FC236}">
-                <a16:creationId xmlns:a16="http://schemas.microsoft.com/office/drawing/2014/main" id="{363025DC-ACFB-4017-ADA4-16A57522EF2C}"/>
+          <p:cNvPr id="7" name="Rectangle 6">
+            <a:extLst>
+              <a:ext uri="{FF2B5EF4-FFF2-40B4-BE49-F238E27FC236}">
+                <a16:creationId xmlns:a16="http://schemas.microsoft.com/office/drawing/2014/main" id="{299C3E3E-701C-4361-85F0-33C499D39E40}"/>
               </a:ext>
             </a:extLst>
           </p:cNvPr>
@@ -5067,6 +5023,463 @@
     </p:spTree>
     <p:extLst>
       <p:ext uri="{BB962C8B-B14F-4D97-AF65-F5344CB8AC3E}">
+        <p14:creationId xmlns:p14="http://schemas.microsoft.com/office/powerpoint/2010/main" val="3445745640"/>
+      </p:ext>
+    </p:extLst>
+  </p:cSld>
+  <p:clrMapOvr>
+    <a:masterClrMapping/>
+  </p:clrMapOvr>
+</p:sld>
+</file>
+
+<file path=ppt/slides/slide12.xml><?xml version="1.0" encoding="utf-8"?>
+<p:sld xmlns:a="http://schemas.openxmlformats.org/drawingml/2006/main" xmlns:r="http://schemas.openxmlformats.org/officeDocument/2006/relationships" xmlns:p="http://schemas.openxmlformats.org/presentationml/2006/main">
+  <p:cSld>
+    <p:spTree>
+      <p:nvGrpSpPr>
+        <p:cNvPr id="1" name=""/>
+        <p:cNvGrpSpPr/>
+        <p:nvPr/>
+      </p:nvGrpSpPr>
+      <p:grpSpPr>
+        <a:xfrm>
+          <a:off x="0" y="0"/>
+          <a:ext cx="0" cy="0"/>
+          <a:chOff x="0" y="0"/>
+          <a:chExt cx="0" cy="0"/>
+        </a:xfrm>
+      </p:grpSpPr>
+      <p:sp>
+        <p:nvSpPr>
+          <p:cNvPr id="3" name="Content Placeholder 2">
+            <a:extLst>
+              <a:ext uri="{FF2B5EF4-FFF2-40B4-BE49-F238E27FC236}">
+                <a16:creationId xmlns:a16="http://schemas.microsoft.com/office/drawing/2014/main" id="{F4D84CA4-18C6-4163-833B-1C0A8B548FE8}"/>
+              </a:ext>
+            </a:extLst>
+          </p:cNvPr>
+          <p:cNvSpPr>
+            <a:spLocks noGrp="1"/>
+          </p:cNvSpPr>
+          <p:nvPr>
+            <p:ph idx="1"/>
+          </p:nvPr>
+        </p:nvSpPr>
+        <p:spPr>
+          <a:xfrm>
+            <a:off x="635977" y="945545"/>
+            <a:ext cx="10515600" cy="4351338"/>
+          </a:xfrm>
+        </p:spPr>
+        <p:txBody>
+          <a:bodyPr/>
+          <a:lstStyle/>
+          <a:p>
+            <a:pPr marL="0" indent="0">
+              <a:buNone/>
+            </a:pPr>
+            <a:r>
+              <a:rPr lang="ru-RU" dirty="0">
+                <a:latin typeface="Times New Roman" panose="02020603050405020304" pitchFamily="18" charset="0"/>
+                <a:cs typeface="Times New Roman" panose="02020603050405020304" pitchFamily="18" charset="0"/>
+              </a:rPr>
+              <a:t>4. Получены результаты для </a:t>
+            </a:r>
+            <a:r>
+              <a:rPr lang="ru-RU" dirty="0" err="1">
+                <a:latin typeface="Times New Roman" panose="02020603050405020304" pitchFamily="18" charset="0"/>
+                <a:cs typeface="Times New Roman" panose="02020603050405020304" pitchFamily="18" charset="0"/>
+              </a:rPr>
+              <a:t>датасета</a:t>
+            </a:r>
+            <a:r>
+              <a:rPr lang="ru-RU" dirty="0">
+                <a:latin typeface="Times New Roman" panose="02020603050405020304" pitchFamily="18" charset="0"/>
+                <a:cs typeface="Times New Roman" panose="02020603050405020304" pitchFamily="18" charset="0"/>
+              </a:rPr>
+              <a:t> </a:t>
+            </a:r>
+            <a:r>
+              <a:rPr lang="en-US" dirty="0">
+                <a:latin typeface="Times New Roman" panose="02020603050405020304" pitchFamily="18" charset="0"/>
+                <a:cs typeface="Times New Roman" panose="02020603050405020304" pitchFamily="18" charset="0"/>
+              </a:rPr>
+              <a:t>S&amp;P500</a:t>
+            </a:r>
+            <a:r>
+              <a:rPr lang="ru-RU" dirty="0">
+                <a:latin typeface="Times New Roman" panose="02020603050405020304" pitchFamily="18" charset="0"/>
+                <a:cs typeface="Times New Roman" panose="02020603050405020304" pitchFamily="18" charset="0"/>
+              </a:rPr>
+              <a:t>(2010-2015) для моделей нейронных сетей</a:t>
+            </a:r>
+            <a:endParaRPr lang="en-US" dirty="0">
+              <a:latin typeface="Times New Roman" panose="02020603050405020304" pitchFamily="18" charset="0"/>
+              <a:cs typeface="Times New Roman" panose="02020603050405020304" pitchFamily="18" charset="0"/>
+            </a:endParaRPr>
+          </a:p>
+        </p:txBody>
+      </p:sp>
+      <p:pic>
+        <p:nvPicPr>
+          <p:cNvPr id="5" name="Picture 4">
+            <a:extLst>
+              <a:ext uri="{FF2B5EF4-FFF2-40B4-BE49-F238E27FC236}">
+                <a16:creationId xmlns:a16="http://schemas.microsoft.com/office/drawing/2014/main" id="{89585B61-C1AE-4A5E-AF8E-14CD0785AAD5}"/>
+              </a:ext>
+            </a:extLst>
+          </p:cNvPr>
+          <p:cNvPicPr>
+            <a:picLocks noChangeAspect="1"/>
+          </p:cNvPicPr>
+          <p:nvPr/>
+        </p:nvPicPr>
+        <p:blipFill>
+          <a:blip r:embed="rId2"/>
+          <a:stretch>
+            <a:fillRect/>
+          </a:stretch>
+        </p:blipFill>
+        <p:spPr>
+          <a:xfrm>
+            <a:off x="2374690" y="2501702"/>
+            <a:ext cx="8128418" cy="3860998"/>
+          </a:xfrm>
+          <a:prstGeom prst="rect">
+            <a:avLst/>
+          </a:prstGeom>
+        </p:spPr>
+      </p:pic>
+      <p:sp>
+        <p:nvSpPr>
+          <p:cNvPr id="6" name="TextBox 5">
+            <a:extLst>
+              <a:ext uri="{FF2B5EF4-FFF2-40B4-BE49-F238E27FC236}">
+                <a16:creationId xmlns:a16="http://schemas.microsoft.com/office/drawing/2014/main" id="{0FDFA71C-76AA-4014-9A95-AFAE769475E5}"/>
+              </a:ext>
+            </a:extLst>
+          </p:cNvPr>
+          <p:cNvSpPr txBox="1"/>
+          <p:nvPr/>
+        </p:nvSpPr>
+        <p:spPr>
+          <a:xfrm>
+            <a:off x="323849" y="3121214"/>
+            <a:ext cx="2050841" cy="1200329"/>
+          </a:xfrm>
+          <a:prstGeom prst="rect">
+            <a:avLst/>
+          </a:prstGeom>
+          <a:noFill/>
+        </p:spPr>
+        <p:txBody>
+          <a:bodyPr wrap="square" rtlCol="0">
+            <a:spAutoFit/>
+          </a:bodyPr>
+          <a:lstStyle/>
+          <a:p>
+            <a:pPr algn="ctr"/>
+            <a:r>
+              <a:rPr lang="ru-RU" dirty="0">
+                <a:latin typeface="Times New Roman" panose="02020603050405020304" pitchFamily="18" charset="0"/>
+                <a:cs typeface="Times New Roman" panose="02020603050405020304" pitchFamily="18" charset="0"/>
+              </a:rPr>
+              <a:t>Весь </a:t>
+            </a:r>
+            <a:r>
+              <a:rPr lang="ru-RU" dirty="0" err="1">
+                <a:latin typeface="Times New Roman" panose="02020603050405020304" pitchFamily="18" charset="0"/>
+                <a:cs typeface="Times New Roman" panose="02020603050405020304" pitchFamily="18" charset="0"/>
+              </a:rPr>
+              <a:t>датасет</a:t>
+            </a:r>
+            <a:r>
+              <a:rPr lang="ru-RU" dirty="0">
+                <a:latin typeface="Times New Roman" panose="02020603050405020304" pitchFamily="18" charset="0"/>
+                <a:cs typeface="Times New Roman" panose="02020603050405020304" pitchFamily="18" charset="0"/>
+              </a:rPr>
+              <a:t> с участком предсказания и теста</a:t>
+            </a:r>
+            <a:endParaRPr lang="en-US" dirty="0">
+              <a:latin typeface="Times New Roman" panose="02020603050405020304" pitchFamily="18" charset="0"/>
+              <a:cs typeface="Times New Roman" panose="02020603050405020304" pitchFamily="18" charset="0"/>
+            </a:endParaRPr>
+          </a:p>
+        </p:txBody>
+      </p:sp>
+      <p:sp>
+        <p:nvSpPr>
+          <p:cNvPr id="7" name="TextBox 6">
+            <a:extLst>
+              <a:ext uri="{FF2B5EF4-FFF2-40B4-BE49-F238E27FC236}">
+                <a16:creationId xmlns:a16="http://schemas.microsoft.com/office/drawing/2014/main" id="{451EDCA7-4DF5-46AB-A060-49CC97F459D6}"/>
+              </a:ext>
+            </a:extLst>
+          </p:cNvPr>
+          <p:cNvSpPr txBox="1"/>
+          <p:nvPr/>
+        </p:nvSpPr>
+        <p:spPr>
+          <a:xfrm>
+            <a:off x="323849" y="5209838"/>
+            <a:ext cx="2050841" cy="646331"/>
+          </a:xfrm>
+          <a:prstGeom prst="rect">
+            <a:avLst/>
+          </a:prstGeom>
+          <a:noFill/>
+        </p:spPr>
+        <p:txBody>
+          <a:bodyPr wrap="square" rtlCol="0">
+            <a:spAutoFit/>
+          </a:bodyPr>
+          <a:lstStyle/>
+          <a:p>
+            <a:pPr algn="ctr"/>
+            <a:r>
+              <a:rPr lang="ru-RU" dirty="0">
+                <a:latin typeface="Times New Roman" panose="02020603050405020304" pitchFamily="18" charset="0"/>
+                <a:cs typeface="Times New Roman" panose="02020603050405020304" pitchFamily="18" charset="0"/>
+              </a:rPr>
+              <a:t>Предсказание</a:t>
+            </a:r>
+            <a:r>
+              <a:rPr lang="en-US" dirty="0">
+                <a:latin typeface="Times New Roman" panose="02020603050405020304" pitchFamily="18" charset="0"/>
+                <a:cs typeface="Times New Roman" panose="02020603050405020304" pitchFamily="18" charset="0"/>
+              </a:rPr>
+              <a:t>:</a:t>
+            </a:r>
+          </a:p>
+          <a:p>
+            <a:pPr algn="ctr"/>
+            <a:r>
+              <a:rPr lang="ru-RU" dirty="0">
+                <a:latin typeface="Times New Roman" panose="02020603050405020304" pitchFamily="18" charset="0"/>
+                <a:cs typeface="Times New Roman" panose="02020603050405020304" pitchFamily="18" charset="0"/>
+              </a:rPr>
+              <a:t>Тест и валидация</a:t>
+            </a:r>
+            <a:endParaRPr lang="en-US" dirty="0">
+              <a:latin typeface="Times New Roman" panose="02020603050405020304" pitchFamily="18" charset="0"/>
+              <a:cs typeface="Times New Roman" panose="02020603050405020304" pitchFamily="18" charset="0"/>
+            </a:endParaRPr>
+          </a:p>
+        </p:txBody>
+      </p:sp>
+      <p:sp>
+        <p:nvSpPr>
+          <p:cNvPr id="11" name="Rectangle 10">
+            <a:extLst>
+              <a:ext uri="{FF2B5EF4-FFF2-40B4-BE49-F238E27FC236}">
+                <a16:creationId xmlns:a16="http://schemas.microsoft.com/office/drawing/2014/main" id="{22C388C0-594B-4536-8392-8669A01F1456}"/>
+              </a:ext>
+            </a:extLst>
+          </p:cNvPr>
+          <p:cNvSpPr/>
+          <p:nvPr/>
+        </p:nvSpPr>
+        <p:spPr>
+          <a:xfrm>
+            <a:off x="6096000" y="6602136"/>
+            <a:ext cx="6096000" cy="255864"/>
+          </a:xfrm>
+          <a:prstGeom prst="rect">
+            <a:avLst/>
+          </a:prstGeom>
+          <a:solidFill>
+            <a:schemeClr val="accent1"/>
+          </a:solidFill>
+          <a:ln>
+            <a:solidFill>
+              <a:schemeClr val="accent1"/>
+            </a:solidFill>
+          </a:ln>
+        </p:spPr>
+        <p:style>
+          <a:lnRef idx="2">
+            <a:schemeClr val="accent2">
+              <a:shade val="50000"/>
+            </a:schemeClr>
+          </a:lnRef>
+          <a:fillRef idx="1">
+            <a:schemeClr val="accent2"/>
+          </a:fillRef>
+          <a:effectRef idx="0">
+            <a:schemeClr val="accent2"/>
+          </a:effectRef>
+          <a:fontRef idx="minor">
+            <a:schemeClr val="lt1"/>
+          </a:fontRef>
+        </p:style>
+        <p:txBody>
+          <a:bodyPr rtlCol="0" anchor="ctr"/>
+          <a:lstStyle/>
+          <a:p>
+            <a:pPr algn="r"/>
+            <a:r>
+              <a:rPr lang="ru-RU" sz="2000" dirty="0">
+                <a:latin typeface="Monotype Corsiva" panose="03010101010201010101" pitchFamily="66" charset="0"/>
+              </a:rPr>
+              <a:t>11</a:t>
+            </a:r>
+            <a:r>
+              <a:rPr lang="en-US" sz="2000" dirty="0">
+                <a:latin typeface="Monotype Corsiva" panose="03010101010201010101" pitchFamily="66" charset="0"/>
+              </a:rPr>
+              <a:t>/1</a:t>
+            </a:r>
+            <a:r>
+              <a:rPr lang="ru-RU" sz="2000" dirty="0">
+                <a:latin typeface="Monotype Corsiva" panose="03010101010201010101" pitchFamily="66" charset="0"/>
+              </a:rPr>
+              <a:t>5</a:t>
+            </a:r>
+            <a:endParaRPr lang="en-US" sz="2000" dirty="0">
+              <a:latin typeface="Monotype Corsiva" panose="03010101010201010101" pitchFamily="66" charset="0"/>
+            </a:endParaRPr>
+          </a:p>
+        </p:txBody>
+      </p:sp>
+      <p:sp>
+        <p:nvSpPr>
+          <p:cNvPr id="12" name="Rectangle 11">
+            <a:extLst>
+              <a:ext uri="{FF2B5EF4-FFF2-40B4-BE49-F238E27FC236}">
+                <a16:creationId xmlns:a16="http://schemas.microsoft.com/office/drawing/2014/main" id="{18F0FAF1-41EA-4CF7-B464-50AE9A827458}"/>
+              </a:ext>
+            </a:extLst>
+          </p:cNvPr>
+          <p:cNvSpPr/>
+          <p:nvPr/>
+        </p:nvSpPr>
+        <p:spPr>
+          <a:xfrm>
+            <a:off x="0" y="0"/>
+            <a:ext cx="12192000" cy="587229"/>
+          </a:xfrm>
+          <a:prstGeom prst="rect">
+            <a:avLst/>
+          </a:prstGeom>
+          <a:solidFill>
+            <a:schemeClr val="accent1"/>
+          </a:solidFill>
+          <a:ln>
+            <a:solidFill>
+              <a:schemeClr val="accent1"/>
+            </a:solidFill>
+          </a:ln>
+        </p:spPr>
+        <p:style>
+          <a:lnRef idx="2">
+            <a:schemeClr val="accent2">
+              <a:shade val="50000"/>
+            </a:schemeClr>
+          </a:lnRef>
+          <a:fillRef idx="1">
+            <a:schemeClr val="accent2"/>
+          </a:fillRef>
+          <a:effectRef idx="0">
+            <a:schemeClr val="accent2"/>
+          </a:effectRef>
+          <a:fontRef idx="minor">
+            <a:schemeClr val="lt1"/>
+          </a:fontRef>
+        </p:style>
+        <p:txBody>
+          <a:bodyPr rtlCol="0" anchor="ctr"/>
+          <a:lstStyle/>
+          <a:p>
+            <a:r>
+              <a:rPr lang="ru-RU" sz="3200" dirty="0">
+                <a:latin typeface="Comic Sans MS" panose="030F0702030302020204" pitchFamily="66" charset="0"/>
+              </a:rPr>
+              <a:t>Ход работы</a:t>
+            </a:r>
+            <a:endParaRPr lang="en-US" sz="3200" dirty="0">
+              <a:latin typeface="Comic Sans MS" panose="030F0702030302020204" pitchFamily="66" charset="0"/>
+            </a:endParaRPr>
+          </a:p>
+        </p:txBody>
+      </p:sp>
+      <p:sp>
+        <p:nvSpPr>
+          <p:cNvPr id="13" name="Rectangle 12">
+            <a:extLst>
+              <a:ext uri="{FF2B5EF4-FFF2-40B4-BE49-F238E27FC236}">
+                <a16:creationId xmlns:a16="http://schemas.microsoft.com/office/drawing/2014/main" id="{363025DC-ACFB-4017-ADA4-16A57522EF2C}"/>
+              </a:ext>
+            </a:extLst>
+          </p:cNvPr>
+          <p:cNvSpPr/>
+          <p:nvPr/>
+        </p:nvSpPr>
+        <p:spPr>
+          <a:xfrm>
+            <a:off x="0" y="6602136"/>
+            <a:ext cx="6096000" cy="255864"/>
+          </a:xfrm>
+          <a:prstGeom prst="rect">
+            <a:avLst/>
+          </a:prstGeom>
+          <a:solidFill>
+            <a:schemeClr val="accent1">
+              <a:lumMod val="50000"/>
+            </a:schemeClr>
+          </a:solidFill>
+          <a:ln>
+            <a:solidFill>
+              <a:schemeClr val="accent1">
+                <a:lumMod val="50000"/>
+              </a:schemeClr>
+            </a:solidFill>
+          </a:ln>
+        </p:spPr>
+        <p:style>
+          <a:lnRef idx="2">
+            <a:schemeClr val="accent2">
+              <a:shade val="50000"/>
+            </a:schemeClr>
+          </a:lnRef>
+          <a:fillRef idx="1">
+            <a:schemeClr val="accent2"/>
+          </a:fillRef>
+          <a:effectRef idx="0">
+            <a:schemeClr val="accent2"/>
+          </a:effectRef>
+          <a:fontRef idx="minor">
+            <a:schemeClr val="lt1"/>
+          </a:fontRef>
+        </p:style>
+        <p:txBody>
+          <a:bodyPr rtlCol="0" anchor="ctr"/>
+          <a:lstStyle/>
+          <a:p>
+            <a:r>
+              <a:rPr lang="en-US" sz="1700" b="0" i="0" dirty="0">
+                <a:solidFill>
+                  <a:schemeClr val="bg1"/>
+                </a:solidFill>
+                <a:effectLst/>
+                <a:latin typeface="Microsoft YaHei UI Light" panose="020B0502040204020203" pitchFamily="34" charset="-122"/>
+                <a:ea typeface="Microsoft YaHei UI Light" panose="020B0502040204020203" pitchFamily="34" charset="-122"/>
+              </a:rPr>
+              <a:t>a.khorunzhenko@g.nsu.ru</a:t>
+            </a:r>
+            <a:endParaRPr lang="en-US" sz="1700" dirty="0">
+              <a:solidFill>
+                <a:schemeClr val="bg1"/>
+              </a:solidFill>
+              <a:latin typeface="Microsoft YaHei UI Light" panose="020B0502040204020203" pitchFamily="34" charset="-122"/>
+              <a:ea typeface="Microsoft YaHei UI Light" panose="020B0502040204020203" pitchFamily="34" charset="-122"/>
+            </a:endParaRPr>
+          </a:p>
+        </p:txBody>
+      </p:sp>
+    </p:spTree>
+    <p:extLst>
+      <p:ext uri="{BB962C8B-B14F-4D97-AF65-F5344CB8AC3E}">
         <p14:creationId xmlns:p14="http://schemas.microsoft.com/office/powerpoint/2010/main" val="819073970"/>
       </p:ext>
     </p:extLst>
@@ -5077,7 +5490,7 @@
 </p:sld>
 </file>
 
-<file path=ppt/slides/slide12.xml><?xml version="1.0" encoding="utf-8"?>
+<file path=ppt/slides/slide13.xml><?xml version="1.0" encoding="utf-8"?>
 <p:sld xmlns:a="http://schemas.openxmlformats.org/drawingml/2006/main" xmlns:r="http://schemas.openxmlformats.org/officeDocument/2006/relationships" xmlns:p="http://schemas.openxmlformats.org/presentationml/2006/main" show="0">
   <p:cSld>
     <p:spTree>
@@ -5342,441 +5755,6 @@
     <p:extLst>
       <p:ext uri="{BB962C8B-B14F-4D97-AF65-F5344CB8AC3E}">
         <p14:creationId xmlns:p14="http://schemas.microsoft.com/office/powerpoint/2010/main" val="3341843341"/>
-      </p:ext>
-    </p:extLst>
-  </p:cSld>
-  <p:clrMapOvr>
-    <a:masterClrMapping/>
-  </p:clrMapOvr>
-</p:sld>
-</file>
-
-<file path=ppt/slides/slide13.xml><?xml version="1.0" encoding="utf-8"?>
-<p:sld xmlns:a="http://schemas.openxmlformats.org/drawingml/2006/main" xmlns:r="http://schemas.openxmlformats.org/officeDocument/2006/relationships" xmlns:p="http://schemas.openxmlformats.org/presentationml/2006/main">
-  <p:cSld>
-    <p:spTree>
-      <p:nvGrpSpPr>
-        <p:cNvPr id="1" name=""/>
-        <p:cNvGrpSpPr/>
-        <p:nvPr/>
-      </p:nvGrpSpPr>
-      <p:grpSpPr>
-        <a:xfrm>
-          <a:off x="0" y="0"/>
-          <a:ext cx="0" cy="0"/>
-          <a:chOff x="0" y="0"/>
-          <a:chExt cx="0" cy="0"/>
-        </a:xfrm>
-      </p:grpSpPr>
-      <p:sp>
-        <p:nvSpPr>
-          <p:cNvPr id="4" name="Rectangle 3">
-            <a:extLst>
-              <a:ext uri="{FF2B5EF4-FFF2-40B4-BE49-F238E27FC236}">
-                <a16:creationId xmlns:a16="http://schemas.microsoft.com/office/drawing/2014/main" id="{7B30BD75-13BD-4374-A99C-8E29223E51EF}"/>
-              </a:ext>
-            </a:extLst>
-          </p:cNvPr>
-          <p:cNvSpPr/>
-          <p:nvPr/>
-        </p:nvSpPr>
-        <p:spPr>
-          <a:xfrm>
-            <a:off x="6096000" y="6602136"/>
-            <a:ext cx="6096000" cy="255864"/>
-          </a:xfrm>
-          <a:prstGeom prst="rect">
-            <a:avLst/>
-          </a:prstGeom>
-          <a:solidFill>
-            <a:schemeClr val="accent1"/>
-          </a:solidFill>
-          <a:ln>
-            <a:solidFill>
-              <a:schemeClr val="accent1"/>
-            </a:solidFill>
-          </a:ln>
-        </p:spPr>
-        <p:style>
-          <a:lnRef idx="2">
-            <a:schemeClr val="accent2">
-              <a:shade val="50000"/>
-            </a:schemeClr>
-          </a:lnRef>
-          <a:fillRef idx="1">
-            <a:schemeClr val="accent2"/>
-          </a:fillRef>
-          <a:effectRef idx="0">
-            <a:schemeClr val="accent2"/>
-          </a:effectRef>
-          <a:fontRef idx="minor">
-            <a:schemeClr val="lt1"/>
-          </a:fontRef>
-        </p:style>
-        <p:txBody>
-          <a:bodyPr rtlCol="0" anchor="ctr"/>
-          <a:lstStyle/>
-          <a:p>
-            <a:pPr algn="r"/>
-            <a:r>
-              <a:rPr lang="en-US" sz="2000" dirty="0">
-                <a:latin typeface="Monotype Corsiva" panose="03010101010201010101" pitchFamily="66" charset="0"/>
-              </a:rPr>
-              <a:t>1</a:t>
-            </a:r>
-            <a:r>
-              <a:rPr lang="ru-RU" sz="2000" dirty="0">
-                <a:latin typeface="Monotype Corsiva" panose="03010101010201010101" pitchFamily="66" charset="0"/>
-              </a:rPr>
-              <a:t>0</a:t>
-            </a:r>
-            <a:r>
-              <a:rPr lang="en-US" sz="2000" dirty="0">
-                <a:latin typeface="Monotype Corsiva" panose="03010101010201010101" pitchFamily="66" charset="0"/>
-              </a:rPr>
-              <a:t>/1</a:t>
-            </a:r>
-            <a:r>
-              <a:rPr lang="ru-RU" sz="2000" dirty="0">
-                <a:latin typeface="Monotype Corsiva" panose="03010101010201010101" pitchFamily="66" charset="0"/>
-              </a:rPr>
-              <a:t>2</a:t>
-            </a:r>
-            <a:endParaRPr lang="en-US" sz="2000" dirty="0">
-              <a:latin typeface="Monotype Corsiva" panose="03010101010201010101" pitchFamily="66" charset="0"/>
-            </a:endParaRPr>
-          </a:p>
-        </p:txBody>
-      </p:sp>
-      <p:sp>
-        <p:nvSpPr>
-          <p:cNvPr id="5" name="Rectangle 4">
-            <a:extLst>
-              <a:ext uri="{FF2B5EF4-FFF2-40B4-BE49-F238E27FC236}">
-                <a16:creationId xmlns:a16="http://schemas.microsoft.com/office/drawing/2014/main" id="{DC6A361B-6EEC-464E-AE3F-5300A4951D98}"/>
-              </a:ext>
-            </a:extLst>
-          </p:cNvPr>
-          <p:cNvSpPr/>
-          <p:nvPr/>
-        </p:nvSpPr>
-        <p:spPr>
-          <a:xfrm>
-            <a:off x="0" y="0"/>
-            <a:ext cx="12192000" cy="587229"/>
-          </a:xfrm>
-          <a:prstGeom prst="rect">
-            <a:avLst/>
-          </a:prstGeom>
-          <a:solidFill>
-            <a:schemeClr val="accent1"/>
-          </a:solidFill>
-          <a:ln>
-            <a:solidFill>
-              <a:schemeClr val="accent1"/>
-            </a:solidFill>
-          </a:ln>
-        </p:spPr>
-        <p:style>
-          <a:lnRef idx="2">
-            <a:schemeClr val="accent2">
-              <a:shade val="50000"/>
-            </a:schemeClr>
-          </a:lnRef>
-          <a:fillRef idx="1">
-            <a:schemeClr val="accent2"/>
-          </a:fillRef>
-          <a:effectRef idx="0">
-            <a:schemeClr val="accent2"/>
-          </a:effectRef>
-          <a:fontRef idx="minor">
-            <a:schemeClr val="lt1"/>
-          </a:fontRef>
-        </p:style>
-        <p:txBody>
-          <a:bodyPr rtlCol="0" anchor="ctr"/>
-          <a:lstStyle/>
-          <a:p>
-            <a:r>
-              <a:rPr lang="ru-RU" sz="3200" dirty="0">
-                <a:latin typeface="Comic Sans MS" panose="030F0702030302020204" pitchFamily="66" charset="0"/>
-              </a:rPr>
-              <a:t>Результаты</a:t>
-            </a:r>
-            <a:endParaRPr lang="en-US" sz="3200" dirty="0">
-              <a:latin typeface="Comic Sans MS" panose="030F0702030302020204" pitchFamily="66" charset="0"/>
-            </a:endParaRPr>
-          </a:p>
-        </p:txBody>
-      </p:sp>
-      <p:sp>
-        <p:nvSpPr>
-          <p:cNvPr id="6" name="Rectangle 5">
-            <a:extLst>
-              <a:ext uri="{FF2B5EF4-FFF2-40B4-BE49-F238E27FC236}">
-                <a16:creationId xmlns:a16="http://schemas.microsoft.com/office/drawing/2014/main" id="{55458562-5E36-4071-8C78-B20A55F3B0C7}"/>
-              </a:ext>
-            </a:extLst>
-          </p:cNvPr>
-          <p:cNvSpPr/>
-          <p:nvPr/>
-        </p:nvSpPr>
-        <p:spPr>
-          <a:xfrm>
-            <a:off x="0" y="6602136"/>
-            <a:ext cx="6096000" cy="255864"/>
-          </a:xfrm>
-          <a:prstGeom prst="rect">
-            <a:avLst/>
-          </a:prstGeom>
-          <a:solidFill>
-            <a:schemeClr val="accent1">
-              <a:lumMod val="50000"/>
-            </a:schemeClr>
-          </a:solidFill>
-          <a:ln>
-            <a:solidFill>
-              <a:schemeClr val="accent1">
-                <a:lumMod val="50000"/>
-              </a:schemeClr>
-            </a:solidFill>
-          </a:ln>
-        </p:spPr>
-        <p:style>
-          <a:lnRef idx="2">
-            <a:schemeClr val="accent2">
-              <a:shade val="50000"/>
-            </a:schemeClr>
-          </a:lnRef>
-          <a:fillRef idx="1">
-            <a:schemeClr val="accent2"/>
-          </a:fillRef>
-          <a:effectRef idx="0">
-            <a:schemeClr val="accent2"/>
-          </a:effectRef>
-          <a:fontRef idx="minor">
-            <a:schemeClr val="lt1"/>
-          </a:fontRef>
-        </p:style>
-        <p:txBody>
-          <a:bodyPr rtlCol="0" anchor="ctr"/>
-          <a:lstStyle/>
-          <a:p>
-            <a:r>
-              <a:rPr lang="en-US" sz="1700" b="0" i="0" dirty="0">
-                <a:solidFill>
-                  <a:schemeClr val="bg1"/>
-                </a:solidFill>
-                <a:effectLst/>
-                <a:latin typeface="Microsoft YaHei UI Light" panose="020B0502040204020203" pitchFamily="34" charset="-122"/>
-                <a:ea typeface="Microsoft YaHei UI Light" panose="020B0502040204020203" pitchFamily="34" charset="-122"/>
-              </a:rPr>
-              <a:t>a.khorunzhenko@g.nsu.ru</a:t>
-            </a:r>
-            <a:endParaRPr lang="en-US" sz="1700" dirty="0">
-              <a:solidFill>
-                <a:schemeClr val="bg1"/>
-              </a:solidFill>
-              <a:latin typeface="Microsoft YaHei UI Light" panose="020B0502040204020203" pitchFamily="34" charset="-122"/>
-              <a:ea typeface="Microsoft YaHei UI Light" panose="020B0502040204020203" pitchFamily="34" charset="-122"/>
-            </a:endParaRPr>
-          </a:p>
-        </p:txBody>
-      </p:sp>
-      <p:sp>
-        <p:nvSpPr>
-          <p:cNvPr id="7" name="TextBox 6">
-            <a:extLst>
-              <a:ext uri="{FF2B5EF4-FFF2-40B4-BE49-F238E27FC236}">
-                <a16:creationId xmlns:a16="http://schemas.microsoft.com/office/drawing/2014/main" id="{3A4A4751-3143-4940-8EFB-19A05755DF66}"/>
-              </a:ext>
-            </a:extLst>
-          </p:cNvPr>
-          <p:cNvSpPr txBox="1"/>
-          <p:nvPr/>
-        </p:nvSpPr>
-        <p:spPr>
-          <a:xfrm>
-            <a:off x="713597" y="1466850"/>
-            <a:ext cx="10821911" cy="3046988"/>
-          </a:xfrm>
-          <a:prstGeom prst="rect">
-            <a:avLst/>
-          </a:prstGeom>
-          <a:noFill/>
-        </p:spPr>
-        <p:txBody>
-          <a:bodyPr wrap="square" rtlCol="0">
-            <a:spAutoFit/>
-          </a:bodyPr>
-          <a:lstStyle/>
-          <a:p>
-            <a:pPr marL="342900" indent="-342900">
-              <a:buFont typeface="+mj-lt"/>
-              <a:buAutoNum type="arabicPeriod"/>
-            </a:pPr>
-            <a:r>
-              <a:rPr lang="ru-RU" sz="2400" dirty="0">
-                <a:latin typeface="Times New Roman" panose="02020603050405020304" pitchFamily="18" charset="0"/>
-                <a:cs typeface="Times New Roman" panose="02020603050405020304" pitchFamily="18" charset="0"/>
-              </a:rPr>
-              <a:t>Реализованы и обучены модели нейронных сетей с архитектурами </a:t>
-            </a:r>
-            <a:r>
-              <a:rPr lang="en-US" sz="2400" dirty="0">
-                <a:latin typeface="Times New Roman" panose="02020603050405020304" pitchFamily="18" charset="0"/>
-                <a:cs typeface="Times New Roman" panose="02020603050405020304" pitchFamily="18" charset="0"/>
-              </a:rPr>
-              <a:t>RNN, LTSM, GRU</a:t>
-            </a:r>
-          </a:p>
-          <a:p>
-            <a:pPr marL="342900" indent="-342900">
-              <a:buFont typeface="+mj-lt"/>
-              <a:buAutoNum type="arabicPeriod"/>
-            </a:pPr>
-            <a:r>
-              <a:rPr lang="ru-RU" sz="2400" dirty="0">
-                <a:latin typeface="Times New Roman" panose="02020603050405020304" pitchFamily="18" charset="0"/>
-                <a:cs typeface="Times New Roman" panose="02020603050405020304" pitchFamily="18" charset="0"/>
-              </a:rPr>
-              <a:t>Реализована модель нейронных сетей </a:t>
-            </a:r>
-            <a:r>
-              <a:rPr lang="en-US" sz="2400" dirty="0">
-                <a:latin typeface="Times New Roman" panose="02020603050405020304" pitchFamily="18" charset="0"/>
-                <a:cs typeface="Times New Roman" panose="02020603050405020304" pitchFamily="18" charset="0"/>
-              </a:rPr>
-              <a:t>CNN</a:t>
-            </a:r>
-            <a:r>
-              <a:rPr lang="ru-RU" sz="2400" dirty="0">
-                <a:latin typeface="Times New Roman" panose="02020603050405020304" pitchFamily="18" charset="0"/>
-                <a:cs typeface="Times New Roman" panose="02020603050405020304" pitchFamily="18" charset="0"/>
-              </a:rPr>
-              <a:t>, но пока с данной моделью  получены не достаточно удовлетворительные результаты</a:t>
-            </a:r>
-            <a:endParaRPr lang="en-US" sz="2400" dirty="0">
-              <a:latin typeface="Times New Roman" panose="02020603050405020304" pitchFamily="18" charset="0"/>
-              <a:cs typeface="Times New Roman" panose="02020603050405020304" pitchFamily="18" charset="0"/>
-            </a:endParaRPr>
-          </a:p>
-          <a:p>
-            <a:pPr marL="342900" indent="-342900">
-              <a:buFont typeface="+mj-lt"/>
-              <a:buAutoNum type="arabicPeriod"/>
-            </a:pPr>
-            <a:r>
-              <a:rPr lang="ru-RU" sz="2400" dirty="0">
-                <a:latin typeface="Times New Roman" panose="02020603050405020304" pitchFamily="18" charset="0"/>
-                <a:cs typeface="Times New Roman" panose="02020603050405020304" pitchFamily="18" charset="0"/>
-              </a:rPr>
-              <a:t>Реализованы традиционные методы прогнозирования такие как </a:t>
-            </a:r>
-            <a:r>
-              <a:rPr lang="en-US" sz="2400" dirty="0">
-                <a:latin typeface="Times New Roman" panose="02020603050405020304" pitchFamily="18" charset="0"/>
-                <a:cs typeface="Times New Roman" panose="02020603050405020304" pitchFamily="18" charset="0"/>
-              </a:rPr>
-              <a:t>AR, ARIMA, ARCH </a:t>
-            </a:r>
-            <a:r>
-              <a:rPr lang="ru-RU" sz="2400" dirty="0">
-                <a:latin typeface="Times New Roman" panose="02020603050405020304" pitchFamily="18" charset="0"/>
-                <a:cs typeface="Times New Roman" panose="02020603050405020304" pitchFamily="18" charset="0"/>
-              </a:rPr>
-              <a:t>и </a:t>
-            </a:r>
-            <a:r>
-              <a:rPr lang="en-US" sz="2400" dirty="0">
-                <a:latin typeface="Times New Roman" panose="02020603050405020304" pitchFamily="18" charset="0"/>
-                <a:cs typeface="Times New Roman" panose="02020603050405020304" pitchFamily="18" charset="0"/>
-              </a:rPr>
-              <a:t>GARCH</a:t>
-            </a:r>
-            <a:endParaRPr lang="ru-RU" sz="2400" dirty="0">
-              <a:latin typeface="Times New Roman" panose="02020603050405020304" pitchFamily="18" charset="0"/>
-              <a:cs typeface="Times New Roman" panose="02020603050405020304" pitchFamily="18" charset="0"/>
-            </a:endParaRPr>
-          </a:p>
-          <a:p>
-            <a:pPr marL="342900" indent="-342900">
-              <a:buFont typeface="+mj-lt"/>
-              <a:buAutoNum type="arabicPeriod"/>
-            </a:pPr>
-            <a:r>
-              <a:rPr lang="ru-RU" sz="2400" dirty="0">
-                <a:latin typeface="Times New Roman" panose="02020603050405020304" pitchFamily="18" charset="0"/>
-                <a:cs typeface="Times New Roman" panose="02020603050405020304" pitchFamily="18" charset="0"/>
-              </a:rPr>
-              <a:t>Частично реализованы модели </a:t>
-            </a:r>
-            <a:r>
-              <a:rPr lang="en-US" sz="2400" dirty="0" err="1">
-                <a:latin typeface="Times New Roman" panose="02020603050405020304" pitchFamily="18" charset="0"/>
-                <a:cs typeface="Times New Roman" panose="02020603050405020304" pitchFamily="18" charset="0"/>
-              </a:rPr>
-              <a:t>xgboost</a:t>
-            </a:r>
-            <a:r>
-              <a:rPr lang="en-US" sz="2400" dirty="0">
-                <a:latin typeface="Times New Roman" panose="02020603050405020304" pitchFamily="18" charset="0"/>
-                <a:cs typeface="Times New Roman" panose="02020603050405020304" pitchFamily="18" charset="0"/>
-              </a:rPr>
-              <a:t>, </a:t>
-            </a:r>
-            <a:r>
-              <a:rPr lang="en-US" sz="2400" dirty="0" err="1">
-                <a:latin typeface="Times New Roman" panose="02020603050405020304" pitchFamily="18" charset="0"/>
-                <a:cs typeface="Times New Roman" panose="02020603050405020304" pitchFamily="18" charset="0"/>
-              </a:rPr>
-              <a:t>lgbmboost</a:t>
-            </a:r>
-            <a:r>
-              <a:rPr lang="en-US" sz="2400" dirty="0">
-                <a:latin typeface="Times New Roman" panose="02020603050405020304" pitchFamily="18" charset="0"/>
-                <a:cs typeface="Times New Roman" panose="02020603050405020304" pitchFamily="18" charset="0"/>
-              </a:rPr>
-              <a:t> </a:t>
-            </a:r>
-            <a:r>
-              <a:rPr lang="ru-RU" sz="2400" dirty="0">
-                <a:latin typeface="Times New Roman" panose="02020603050405020304" pitchFamily="18" charset="0"/>
-                <a:cs typeface="Times New Roman" panose="02020603050405020304" pitchFamily="18" charset="0"/>
-              </a:rPr>
-              <a:t>и </a:t>
-            </a:r>
-            <a:r>
-              <a:rPr lang="en-US" sz="2400" dirty="0" err="1">
-                <a:latin typeface="Times New Roman" panose="02020603050405020304" pitchFamily="18" charset="0"/>
-                <a:cs typeface="Times New Roman" panose="02020603050405020304" pitchFamily="18" charset="0"/>
-              </a:rPr>
-              <a:t>catboost</a:t>
-            </a:r>
-            <a:endParaRPr lang="en-US" sz="2400" dirty="0">
-              <a:latin typeface="Times New Roman" panose="02020603050405020304" pitchFamily="18" charset="0"/>
-              <a:cs typeface="Times New Roman" panose="02020603050405020304" pitchFamily="18" charset="0"/>
-            </a:endParaRPr>
-          </a:p>
-          <a:p>
-            <a:pPr marL="342900" indent="-342900">
-              <a:buFont typeface="+mj-lt"/>
-              <a:buAutoNum type="arabicPeriod"/>
-            </a:pPr>
-            <a:r>
-              <a:rPr lang="ru-RU" sz="2400" dirty="0">
-                <a:latin typeface="Times New Roman" panose="02020603050405020304" pitchFamily="18" charset="0"/>
-                <a:cs typeface="Times New Roman" panose="02020603050405020304" pitchFamily="18" charset="0"/>
-              </a:rPr>
-              <a:t>Начато написание текста ВКР</a:t>
-            </a:r>
-          </a:p>
-        </p:txBody>
-      </p:sp>
-    </p:spTree>
-    <p:extLst>
-      <p:ext uri="{BB962C8B-B14F-4D97-AF65-F5344CB8AC3E}">
-        <p14:creationId xmlns:p14="http://schemas.microsoft.com/office/powerpoint/2010/main" val="3148497219"/>
       </p:ext>
     </p:extLst>
   </p:cSld>
@@ -5805,190 +5783,10 @@
       </p:grpSpPr>
       <p:sp>
         <p:nvSpPr>
-          <p:cNvPr id="3" name="Content Placeholder 2">
-            <a:extLst>
-              <a:ext uri="{FF2B5EF4-FFF2-40B4-BE49-F238E27FC236}">
-                <a16:creationId xmlns:a16="http://schemas.microsoft.com/office/drawing/2014/main" id="{1A8FB576-BA96-4C77-B144-DB9168337CAF}"/>
-              </a:ext>
-            </a:extLst>
-          </p:cNvPr>
-          <p:cNvSpPr>
-            <a:spLocks noGrp="1"/>
-          </p:cNvSpPr>
-          <p:nvPr>
-            <p:ph idx="1"/>
-          </p:nvPr>
-        </p:nvSpPr>
-        <p:spPr>
-          <a:xfrm>
-            <a:off x="558311" y="1107830"/>
-            <a:ext cx="11075377" cy="4967654"/>
-          </a:xfrm>
-        </p:spPr>
-        <p:txBody>
-          <a:bodyPr>
-            <a:noAutofit/>
-          </a:bodyPr>
-          <a:lstStyle/>
-          <a:p>
-            <a:pPr marL="514350" indent="-514350" algn="just">
-              <a:spcAft>
-                <a:spcPts val="500"/>
-              </a:spcAft>
-              <a:buFont typeface="+mj-lt"/>
-              <a:buAutoNum type="arabicPeriod"/>
-            </a:pPr>
-            <a:r>
-              <a:rPr lang="ru-RU" sz="2400" dirty="0">
-                <a:latin typeface="Times New Roman" panose="02020603050405020304" pitchFamily="18" charset="0"/>
-                <a:cs typeface="Times New Roman" panose="02020603050405020304" pitchFamily="18" charset="0"/>
-              </a:rPr>
-              <a:t>Увеличить количество наборов данных</a:t>
-            </a:r>
-          </a:p>
-          <a:p>
-            <a:pPr marL="514350" indent="-514350" algn="just">
-              <a:spcAft>
-                <a:spcPts val="500"/>
-              </a:spcAft>
-              <a:buFont typeface="+mj-lt"/>
-              <a:buAutoNum type="arabicPeriod"/>
-            </a:pPr>
-            <a:r>
-              <a:rPr lang="ru-RU" sz="2400" dirty="0">
-                <a:latin typeface="Times New Roman" panose="02020603050405020304" pitchFamily="18" charset="0"/>
-                <a:cs typeface="Times New Roman" panose="02020603050405020304" pitchFamily="18" charset="0"/>
-              </a:rPr>
-              <a:t>Доделать модели на основе градиентного </a:t>
-            </a:r>
-            <a:r>
-              <a:rPr lang="ru-RU" sz="2400" dirty="0" err="1">
-                <a:latin typeface="Times New Roman" panose="02020603050405020304" pitchFamily="18" charset="0"/>
-                <a:cs typeface="Times New Roman" panose="02020603050405020304" pitchFamily="18" charset="0"/>
-              </a:rPr>
-              <a:t>бустинга</a:t>
-            </a:r>
-            <a:endParaRPr lang="ru-RU" sz="2400" dirty="0">
-              <a:latin typeface="Times New Roman" panose="02020603050405020304" pitchFamily="18" charset="0"/>
-              <a:cs typeface="Times New Roman" panose="02020603050405020304" pitchFamily="18" charset="0"/>
-            </a:endParaRPr>
-          </a:p>
-          <a:p>
-            <a:pPr marL="514350" indent="-514350" algn="just">
-              <a:spcAft>
-                <a:spcPts val="500"/>
-              </a:spcAft>
-              <a:buFont typeface="+mj-lt"/>
-              <a:buAutoNum type="arabicPeriod"/>
-            </a:pPr>
-            <a:r>
-              <a:rPr lang="ru-RU" sz="2400" dirty="0">
-                <a:solidFill>
-                  <a:srgbClr val="000000"/>
-                </a:solidFill>
-                <a:effectLst/>
-                <a:latin typeface="Times New Roman" panose="02020603050405020304" pitchFamily="18" charset="0"/>
-                <a:ea typeface="Calibri" panose="020F0502020204030204" pitchFamily="34" charset="0"/>
-                <a:cs typeface="Times New Roman" panose="02020603050405020304" pitchFamily="18" charset="0"/>
-              </a:rPr>
-              <a:t>Сравнить эффективность разработанных моделей и традиционных методов прогнозирования на основе различных критериев качества прогнозирования</a:t>
-            </a:r>
-          </a:p>
-          <a:p>
-            <a:pPr marL="514350" indent="-514350" algn="just">
-              <a:spcAft>
-                <a:spcPts val="500"/>
-              </a:spcAft>
-              <a:buFont typeface="+mj-lt"/>
-              <a:buAutoNum type="arabicPeriod"/>
-            </a:pPr>
-            <a:r>
-              <a:rPr lang="ru-RU" sz="2400" dirty="0">
-                <a:solidFill>
-                  <a:srgbClr val="000000"/>
-                </a:solidFill>
-                <a:effectLst/>
-                <a:latin typeface="Times New Roman" panose="02020603050405020304" pitchFamily="18" charset="0"/>
-                <a:ea typeface="Times New Roman" panose="02020603050405020304" pitchFamily="18" charset="0"/>
-                <a:cs typeface="Times New Roman" panose="02020603050405020304" pitchFamily="18" charset="0"/>
-              </a:rPr>
-              <a:t>Проанализировать применимость различных архитектур и методов обучения нейронных сетей для прогнозирования различных видов временных рядов и оценить их преимущества и недостатки</a:t>
-            </a:r>
-          </a:p>
-          <a:p>
-            <a:pPr marL="514350" indent="-514350" algn="just">
-              <a:spcAft>
-                <a:spcPts val="500"/>
-              </a:spcAft>
-              <a:buFont typeface="+mj-lt"/>
-              <a:buAutoNum type="arabicPeriod"/>
-            </a:pPr>
-            <a:r>
-              <a:rPr lang="ru-RU" sz="2400" dirty="0">
-                <a:solidFill>
-                  <a:srgbClr val="000000"/>
-                </a:solidFill>
-                <a:effectLst/>
-                <a:latin typeface="Times New Roman" panose="02020603050405020304" pitchFamily="18" charset="0"/>
-                <a:ea typeface="Times New Roman" panose="02020603050405020304" pitchFamily="18" charset="0"/>
-                <a:cs typeface="Times New Roman" panose="02020603050405020304" pitchFamily="18" charset="0"/>
-              </a:rPr>
-              <a:t>Сделать выводы о применимости нейронных сетей для прогнозирования временных рядов и их эффективности по сравнению с традиционными методами, а также о возможных направлениях дальнейших исследований в области прогнозирования временных рядов с использованием нейронных сетей. </a:t>
-            </a:r>
-            <a:endParaRPr lang="en-US" sz="2400" dirty="0">
-              <a:solidFill>
-                <a:srgbClr val="000000"/>
-              </a:solidFill>
-              <a:effectLst/>
-              <a:latin typeface="Times New Roman" panose="02020603050405020304" pitchFamily="18" charset="0"/>
-              <a:ea typeface="Calibri" panose="020F0502020204030204" pitchFamily="34" charset="0"/>
-              <a:cs typeface="Times New Roman" panose="02020603050405020304" pitchFamily="18" charset="0"/>
-            </a:endParaRPr>
-          </a:p>
-        </p:txBody>
-      </p:sp>
-      <p:sp>
-        <p:nvSpPr>
-          <p:cNvPr id="5" name="TextBox 4">
-            <a:extLst>
-              <a:ext uri="{FF2B5EF4-FFF2-40B4-BE49-F238E27FC236}">
-                <a16:creationId xmlns:a16="http://schemas.microsoft.com/office/drawing/2014/main" id="{7588356E-7D86-4623-8B4C-9B42642A5A9F}"/>
-              </a:ext>
-            </a:extLst>
-          </p:cNvPr>
-          <p:cNvSpPr txBox="1"/>
-          <p:nvPr/>
-        </p:nvSpPr>
-        <p:spPr>
-          <a:xfrm>
-            <a:off x="11763375" y="6488668"/>
-            <a:ext cx="428625" cy="369332"/>
-          </a:xfrm>
-          <a:prstGeom prst="rect">
-            <a:avLst/>
-          </a:prstGeom>
-          <a:noFill/>
-        </p:spPr>
-        <p:txBody>
-          <a:bodyPr wrap="square" rtlCol="0">
-            <a:spAutoFit/>
-          </a:bodyPr>
-          <a:lstStyle/>
-          <a:p>
-            <a:r>
-              <a:rPr lang="ru-RU" dirty="0"/>
-              <a:t>11</a:t>
-            </a:r>
-            <a:endParaRPr lang="en-US" dirty="0"/>
-          </a:p>
-        </p:txBody>
-      </p:sp>
-      <p:sp>
-        <p:nvSpPr>
-          <p:cNvPr id="6" name="Rectangle 5">
-            <a:extLst>
-              <a:ext uri="{FF2B5EF4-FFF2-40B4-BE49-F238E27FC236}">
-                <a16:creationId xmlns:a16="http://schemas.microsoft.com/office/drawing/2014/main" id="{736C59D5-85DD-46C8-A8F9-F215CE9DDFBF}"/>
+          <p:cNvPr id="4" name="Rectangle 3">
+            <a:extLst>
+              <a:ext uri="{FF2B5EF4-FFF2-40B4-BE49-F238E27FC236}">
+                <a16:creationId xmlns:a16="http://schemas.microsoft.com/office/drawing/2014/main" id="{7B30BD75-13BD-4374-A99C-8E29223E51EF}"/>
               </a:ext>
             </a:extLst>
           </p:cNvPr>
@@ -6037,13 +5835,25 @@
               <a:rPr lang="en-US" sz="2000" dirty="0">
                 <a:latin typeface="Monotype Corsiva" panose="03010101010201010101" pitchFamily="66" charset="0"/>
               </a:rPr>
-              <a:t>12/1</a:t>
+              <a:t>1</a:t>
             </a:r>
             <a:r>
               <a:rPr lang="ru-RU" sz="2000" dirty="0">
                 <a:latin typeface="Monotype Corsiva" panose="03010101010201010101" pitchFamily="66" charset="0"/>
               </a:rPr>
               <a:t>2</a:t>
+            </a:r>
+            <a:r>
+              <a:rPr lang="en-US" sz="2000" dirty="0">
+                <a:latin typeface="Monotype Corsiva" panose="03010101010201010101" pitchFamily="66" charset="0"/>
+              </a:rPr>
+              <a:t>/1</a:t>
+            </a:r>
+            <a:r>
+              <a:rPr lang="ru-RU" sz="2000" dirty="0">
+                <a:latin typeface="Monotype Corsiva" panose="03010101010201010101" pitchFamily="66" charset="0"/>
+              </a:rPr>
+              <a:t>5</a:t>
             </a:r>
             <a:endParaRPr lang="en-US" sz="2000" dirty="0">
               <a:latin typeface="Monotype Corsiva" panose="03010101010201010101" pitchFamily="66" charset="0"/>
@@ -6053,10 +5863,10 @@
       </p:sp>
       <p:sp>
         <p:nvSpPr>
-          <p:cNvPr id="7" name="Rectangle 6">
-            <a:extLst>
-              <a:ext uri="{FF2B5EF4-FFF2-40B4-BE49-F238E27FC236}">
-                <a16:creationId xmlns:a16="http://schemas.microsoft.com/office/drawing/2014/main" id="{CF5484E4-AF19-4B0B-B8A9-21FD195DCCE4}"/>
+          <p:cNvPr id="5" name="Rectangle 4">
+            <a:extLst>
+              <a:ext uri="{FF2B5EF4-FFF2-40B4-BE49-F238E27FC236}">
+                <a16:creationId xmlns:a16="http://schemas.microsoft.com/office/drawing/2014/main" id="{DC6A361B-6EEC-464E-AE3F-5300A4951D98}"/>
               </a:ext>
             </a:extLst>
           </p:cNvPr>
@@ -6104,7 +5914,7 @@
               <a:rPr lang="ru-RU" sz="3200" dirty="0">
                 <a:latin typeface="Comic Sans MS" panose="030F0702030302020204" pitchFamily="66" charset="0"/>
               </a:rPr>
-              <a:t>Дальнейшие задачи</a:t>
+              <a:t>Результаты</a:t>
             </a:r>
             <a:endParaRPr lang="en-US" sz="3200" dirty="0">
               <a:latin typeface="Comic Sans MS" panose="030F0702030302020204" pitchFamily="66" charset="0"/>
@@ -6114,10 +5924,10 @@
       </p:sp>
       <p:sp>
         <p:nvSpPr>
-          <p:cNvPr id="8" name="Rectangle 7">
-            <a:extLst>
-              <a:ext uri="{FF2B5EF4-FFF2-40B4-BE49-F238E27FC236}">
-                <a16:creationId xmlns:a16="http://schemas.microsoft.com/office/drawing/2014/main" id="{827D4A78-0A6F-407F-911E-4C755F4A88F4}"/>
+          <p:cNvPr id="6" name="Rectangle 5">
+            <a:extLst>
+              <a:ext uri="{FF2B5EF4-FFF2-40B4-BE49-F238E27FC236}">
+                <a16:creationId xmlns:a16="http://schemas.microsoft.com/office/drawing/2014/main" id="{55458562-5E36-4071-8C78-B20A55F3B0C7}"/>
               </a:ext>
             </a:extLst>
           </p:cNvPr>
@@ -6186,10 +5996,226 @@
           </a:p>
         </p:txBody>
       </p:sp>
+      <p:sp>
+        <p:nvSpPr>
+          <p:cNvPr id="7" name="TextBox 6">
+            <a:extLst>
+              <a:ext uri="{FF2B5EF4-FFF2-40B4-BE49-F238E27FC236}">
+                <a16:creationId xmlns:a16="http://schemas.microsoft.com/office/drawing/2014/main" id="{3A4A4751-3143-4940-8EFB-19A05755DF66}"/>
+              </a:ext>
+            </a:extLst>
+          </p:cNvPr>
+          <p:cNvSpPr txBox="1"/>
+          <p:nvPr/>
+        </p:nvSpPr>
+        <p:spPr>
+          <a:xfrm>
+            <a:off x="713597" y="1466850"/>
+            <a:ext cx="10821911" cy="3785652"/>
+          </a:xfrm>
+          <a:prstGeom prst="rect">
+            <a:avLst/>
+          </a:prstGeom>
+          <a:noFill/>
+        </p:spPr>
+        <p:txBody>
+          <a:bodyPr wrap="square" rtlCol="0">
+            <a:spAutoFit/>
+          </a:bodyPr>
+          <a:lstStyle/>
+          <a:p>
+            <a:pPr marL="342900" indent="-342900">
+              <a:buFont typeface="+mj-lt"/>
+              <a:buAutoNum type="arabicPeriod"/>
+            </a:pPr>
+            <a:r>
+              <a:rPr lang="ru-RU" sz="2400" dirty="0">
+                <a:latin typeface="Times New Roman" panose="02020603050405020304" pitchFamily="18" charset="0"/>
+                <a:cs typeface="Times New Roman" panose="02020603050405020304" pitchFamily="18" charset="0"/>
+              </a:rPr>
+              <a:t>Реализованы и обучены модели нейронных сетей с архитектурами </a:t>
+            </a:r>
+            <a:r>
+              <a:rPr lang="en-US" sz="2400" dirty="0">
+                <a:latin typeface="Times New Roman" panose="02020603050405020304" pitchFamily="18" charset="0"/>
+                <a:cs typeface="Times New Roman" panose="02020603050405020304" pitchFamily="18" charset="0"/>
+              </a:rPr>
+              <a:t>RNN, LTSM, GRU</a:t>
+            </a:r>
+          </a:p>
+          <a:p>
+            <a:pPr marL="342900" indent="-342900">
+              <a:buFont typeface="+mj-lt"/>
+              <a:buAutoNum type="arabicPeriod"/>
+            </a:pPr>
+            <a:r>
+              <a:rPr lang="ru-RU" sz="2400" dirty="0">
+                <a:latin typeface="Times New Roman" panose="02020603050405020304" pitchFamily="18" charset="0"/>
+                <a:cs typeface="Times New Roman" panose="02020603050405020304" pitchFamily="18" charset="0"/>
+              </a:rPr>
+              <a:t>Реализована модель нейронных сетей </a:t>
+            </a:r>
+            <a:r>
+              <a:rPr lang="en-US" sz="2400" dirty="0">
+                <a:latin typeface="Times New Roman" panose="02020603050405020304" pitchFamily="18" charset="0"/>
+                <a:cs typeface="Times New Roman" panose="02020603050405020304" pitchFamily="18" charset="0"/>
+              </a:rPr>
+              <a:t>CNN</a:t>
+            </a:r>
+            <a:r>
+              <a:rPr lang="ru-RU" sz="2400" dirty="0">
+                <a:latin typeface="Times New Roman" panose="02020603050405020304" pitchFamily="18" charset="0"/>
+                <a:cs typeface="Times New Roman" panose="02020603050405020304" pitchFamily="18" charset="0"/>
+              </a:rPr>
+              <a:t>, но пока с данной моделью  получены не достаточно удовлетворительные результаты</a:t>
+            </a:r>
+            <a:endParaRPr lang="en-US" sz="2400" dirty="0">
+              <a:latin typeface="Times New Roman" panose="02020603050405020304" pitchFamily="18" charset="0"/>
+              <a:cs typeface="Times New Roman" panose="02020603050405020304" pitchFamily="18" charset="0"/>
+            </a:endParaRPr>
+          </a:p>
+          <a:p>
+            <a:pPr marL="342900" indent="-342900">
+              <a:buFont typeface="+mj-lt"/>
+              <a:buAutoNum type="arabicPeriod"/>
+            </a:pPr>
+            <a:r>
+              <a:rPr lang="ru-RU" sz="2400" dirty="0">
+                <a:latin typeface="Times New Roman" panose="02020603050405020304" pitchFamily="18" charset="0"/>
+                <a:cs typeface="Times New Roman" panose="02020603050405020304" pitchFamily="18" charset="0"/>
+              </a:rPr>
+              <a:t>Реализованы традиционные методы прогнозирования такие как </a:t>
+            </a:r>
+            <a:r>
+              <a:rPr lang="en-US" sz="2400" dirty="0">
+                <a:latin typeface="Times New Roman" panose="02020603050405020304" pitchFamily="18" charset="0"/>
+                <a:cs typeface="Times New Roman" panose="02020603050405020304" pitchFamily="18" charset="0"/>
+              </a:rPr>
+              <a:t>AR,</a:t>
+            </a:r>
+            <a:r>
+              <a:rPr lang="ru-RU" sz="2400" dirty="0">
+                <a:latin typeface="Times New Roman" panose="02020603050405020304" pitchFamily="18" charset="0"/>
+                <a:cs typeface="Times New Roman" panose="02020603050405020304" pitchFamily="18" charset="0"/>
+              </a:rPr>
+              <a:t> </a:t>
+            </a:r>
+            <a:r>
+              <a:rPr lang="en-US" sz="2400" dirty="0">
+                <a:latin typeface="Times New Roman" panose="02020603050405020304" pitchFamily="18" charset="0"/>
+                <a:cs typeface="Times New Roman" panose="02020603050405020304" pitchFamily="18" charset="0"/>
+              </a:rPr>
+              <a:t>MA, ARMA, ARIMA, SARIMA, SARIMAX, ARCH </a:t>
+            </a:r>
+            <a:r>
+              <a:rPr lang="ru-RU" sz="2400" dirty="0">
+                <a:latin typeface="Times New Roman" panose="02020603050405020304" pitchFamily="18" charset="0"/>
+                <a:cs typeface="Times New Roman" panose="02020603050405020304" pitchFamily="18" charset="0"/>
+              </a:rPr>
+              <a:t>и </a:t>
+            </a:r>
+            <a:r>
+              <a:rPr lang="en-US" sz="2400" dirty="0">
+                <a:latin typeface="Times New Roman" panose="02020603050405020304" pitchFamily="18" charset="0"/>
+                <a:cs typeface="Times New Roman" panose="02020603050405020304" pitchFamily="18" charset="0"/>
+              </a:rPr>
+              <a:t>GARCH</a:t>
+            </a:r>
+            <a:endParaRPr lang="ru-RU" sz="2400" dirty="0">
+              <a:latin typeface="Times New Roman" panose="02020603050405020304" pitchFamily="18" charset="0"/>
+              <a:cs typeface="Times New Roman" panose="02020603050405020304" pitchFamily="18" charset="0"/>
+            </a:endParaRPr>
+          </a:p>
+          <a:p>
+            <a:pPr marL="342900" indent="-342900">
+              <a:buFont typeface="+mj-lt"/>
+              <a:buAutoNum type="arabicPeriod"/>
+            </a:pPr>
+            <a:r>
+              <a:rPr lang="ru-RU" sz="2400" dirty="0">
+                <a:latin typeface="Times New Roman" panose="02020603050405020304" pitchFamily="18" charset="0"/>
+                <a:cs typeface="Times New Roman" panose="02020603050405020304" pitchFamily="18" charset="0"/>
+              </a:rPr>
+              <a:t>Увеличено количество наборов данных</a:t>
+            </a:r>
+          </a:p>
+          <a:p>
+            <a:pPr marL="342900" indent="-342900">
+              <a:buFont typeface="+mj-lt"/>
+              <a:buAutoNum type="arabicPeriod"/>
+            </a:pPr>
+            <a:r>
+              <a:rPr lang="ru-RU" sz="2400" dirty="0">
+                <a:latin typeface="Times New Roman" panose="02020603050405020304" pitchFamily="18" charset="0"/>
+                <a:cs typeface="Times New Roman" panose="02020603050405020304" pitchFamily="18" charset="0"/>
+              </a:rPr>
+              <a:t>Реализован код для работы с моделью градиентного бустинга </a:t>
+            </a:r>
+            <a:r>
+              <a:rPr lang="en-US" sz="2400" dirty="0" err="1">
+                <a:latin typeface="Times New Roman" panose="02020603050405020304" pitchFamily="18" charset="0"/>
+                <a:cs typeface="Times New Roman" panose="02020603050405020304" pitchFamily="18" charset="0"/>
+              </a:rPr>
+              <a:t>catboost</a:t>
+            </a:r>
+            <a:endParaRPr lang="en-US" sz="2400" dirty="0">
+              <a:latin typeface="Times New Roman" panose="02020603050405020304" pitchFamily="18" charset="0"/>
+              <a:cs typeface="Times New Roman" panose="02020603050405020304" pitchFamily="18" charset="0"/>
+            </a:endParaRPr>
+          </a:p>
+          <a:p>
+            <a:pPr marL="342900" indent="-342900">
+              <a:buFont typeface="+mj-lt"/>
+              <a:buAutoNum type="arabicPeriod"/>
+            </a:pPr>
+            <a:r>
+              <a:rPr lang="ru-RU" sz="2400" dirty="0">
+                <a:latin typeface="Times New Roman" panose="02020603050405020304" pitchFamily="18" charset="0"/>
+                <a:cs typeface="Times New Roman" panose="02020603050405020304" pitchFamily="18" charset="0"/>
+              </a:rPr>
+              <a:t>Начато написание текста ВКР</a:t>
+            </a:r>
+          </a:p>
+          <a:p>
+            <a:pPr marL="342900" indent="-342900">
+              <a:buFont typeface="+mj-lt"/>
+              <a:buAutoNum type="arabicPeriod"/>
+            </a:pPr>
+            <a:r>
+              <a:rPr lang="ru-RU" sz="2400" dirty="0">
+                <a:latin typeface="Times New Roman" panose="02020603050405020304" pitchFamily="18" charset="0"/>
+                <a:cs typeface="Times New Roman" panose="02020603050405020304" pitchFamily="18" charset="0"/>
+              </a:rPr>
+              <a:t>Реализованный код оформлен в виде </a:t>
+            </a:r>
+            <a:r>
+              <a:rPr lang="en-US" sz="2400" dirty="0" err="1">
+                <a:latin typeface="Times New Roman" panose="02020603050405020304" pitchFamily="18" charset="0"/>
+                <a:cs typeface="Times New Roman" panose="02020603050405020304" pitchFamily="18" charset="0"/>
+              </a:rPr>
+              <a:t>jupyter</a:t>
+            </a:r>
+            <a:r>
+              <a:rPr lang="en-US" sz="2400" dirty="0">
+                <a:latin typeface="Times New Roman" panose="02020603050405020304" pitchFamily="18" charset="0"/>
+                <a:cs typeface="Times New Roman" panose="02020603050405020304" pitchFamily="18" charset="0"/>
+              </a:rPr>
+              <a:t> notebook’</a:t>
+            </a:r>
+            <a:r>
+              <a:rPr lang="ru-RU" sz="2400" dirty="0">
+                <a:latin typeface="Times New Roman" panose="02020603050405020304" pitchFamily="18" charset="0"/>
+                <a:cs typeface="Times New Roman" panose="02020603050405020304" pitchFamily="18" charset="0"/>
+              </a:rPr>
+              <a:t>ов и в виде библиотеки</a:t>
+            </a:r>
+          </a:p>
+        </p:txBody>
+      </p:sp>
     </p:spTree>
     <p:extLst>
       <p:ext uri="{BB962C8B-B14F-4D97-AF65-F5344CB8AC3E}">
-        <p14:creationId xmlns:p14="http://schemas.microsoft.com/office/powerpoint/2010/main" val="1054195852"/>
+        <p14:creationId xmlns:p14="http://schemas.microsoft.com/office/powerpoint/2010/main" val="3148497219"/>
       </p:ext>
     </p:extLst>
   </p:cSld>
@@ -6221,7 +6247,7 @@
           <p:cNvPr id="3" name="Content Placeholder 2">
             <a:extLst>
               <a:ext uri="{FF2B5EF4-FFF2-40B4-BE49-F238E27FC236}">
-                <a16:creationId xmlns:a16="http://schemas.microsoft.com/office/drawing/2014/main" id="{83B23B10-B0C6-44EF-B7BA-6F08EB7E6E80}"/>
+                <a16:creationId xmlns:a16="http://schemas.microsoft.com/office/drawing/2014/main" id="{1A8FB576-BA96-4C77-B144-DB9168337CAF}"/>
               </a:ext>
             </a:extLst>
           </p:cNvPr>
@@ -6234,66 +6260,65 @@
         </p:nvSpPr>
         <p:spPr>
           <a:xfrm>
-            <a:off x="838200" y="1702533"/>
-            <a:ext cx="10515600" cy="4351338"/>
-          </a:xfrm>
-        </p:spPr>
-        <p:txBody>
-          <a:bodyPr/>
-          <a:lstStyle/>
-          <a:p>
-            <a:pPr marL="0" indent="0">
-              <a:buNone/>
+            <a:off x="558311" y="1107830"/>
+            <a:ext cx="11075377" cy="4967654"/>
+          </a:xfrm>
+        </p:spPr>
+        <p:txBody>
+          <a:bodyPr>
+            <a:noAutofit/>
+          </a:bodyPr>
+          <a:lstStyle/>
+          <a:p>
+            <a:pPr marL="514350" indent="-514350" algn="just">
+              <a:spcAft>
+                <a:spcPts val="500"/>
+              </a:spcAft>
+              <a:buFont typeface="+mj-lt"/>
+              <a:buAutoNum type="arabicPeriod"/>
             </a:pPr>
             <a:r>
-              <a:rPr lang="ru-RU" dirty="0">
+              <a:rPr lang="ru-RU" sz="2400" dirty="0">
+                <a:solidFill>
+                  <a:srgbClr val="000000"/>
+                </a:solidFill>
+                <a:effectLst/>
                 <a:latin typeface="Times New Roman" panose="02020603050405020304" pitchFamily="18" charset="0"/>
+                <a:ea typeface="Calibri" panose="020F0502020204030204" pitchFamily="34" charset="0"/>
                 <a:cs typeface="Times New Roman" panose="02020603050405020304" pitchFamily="18" charset="0"/>
               </a:rPr>
-              <a:t>Отсутствуют на данный момент</a:t>
-            </a:r>
-          </a:p>
-          <a:p>
-            <a:pPr marL="0" indent="0">
-              <a:buNone/>
+              <a:t>Сравнить эффективность разработанных моделей и традиционных методов прогнозирования на основе различных критериев качества прогнозирования</a:t>
+            </a:r>
+          </a:p>
+          <a:p>
+            <a:pPr marL="514350" indent="-514350" algn="just">
+              <a:spcAft>
+                <a:spcPts val="500"/>
+              </a:spcAft>
+              <a:buFont typeface="+mj-lt"/>
+              <a:buAutoNum type="arabicPeriod"/>
             </a:pPr>
             <a:r>
-              <a:rPr lang="ru-RU" dirty="0">
+              <a:rPr lang="ru-RU" sz="2400" dirty="0">
+                <a:solidFill>
+                  <a:srgbClr val="000000"/>
+                </a:solidFill>
+                <a:effectLst/>
                 <a:latin typeface="Times New Roman" panose="02020603050405020304" pitchFamily="18" charset="0"/>
+                <a:ea typeface="Times New Roman" panose="02020603050405020304" pitchFamily="18" charset="0"/>
                 <a:cs typeface="Times New Roman" panose="02020603050405020304" pitchFamily="18" charset="0"/>
               </a:rPr>
-              <a:t>Апробация</a:t>
-            </a:r>
-            <a:r>
-              <a:rPr lang="en-US" dirty="0">
-                <a:latin typeface="Times New Roman" panose="02020603050405020304" pitchFamily="18" charset="0"/>
-                <a:cs typeface="Times New Roman" panose="02020603050405020304" pitchFamily="18" charset="0"/>
-              </a:rPr>
-              <a:t>:</a:t>
-            </a:r>
-          </a:p>
-          <a:p>
-            <a:r>
-              <a:rPr lang="ru-RU" dirty="0">
-                <a:latin typeface="Times New Roman" panose="02020603050405020304" pitchFamily="18" charset="0"/>
-                <a:cs typeface="Times New Roman" panose="02020603050405020304" pitchFamily="18" charset="0"/>
-              </a:rPr>
-              <a:t>Планируется участие в конференции</a:t>
-            </a:r>
-            <a:r>
-              <a:rPr lang="ru-RU" dirty="0"/>
-              <a:t>.</a:t>
-            </a:r>
-            <a:endParaRPr lang="en-US" dirty="0"/>
-          </a:p>
-        </p:txBody>
-      </p:sp>
-      <p:sp>
-        <p:nvSpPr>
-          <p:cNvPr id="4" name="TextBox 3">
-            <a:extLst>
-              <a:ext uri="{FF2B5EF4-FFF2-40B4-BE49-F238E27FC236}">
-                <a16:creationId xmlns:a16="http://schemas.microsoft.com/office/drawing/2014/main" id="{AE226361-023A-4833-A356-E41F1553BD65}"/>
+              <a:t>Проанализировать применимость различных архитектур и методов обучения нейронных сетей для прогнозирования различных видов временных рядов и оценить их преимущества и недостатки</a:t>
+            </a:r>
+          </a:p>
+        </p:txBody>
+      </p:sp>
+      <p:sp>
+        <p:nvSpPr>
+          <p:cNvPr id="5" name="TextBox 4">
+            <a:extLst>
+              <a:ext uri="{FF2B5EF4-FFF2-40B4-BE49-F238E27FC236}">
+                <a16:creationId xmlns:a16="http://schemas.microsoft.com/office/drawing/2014/main" id="{7588356E-7D86-4623-8B4C-9B42642A5A9F}"/>
               </a:ext>
             </a:extLst>
           </p:cNvPr>
@@ -6318,7 +6343,7 @@
           <a:p>
             <a:r>
               <a:rPr lang="ru-RU" dirty="0"/>
-              <a:t>12</a:t>
+              <a:t>11</a:t>
             </a:r>
             <a:endParaRPr lang="en-US" dirty="0"/>
           </a:p>
@@ -6326,10 +6351,10 @@
       </p:sp>
       <p:sp>
         <p:nvSpPr>
-          <p:cNvPr id="5" name="Rectangle 4">
-            <a:extLst>
-              <a:ext uri="{FF2B5EF4-FFF2-40B4-BE49-F238E27FC236}">
-                <a16:creationId xmlns:a16="http://schemas.microsoft.com/office/drawing/2014/main" id="{346708BB-3FC1-4A94-AC26-8E640200D024}"/>
+          <p:cNvPr id="6" name="Rectangle 5">
+            <a:extLst>
+              <a:ext uri="{FF2B5EF4-FFF2-40B4-BE49-F238E27FC236}">
+                <a16:creationId xmlns:a16="http://schemas.microsoft.com/office/drawing/2014/main" id="{736C59D5-85DD-46C8-A8F9-F215CE9DDFBF}"/>
               </a:ext>
             </a:extLst>
           </p:cNvPr>
@@ -6378,8 +6403,712 @@
               <a:rPr lang="en-US" sz="2000" dirty="0">
                 <a:latin typeface="Monotype Corsiva" panose="03010101010201010101" pitchFamily="66" charset="0"/>
               </a:rPr>
-              <a:t>13/13</a:t>
-            </a:r>
+              <a:t>1</a:t>
+            </a:r>
+            <a:r>
+              <a:rPr lang="ru-RU" sz="2000" dirty="0">
+                <a:latin typeface="Monotype Corsiva" panose="03010101010201010101" pitchFamily="66" charset="0"/>
+              </a:rPr>
+              <a:t>3</a:t>
+            </a:r>
+            <a:r>
+              <a:rPr lang="en-US" sz="2000" dirty="0">
+                <a:latin typeface="Monotype Corsiva" panose="03010101010201010101" pitchFamily="66" charset="0"/>
+              </a:rPr>
+              <a:t>/1</a:t>
+            </a:r>
+            <a:r>
+              <a:rPr lang="ru-RU" sz="2000" dirty="0">
+                <a:latin typeface="Monotype Corsiva" panose="03010101010201010101" pitchFamily="66" charset="0"/>
+              </a:rPr>
+              <a:t>5</a:t>
+            </a:r>
+            <a:endParaRPr lang="en-US" sz="2000" dirty="0">
+              <a:latin typeface="Monotype Corsiva" panose="03010101010201010101" pitchFamily="66" charset="0"/>
+            </a:endParaRPr>
+          </a:p>
+        </p:txBody>
+      </p:sp>
+      <p:sp>
+        <p:nvSpPr>
+          <p:cNvPr id="7" name="Rectangle 6">
+            <a:extLst>
+              <a:ext uri="{FF2B5EF4-FFF2-40B4-BE49-F238E27FC236}">
+                <a16:creationId xmlns:a16="http://schemas.microsoft.com/office/drawing/2014/main" id="{CF5484E4-AF19-4B0B-B8A9-21FD195DCCE4}"/>
+              </a:ext>
+            </a:extLst>
+          </p:cNvPr>
+          <p:cNvSpPr/>
+          <p:nvPr/>
+        </p:nvSpPr>
+        <p:spPr>
+          <a:xfrm>
+            <a:off x="0" y="0"/>
+            <a:ext cx="12192000" cy="587229"/>
+          </a:xfrm>
+          <a:prstGeom prst="rect">
+            <a:avLst/>
+          </a:prstGeom>
+          <a:solidFill>
+            <a:schemeClr val="accent1"/>
+          </a:solidFill>
+          <a:ln>
+            <a:solidFill>
+              <a:schemeClr val="accent1"/>
+            </a:solidFill>
+          </a:ln>
+        </p:spPr>
+        <p:style>
+          <a:lnRef idx="2">
+            <a:schemeClr val="accent2">
+              <a:shade val="50000"/>
+            </a:schemeClr>
+          </a:lnRef>
+          <a:fillRef idx="1">
+            <a:schemeClr val="accent2"/>
+          </a:fillRef>
+          <a:effectRef idx="0">
+            <a:schemeClr val="accent2"/>
+          </a:effectRef>
+          <a:fontRef idx="minor">
+            <a:schemeClr val="lt1"/>
+          </a:fontRef>
+        </p:style>
+        <p:txBody>
+          <a:bodyPr rtlCol="0" anchor="ctr"/>
+          <a:lstStyle/>
+          <a:p>
+            <a:r>
+              <a:rPr lang="ru-RU" sz="3200" dirty="0">
+                <a:latin typeface="Comic Sans MS" panose="030F0702030302020204" pitchFamily="66" charset="0"/>
+              </a:rPr>
+              <a:t>Дальнейшие задачи</a:t>
+            </a:r>
+            <a:endParaRPr lang="en-US" sz="3200" dirty="0">
+              <a:latin typeface="Comic Sans MS" panose="030F0702030302020204" pitchFamily="66" charset="0"/>
+            </a:endParaRPr>
+          </a:p>
+        </p:txBody>
+      </p:sp>
+      <p:sp>
+        <p:nvSpPr>
+          <p:cNvPr id="8" name="Rectangle 7">
+            <a:extLst>
+              <a:ext uri="{FF2B5EF4-FFF2-40B4-BE49-F238E27FC236}">
+                <a16:creationId xmlns:a16="http://schemas.microsoft.com/office/drawing/2014/main" id="{827D4A78-0A6F-407F-911E-4C755F4A88F4}"/>
+              </a:ext>
+            </a:extLst>
+          </p:cNvPr>
+          <p:cNvSpPr/>
+          <p:nvPr/>
+        </p:nvSpPr>
+        <p:spPr>
+          <a:xfrm>
+            <a:off x="0" y="6602136"/>
+            <a:ext cx="6096000" cy="255864"/>
+          </a:xfrm>
+          <a:prstGeom prst="rect">
+            <a:avLst/>
+          </a:prstGeom>
+          <a:solidFill>
+            <a:schemeClr val="accent1">
+              <a:lumMod val="50000"/>
+            </a:schemeClr>
+          </a:solidFill>
+          <a:ln>
+            <a:solidFill>
+              <a:schemeClr val="accent1">
+                <a:lumMod val="50000"/>
+              </a:schemeClr>
+            </a:solidFill>
+          </a:ln>
+        </p:spPr>
+        <p:style>
+          <a:lnRef idx="2">
+            <a:schemeClr val="accent2">
+              <a:shade val="50000"/>
+            </a:schemeClr>
+          </a:lnRef>
+          <a:fillRef idx="1">
+            <a:schemeClr val="accent2"/>
+          </a:fillRef>
+          <a:effectRef idx="0">
+            <a:schemeClr val="accent2"/>
+          </a:effectRef>
+          <a:fontRef idx="minor">
+            <a:schemeClr val="lt1"/>
+          </a:fontRef>
+        </p:style>
+        <p:txBody>
+          <a:bodyPr rtlCol="0" anchor="ctr"/>
+          <a:lstStyle/>
+          <a:p>
+            <a:r>
+              <a:rPr lang="en-US" sz="1700" b="0" i="0" dirty="0">
+                <a:solidFill>
+                  <a:schemeClr val="bg1"/>
+                </a:solidFill>
+                <a:effectLst/>
+                <a:latin typeface="Microsoft YaHei UI Light" panose="020B0502040204020203" pitchFamily="34" charset="-122"/>
+                <a:ea typeface="Microsoft YaHei UI Light" panose="020B0502040204020203" pitchFamily="34" charset="-122"/>
+              </a:rPr>
+              <a:t>a.khorunzhenko@g.nsu.ru</a:t>
+            </a:r>
+            <a:endParaRPr lang="en-US" sz="1700" dirty="0">
+              <a:solidFill>
+                <a:schemeClr val="bg1"/>
+              </a:solidFill>
+              <a:latin typeface="Microsoft YaHei UI Light" panose="020B0502040204020203" pitchFamily="34" charset="-122"/>
+              <a:ea typeface="Microsoft YaHei UI Light" panose="020B0502040204020203" pitchFamily="34" charset="-122"/>
+            </a:endParaRPr>
+          </a:p>
+        </p:txBody>
+      </p:sp>
+    </p:spTree>
+    <p:extLst>
+      <p:ext uri="{BB962C8B-B14F-4D97-AF65-F5344CB8AC3E}">
+        <p14:creationId xmlns:p14="http://schemas.microsoft.com/office/powerpoint/2010/main" val="1054195852"/>
+      </p:ext>
+    </p:extLst>
+  </p:cSld>
+  <p:clrMapOvr>
+    <a:masterClrMapping/>
+  </p:clrMapOvr>
+</p:sld>
+</file>
+
+<file path=ppt/slides/slide16.xml><?xml version="1.0" encoding="utf-8"?>
+<p:sld xmlns:a="http://schemas.openxmlformats.org/drawingml/2006/main" xmlns:r="http://schemas.openxmlformats.org/officeDocument/2006/relationships" xmlns:p="http://schemas.openxmlformats.org/presentationml/2006/main">
+  <p:cSld>
+    <p:spTree>
+      <p:nvGrpSpPr>
+        <p:cNvPr id="1" name=""/>
+        <p:cNvGrpSpPr/>
+        <p:nvPr/>
+      </p:nvGrpSpPr>
+      <p:grpSpPr>
+        <a:xfrm>
+          <a:off x="0" y="0"/>
+          <a:ext cx="0" cy="0"/>
+          <a:chOff x="0" y="0"/>
+          <a:chExt cx="0" cy="0"/>
+        </a:xfrm>
+      </p:grpSpPr>
+      <p:sp>
+        <p:nvSpPr>
+          <p:cNvPr id="4" name="Rectangle 3">
+            <a:extLst>
+              <a:ext uri="{FF2B5EF4-FFF2-40B4-BE49-F238E27FC236}">
+                <a16:creationId xmlns:a16="http://schemas.microsoft.com/office/drawing/2014/main" id="{7B30BD75-13BD-4374-A99C-8E29223E51EF}"/>
+              </a:ext>
+            </a:extLst>
+          </p:cNvPr>
+          <p:cNvSpPr/>
+          <p:nvPr/>
+        </p:nvSpPr>
+        <p:spPr>
+          <a:xfrm>
+            <a:off x="6096000" y="6602136"/>
+            <a:ext cx="6096000" cy="255864"/>
+          </a:xfrm>
+          <a:prstGeom prst="rect">
+            <a:avLst/>
+          </a:prstGeom>
+          <a:solidFill>
+            <a:schemeClr val="accent1"/>
+          </a:solidFill>
+          <a:ln>
+            <a:solidFill>
+              <a:schemeClr val="accent1"/>
+            </a:solidFill>
+          </a:ln>
+        </p:spPr>
+        <p:style>
+          <a:lnRef idx="2">
+            <a:schemeClr val="accent2">
+              <a:shade val="50000"/>
+            </a:schemeClr>
+          </a:lnRef>
+          <a:fillRef idx="1">
+            <a:schemeClr val="accent2"/>
+          </a:fillRef>
+          <a:effectRef idx="0">
+            <a:schemeClr val="accent2"/>
+          </a:effectRef>
+          <a:fontRef idx="minor">
+            <a:schemeClr val="lt1"/>
+          </a:fontRef>
+        </p:style>
+        <p:txBody>
+          <a:bodyPr rtlCol="0" anchor="ctr"/>
+          <a:lstStyle/>
+          <a:p>
+            <a:pPr algn="r"/>
+            <a:r>
+              <a:rPr lang="en-US" sz="2000" dirty="0">
+                <a:latin typeface="Monotype Corsiva" panose="03010101010201010101" pitchFamily="66" charset="0"/>
+              </a:rPr>
+              <a:t>1</a:t>
+            </a:r>
+            <a:r>
+              <a:rPr lang="ru-RU" sz="2000" dirty="0">
+                <a:latin typeface="Monotype Corsiva" panose="03010101010201010101" pitchFamily="66" charset="0"/>
+              </a:rPr>
+              <a:t>4</a:t>
+            </a:r>
+            <a:r>
+              <a:rPr lang="en-US" sz="2000" dirty="0">
+                <a:latin typeface="Monotype Corsiva" panose="03010101010201010101" pitchFamily="66" charset="0"/>
+              </a:rPr>
+              <a:t>/1</a:t>
+            </a:r>
+            <a:r>
+              <a:rPr lang="ru-RU" sz="2000" dirty="0">
+                <a:latin typeface="Monotype Corsiva" panose="03010101010201010101" pitchFamily="66" charset="0"/>
+              </a:rPr>
+              <a:t>5</a:t>
+            </a:r>
+            <a:endParaRPr lang="en-US" sz="2000" dirty="0">
+              <a:latin typeface="Monotype Corsiva" panose="03010101010201010101" pitchFamily="66" charset="0"/>
+            </a:endParaRPr>
+          </a:p>
+        </p:txBody>
+      </p:sp>
+      <p:sp>
+        <p:nvSpPr>
+          <p:cNvPr id="5" name="Rectangle 4">
+            <a:extLst>
+              <a:ext uri="{FF2B5EF4-FFF2-40B4-BE49-F238E27FC236}">
+                <a16:creationId xmlns:a16="http://schemas.microsoft.com/office/drawing/2014/main" id="{DC6A361B-6EEC-464E-AE3F-5300A4951D98}"/>
+              </a:ext>
+            </a:extLst>
+          </p:cNvPr>
+          <p:cNvSpPr/>
+          <p:nvPr/>
+        </p:nvSpPr>
+        <p:spPr>
+          <a:xfrm>
+            <a:off x="0" y="0"/>
+            <a:ext cx="12192000" cy="587229"/>
+          </a:xfrm>
+          <a:prstGeom prst="rect">
+            <a:avLst/>
+          </a:prstGeom>
+          <a:solidFill>
+            <a:schemeClr val="accent1"/>
+          </a:solidFill>
+          <a:ln>
+            <a:solidFill>
+              <a:schemeClr val="accent1"/>
+            </a:solidFill>
+          </a:ln>
+        </p:spPr>
+        <p:style>
+          <a:lnRef idx="2">
+            <a:schemeClr val="accent2">
+              <a:shade val="50000"/>
+            </a:schemeClr>
+          </a:lnRef>
+          <a:fillRef idx="1">
+            <a:schemeClr val="accent2"/>
+          </a:fillRef>
+          <a:effectRef idx="0">
+            <a:schemeClr val="accent2"/>
+          </a:effectRef>
+          <a:fontRef idx="minor">
+            <a:schemeClr val="lt1"/>
+          </a:fontRef>
+        </p:style>
+        <p:txBody>
+          <a:bodyPr rtlCol="0" anchor="ctr"/>
+          <a:lstStyle/>
+          <a:p>
+            <a:r>
+              <a:rPr lang="ru-RU" sz="3200" dirty="0">
+                <a:latin typeface="Comic Sans MS" panose="030F0702030302020204" pitchFamily="66" charset="0"/>
+              </a:rPr>
+              <a:t>Дальнейшие задачи</a:t>
+            </a:r>
+            <a:endParaRPr lang="en-US" sz="3200" dirty="0">
+              <a:latin typeface="Comic Sans MS" panose="030F0702030302020204" pitchFamily="66" charset="0"/>
+            </a:endParaRPr>
+          </a:p>
+        </p:txBody>
+      </p:sp>
+      <p:sp>
+        <p:nvSpPr>
+          <p:cNvPr id="6" name="Rectangle 5">
+            <a:extLst>
+              <a:ext uri="{FF2B5EF4-FFF2-40B4-BE49-F238E27FC236}">
+                <a16:creationId xmlns:a16="http://schemas.microsoft.com/office/drawing/2014/main" id="{55458562-5E36-4071-8C78-B20A55F3B0C7}"/>
+              </a:ext>
+            </a:extLst>
+          </p:cNvPr>
+          <p:cNvSpPr/>
+          <p:nvPr/>
+        </p:nvSpPr>
+        <p:spPr>
+          <a:xfrm>
+            <a:off x="0" y="6602136"/>
+            <a:ext cx="6096000" cy="255864"/>
+          </a:xfrm>
+          <a:prstGeom prst="rect">
+            <a:avLst/>
+          </a:prstGeom>
+          <a:solidFill>
+            <a:schemeClr val="accent1">
+              <a:lumMod val="50000"/>
+            </a:schemeClr>
+          </a:solidFill>
+          <a:ln>
+            <a:solidFill>
+              <a:schemeClr val="accent1">
+                <a:lumMod val="50000"/>
+              </a:schemeClr>
+            </a:solidFill>
+          </a:ln>
+        </p:spPr>
+        <p:style>
+          <a:lnRef idx="2">
+            <a:schemeClr val="accent2">
+              <a:shade val="50000"/>
+            </a:schemeClr>
+          </a:lnRef>
+          <a:fillRef idx="1">
+            <a:schemeClr val="accent2"/>
+          </a:fillRef>
+          <a:effectRef idx="0">
+            <a:schemeClr val="accent2"/>
+          </a:effectRef>
+          <a:fontRef idx="minor">
+            <a:schemeClr val="lt1"/>
+          </a:fontRef>
+        </p:style>
+        <p:txBody>
+          <a:bodyPr rtlCol="0" anchor="ctr"/>
+          <a:lstStyle/>
+          <a:p>
+            <a:r>
+              <a:rPr lang="en-US" sz="1700" b="0" i="0" dirty="0">
+                <a:solidFill>
+                  <a:schemeClr val="bg1"/>
+                </a:solidFill>
+                <a:effectLst/>
+                <a:latin typeface="Microsoft YaHei UI Light" panose="020B0502040204020203" pitchFamily="34" charset="-122"/>
+                <a:ea typeface="Microsoft YaHei UI Light" panose="020B0502040204020203" pitchFamily="34" charset="-122"/>
+              </a:rPr>
+              <a:t>a.khorunzhenko@g.nsu.ru</a:t>
+            </a:r>
+            <a:endParaRPr lang="en-US" sz="1700" dirty="0">
+              <a:solidFill>
+                <a:schemeClr val="bg1"/>
+              </a:solidFill>
+              <a:latin typeface="Microsoft YaHei UI Light" panose="020B0502040204020203" pitchFamily="34" charset="-122"/>
+              <a:ea typeface="Microsoft YaHei UI Light" panose="020B0502040204020203" pitchFamily="34" charset="-122"/>
+            </a:endParaRPr>
+          </a:p>
+        </p:txBody>
+      </p:sp>
+      <p:pic>
+        <p:nvPicPr>
+          <p:cNvPr id="3" name="Picture 2">
+            <a:extLst>
+              <a:ext uri="{FF2B5EF4-FFF2-40B4-BE49-F238E27FC236}">
+                <a16:creationId xmlns:a16="http://schemas.microsoft.com/office/drawing/2014/main" id="{D4330D48-C4F0-44D6-BDF5-58F85D03C224}"/>
+              </a:ext>
+            </a:extLst>
+          </p:cNvPr>
+          <p:cNvPicPr>
+            <a:picLocks noChangeAspect="1"/>
+          </p:cNvPicPr>
+          <p:nvPr/>
+        </p:nvPicPr>
+        <p:blipFill>
+          <a:blip r:embed="rId2"/>
+          <a:stretch>
+            <a:fillRect/>
+          </a:stretch>
+        </p:blipFill>
+        <p:spPr>
+          <a:xfrm>
+            <a:off x="1032956" y="1104973"/>
+            <a:ext cx="9772735" cy="5497163"/>
+          </a:xfrm>
+          <a:prstGeom prst="rect">
+            <a:avLst/>
+          </a:prstGeom>
+        </p:spPr>
+      </p:pic>
+      <p:sp>
+        <p:nvSpPr>
+          <p:cNvPr id="9" name="TextBox 8">
+            <a:extLst>
+              <a:ext uri="{FF2B5EF4-FFF2-40B4-BE49-F238E27FC236}">
+                <a16:creationId xmlns:a16="http://schemas.microsoft.com/office/drawing/2014/main" id="{1FB2A3A4-69D4-4436-8247-4E838BC1CEFD}"/>
+              </a:ext>
+            </a:extLst>
+          </p:cNvPr>
+          <p:cNvSpPr txBox="1"/>
+          <p:nvPr/>
+        </p:nvSpPr>
+        <p:spPr>
+          <a:xfrm>
+            <a:off x="1610686" y="729842"/>
+            <a:ext cx="8447714" cy="1477328"/>
+          </a:xfrm>
+          <a:prstGeom prst="rect">
+            <a:avLst/>
+          </a:prstGeom>
+          <a:noFill/>
+        </p:spPr>
+        <p:txBody>
+          <a:bodyPr wrap="square" rtlCol="0">
+            <a:spAutoFit/>
+          </a:bodyPr>
+          <a:lstStyle/>
+          <a:p>
+            <a:r>
+              <a:rPr lang="ru-RU" sz="1800" dirty="0">
+                <a:solidFill>
+                  <a:srgbClr val="000000"/>
+                </a:solidFill>
+                <a:effectLst/>
+                <a:latin typeface="Times New Roman" panose="02020603050405020304" pitchFamily="18" charset="0"/>
+                <a:ea typeface="Times New Roman" panose="02020603050405020304" pitchFamily="18" charset="0"/>
+                <a:cs typeface="Times New Roman" panose="02020603050405020304" pitchFamily="18" charset="0"/>
+              </a:rPr>
+              <a:t>3. Сделать выводы о применимости нейронных сетей для прогнозирования временных рядов и их эффективности по сравнению с традиционными методами, а также о возможных направлениях дальнейших исследований в области прогнозирования временных рядов с использованием нейронных сетей. </a:t>
+            </a:r>
+            <a:endParaRPr lang="en-US" sz="1800" dirty="0">
+              <a:solidFill>
+                <a:srgbClr val="000000"/>
+              </a:solidFill>
+              <a:effectLst/>
+              <a:latin typeface="Times New Roman" panose="02020603050405020304" pitchFamily="18" charset="0"/>
+              <a:ea typeface="Calibri" panose="020F0502020204030204" pitchFamily="34" charset="0"/>
+              <a:cs typeface="Times New Roman" panose="02020603050405020304" pitchFamily="18" charset="0"/>
+            </a:endParaRPr>
+          </a:p>
+          <a:p>
+            <a:endParaRPr lang="en-US" dirty="0"/>
+          </a:p>
+        </p:txBody>
+      </p:sp>
+    </p:spTree>
+    <p:extLst>
+      <p:ext uri="{BB962C8B-B14F-4D97-AF65-F5344CB8AC3E}">
+        <p14:creationId xmlns:p14="http://schemas.microsoft.com/office/powerpoint/2010/main" val="3333703083"/>
+      </p:ext>
+    </p:extLst>
+  </p:cSld>
+  <p:clrMapOvr>
+    <a:masterClrMapping/>
+  </p:clrMapOvr>
+</p:sld>
+</file>
+
+<file path=ppt/slides/slide17.xml><?xml version="1.0" encoding="utf-8"?>
+<p:sld xmlns:a="http://schemas.openxmlformats.org/drawingml/2006/main" xmlns:r="http://schemas.openxmlformats.org/officeDocument/2006/relationships" xmlns:p="http://schemas.openxmlformats.org/presentationml/2006/main">
+  <p:cSld>
+    <p:spTree>
+      <p:nvGrpSpPr>
+        <p:cNvPr id="1" name=""/>
+        <p:cNvGrpSpPr/>
+        <p:nvPr/>
+      </p:nvGrpSpPr>
+      <p:grpSpPr>
+        <a:xfrm>
+          <a:off x="0" y="0"/>
+          <a:ext cx="0" cy="0"/>
+          <a:chOff x="0" y="0"/>
+          <a:chExt cx="0" cy="0"/>
+        </a:xfrm>
+      </p:grpSpPr>
+      <p:sp>
+        <p:nvSpPr>
+          <p:cNvPr id="3" name="Content Placeholder 2">
+            <a:extLst>
+              <a:ext uri="{FF2B5EF4-FFF2-40B4-BE49-F238E27FC236}">
+                <a16:creationId xmlns:a16="http://schemas.microsoft.com/office/drawing/2014/main" id="{83B23B10-B0C6-44EF-B7BA-6F08EB7E6E80}"/>
+              </a:ext>
+            </a:extLst>
+          </p:cNvPr>
+          <p:cNvSpPr>
+            <a:spLocks noGrp="1"/>
+          </p:cNvSpPr>
+          <p:nvPr>
+            <p:ph idx="1"/>
+          </p:nvPr>
+        </p:nvSpPr>
+        <p:spPr>
+          <a:xfrm>
+            <a:off x="838200" y="1702533"/>
+            <a:ext cx="10515600" cy="4351338"/>
+          </a:xfrm>
+        </p:spPr>
+        <p:txBody>
+          <a:bodyPr/>
+          <a:lstStyle/>
+          <a:p>
+            <a:pPr marL="0" indent="0">
+              <a:buNone/>
+            </a:pPr>
+            <a:r>
+              <a:rPr lang="ru-RU" dirty="0">
+                <a:latin typeface="Times New Roman" panose="02020603050405020304" pitchFamily="18" charset="0"/>
+                <a:cs typeface="Times New Roman" panose="02020603050405020304" pitchFamily="18" charset="0"/>
+              </a:rPr>
+              <a:t>Отсутствуют на данный момент</a:t>
+            </a:r>
+          </a:p>
+          <a:p>
+            <a:pPr marL="0" indent="0">
+              <a:buNone/>
+            </a:pPr>
+            <a:r>
+              <a:rPr lang="ru-RU" dirty="0">
+                <a:latin typeface="Times New Roman" panose="02020603050405020304" pitchFamily="18" charset="0"/>
+                <a:cs typeface="Times New Roman" panose="02020603050405020304" pitchFamily="18" charset="0"/>
+              </a:rPr>
+              <a:t>Апробация</a:t>
+            </a:r>
+            <a:r>
+              <a:rPr lang="en-US" dirty="0">
+                <a:latin typeface="Times New Roman" panose="02020603050405020304" pitchFamily="18" charset="0"/>
+                <a:cs typeface="Times New Roman" panose="02020603050405020304" pitchFamily="18" charset="0"/>
+              </a:rPr>
+              <a:t>:</a:t>
+            </a:r>
+          </a:p>
+          <a:p>
+            <a:r>
+              <a:rPr lang="ru-RU" dirty="0">
+                <a:latin typeface="Times New Roman" panose="02020603050405020304" pitchFamily="18" charset="0"/>
+                <a:cs typeface="Times New Roman" panose="02020603050405020304" pitchFamily="18" charset="0"/>
+              </a:rPr>
+              <a:t>Планируется участие в конференции</a:t>
+            </a:r>
+            <a:r>
+              <a:rPr lang="ru-RU" dirty="0"/>
+              <a:t>.</a:t>
+            </a:r>
+            <a:endParaRPr lang="en-US" dirty="0"/>
+          </a:p>
+        </p:txBody>
+      </p:sp>
+      <p:sp>
+        <p:nvSpPr>
+          <p:cNvPr id="4" name="TextBox 3">
+            <a:extLst>
+              <a:ext uri="{FF2B5EF4-FFF2-40B4-BE49-F238E27FC236}">
+                <a16:creationId xmlns:a16="http://schemas.microsoft.com/office/drawing/2014/main" id="{AE226361-023A-4833-A356-E41F1553BD65}"/>
+              </a:ext>
+            </a:extLst>
+          </p:cNvPr>
+          <p:cNvSpPr txBox="1"/>
+          <p:nvPr/>
+        </p:nvSpPr>
+        <p:spPr>
+          <a:xfrm>
+            <a:off x="11763375" y="6488668"/>
+            <a:ext cx="428625" cy="369332"/>
+          </a:xfrm>
+          <a:prstGeom prst="rect">
+            <a:avLst/>
+          </a:prstGeom>
+          <a:noFill/>
+        </p:spPr>
+        <p:txBody>
+          <a:bodyPr wrap="square" rtlCol="0">
+            <a:spAutoFit/>
+          </a:bodyPr>
+          <a:lstStyle/>
+          <a:p>
+            <a:r>
+              <a:rPr lang="ru-RU" dirty="0"/>
+              <a:t>12</a:t>
+            </a:r>
+            <a:endParaRPr lang="en-US" dirty="0"/>
+          </a:p>
+        </p:txBody>
+      </p:sp>
+      <p:sp>
+        <p:nvSpPr>
+          <p:cNvPr id="5" name="Rectangle 4">
+            <a:extLst>
+              <a:ext uri="{FF2B5EF4-FFF2-40B4-BE49-F238E27FC236}">
+                <a16:creationId xmlns:a16="http://schemas.microsoft.com/office/drawing/2014/main" id="{346708BB-3FC1-4A94-AC26-8E640200D024}"/>
+              </a:ext>
+            </a:extLst>
+          </p:cNvPr>
+          <p:cNvSpPr/>
+          <p:nvPr/>
+        </p:nvSpPr>
+        <p:spPr>
+          <a:xfrm>
+            <a:off x="6096000" y="6602136"/>
+            <a:ext cx="6096000" cy="255864"/>
+          </a:xfrm>
+          <a:prstGeom prst="rect">
+            <a:avLst/>
+          </a:prstGeom>
+          <a:solidFill>
+            <a:schemeClr val="accent1"/>
+          </a:solidFill>
+          <a:ln>
+            <a:solidFill>
+              <a:schemeClr val="accent1"/>
+            </a:solidFill>
+          </a:ln>
+        </p:spPr>
+        <p:style>
+          <a:lnRef idx="2">
+            <a:schemeClr val="accent2">
+              <a:shade val="50000"/>
+            </a:schemeClr>
+          </a:lnRef>
+          <a:fillRef idx="1">
+            <a:schemeClr val="accent2"/>
+          </a:fillRef>
+          <a:effectRef idx="0">
+            <a:schemeClr val="accent2"/>
+          </a:effectRef>
+          <a:fontRef idx="minor">
+            <a:schemeClr val="lt1"/>
+          </a:fontRef>
+        </p:style>
+        <p:txBody>
+          <a:bodyPr rtlCol="0" anchor="ctr"/>
+          <a:lstStyle/>
+          <a:p>
+            <a:pPr algn="r"/>
+            <a:r>
+              <a:rPr lang="en-US" sz="2000" dirty="0">
+                <a:latin typeface="Monotype Corsiva" panose="03010101010201010101" pitchFamily="66" charset="0"/>
+              </a:rPr>
+              <a:t>1</a:t>
+            </a:r>
+            <a:r>
+              <a:rPr lang="ru-RU" sz="2000" dirty="0">
+                <a:latin typeface="Monotype Corsiva" panose="03010101010201010101" pitchFamily="66" charset="0"/>
+              </a:rPr>
+              <a:t>5</a:t>
+            </a:r>
+            <a:r>
+              <a:rPr lang="en-US" sz="2000" dirty="0">
+                <a:latin typeface="Monotype Corsiva" panose="03010101010201010101" pitchFamily="66" charset="0"/>
+              </a:rPr>
+              <a:t>/1</a:t>
+            </a:r>
+            <a:r>
+              <a:rPr lang="ru-RU" sz="2000" dirty="0">
+                <a:latin typeface="Monotype Corsiva" panose="03010101010201010101" pitchFamily="66" charset="0"/>
+              </a:rPr>
+              <a:t>5</a:t>
+            </a:r>
+            <a:endParaRPr lang="en-US" sz="2000" dirty="0">
+              <a:latin typeface="Monotype Corsiva" panose="03010101010201010101" pitchFamily="66" charset="0"/>
+            </a:endParaRPr>
           </a:p>
         </p:txBody>
       </p:sp>
@@ -6858,7 +7587,7 @@
               <a:rPr lang="ru-RU" sz="2000" dirty="0">
                 <a:latin typeface="Monotype Corsiva" panose="03010101010201010101" pitchFamily="66" charset="0"/>
               </a:rPr>
-              <a:t>2</a:t>
+              <a:t>5</a:t>
             </a:r>
             <a:endParaRPr lang="en-US" sz="2000" dirty="0">
               <a:latin typeface="Monotype Corsiva" panose="03010101010201010101" pitchFamily="66" charset="0"/>
@@ -7416,7 +8145,7 @@
               <a:rPr lang="ru-RU" sz="2000" dirty="0">
                 <a:latin typeface="Monotype Corsiva" panose="03010101010201010101" pitchFamily="66" charset="0"/>
               </a:rPr>
-              <a:t>2</a:t>
+              <a:t>5</a:t>
             </a:r>
             <a:endParaRPr lang="en-US" sz="2000" dirty="0">
               <a:latin typeface="Monotype Corsiva" panose="03010101010201010101" pitchFamily="66" charset="0"/>
@@ -7647,7 +8376,7 @@
               <a:rPr lang="ru-RU" sz="2000" dirty="0">
                 <a:latin typeface="Monotype Corsiva" panose="03010101010201010101" pitchFamily="66" charset="0"/>
               </a:rPr>
-              <a:t>2</a:t>
+              <a:t>5</a:t>
             </a:r>
             <a:endParaRPr lang="en-US" sz="2000" dirty="0">
               <a:latin typeface="Monotype Corsiva" panose="03010101010201010101" pitchFamily="66" charset="0"/>
@@ -7967,10 +8696,9 @@
                 <a:ea typeface="Times New Roman" panose="02020603050405020304" pitchFamily="18" charset="0"/>
                 <a:cs typeface="Times New Roman" panose="02020603050405020304" pitchFamily="18" charset="0"/>
               </a:rPr>
-              <a:t> нейронных сетей для прогнозирования временных рядов с учётом различной разряженности данных в экономике и других областях, а также в сравнительном анализе с традиционными методами прогнозирования.</a:t>
-            </a:r>
-            <a:endParaRPr lang="en-US" dirty="0">
-              <a:effectLst/>
+              <a:t> нейронных сетей для прогнозирования временных рядов с учётом различной разряженности экономических данных, а также в сравнительном анализе с традиционными методами прогнозирования.</a:t>
+            </a:r>
+            <a:endParaRPr lang="ru-RU" dirty="0">
               <a:latin typeface="Times New Roman" panose="02020603050405020304" pitchFamily="18" charset="0"/>
               <a:ea typeface="Times New Roman" panose="02020603050405020304" pitchFamily="18" charset="0"/>
               <a:cs typeface="Times New Roman" panose="02020603050405020304" pitchFamily="18" charset="0"/>
@@ -8038,7 +8766,7 @@
               <a:rPr lang="ru-RU" sz="2000" dirty="0">
                 <a:latin typeface="Monotype Corsiva" panose="03010101010201010101" pitchFamily="66" charset="0"/>
               </a:rPr>
-              <a:t>2</a:t>
+              <a:t>5</a:t>
             </a:r>
             <a:endParaRPr lang="en-US" sz="2000" dirty="0">
               <a:latin typeface="Monotype Corsiva" panose="03010101010201010101" pitchFamily="66" charset="0"/>
@@ -8589,7 +9317,7 @@
               <a:rPr lang="ru-RU" sz="2000" dirty="0">
                 <a:latin typeface="Monotype Corsiva" panose="03010101010201010101" pitchFamily="66" charset="0"/>
               </a:rPr>
-              <a:t>2</a:t>
+              <a:t>5</a:t>
             </a:r>
             <a:endParaRPr lang="en-US" sz="2000" dirty="0">
               <a:latin typeface="Monotype Corsiva" panose="03010101010201010101" pitchFamily="66" charset="0"/>
@@ -9109,7 +9837,7 @@
               <a:rPr lang="ru-RU" sz="2000" dirty="0">
                 <a:latin typeface="Monotype Corsiva" panose="03010101010201010101" pitchFamily="66" charset="0"/>
               </a:rPr>
-              <a:t>2</a:t>
+              <a:t>5</a:t>
             </a:r>
             <a:endParaRPr lang="en-US" sz="2000" dirty="0">
               <a:latin typeface="Monotype Corsiva" panose="03010101010201010101" pitchFamily="66" charset="0"/>
@@ -9557,7 +10285,7 @@
               <a:rPr lang="ru-RU" sz="2000" dirty="0">
                 <a:latin typeface="Monotype Corsiva" panose="03010101010201010101" pitchFamily="66" charset="0"/>
               </a:rPr>
-              <a:t>2</a:t>
+              <a:t>5</a:t>
             </a:r>
             <a:endParaRPr lang="en-US" sz="2000" dirty="0">
               <a:latin typeface="Monotype Corsiva" panose="03010101010201010101" pitchFamily="66" charset="0"/>
@@ -10199,7 +10927,7 @@
               <a:rPr lang="ru-RU" sz="2000" dirty="0">
                 <a:latin typeface="Monotype Corsiva" panose="03010101010201010101" pitchFamily="66" charset="0"/>
               </a:rPr>
-              <a:t>2</a:t>
+              <a:t>5</a:t>
             </a:r>
             <a:endParaRPr lang="en-US" sz="2000" dirty="0">
               <a:latin typeface="Monotype Corsiva" panose="03010101010201010101" pitchFamily="66" charset="0"/>

--- a/Text/Хорунженко_презентация_3_сем.pptx
+++ b/Text/Хорунженко_презентация_3_сем.pptx
@@ -5,7 +5,7 @@
     <p:sldMasterId id="2147483648" r:id="rId1"/>
   </p:sldMasterIdLst>
   <p:notesMasterIdLst>
-    <p:notesMasterId r:id="rId22"/>
+    <p:notesMasterId r:id="rId23"/>
   </p:notesMasterIdLst>
   <p:sldIdLst>
     <p:sldId id="256" r:id="rId2"/>
@@ -22,12 +22,13 @@
     <p:sldId id="270" r:id="rId13"/>
     <p:sldId id="272" r:id="rId14"/>
     <p:sldId id="262" r:id="rId15"/>
-    <p:sldId id="266" r:id="rId16"/>
-    <p:sldId id="269" r:id="rId17"/>
-    <p:sldId id="267" r:id="rId18"/>
-    <p:sldId id="271" r:id="rId19"/>
-    <p:sldId id="268" r:id="rId20"/>
-    <p:sldId id="273" r:id="rId21"/>
+    <p:sldId id="276" r:id="rId16"/>
+    <p:sldId id="266" r:id="rId17"/>
+    <p:sldId id="269" r:id="rId18"/>
+    <p:sldId id="267" r:id="rId19"/>
+    <p:sldId id="271" r:id="rId20"/>
+    <p:sldId id="268" r:id="rId21"/>
+    <p:sldId id="273" r:id="rId22"/>
   </p:sldIdLst>
   <p:sldSz cx="12192000" cy="6858000"/>
   <p:notesSz cx="6858000" cy="9144000"/>
@@ -216,7 +217,7 @@
           <a:p>
             <a:fld id="{81248907-F516-46AB-BD86-AD7F77155939}" type="datetimeFigureOut">
               <a:rPr lang="en-US" smtClean="0"/>
-              <a:t>11/22/2023</a:t>
+              <a:t>12/26/2023</a:t>
             </a:fld>
             <a:endParaRPr lang="en-US"/>
           </a:p>
@@ -729,7 +730,7 @@
           <a:p>
             <a:fld id="{2977B670-CD6F-44BD-91AC-635F81E02A72}" type="datetimeFigureOut">
               <a:rPr lang="en-US" smtClean="0"/>
-              <a:t>11/22/2023</a:t>
+              <a:t>12/26/2023</a:t>
             </a:fld>
             <a:endParaRPr lang="en-US"/>
           </a:p>
@@ -927,7 +928,7 @@
           <a:p>
             <a:fld id="{2977B670-CD6F-44BD-91AC-635F81E02A72}" type="datetimeFigureOut">
               <a:rPr lang="en-US" smtClean="0"/>
-              <a:t>11/22/2023</a:t>
+              <a:t>12/26/2023</a:t>
             </a:fld>
             <a:endParaRPr lang="en-US"/>
           </a:p>
@@ -1135,7 +1136,7 @@
           <a:p>
             <a:fld id="{2977B670-CD6F-44BD-91AC-635F81E02A72}" type="datetimeFigureOut">
               <a:rPr lang="en-US" smtClean="0"/>
-              <a:t>11/22/2023</a:t>
+              <a:t>12/26/2023</a:t>
             </a:fld>
             <a:endParaRPr lang="en-US"/>
           </a:p>
@@ -1333,7 +1334,7 @@
           <a:p>
             <a:fld id="{2977B670-CD6F-44BD-91AC-635F81E02A72}" type="datetimeFigureOut">
               <a:rPr lang="en-US" smtClean="0"/>
-              <a:t>11/22/2023</a:t>
+              <a:t>12/26/2023</a:t>
             </a:fld>
             <a:endParaRPr lang="en-US"/>
           </a:p>
@@ -1608,7 +1609,7 @@
           <a:p>
             <a:fld id="{2977B670-CD6F-44BD-91AC-635F81E02A72}" type="datetimeFigureOut">
               <a:rPr lang="en-US" smtClean="0"/>
-              <a:t>11/22/2023</a:t>
+              <a:t>12/26/2023</a:t>
             </a:fld>
             <a:endParaRPr lang="en-US"/>
           </a:p>
@@ -1873,7 +1874,7 @@
           <a:p>
             <a:fld id="{2977B670-CD6F-44BD-91AC-635F81E02A72}" type="datetimeFigureOut">
               <a:rPr lang="en-US" smtClean="0"/>
-              <a:t>11/22/2023</a:t>
+              <a:t>12/26/2023</a:t>
             </a:fld>
             <a:endParaRPr lang="en-US"/>
           </a:p>
@@ -2285,7 +2286,7 @@
           <a:p>
             <a:fld id="{2977B670-CD6F-44BD-91AC-635F81E02A72}" type="datetimeFigureOut">
               <a:rPr lang="en-US" smtClean="0"/>
-              <a:t>11/22/2023</a:t>
+              <a:t>12/26/2023</a:t>
             </a:fld>
             <a:endParaRPr lang="en-US"/>
           </a:p>
@@ -2426,7 +2427,7 @@
           <a:p>
             <a:fld id="{2977B670-CD6F-44BD-91AC-635F81E02A72}" type="datetimeFigureOut">
               <a:rPr lang="en-US" smtClean="0"/>
-              <a:t>11/22/2023</a:t>
+              <a:t>12/26/2023</a:t>
             </a:fld>
             <a:endParaRPr lang="en-US"/>
           </a:p>
@@ -2539,7 +2540,7 @@
           <a:p>
             <a:fld id="{2977B670-CD6F-44BD-91AC-635F81E02A72}" type="datetimeFigureOut">
               <a:rPr lang="en-US" smtClean="0"/>
-              <a:t>11/22/2023</a:t>
+              <a:t>12/26/2023</a:t>
             </a:fld>
             <a:endParaRPr lang="en-US"/>
           </a:p>
@@ -2850,7 +2851,7 @@
           <a:p>
             <a:fld id="{2977B670-CD6F-44BD-91AC-635F81E02A72}" type="datetimeFigureOut">
               <a:rPr lang="en-US" smtClean="0"/>
-              <a:t>11/22/2023</a:t>
+              <a:t>12/26/2023</a:t>
             </a:fld>
             <a:endParaRPr lang="en-US"/>
           </a:p>
@@ -3138,7 +3139,7 @@
           <a:p>
             <a:fld id="{2977B670-CD6F-44BD-91AC-635F81E02A72}" type="datetimeFigureOut">
               <a:rPr lang="en-US" smtClean="0"/>
-              <a:t>11/22/2023</a:t>
+              <a:t>12/26/2023</a:t>
             </a:fld>
             <a:endParaRPr lang="en-US"/>
           </a:p>
@@ -3379,7 +3380,7 @@
           <a:p>
             <a:fld id="{2977B670-CD6F-44BD-91AC-635F81E02A72}" type="datetimeFigureOut">
               <a:rPr lang="en-US" smtClean="0"/>
-              <a:t>11/22/2023</a:t>
+              <a:t>12/26/2023</a:t>
             </a:fld>
             <a:endParaRPr lang="en-US"/>
           </a:p>
@@ -4042,7 +4043,7 @@
               <a:rPr lang="en-US" sz="2000" dirty="0">
                 <a:latin typeface="Monotype Corsiva" panose="03010101010201010101" pitchFamily="66" charset="0"/>
               </a:rPr>
-              <a:t>/18</a:t>
+              <a:t>/19</a:t>
             </a:r>
           </a:p>
         </p:txBody>
@@ -4350,7 +4351,7 @@
               <a:rPr lang="en-US" sz="2000" dirty="0">
                 <a:latin typeface="Monotype Corsiva" panose="03010101010201010101" pitchFamily="66" charset="0"/>
               </a:rPr>
-              <a:t>9/18</a:t>
+              <a:t>9/19</a:t>
             </a:r>
           </a:p>
         </p:txBody>
@@ -4807,7 +4808,7 @@
               <a:rPr lang="en-US" sz="2000" dirty="0">
                 <a:latin typeface="Monotype Corsiva" panose="03010101010201010101" pitchFamily="66" charset="0"/>
               </a:rPr>
-              <a:t>10/18</a:t>
+              <a:t>10/19</a:t>
             </a:r>
           </a:p>
         </p:txBody>
@@ -5449,7 +5450,7 @@
               <a:rPr lang="en-US" sz="2000" dirty="0">
                 <a:latin typeface="Monotype Corsiva" panose="03010101010201010101" pitchFamily="66" charset="0"/>
               </a:rPr>
-              <a:t>1/18</a:t>
+              <a:t>1/19</a:t>
             </a:r>
           </a:p>
         </p:txBody>
@@ -5955,7 +5956,7 @@
               <a:rPr lang="en-US" sz="2000" dirty="0">
                 <a:latin typeface="Monotype Corsiva" panose="03010101010201010101" pitchFamily="66" charset="0"/>
               </a:rPr>
-              <a:t>2/18</a:t>
+              <a:t>2/19</a:t>
             </a:r>
           </a:p>
         </p:txBody>
@@ -6403,7 +6404,7 @@
               <a:rPr lang="en-US" sz="2000" dirty="0">
                 <a:latin typeface="Monotype Corsiva" panose="03010101010201010101" pitchFamily="66" charset="0"/>
               </a:rPr>
-              <a:t>3/18</a:t>
+              <a:t>3/19</a:t>
             </a:r>
           </a:p>
         </p:txBody>
@@ -6557,6 +6558,6115 @@
 </file>
 
 <file path=ppt/slides/slide15.xml><?xml version="1.0" encoding="utf-8"?>
+<p:sld xmlns:a="http://schemas.openxmlformats.org/drawingml/2006/main" xmlns:r="http://schemas.openxmlformats.org/officeDocument/2006/relationships" xmlns:p="http://schemas.openxmlformats.org/presentationml/2006/main">
+  <p:cSld>
+    <p:spTree>
+      <p:nvGrpSpPr>
+        <p:cNvPr id="1" name=""/>
+        <p:cNvGrpSpPr/>
+        <p:nvPr/>
+      </p:nvGrpSpPr>
+      <p:grpSpPr>
+        <a:xfrm>
+          <a:off x="0" y="0"/>
+          <a:ext cx="0" cy="0"/>
+          <a:chOff x="0" y="0"/>
+          <a:chExt cx="0" cy="0"/>
+        </a:xfrm>
+      </p:grpSpPr>
+      <p:sp>
+        <p:nvSpPr>
+          <p:cNvPr id="3" name="Content Placeholder 2">
+            <a:extLst>
+              <a:ext uri="{FF2B5EF4-FFF2-40B4-BE49-F238E27FC236}">
+                <a16:creationId xmlns:a16="http://schemas.microsoft.com/office/drawing/2014/main" id="{F4D84CA4-18C6-4163-833B-1C0A8B548FE8}"/>
+              </a:ext>
+            </a:extLst>
+          </p:cNvPr>
+          <p:cNvSpPr>
+            <a:spLocks noGrp="1"/>
+          </p:cNvSpPr>
+          <p:nvPr>
+            <p:ph idx="1"/>
+          </p:nvPr>
+        </p:nvSpPr>
+        <p:spPr>
+          <a:xfrm>
+            <a:off x="635977" y="945545"/>
+            <a:ext cx="10515600" cy="4351338"/>
+          </a:xfrm>
+        </p:spPr>
+        <p:txBody>
+          <a:bodyPr/>
+          <a:lstStyle/>
+          <a:p>
+            <a:pPr marL="0" indent="0">
+              <a:buNone/>
+            </a:pPr>
+            <a:r>
+              <a:rPr lang="ru-RU" dirty="0">
+                <a:latin typeface="Times New Roman" panose="02020603050405020304" pitchFamily="18" charset="0"/>
+                <a:cs typeface="Times New Roman" panose="02020603050405020304" pitchFamily="18" charset="0"/>
+              </a:rPr>
+              <a:t>5. Частично подготовлены результаты для дневного прогноза </a:t>
+            </a:r>
+            <a:r>
+              <a:rPr lang="en-US" dirty="0">
+                <a:latin typeface="Times New Roman" panose="02020603050405020304" pitchFamily="18" charset="0"/>
+                <a:cs typeface="Times New Roman" panose="02020603050405020304" pitchFamily="18" charset="0"/>
+              </a:rPr>
+              <a:t>S&amp;P500</a:t>
+            </a:r>
+          </a:p>
+        </p:txBody>
+      </p:sp>
+      <p:sp>
+        <p:nvSpPr>
+          <p:cNvPr id="11" name="Rectangle 10">
+            <a:extLst>
+              <a:ext uri="{FF2B5EF4-FFF2-40B4-BE49-F238E27FC236}">
+                <a16:creationId xmlns:a16="http://schemas.microsoft.com/office/drawing/2014/main" id="{22C388C0-594B-4536-8392-8669A01F1456}"/>
+              </a:ext>
+            </a:extLst>
+          </p:cNvPr>
+          <p:cNvSpPr/>
+          <p:nvPr/>
+        </p:nvSpPr>
+        <p:spPr>
+          <a:xfrm>
+            <a:off x="6096000" y="6602136"/>
+            <a:ext cx="6096000" cy="255864"/>
+          </a:xfrm>
+          <a:prstGeom prst="rect">
+            <a:avLst/>
+          </a:prstGeom>
+          <a:solidFill>
+            <a:schemeClr val="accent1"/>
+          </a:solidFill>
+          <a:ln>
+            <a:solidFill>
+              <a:schemeClr val="accent1"/>
+            </a:solidFill>
+          </a:ln>
+        </p:spPr>
+        <p:style>
+          <a:lnRef idx="2">
+            <a:schemeClr val="accent2">
+              <a:shade val="50000"/>
+            </a:schemeClr>
+          </a:lnRef>
+          <a:fillRef idx="1">
+            <a:schemeClr val="accent2"/>
+          </a:fillRef>
+          <a:effectRef idx="0">
+            <a:schemeClr val="accent2"/>
+          </a:effectRef>
+          <a:fontRef idx="minor">
+            <a:schemeClr val="lt1"/>
+          </a:fontRef>
+        </p:style>
+        <p:txBody>
+          <a:bodyPr rtlCol="0" anchor="ctr"/>
+          <a:lstStyle/>
+          <a:p>
+            <a:pPr algn="r"/>
+            <a:r>
+              <a:rPr lang="ru-RU" sz="2000" dirty="0">
+                <a:latin typeface="Monotype Corsiva" panose="03010101010201010101" pitchFamily="66" charset="0"/>
+              </a:rPr>
+              <a:t>1</a:t>
+            </a:r>
+            <a:r>
+              <a:rPr lang="en-US" sz="2000" dirty="0">
+                <a:latin typeface="Monotype Corsiva" panose="03010101010201010101" pitchFamily="66" charset="0"/>
+              </a:rPr>
+              <a:t>4/19</a:t>
+            </a:r>
+          </a:p>
+        </p:txBody>
+      </p:sp>
+      <p:sp>
+        <p:nvSpPr>
+          <p:cNvPr id="12" name="Rectangle 11">
+            <a:extLst>
+              <a:ext uri="{FF2B5EF4-FFF2-40B4-BE49-F238E27FC236}">
+                <a16:creationId xmlns:a16="http://schemas.microsoft.com/office/drawing/2014/main" id="{18F0FAF1-41EA-4CF7-B464-50AE9A827458}"/>
+              </a:ext>
+            </a:extLst>
+          </p:cNvPr>
+          <p:cNvSpPr/>
+          <p:nvPr/>
+        </p:nvSpPr>
+        <p:spPr>
+          <a:xfrm>
+            <a:off x="0" y="0"/>
+            <a:ext cx="12192000" cy="587229"/>
+          </a:xfrm>
+          <a:prstGeom prst="rect">
+            <a:avLst/>
+          </a:prstGeom>
+          <a:solidFill>
+            <a:schemeClr val="accent1"/>
+          </a:solidFill>
+          <a:ln>
+            <a:solidFill>
+              <a:schemeClr val="accent1"/>
+            </a:solidFill>
+          </a:ln>
+        </p:spPr>
+        <p:style>
+          <a:lnRef idx="2">
+            <a:schemeClr val="accent2">
+              <a:shade val="50000"/>
+            </a:schemeClr>
+          </a:lnRef>
+          <a:fillRef idx="1">
+            <a:schemeClr val="accent2"/>
+          </a:fillRef>
+          <a:effectRef idx="0">
+            <a:schemeClr val="accent2"/>
+          </a:effectRef>
+          <a:fontRef idx="minor">
+            <a:schemeClr val="lt1"/>
+          </a:fontRef>
+        </p:style>
+        <p:txBody>
+          <a:bodyPr rtlCol="0" anchor="ctr"/>
+          <a:lstStyle/>
+          <a:p>
+            <a:r>
+              <a:rPr lang="ru-RU" sz="3200" dirty="0">
+                <a:latin typeface="Comic Sans MS" panose="030F0702030302020204" pitchFamily="66" charset="0"/>
+              </a:rPr>
+              <a:t>Ход работы</a:t>
+            </a:r>
+            <a:endParaRPr lang="en-US" sz="3200" dirty="0">
+              <a:latin typeface="Comic Sans MS" panose="030F0702030302020204" pitchFamily="66" charset="0"/>
+            </a:endParaRPr>
+          </a:p>
+        </p:txBody>
+      </p:sp>
+      <p:sp>
+        <p:nvSpPr>
+          <p:cNvPr id="13" name="Rectangle 12">
+            <a:extLst>
+              <a:ext uri="{FF2B5EF4-FFF2-40B4-BE49-F238E27FC236}">
+                <a16:creationId xmlns:a16="http://schemas.microsoft.com/office/drawing/2014/main" id="{363025DC-ACFB-4017-ADA4-16A57522EF2C}"/>
+              </a:ext>
+            </a:extLst>
+          </p:cNvPr>
+          <p:cNvSpPr/>
+          <p:nvPr/>
+        </p:nvSpPr>
+        <p:spPr>
+          <a:xfrm>
+            <a:off x="0" y="6602136"/>
+            <a:ext cx="6096000" cy="255864"/>
+          </a:xfrm>
+          <a:prstGeom prst="rect">
+            <a:avLst/>
+          </a:prstGeom>
+          <a:solidFill>
+            <a:schemeClr val="accent1">
+              <a:lumMod val="50000"/>
+            </a:schemeClr>
+          </a:solidFill>
+          <a:ln>
+            <a:solidFill>
+              <a:schemeClr val="accent1">
+                <a:lumMod val="50000"/>
+              </a:schemeClr>
+            </a:solidFill>
+          </a:ln>
+        </p:spPr>
+        <p:style>
+          <a:lnRef idx="2">
+            <a:schemeClr val="accent2">
+              <a:shade val="50000"/>
+            </a:schemeClr>
+          </a:lnRef>
+          <a:fillRef idx="1">
+            <a:schemeClr val="accent2"/>
+          </a:fillRef>
+          <a:effectRef idx="0">
+            <a:schemeClr val="accent2"/>
+          </a:effectRef>
+          <a:fontRef idx="minor">
+            <a:schemeClr val="lt1"/>
+          </a:fontRef>
+        </p:style>
+        <p:txBody>
+          <a:bodyPr rtlCol="0" anchor="ctr"/>
+          <a:lstStyle/>
+          <a:p>
+            <a:r>
+              <a:rPr lang="en-US" sz="1700" b="0" i="0" dirty="0">
+                <a:solidFill>
+                  <a:schemeClr val="bg1"/>
+                </a:solidFill>
+                <a:effectLst/>
+                <a:latin typeface="Microsoft YaHei UI Light" panose="020B0502040204020203" pitchFamily="34" charset="-122"/>
+                <a:ea typeface="Microsoft YaHei UI Light" panose="020B0502040204020203" pitchFamily="34" charset="-122"/>
+              </a:rPr>
+              <a:t>a.khorunzhenko@g.nsu.ru</a:t>
+            </a:r>
+            <a:endParaRPr lang="en-US" sz="1700" dirty="0">
+              <a:solidFill>
+                <a:schemeClr val="bg1"/>
+              </a:solidFill>
+              <a:latin typeface="Microsoft YaHei UI Light" panose="020B0502040204020203" pitchFamily="34" charset="-122"/>
+              <a:ea typeface="Microsoft YaHei UI Light" panose="020B0502040204020203" pitchFamily="34" charset="-122"/>
+            </a:endParaRPr>
+          </a:p>
+        </p:txBody>
+      </p:sp>
+      <p:graphicFrame>
+        <p:nvGraphicFramePr>
+          <p:cNvPr id="2" name="Таблица 1">
+            <a:extLst>
+              <a:ext uri="{FF2B5EF4-FFF2-40B4-BE49-F238E27FC236}">
+                <a16:creationId xmlns:a16="http://schemas.microsoft.com/office/drawing/2014/main" id="{FA93798F-22BC-4F99-B2B1-49E179D9C897}"/>
+              </a:ext>
+            </a:extLst>
+          </p:cNvPr>
+          <p:cNvGraphicFramePr>
+            <a:graphicFrameLocks noGrp="1"/>
+          </p:cNvGraphicFramePr>
+          <p:nvPr>
+            <p:extLst>
+              <p:ext uri="{D42A27DB-BD31-4B8C-83A1-F6EECF244321}">
+                <p14:modId xmlns:p14="http://schemas.microsoft.com/office/powerpoint/2010/main" val="1357168366"/>
+              </p:ext>
+            </p:extLst>
+          </p:nvPr>
+        </p:nvGraphicFramePr>
+        <p:xfrm>
+          <a:off x="793660" y="1792766"/>
+          <a:ext cx="10200233" cy="4781662"/>
+        </p:xfrm>
+        <a:graphic>
+          <a:graphicData uri="http://schemas.openxmlformats.org/drawingml/2006/table">
+            <a:tbl>
+              <a:tblPr>
+                <a:tableStyleId>{5C22544A-7EE6-4342-B048-85BDC9FD1C3A}</a:tableStyleId>
+              </a:tblPr>
+              <a:tblGrid>
+                <a:gridCol w="1274305">
+                  <a:extLst>
+                    <a:ext uri="{9D8B030D-6E8A-4147-A177-3AD203B41FA5}">
+                      <a16:colId xmlns:a16="http://schemas.microsoft.com/office/drawing/2014/main" val="150193189"/>
+                    </a:ext>
+                  </a:extLst>
+                </a:gridCol>
+                <a:gridCol w="903598">
+                  <a:extLst>
+                    <a:ext uri="{9D8B030D-6E8A-4147-A177-3AD203B41FA5}">
+                      <a16:colId xmlns:a16="http://schemas.microsoft.com/office/drawing/2014/main" val="797746627"/>
+                    </a:ext>
+                  </a:extLst>
+                </a:gridCol>
+                <a:gridCol w="721141">
+                  <a:extLst>
+                    <a:ext uri="{9D8B030D-6E8A-4147-A177-3AD203B41FA5}">
+                      <a16:colId xmlns:a16="http://schemas.microsoft.com/office/drawing/2014/main" val="2993037226"/>
+                    </a:ext>
+                  </a:extLst>
+                </a:gridCol>
+                <a:gridCol w="825402">
+                  <a:extLst>
+                    <a:ext uri="{9D8B030D-6E8A-4147-A177-3AD203B41FA5}">
+                      <a16:colId xmlns:a16="http://schemas.microsoft.com/office/drawing/2014/main" val="1176806693"/>
+                    </a:ext>
+                  </a:extLst>
+                </a:gridCol>
+                <a:gridCol w="825402">
+                  <a:extLst>
+                    <a:ext uri="{9D8B030D-6E8A-4147-A177-3AD203B41FA5}">
+                      <a16:colId xmlns:a16="http://schemas.microsoft.com/office/drawing/2014/main" val="4084299248"/>
+                    </a:ext>
+                  </a:extLst>
+                </a:gridCol>
+                <a:gridCol w="860157">
+                  <a:extLst>
+                    <a:ext uri="{9D8B030D-6E8A-4147-A177-3AD203B41FA5}">
+                      <a16:colId xmlns:a16="http://schemas.microsoft.com/office/drawing/2014/main" val="2739273351"/>
+                    </a:ext>
+                  </a:extLst>
+                </a:gridCol>
+                <a:gridCol w="1112122">
+                  <a:extLst>
+                    <a:ext uri="{9D8B030D-6E8A-4147-A177-3AD203B41FA5}">
+                      <a16:colId xmlns:a16="http://schemas.microsoft.com/office/drawing/2014/main" val="694288513"/>
+                    </a:ext>
+                  </a:extLst>
+                </a:gridCol>
+                <a:gridCol w="1068678">
+                  <a:extLst>
+                    <a:ext uri="{9D8B030D-6E8A-4147-A177-3AD203B41FA5}">
+                      <a16:colId xmlns:a16="http://schemas.microsoft.com/office/drawing/2014/main" val="2761126684"/>
+                    </a:ext>
+                  </a:extLst>
+                </a:gridCol>
+                <a:gridCol w="1007859">
+                  <a:extLst>
+                    <a:ext uri="{9D8B030D-6E8A-4147-A177-3AD203B41FA5}">
+                      <a16:colId xmlns:a16="http://schemas.microsoft.com/office/drawing/2014/main" val="1993969630"/>
+                    </a:ext>
+                  </a:extLst>
+                </a:gridCol>
+                <a:gridCol w="1068678">
+                  <a:extLst>
+                    <a:ext uri="{9D8B030D-6E8A-4147-A177-3AD203B41FA5}">
+                      <a16:colId xmlns:a16="http://schemas.microsoft.com/office/drawing/2014/main" val="1333766201"/>
+                    </a:ext>
+                  </a:extLst>
+                </a:gridCol>
+                <a:gridCol w="532891">
+                  <a:extLst>
+                    <a:ext uri="{9D8B030D-6E8A-4147-A177-3AD203B41FA5}">
+                      <a16:colId xmlns:a16="http://schemas.microsoft.com/office/drawing/2014/main" val="1440674973"/>
+                    </a:ext>
+                  </a:extLst>
+                </a:gridCol>
+              </a:tblGrid>
+              <a:tr h="594323">
+                <a:tc>
+                  <a:txBody>
+                    <a:bodyPr/>
+                    <a:lstStyle/>
+                    <a:p>
+                      <a:pPr algn="ctr" fontAlgn="ctr"/>
+                      <a:r>
+                        <a:rPr lang="ru-RU" sz="1000" u="none" strike="noStrike" dirty="0">
+                          <a:effectLst/>
+                        </a:rPr>
+                        <a:t>Название модели</a:t>
+                      </a:r>
+                      <a:endParaRPr lang="ru-RU" sz="1000" b="0" i="0" u="none" strike="noStrike" dirty="0">
+                        <a:solidFill>
+                          <a:srgbClr val="000000"/>
+                        </a:solidFill>
+                        <a:effectLst/>
+                        <a:latin typeface="Times New Roman" panose="02020603050405020304" pitchFamily="18" charset="0"/>
+                      </a:endParaRPr>
+                    </a:p>
+                  </a:txBody>
+                  <a:tcPr marL="5620" marR="5620" marT="5620" marB="0" anchor="ctr"/>
+                </a:tc>
+                <a:tc>
+                  <a:txBody>
+                    <a:bodyPr/>
+                    <a:lstStyle/>
+                    <a:p>
+                      <a:pPr algn="ctr" fontAlgn="ctr"/>
+                      <a:r>
+                        <a:rPr lang="ru-RU" sz="1000" u="none" strike="noStrike">
+                          <a:effectLst/>
+                        </a:rPr>
+                        <a:t>Вариант заполнения пустот</a:t>
+                      </a:r>
+                      <a:endParaRPr lang="ru-RU" sz="1000" b="0" i="0" u="none" strike="noStrike">
+                        <a:solidFill>
+                          <a:srgbClr val="000000"/>
+                        </a:solidFill>
+                        <a:effectLst/>
+                        <a:latin typeface="Times New Roman" panose="02020603050405020304" pitchFamily="18" charset="0"/>
+                      </a:endParaRPr>
+                    </a:p>
+                  </a:txBody>
+                  <a:tcPr marL="5620" marR="5620" marT="5620" marB="0" anchor="ctr"/>
+                </a:tc>
+                <a:tc>
+                  <a:txBody>
+                    <a:bodyPr/>
+                    <a:lstStyle/>
+                    <a:p>
+                      <a:pPr algn="ctr" fontAlgn="ctr"/>
+                      <a:r>
+                        <a:rPr lang="ru-RU" sz="1000" u="none" strike="noStrike">
+                          <a:effectLst/>
+                        </a:rPr>
+                        <a:t>Общее количество данных</a:t>
+                      </a:r>
+                      <a:endParaRPr lang="ru-RU" sz="1000" b="0" i="0" u="none" strike="noStrike">
+                        <a:solidFill>
+                          <a:srgbClr val="000000"/>
+                        </a:solidFill>
+                        <a:effectLst/>
+                        <a:latin typeface="Times New Roman" panose="02020603050405020304" pitchFamily="18" charset="0"/>
+                      </a:endParaRPr>
+                    </a:p>
+                  </a:txBody>
+                  <a:tcPr marL="5620" marR="5620" marT="5620" marB="0" anchor="ctr"/>
+                </a:tc>
+                <a:tc>
+                  <a:txBody>
+                    <a:bodyPr/>
+                    <a:lstStyle/>
+                    <a:p>
+                      <a:pPr algn="ctr" fontAlgn="ctr"/>
+                      <a:r>
+                        <a:rPr lang="ru-RU" sz="1000" u="none" strike="noStrike">
+                          <a:effectLst/>
+                        </a:rPr>
+                        <a:t>Количество данных для обучения</a:t>
+                      </a:r>
+                      <a:endParaRPr lang="ru-RU" sz="1000" b="0" i="0" u="none" strike="noStrike">
+                        <a:solidFill>
+                          <a:srgbClr val="000000"/>
+                        </a:solidFill>
+                        <a:effectLst/>
+                        <a:latin typeface="Times New Roman" panose="02020603050405020304" pitchFamily="18" charset="0"/>
+                      </a:endParaRPr>
+                    </a:p>
+                  </a:txBody>
+                  <a:tcPr marL="5620" marR="5620" marT="5620" marB="0" anchor="ctr"/>
+                </a:tc>
+                <a:tc>
+                  <a:txBody>
+                    <a:bodyPr/>
+                    <a:lstStyle/>
+                    <a:p>
+                      <a:pPr algn="ctr" fontAlgn="ctr"/>
+                      <a:r>
+                        <a:rPr lang="ru-RU" sz="1000" u="none" strike="noStrike">
+                          <a:effectLst/>
+                        </a:rPr>
+                        <a:t>Количество данных для теста</a:t>
+                      </a:r>
+                      <a:endParaRPr lang="ru-RU" sz="1000" b="0" i="0" u="none" strike="noStrike">
+                        <a:solidFill>
+                          <a:srgbClr val="000000"/>
+                        </a:solidFill>
+                        <a:effectLst/>
+                        <a:latin typeface="Times New Roman" panose="02020603050405020304" pitchFamily="18" charset="0"/>
+                      </a:endParaRPr>
+                    </a:p>
+                  </a:txBody>
+                  <a:tcPr marL="5620" marR="5620" marT="5620" marB="0" anchor="ctr"/>
+                </a:tc>
+                <a:tc>
+                  <a:txBody>
+                    <a:bodyPr/>
+                    <a:lstStyle/>
+                    <a:p>
+                      <a:pPr algn="ctr" fontAlgn="ctr"/>
+                      <a:r>
+                        <a:rPr lang="ru-RU" sz="1000" u="none" strike="noStrike" dirty="0">
+                          <a:effectLst/>
+                        </a:rPr>
+                        <a:t>Количество данных для прогнозирования</a:t>
+                      </a:r>
+                      <a:endParaRPr lang="ru-RU" sz="1000" b="0" i="0" u="none" strike="noStrike" dirty="0">
+                        <a:solidFill>
+                          <a:srgbClr val="000000"/>
+                        </a:solidFill>
+                        <a:effectLst/>
+                        <a:latin typeface="Times New Roman" panose="02020603050405020304" pitchFamily="18" charset="0"/>
+                      </a:endParaRPr>
+                    </a:p>
+                  </a:txBody>
+                  <a:tcPr marL="5620" marR="5620" marT="5620" marB="0" anchor="ctr"/>
+                </a:tc>
+                <a:tc>
+                  <a:txBody>
+                    <a:bodyPr/>
+                    <a:lstStyle/>
+                    <a:p>
+                      <a:pPr algn="ctr" fontAlgn="ctr"/>
+                      <a:r>
+                        <a:rPr lang="ru-RU" sz="1000" u="none" strike="noStrike">
+                          <a:effectLst/>
+                        </a:rPr>
+                        <a:t>Минимальное отклонение, ед.</a:t>
+                      </a:r>
+                      <a:endParaRPr lang="ru-RU" sz="1000" b="0" i="0" u="none" strike="noStrike">
+                        <a:solidFill>
+                          <a:srgbClr val="000000"/>
+                        </a:solidFill>
+                        <a:effectLst/>
+                        <a:latin typeface="Times New Roman" panose="02020603050405020304" pitchFamily="18" charset="0"/>
+                      </a:endParaRPr>
+                    </a:p>
+                  </a:txBody>
+                  <a:tcPr marL="5620" marR="5620" marT="5620" marB="0" anchor="ctr"/>
+                </a:tc>
+                <a:tc>
+                  <a:txBody>
+                    <a:bodyPr/>
+                    <a:lstStyle/>
+                    <a:p>
+                      <a:pPr algn="ctr" fontAlgn="ctr"/>
+                      <a:r>
+                        <a:rPr lang="ru-RU" sz="1000" u="none" strike="noStrike">
+                          <a:effectLst/>
+                        </a:rPr>
+                        <a:t>Максимальное отклонение, ед.</a:t>
+                      </a:r>
+                      <a:endParaRPr lang="ru-RU" sz="1000" b="0" i="0" u="none" strike="noStrike">
+                        <a:solidFill>
+                          <a:srgbClr val="000000"/>
+                        </a:solidFill>
+                        <a:effectLst/>
+                        <a:latin typeface="Times New Roman" panose="02020603050405020304" pitchFamily="18" charset="0"/>
+                      </a:endParaRPr>
+                    </a:p>
+                  </a:txBody>
+                  <a:tcPr marL="5620" marR="5620" marT="5620" marB="0" anchor="ctr"/>
+                </a:tc>
+                <a:tc>
+                  <a:txBody>
+                    <a:bodyPr/>
+                    <a:lstStyle/>
+                    <a:p>
+                      <a:pPr algn="ctr" fontAlgn="ctr"/>
+                      <a:r>
+                        <a:rPr lang="ru-RU" sz="1000" u="none" strike="noStrike">
+                          <a:effectLst/>
+                        </a:rPr>
+                        <a:t>Минимальное отклонение, %</a:t>
+                      </a:r>
+                      <a:endParaRPr lang="ru-RU" sz="1000" b="0" i="0" u="none" strike="noStrike">
+                        <a:solidFill>
+                          <a:srgbClr val="000000"/>
+                        </a:solidFill>
+                        <a:effectLst/>
+                        <a:latin typeface="Times New Roman" panose="02020603050405020304" pitchFamily="18" charset="0"/>
+                      </a:endParaRPr>
+                    </a:p>
+                  </a:txBody>
+                  <a:tcPr marL="5620" marR="5620" marT="5620" marB="0" anchor="ctr"/>
+                </a:tc>
+                <a:tc>
+                  <a:txBody>
+                    <a:bodyPr/>
+                    <a:lstStyle/>
+                    <a:p>
+                      <a:pPr algn="ctr" fontAlgn="ctr"/>
+                      <a:r>
+                        <a:rPr lang="ru-RU" sz="1000" u="none" strike="noStrike">
+                          <a:effectLst/>
+                        </a:rPr>
+                        <a:t>Максимальное отклонение, %</a:t>
+                      </a:r>
+                      <a:endParaRPr lang="ru-RU" sz="1000" b="0" i="0" u="none" strike="noStrike">
+                        <a:solidFill>
+                          <a:srgbClr val="000000"/>
+                        </a:solidFill>
+                        <a:effectLst/>
+                        <a:latin typeface="Times New Roman" panose="02020603050405020304" pitchFamily="18" charset="0"/>
+                      </a:endParaRPr>
+                    </a:p>
+                  </a:txBody>
+                  <a:tcPr marL="5620" marR="5620" marT="5620" marB="0" anchor="ctr"/>
+                </a:tc>
+                <a:tc>
+                  <a:txBody>
+                    <a:bodyPr/>
+                    <a:lstStyle/>
+                    <a:p>
+                      <a:pPr algn="ctr" fontAlgn="ctr"/>
+                      <a:r>
+                        <a:rPr lang="en-US" sz="1000" u="none" strike="noStrike" dirty="0">
+                          <a:effectLst/>
+                        </a:rPr>
+                        <a:t>MAPE</a:t>
+                      </a:r>
+                      <a:endParaRPr lang="en-US" sz="1000" b="0" i="0" u="none" strike="noStrike" dirty="0">
+                        <a:solidFill>
+                          <a:srgbClr val="000000"/>
+                        </a:solidFill>
+                        <a:effectLst/>
+                        <a:latin typeface="Times New Roman" panose="02020603050405020304" pitchFamily="18" charset="0"/>
+                      </a:endParaRPr>
+                    </a:p>
+                  </a:txBody>
+                  <a:tcPr marL="5620" marR="5620" marT="5620" marB="0" anchor="ctr"/>
+                </a:tc>
+                <a:extLst>
+                  <a:ext uri="{0D108BD9-81ED-4DB2-BD59-A6C34878D82A}">
+                    <a16:rowId xmlns:a16="http://schemas.microsoft.com/office/drawing/2014/main" val="2143218897"/>
+                  </a:ext>
+                </a:extLst>
+              </a:tr>
+              <a:tr h="299357">
+                <a:tc>
+                  <a:txBody>
+                    <a:bodyPr/>
+                    <a:lstStyle/>
+                    <a:p>
+                      <a:pPr algn="ctr" fontAlgn="ctr"/>
+                      <a:r>
+                        <a:rPr lang="en-US" sz="1000" u="none" strike="noStrike">
+                          <a:effectLst/>
+                        </a:rPr>
+                        <a:t>SARIMAX(5,1,2)(0,0,0)</a:t>
+                      </a:r>
+                      <a:endParaRPr lang="en-US" sz="1000" b="0" i="0" u="none" strike="noStrike">
+                        <a:solidFill>
+                          <a:srgbClr val="000000"/>
+                        </a:solidFill>
+                        <a:effectLst/>
+                        <a:latin typeface="Times New Roman" panose="02020603050405020304" pitchFamily="18" charset="0"/>
+                      </a:endParaRPr>
+                    </a:p>
+                  </a:txBody>
+                  <a:tcPr marL="5620" marR="5620" marT="5620" marB="0" anchor="ctr"/>
+                </a:tc>
+                <a:tc>
+                  <a:txBody>
+                    <a:bodyPr/>
+                    <a:lstStyle/>
+                    <a:p>
+                      <a:pPr algn="ctr" fontAlgn="ctr"/>
+                      <a:r>
+                        <a:rPr lang="en-US" sz="1000" u="none" strike="noStrike">
+                          <a:effectLst/>
+                        </a:rPr>
+                        <a:t>Forward fill</a:t>
+                      </a:r>
+                      <a:endParaRPr lang="en-US" sz="1000" b="0" i="0" u="none" strike="noStrike">
+                        <a:solidFill>
+                          <a:srgbClr val="000000"/>
+                        </a:solidFill>
+                        <a:effectLst/>
+                        <a:latin typeface="Times New Roman" panose="02020603050405020304" pitchFamily="18" charset="0"/>
+                      </a:endParaRPr>
+                    </a:p>
+                  </a:txBody>
+                  <a:tcPr marL="5620" marR="5620" marT="5620" marB="0" anchor="ctr"/>
+                </a:tc>
+                <a:tc>
+                  <a:txBody>
+                    <a:bodyPr/>
+                    <a:lstStyle/>
+                    <a:p>
+                      <a:pPr algn="ctr" fontAlgn="ctr"/>
+                      <a:r>
+                        <a:rPr lang="en-US" sz="1000" u="none" strike="noStrike">
+                          <a:effectLst/>
+                        </a:rPr>
+                        <a:t>1460</a:t>
+                      </a:r>
+                      <a:endParaRPr lang="en-US" sz="1000" b="0" i="0" u="none" strike="noStrike">
+                        <a:solidFill>
+                          <a:srgbClr val="000000"/>
+                        </a:solidFill>
+                        <a:effectLst/>
+                        <a:latin typeface="Times New Roman" panose="02020603050405020304" pitchFamily="18" charset="0"/>
+                      </a:endParaRPr>
+                    </a:p>
+                  </a:txBody>
+                  <a:tcPr marL="5620" marR="5620" marT="5620" marB="0" anchor="ctr"/>
+                </a:tc>
+                <a:tc>
+                  <a:txBody>
+                    <a:bodyPr/>
+                    <a:lstStyle/>
+                    <a:p>
+                      <a:pPr algn="ctr" fontAlgn="ctr"/>
+                      <a:r>
+                        <a:rPr lang="en-US" sz="1000" u="none" strike="noStrike">
+                          <a:effectLst/>
+                        </a:rPr>
+                        <a:t>1021</a:t>
+                      </a:r>
+                      <a:endParaRPr lang="en-US" sz="1000" b="0" i="0" u="none" strike="noStrike">
+                        <a:solidFill>
+                          <a:srgbClr val="000000"/>
+                        </a:solidFill>
+                        <a:effectLst/>
+                        <a:latin typeface="Times New Roman" panose="02020603050405020304" pitchFamily="18" charset="0"/>
+                      </a:endParaRPr>
+                    </a:p>
+                  </a:txBody>
+                  <a:tcPr marL="5620" marR="5620" marT="5620" marB="0" anchor="ctr"/>
+                </a:tc>
+                <a:tc>
+                  <a:txBody>
+                    <a:bodyPr/>
+                    <a:lstStyle/>
+                    <a:p>
+                      <a:pPr algn="ctr" fontAlgn="ctr"/>
+                      <a:r>
+                        <a:rPr lang="en-US" sz="1000" u="none" strike="noStrike">
+                          <a:effectLst/>
+                        </a:rPr>
+                        <a:t>-</a:t>
+                      </a:r>
+                      <a:endParaRPr lang="en-US" sz="1000" b="0" i="0" u="none" strike="noStrike">
+                        <a:solidFill>
+                          <a:srgbClr val="000000"/>
+                        </a:solidFill>
+                        <a:effectLst/>
+                        <a:latin typeface="Times New Roman" panose="02020603050405020304" pitchFamily="18" charset="0"/>
+                      </a:endParaRPr>
+                    </a:p>
+                  </a:txBody>
+                  <a:tcPr marL="5620" marR="5620" marT="5620" marB="0" anchor="ctr"/>
+                </a:tc>
+                <a:tc>
+                  <a:txBody>
+                    <a:bodyPr/>
+                    <a:lstStyle/>
+                    <a:p>
+                      <a:pPr algn="ctr" fontAlgn="ctr"/>
+                      <a:r>
+                        <a:rPr lang="en-US" sz="1000" u="none" strike="noStrike">
+                          <a:effectLst/>
+                        </a:rPr>
+                        <a:t>439</a:t>
+                      </a:r>
+                      <a:endParaRPr lang="en-US" sz="1000" b="0" i="0" u="none" strike="noStrike">
+                        <a:solidFill>
+                          <a:srgbClr val="000000"/>
+                        </a:solidFill>
+                        <a:effectLst/>
+                        <a:latin typeface="Times New Roman" panose="02020603050405020304" pitchFamily="18" charset="0"/>
+                      </a:endParaRPr>
+                    </a:p>
+                  </a:txBody>
+                  <a:tcPr marL="5620" marR="5620" marT="5620" marB="0" anchor="ctr"/>
+                </a:tc>
+                <a:tc>
+                  <a:txBody>
+                    <a:bodyPr/>
+                    <a:lstStyle/>
+                    <a:p>
+                      <a:pPr algn="ctr" fontAlgn="ctr"/>
+                      <a:r>
+                        <a:rPr lang="en-US" sz="1000" u="none" strike="noStrike">
+                          <a:effectLst/>
+                        </a:rPr>
+                        <a:t>2.622</a:t>
+                      </a:r>
+                      <a:endParaRPr lang="en-US" sz="1000" b="0" i="0" u="none" strike="noStrike">
+                        <a:solidFill>
+                          <a:srgbClr val="000000"/>
+                        </a:solidFill>
+                        <a:effectLst/>
+                        <a:latin typeface="Times New Roman" panose="02020603050405020304" pitchFamily="18" charset="0"/>
+                      </a:endParaRPr>
+                    </a:p>
+                  </a:txBody>
+                  <a:tcPr marL="5620" marR="5620" marT="5620" marB="0" anchor="ctr"/>
+                </a:tc>
+                <a:tc>
+                  <a:txBody>
+                    <a:bodyPr/>
+                    <a:lstStyle/>
+                    <a:p>
+                      <a:pPr algn="ctr" fontAlgn="ctr"/>
+                      <a:r>
+                        <a:rPr lang="en-US" sz="1000" u="none" strike="noStrike">
+                          <a:effectLst/>
+                        </a:rPr>
+                        <a:t>296.656</a:t>
+                      </a:r>
+                      <a:endParaRPr lang="en-US" sz="1000" b="0" i="0" u="none" strike="noStrike">
+                        <a:solidFill>
+                          <a:srgbClr val="000000"/>
+                        </a:solidFill>
+                        <a:effectLst/>
+                        <a:latin typeface="Times New Roman" panose="02020603050405020304" pitchFamily="18" charset="0"/>
+                      </a:endParaRPr>
+                    </a:p>
+                  </a:txBody>
+                  <a:tcPr marL="5620" marR="5620" marT="5620" marB="0" anchor="ctr"/>
+                </a:tc>
+                <a:tc>
+                  <a:txBody>
+                    <a:bodyPr/>
+                    <a:lstStyle/>
+                    <a:p>
+                      <a:pPr algn="ctr" fontAlgn="ctr"/>
+                      <a:r>
+                        <a:rPr lang="en-US" sz="1000" u="none" strike="noStrike">
+                          <a:effectLst/>
+                        </a:rPr>
+                        <a:t>0.14</a:t>
+                      </a:r>
+                      <a:endParaRPr lang="en-US" sz="1000" b="0" i="0" u="none" strike="noStrike">
+                        <a:solidFill>
+                          <a:srgbClr val="000000"/>
+                        </a:solidFill>
+                        <a:effectLst/>
+                        <a:latin typeface="Times New Roman" panose="02020603050405020304" pitchFamily="18" charset="0"/>
+                      </a:endParaRPr>
+                    </a:p>
+                  </a:txBody>
+                  <a:tcPr marL="5620" marR="5620" marT="5620" marB="0" anchor="ctr"/>
+                </a:tc>
+                <a:tc>
+                  <a:txBody>
+                    <a:bodyPr/>
+                    <a:lstStyle/>
+                    <a:p>
+                      <a:pPr algn="ctr" fontAlgn="b"/>
+                      <a:r>
+                        <a:rPr lang="en-US" sz="1000" u="none" strike="noStrike">
+                          <a:effectLst/>
+                        </a:rPr>
+                        <a:t>16.05</a:t>
+                      </a:r>
+                      <a:endParaRPr lang="en-US" sz="1000" b="0" i="0" u="none" strike="noStrike">
+                        <a:solidFill>
+                          <a:srgbClr val="000000"/>
+                        </a:solidFill>
+                        <a:effectLst/>
+                        <a:latin typeface="Times New Roman" panose="02020603050405020304" pitchFamily="18" charset="0"/>
+                      </a:endParaRPr>
+                    </a:p>
+                  </a:txBody>
+                  <a:tcPr marL="5620" marR="5620" marT="5620" marB="0" anchor="b"/>
+                </a:tc>
+                <a:tc>
+                  <a:txBody>
+                    <a:bodyPr/>
+                    <a:lstStyle/>
+                    <a:p>
+                      <a:pPr algn="ctr" fontAlgn="ctr"/>
+                      <a:r>
+                        <a:rPr lang="en-US" sz="1000" u="none" strike="noStrike">
+                          <a:effectLst/>
+                        </a:rPr>
+                        <a:t>7.146</a:t>
+                      </a:r>
+                      <a:endParaRPr lang="en-US" sz="1000" b="0" i="0" u="none" strike="noStrike">
+                        <a:solidFill>
+                          <a:srgbClr val="000000"/>
+                        </a:solidFill>
+                        <a:effectLst/>
+                        <a:latin typeface="Times New Roman" panose="02020603050405020304" pitchFamily="18" charset="0"/>
+                      </a:endParaRPr>
+                    </a:p>
+                  </a:txBody>
+                  <a:tcPr marL="5620" marR="5620" marT="5620" marB="0" anchor="ctr"/>
+                </a:tc>
+                <a:extLst>
+                  <a:ext uri="{0D108BD9-81ED-4DB2-BD59-A6C34878D82A}">
+                    <a16:rowId xmlns:a16="http://schemas.microsoft.com/office/drawing/2014/main" val="2605100497"/>
+                  </a:ext>
+                </a:extLst>
+              </a:tr>
+              <a:tr h="299357">
+                <a:tc>
+                  <a:txBody>
+                    <a:bodyPr/>
+                    <a:lstStyle/>
+                    <a:p>
+                      <a:pPr algn="ctr" fontAlgn="ctr"/>
+                      <a:r>
+                        <a:rPr lang="en-US" sz="1000" u="none" strike="noStrike">
+                          <a:effectLst/>
+                        </a:rPr>
+                        <a:t>SARIMAX(5,1,3)(0,0,0)</a:t>
+                      </a:r>
+                      <a:endParaRPr lang="en-US" sz="1000" b="0" i="0" u="none" strike="noStrike">
+                        <a:solidFill>
+                          <a:srgbClr val="000000"/>
+                        </a:solidFill>
+                        <a:effectLst/>
+                        <a:latin typeface="Times New Roman" panose="02020603050405020304" pitchFamily="18" charset="0"/>
+                      </a:endParaRPr>
+                    </a:p>
+                  </a:txBody>
+                  <a:tcPr marL="5620" marR="5620" marT="5620" marB="0" anchor="ctr"/>
+                </a:tc>
+                <a:tc>
+                  <a:txBody>
+                    <a:bodyPr/>
+                    <a:lstStyle/>
+                    <a:p>
+                      <a:pPr algn="ctr" fontAlgn="ctr"/>
+                      <a:r>
+                        <a:rPr lang="en-US" sz="1000" u="none" strike="noStrike">
+                          <a:effectLst/>
+                        </a:rPr>
+                        <a:t>Linear</a:t>
+                      </a:r>
+                      <a:endParaRPr lang="en-US" sz="1000" b="0" i="0" u="none" strike="noStrike">
+                        <a:solidFill>
+                          <a:srgbClr val="000000"/>
+                        </a:solidFill>
+                        <a:effectLst/>
+                        <a:latin typeface="Times New Roman" panose="02020603050405020304" pitchFamily="18" charset="0"/>
+                      </a:endParaRPr>
+                    </a:p>
+                  </a:txBody>
+                  <a:tcPr marL="5620" marR="5620" marT="5620" marB="0" anchor="ctr"/>
+                </a:tc>
+                <a:tc>
+                  <a:txBody>
+                    <a:bodyPr/>
+                    <a:lstStyle/>
+                    <a:p>
+                      <a:pPr algn="ctr" fontAlgn="b"/>
+                      <a:r>
+                        <a:rPr lang="en-US" sz="1000" u="none" strike="noStrike">
+                          <a:effectLst/>
+                        </a:rPr>
+                        <a:t>1460</a:t>
+                      </a:r>
+                      <a:endParaRPr lang="en-US" sz="1000" b="0" i="0" u="none" strike="noStrike">
+                        <a:solidFill>
+                          <a:srgbClr val="000000"/>
+                        </a:solidFill>
+                        <a:effectLst/>
+                        <a:latin typeface="Times New Roman" panose="02020603050405020304" pitchFamily="18" charset="0"/>
+                      </a:endParaRPr>
+                    </a:p>
+                  </a:txBody>
+                  <a:tcPr marL="5620" marR="5620" marT="5620" marB="0" anchor="b"/>
+                </a:tc>
+                <a:tc>
+                  <a:txBody>
+                    <a:bodyPr/>
+                    <a:lstStyle/>
+                    <a:p>
+                      <a:pPr algn="ctr" fontAlgn="b"/>
+                      <a:r>
+                        <a:rPr lang="en-US" sz="1000" u="none" strike="noStrike">
+                          <a:effectLst/>
+                        </a:rPr>
+                        <a:t>1021</a:t>
+                      </a:r>
+                      <a:endParaRPr lang="en-US" sz="1000" b="0" i="0" u="none" strike="noStrike">
+                        <a:solidFill>
+                          <a:srgbClr val="000000"/>
+                        </a:solidFill>
+                        <a:effectLst/>
+                        <a:latin typeface="Times New Roman" panose="02020603050405020304" pitchFamily="18" charset="0"/>
+                      </a:endParaRPr>
+                    </a:p>
+                  </a:txBody>
+                  <a:tcPr marL="5620" marR="5620" marT="5620" marB="0" anchor="b"/>
+                </a:tc>
+                <a:tc>
+                  <a:txBody>
+                    <a:bodyPr/>
+                    <a:lstStyle/>
+                    <a:p>
+                      <a:pPr algn="ctr" fontAlgn="b"/>
+                      <a:r>
+                        <a:rPr lang="en-US" sz="1000" u="none" strike="noStrike">
+                          <a:effectLst/>
+                        </a:rPr>
+                        <a:t>-</a:t>
+                      </a:r>
+                      <a:endParaRPr lang="en-US" sz="1000" b="0" i="0" u="none" strike="noStrike">
+                        <a:solidFill>
+                          <a:srgbClr val="000000"/>
+                        </a:solidFill>
+                        <a:effectLst/>
+                        <a:latin typeface="Times New Roman" panose="02020603050405020304" pitchFamily="18" charset="0"/>
+                      </a:endParaRPr>
+                    </a:p>
+                  </a:txBody>
+                  <a:tcPr marL="5620" marR="5620" marT="5620" marB="0" anchor="b"/>
+                </a:tc>
+                <a:tc>
+                  <a:txBody>
+                    <a:bodyPr/>
+                    <a:lstStyle/>
+                    <a:p>
+                      <a:pPr algn="ctr" fontAlgn="b"/>
+                      <a:r>
+                        <a:rPr lang="en-US" sz="1000" u="none" strike="noStrike">
+                          <a:effectLst/>
+                        </a:rPr>
+                        <a:t>439</a:t>
+                      </a:r>
+                      <a:endParaRPr lang="en-US" sz="1000" b="0" i="0" u="none" strike="noStrike">
+                        <a:solidFill>
+                          <a:srgbClr val="000000"/>
+                        </a:solidFill>
+                        <a:effectLst/>
+                        <a:latin typeface="Times New Roman" panose="02020603050405020304" pitchFamily="18" charset="0"/>
+                      </a:endParaRPr>
+                    </a:p>
+                  </a:txBody>
+                  <a:tcPr marL="5620" marR="5620" marT="5620" marB="0" anchor="b"/>
+                </a:tc>
+                <a:tc>
+                  <a:txBody>
+                    <a:bodyPr/>
+                    <a:lstStyle/>
+                    <a:p>
+                      <a:pPr algn="ctr" fontAlgn="b"/>
+                      <a:r>
+                        <a:rPr lang="en-US" sz="1000" u="none" strike="noStrike">
+                          <a:effectLst/>
+                        </a:rPr>
+                        <a:t>0.83</a:t>
+                      </a:r>
+                      <a:endParaRPr lang="en-US" sz="1000" b="0" i="0" u="none" strike="noStrike">
+                        <a:solidFill>
+                          <a:srgbClr val="000000"/>
+                        </a:solidFill>
+                        <a:effectLst/>
+                        <a:latin typeface="Times New Roman" panose="02020603050405020304" pitchFamily="18" charset="0"/>
+                      </a:endParaRPr>
+                    </a:p>
+                  </a:txBody>
+                  <a:tcPr marL="5620" marR="5620" marT="5620" marB="0" anchor="b"/>
+                </a:tc>
+                <a:tc>
+                  <a:txBody>
+                    <a:bodyPr/>
+                    <a:lstStyle/>
+                    <a:p>
+                      <a:pPr algn="ctr" fontAlgn="b"/>
+                      <a:r>
+                        <a:rPr lang="en-US" sz="1000" u="none" strike="noStrike">
+                          <a:effectLst/>
+                        </a:rPr>
+                        <a:t>253.89</a:t>
+                      </a:r>
+                      <a:endParaRPr lang="en-US" sz="1000" b="0" i="0" u="none" strike="noStrike">
+                        <a:solidFill>
+                          <a:srgbClr val="000000"/>
+                        </a:solidFill>
+                        <a:effectLst/>
+                        <a:latin typeface="Times New Roman" panose="02020603050405020304" pitchFamily="18" charset="0"/>
+                      </a:endParaRPr>
+                    </a:p>
+                  </a:txBody>
+                  <a:tcPr marL="5620" marR="5620" marT="5620" marB="0" anchor="b"/>
+                </a:tc>
+                <a:tc>
+                  <a:txBody>
+                    <a:bodyPr/>
+                    <a:lstStyle/>
+                    <a:p>
+                      <a:pPr algn="ctr" fontAlgn="b"/>
+                      <a:r>
+                        <a:rPr lang="en-US" sz="1000" u="none" strike="noStrike">
+                          <a:effectLst/>
+                        </a:rPr>
+                        <a:t>0.04</a:t>
+                      </a:r>
+                      <a:endParaRPr lang="en-US" sz="1000" b="0" i="0" u="none" strike="noStrike">
+                        <a:solidFill>
+                          <a:srgbClr val="000000"/>
+                        </a:solidFill>
+                        <a:effectLst/>
+                        <a:latin typeface="Times New Roman" panose="02020603050405020304" pitchFamily="18" charset="0"/>
+                      </a:endParaRPr>
+                    </a:p>
+                  </a:txBody>
+                  <a:tcPr marL="5620" marR="5620" marT="5620" marB="0" anchor="b"/>
+                </a:tc>
+                <a:tc>
+                  <a:txBody>
+                    <a:bodyPr/>
+                    <a:lstStyle/>
+                    <a:p>
+                      <a:pPr algn="ctr" fontAlgn="b"/>
+                      <a:r>
+                        <a:rPr lang="en-US" sz="1000" u="none" strike="noStrike">
+                          <a:effectLst/>
+                        </a:rPr>
+                        <a:t>13.74</a:t>
+                      </a:r>
+                      <a:endParaRPr lang="en-US" sz="1000" b="0" i="0" u="none" strike="noStrike">
+                        <a:solidFill>
+                          <a:srgbClr val="000000"/>
+                        </a:solidFill>
+                        <a:effectLst/>
+                        <a:latin typeface="Times New Roman" panose="02020603050405020304" pitchFamily="18" charset="0"/>
+                      </a:endParaRPr>
+                    </a:p>
+                  </a:txBody>
+                  <a:tcPr marL="5620" marR="5620" marT="5620" marB="0" anchor="b"/>
+                </a:tc>
+                <a:tc>
+                  <a:txBody>
+                    <a:bodyPr/>
+                    <a:lstStyle/>
+                    <a:p>
+                      <a:pPr algn="ctr" fontAlgn="b"/>
+                      <a:r>
+                        <a:rPr lang="en-US" sz="1000" u="none" strike="noStrike">
+                          <a:effectLst/>
+                        </a:rPr>
+                        <a:t>6</a:t>
+                      </a:r>
+                      <a:endParaRPr lang="en-US" sz="1000" b="0" i="0" u="none" strike="noStrike">
+                        <a:solidFill>
+                          <a:srgbClr val="000000"/>
+                        </a:solidFill>
+                        <a:effectLst/>
+                        <a:latin typeface="Times New Roman" panose="02020603050405020304" pitchFamily="18" charset="0"/>
+                      </a:endParaRPr>
+                    </a:p>
+                  </a:txBody>
+                  <a:tcPr marL="5620" marR="5620" marT="5620" marB="0" anchor="b"/>
+                </a:tc>
+                <a:extLst>
+                  <a:ext uri="{0D108BD9-81ED-4DB2-BD59-A6C34878D82A}">
+                    <a16:rowId xmlns:a16="http://schemas.microsoft.com/office/drawing/2014/main" val="3735427444"/>
+                  </a:ext>
+                </a:extLst>
+              </a:tr>
+              <a:tr h="299357">
+                <a:tc>
+                  <a:txBody>
+                    <a:bodyPr/>
+                    <a:lstStyle/>
+                    <a:p>
+                      <a:pPr algn="ctr" fontAlgn="ctr"/>
+                      <a:r>
+                        <a:rPr lang="en-US" sz="1000" u="none" strike="noStrike">
+                          <a:effectLst/>
+                        </a:rPr>
+                        <a:t>SARIMAX(5,1,3)(0,0,0)</a:t>
+                      </a:r>
+                      <a:endParaRPr lang="en-US" sz="1000" b="0" i="0" u="none" strike="noStrike">
+                        <a:solidFill>
+                          <a:srgbClr val="000000"/>
+                        </a:solidFill>
+                        <a:effectLst/>
+                        <a:latin typeface="Times New Roman" panose="02020603050405020304" pitchFamily="18" charset="0"/>
+                      </a:endParaRPr>
+                    </a:p>
+                  </a:txBody>
+                  <a:tcPr marL="5620" marR="5620" marT="5620" marB="0" anchor="ctr"/>
+                </a:tc>
+                <a:tc>
+                  <a:txBody>
+                    <a:bodyPr/>
+                    <a:lstStyle/>
+                    <a:p>
+                      <a:pPr algn="ctr" fontAlgn="ctr"/>
+                      <a:r>
+                        <a:rPr lang="en-US" sz="1000" u="none" strike="noStrike">
+                          <a:effectLst/>
+                        </a:rPr>
+                        <a:t>Moved</a:t>
+                      </a:r>
+                      <a:endParaRPr lang="en-US" sz="1000" b="0" i="0" u="none" strike="noStrike">
+                        <a:solidFill>
+                          <a:srgbClr val="000000"/>
+                        </a:solidFill>
+                        <a:effectLst/>
+                        <a:latin typeface="Times New Roman" panose="02020603050405020304" pitchFamily="18" charset="0"/>
+                      </a:endParaRPr>
+                    </a:p>
+                  </a:txBody>
+                  <a:tcPr marL="5620" marR="5620" marT="5620" marB="0" anchor="ctr"/>
+                </a:tc>
+                <a:tc>
+                  <a:txBody>
+                    <a:bodyPr/>
+                    <a:lstStyle/>
+                    <a:p>
+                      <a:pPr algn="ctr" fontAlgn="ctr"/>
+                      <a:r>
+                        <a:rPr lang="en-US" sz="1000" u="none" strike="noStrike">
+                          <a:effectLst/>
+                        </a:rPr>
+                        <a:t>1006</a:t>
+                      </a:r>
+                      <a:endParaRPr lang="en-US" sz="1000" b="0" i="0" u="none" strike="noStrike">
+                        <a:solidFill>
+                          <a:srgbClr val="000000"/>
+                        </a:solidFill>
+                        <a:effectLst/>
+                        <a:latin typeface="Times New Roman" panose="02020603050405020304" pitchFamily="18" charset="0"/>
+                      </a:endParaRPr>
+                    </a:p>
+                  </a:txBody>
+                  <a:tcPr marL="5620" marR="5620" marT="5620" marB="0" anchor="ctr"/>
+                </a:tc>
+                <a:tc>
+                  <a:txBody>
+                    <a:bodyPr/>
+                    <a:lstStyle/>
+                    <a:p>
+                      <a:pPr algn="ctr" fontAlgn="ctr"/>
+                      <a:r>
+                        <a:rPr lang="en-US" sz="1000" u="none" strike="noStrike">
+                          <a:effectLst/>
+                        </a:rPr>
+                        <a:t>704</a:t>
+                      </a:r>
+                      <a:endParaRPr lang="en-US" sz="1000" b="0" i="0" u="none" strike="noStrike">
+                        <a:solidFill>
+                          <a:srgbClr val="000000"/>
+                        </a:solidFill>
+                        <a:effectLst/>
+                        <a:latin typeface="Times New Roman" panose="02020603050405020304" pitchFamily="18" charset="0"/>
+                      </a:endParaRPr>
+                    </a:p>
+                  </a:txBody>
+                  <a:tcPr marL="5620" marR="5620" marT="5620" marB="0" anchor="ctr"/>
+                </a:tc>
+                <a:tc>
+                  <a:txBody>
+                    <a:bodyPr/>
+                    <a:lstStyle/>
+                    <a:p>
+                      <a:pPr algn="ctr" fontAlgn="ctr"/>
+                      <a:r>
+                        <a:rPr lang="en-US" sz="1000" u="none" strike="noStrike">
+                          <a:effectLst/>
+                        </a:rPr>
+                        <a:t>-</a:t>
+                      </a:r>
+                      <a:endParaRPr lang="en-US" sz="1000" b="0" i="0" u="none" strike="noStrike">
+                        <a:solidFill>
+                          <a:srgbClr val="000000"/>
+                        </a:solidFill>
+                        <a:effectLst/>
+                        <a:latin typeface="Times New Roman" panose="02020603050405020304" pitchFamily="18" charset="0"/>
+                      </a:endParaRPr>
+                    </a:p>
+                  </a:txBody>
+                  <a:tcPr marL="5620" marR="5620" marT="5620" marB="0" anchor="ctr"/>
+                </a:tc>
+                <a:tc>
+                  <a:txBody>
+                    <a:bodyPr/>
+                    <a:lstStyle/>
+                    <a:p>
+                      <a:pPr algn="ctr" fontAlgn="ctr"/>
+                      <a:r>
+                        <a:rPr lang="en-US" sz="1000" u="none" strike="noStrike">
+                          <a:effectLst/>
+                        </a:rPr>
+                        <a:t>302</a:t>
+                      </a:r>
+                      <a:endParaRPr lang="en-US" sz="1000" b="0" i="0" u="none" strike="noStrike">
+                        <a:solidFill>
+                          <a:srgbClr val="000000"/>
+                        </a:solidFill>
+                        <a:effectLst/>
+                        <a:latin typeface="Times New Roman" panose="02020603050405020304" pitchFamily="18" charset="0"/>
+                      </a:endParaRPr>
+                    </a:p>
+                  </a:txBody>
+                  <a:tcPr marL="5620" marR="5620" marT="5620" marB="0" anchor="ctr"/>
+                </a:tc>
+                <a:tc>
+                  <a:txBody>
+                    <a:bodyPr/>
+                    <a:lstStyle/>
+                    <a:p>
+                      <a:pPr algn="ctr" fontAlgn="ctr"/>
+                      <a:r>
+                        <a:rPr lang="en-US" sz="1000" u="none" strike="noStrike">
+                          <a:effectLst/>
+                        </a:rPr>
+                        <a:t>0.31</a:t>
+                      </a:r>
+                      <a:endParaRPr lang="en-US" sz="1000" b="0" i="0" u="none" strike="noStrike">
+                        <a:solidFill>
+                          <a:srgbClr val="000000"/>
+                        </a:solidFill>
+                        <a:effectLst/>
+                        <a:latin typeface="Times New Roman" panose="02020603050405020304" pitchFamily="18" charset="0"/>
+                      </a:endParaRPr>
+                    </a:p>
+                  </a:txBody>
+                  <a:tcPr marL="5620" marR="5620" marT="5620" marB="0" anchor="ctr"/>
+                </a:tc>
+                <a:tc>
+                  <a:txBody>
+                    <a:bodyPr/>
+                    <a:lstStyle/>
+                    <a:p>
+                      <a:pPr algn="ctr" fontAlgn="ctr"/>
+                      <a:r>
+                        <a:rPr lang="en-US" sz="1000" u="none" strike="noStrike">
+                          <a:effectLst/>
+                        </a:rPr>
+                        <a:t>302.173</a:t>
+                      </a:r>
+                      <a:endParaRPr lang="en-US" sz="1000" b="0" i="0" u="none" strike="noStrike">
+                        <a:solidFill>
+                          <a:srgbClr val="000000"/>
+                        </a:solidFill>
+                        <a:effectLst/>
+                        <a:latin typeface="Times New Roman" panose="02020603050405020304" pitchFamily="18" charset="0"/>
+                      </a:endParaRPr>
+                    </a:p>
+                  </a:txBody>
+                  <a:tcPr marL="5620" marR="5620" marT="5620" marB="0" anchor="ctr"/>
+                </a:tc>
+                <a:tc>
+                  <a:txBody>
+                    <a:bodyPr/>
+                    <a:lstStyle/>
+                    <a:p>
+                      <a:pPr algn="ctr" fontAlgn="ctr"/>
+                      <a:r>
+                        <a:rPr lang="en-US" sz="1000" u="none" strike="noStrike">
+                          <a:effectLst/>
+                        </a:rPr>
+                        <a:t>0.02</a:t>
+                      </a:r>
+                      <a:endParaRPr lang="en-US" sz="1000" b="0" i="0" u="none" strike="noStrike">
+                        <a:solidFill>
+                          <a:srgbClr val="000000"/>
+                        </a:solidFill>
+                        <a:effectLst/>
+                        <a:latin typeface="Times New Roman" panose="02020603050405020304" pitchFamily="18" charset="0"/>
+                      </a:endParaRPr>
+                    </a:p>
+                  </a:txBody>
+                  <a:tcPr marL="5620" marR="5620" marT="5620" marB="0" anchor="ctr"/>
+                </a:tc>
+                <a:tc>
+                  <a:txBody>
+                    <a:bodyPr/>
+                    <a:lstStyle/>
+                    <a:p>
+                      <a:pPr algn="ctr" fontAlgn="ctr"/>
+                      <a:r>
+                        <a:rPr lang="en-US" sz="1000" u="none" strike="noStrike">
+                          <a:effectLst/>
+                        </a:rPr>
+                        <a:t>16.35</a:t>
+                      </a:r>
+                      <a:endParaRPr lang="en-US" sz="1000" b="0" i="0" u="none" strike="noStrike">
+                        <a:solidFill>
+                          <a:srgbClr val="000000"/>
+                        </a:solidFill>
+                        <a:effectLst/>
+                        <a:latin typeface="Times New Roman" panose="02020603050405020304" pitchFamily="18" charset="0"/>
+                      </a:endParaRPr>
+                    </a:p>
+                  </a:txBody>
+                  <a:tcPr marL="5620" marR="5620" marT="5620" marB="0" anchor="ctr"/>
+                </a:tc>
+                <a:tc>
+                  <a:txBody>
+                    <a:bodyPr/>
+                    <a:lstStyle/>
+                    <a:p>
+                      <a:pPr algn="ctr" fontAlgn="ctr"/>
+                      <a:r>
+                        <a:rPr lang="en-US" sz="1000" u="none" strike="noStrike">
+                          <a:effectLst/>
+                        </a:rPr>
+                        <a:t>7.32</a:t>
+                      </a:r>
+                      <a:endParaRPr lang="en-US" sz="1000" b="0" i="0" u="none" strike="noStrike">
+                        <a:solidFill>
+                          <a:srgbClr val="000000"/>
+                        </a:solidFill>
+                        <a:effectLst/>
+                        <a:latin typeface="Times New Roman" panose="02020603050405020304" pitchFamily="18" charset="0"/>
+                      </a:endParaRPr>
+                    </a:p>
+                  </a:txBody>
+                  <a:tcPr marL="5620" marR="5620" marT="5620" marB="0" anchor="ctr"/>
+                </a:tc>
+                <a:extLst>
+                  <a:ext uri="{0D108BD9-81ED-4DB2-BD59-A6C34878D82A}">
+                    <a16:rowId xmlns:a16="http://schemas.microsoft.com/office/drawing/2014/main" val="2089013900"/>
+                  </a:ext>
+                </a:extLst>
+              </a:tr>
+              <a:tr h="299357">
+                <a:tc>
+                  <a:txBody>
+                    <a:bodyPr/>
+                    <a:lstStyle/>
+                    <a:p>
+                      <a:pPr algn="ctr" fontAlgn="ctr"/>
+                      <a:r>
+                        <a:rPr lang="en-US" sz="1000" u="none" strike="noStrike">
+                          <a:effectLst/>
+                        </a:rPr>
+                        <a:t>SARIMAX(5,1,4)(0,0,0)</a:t>
+                      </a:r>
+                      <a:endParaRPr lang="en-US" sz="1000" b="0" i="0" u="none" strike="noStrike">
+                        <a:solidFill>
+                          <a:srgbClr val="000000"/>
+                        </a:solidFill>
+                        <a:effectLst/>
+                        <a:latin typeface="Times New Roman" panose="02020603050405020304" pitchFamily="18" charset="0"/>
+                      </a:endParaRPr>
+                    </a:p>
+                  </a:txBody>
+                  <a:tcPr marL="5620" marR="5620" marT="5620" marB="0" anchor="ctr"/>
+                </a:tc>
+                <a:tc>
+                  <a:txBody>
+                    <a:bodyPr/>
+                    <a:lstStyle/>
+                    <a:p>
+                      <a:pPr algn="ctr" fontAlgn="ctr"/>
+                      <a:r>
+                        <a:rPr lang="en-US" sz="1000" u="none" strike="noStrike">
+                          <a:effectLst/>
+                        </a:rPr>
+                        <a:t>Forward fill</a:t>
+                      </a:r>
+                      <a:endParaRPr lang="en-US" sz="1000" b="0" i="0" u="none" strike="noStrike">
+                        <a:solidFill>
+                          <a:srgbClr val="000000"/>
+                        </a:solidFill>
+                        <a:effectLst/>
+                        <a:latin typeface="Times New Roman" panose="02020603050405020304" pitchFamily="18" charset="0"/>
+                      </a:endParaRPr>
+                    </a:p>
+                  </a:txBody>
+                  <a:tcPr marL="5620" marR="5620" marT="5620" marB="0" anchor="ctr"/>
+                </a:tc>
+                <a:tc>
+                  <a:txBody>
+                    <a:bodyPr/>
+                    <a:lstStyle/>
+                    <a:p>
+                      <a:pPr algn="ctr" fontAlgn="ctr"/>
+                      <a:r>
+                        <a:rPr lang="en-US" sz="1000" u="none" strike="noStrike">
+                          <a:effectLst/>
+                        </a:rPr>
+                        <a:t>1460</a:t>
+                      </a:r>
+                      <a:endParaRPr lang="en-US" sz="1000" b="0" i="0" u="none" strike="noStrike">
+                        <a:solidFill>
+                          <a:srgbClr val="000000"/>
+                        </a:solidFill>
+                        <a:effectLst/>
+                        <a:latin typeface="Times New Roman" panose="02020603050405020304" pitchFamily="18" charset="0"/>
+                      </a:endParaRPr>
+                    </a:p>
+                  </a:txBody>
+                  <a:tcPr marL="5620" marR="5620" marT="5620" marB="0" anchor="ctr"/>
+                </a:tc>
+                <a:tc>
+                  <a:txBody>
+                    <a:bodyPr/>
+                    <a:lstStyle/>
+                    <a:p>
+                      <a:pPr algn="ctr" fontAlgn="ctr"/>
+                      <a:r>
+                        <a:rPr lang="en-US" sz="1000" u="none" strike="noStrike">
+                          <a:effectLst/>
+                        </a:rPr>
+                        <a:t>1314</a:t>
+                      </a:r>
+                      <a:endParaRPr lang="en-US" sz="1000" b="0" i="0" u="none" strike="noStrike">
+                        <a:solidFill>
+                          <a:srgbClr val="000000"/>
+                        </a:solidFill>
+                        <a:effectLst/>
+                        <a:latin typeface="Times New Roman" panose="02020603050405020304" pitchFamily="18" charset="0"/>
+                      </a:endParaRPr>
+                    </a:p>
+                  </a:txBody>
+                  <a:tcPr marL="5620" marR="5620" marT="5620" marB="0" anchor="ctr"/>
+                </a:tc>
+                <a:tc>
+                  <a:txBody>
+                    <a:bodyPr/>
+                    <a:lstStyle/>
+                    <a:p>
+                      <a:pPr algn="ctr" fontAlgn="ctr"/>
+                      <a:r>
+                        <a:rPr lang="en-US" sz="1000" u="none" strike="noStrike">
+                          <a:effectLst/>
+                        </a:rPr>
+                        <a:t>-</a:t>
+                      </a:r>
+                      <a:endParaRPr lang="en-US" sz="1000" b="0" i="0" u="none" strike="noStrike">
+                        <a:solidFill>
+                          <a:srgbClr val="000000"/>
+                        </a:solidFill>
+                        <a:effectLst/>
+                        <a:latin typeface="Times New Roman" panose="02020603050405020304" pitchFamily="18" charset="0"/>
+                      </a:endParaRPr>
+                    </a:p>
+                  </a:txBody>
+                  <a:tcPr marL="5620" marR="5620" marT="5620" marB="0" anchor="ctr"/>
+                </a:tc>
+                <a:tc>
+                  <a:txBody>
+                    <a:bodyPr/>
+                    <a:lstStyle/>
+                    <a:p>
+                      <a:pPr algn="ctr" fontAlgn="ctr"/>
+                      <a:r>
+                        <a:rPr lang="en-US" sz="1000" u="none" strike="noStrike">
+                          <a:effectLst/>
+                        </a:rPr>
+                        <a:t>146</a:t>
+                      </a:r>
+                      <a:endParaRPr lang="en-US" sz="1000" b="0" i="0" u="none" strike="noStrike">
+                        <a:solidFill>
+                          <a:srgbClr val="000000"/>
+                        </a:solidFill>
+                        <a:effectLst/>
+                        <a:latin typeface="Times New Roman" panose="02020603050405020304" pitchFamily="18" charset="0"/>
+                      </a:endParaRPr>
+                    </a:p>
+                  </a:txBody>
+                  <a:tcPr marL="5620" marR="5620" marT="5620" marB="0" anchor="ctr"/>
+                </a:tc>
+                <a:tc>
+                  <a:txBody>
+                    <a:bodyPr/>
+                    <a:lstStyle/>
+                    <a:p>
+                      <a:pPr algn="ctr" fontAlgn="ctr"/>
+                      <a:r>
+                        <a:rPr lang="en-US" sz="1000" u="none" strike="noStrike">
+                          <a:effectLst/>
+                        </a:rPr>
+                        <a:t>0.154</a:t>
+                      </a:r>
+                      <a:endParaRPr lang="en-US" sz="1000" b="0" i="0" u="none" strike="noStrike">
+                        <a:solidFill>
+                          <a:srgbClr val="000000"/>
+                        </a:solidFill>
+                        <a:effectLst/>
+                        <a:latin typeface="Times New Roman" panose="02020603050405020304" pitchFamily="18" charset="0"/>
+                      </a:endParaRPr>
+                    </a:p>
+                  </a:txBody>
+                  <a:tcPr marL="5620" marR="5620" marT="5620" marB="0" anchor="ctr"/>
+                </a:tc>
+                <a:tc>
+                  <a:txBody>
+                    <a:bodyPr/>
+                    <a:lstStyle/>
+                    <a:p>
+                      <a:pPr algn="ctr" fontAlgn="ctr"/>
+                      <a:r>
+                        <a:rPr lang="en-US" sz="1000" u="none" strike="noStrike">
+                          <a:effectLst/>
+                        </a:rPr>
+                        <a:t>93.51</a:t>
+                      </a:r>
+                      <a:endParaRPr lang="en-US" sz="1000" b="0" i="0" u="none" strike="noStrike">
+                        <a:solidFill>
+                          <a:srgbClr val="000000"/>
+                        </a:solidFill>
+                        <a:effectLst/>
+                        <a:latin typeface="Times New Roman" panose="02020603050405020304" pitchFamily="18" charset="0"/>
+                      </a:endParaRPr>
+                    </a:p>
+                  </a:txBody>
+                  <a:tcPr marL="5620" marR="5620" marT="5620" marB="0" anchor="ctr"/>
+                </a:tc>
+                <a:tc>
+                  <a:txBody>
+                    <a:bodyPr/>
+                    <a:lstStyle/>
+                    <a:p>
+                      <a:pPr algn="ctr" fontAlgn="ctr"/>
+                      <a:r>
+                        <a:rPr lang="en-US" sz="1000" u="none" strike="noStrike">
+                          <a:effectLst/>
+                        </a:rPr>
+                        <a:t>0.01</a:t>
+                      </a:r>
+                      <a:endParaRPr lang="en-US" sz="1000" b="0" i="0" u="none" strike="noStrike">
+                        <a:solidFill>
+                          <a:srgbClr val="000000"/>
+                        </a:solidFill>
+                        <a:effectLst/>
+                        <a:latin typeface="Times New Roman" panose="02020603050405020304" pitchFamily="18" charset="0"/>
+                      </a:endParaRPr>
+                    </a:p>
+                  </a:txBody>
+                  <a:tcPr marL="5620" marR="5620" marT="5620" marB="0" anchor="ctr"/>
+                </a:tc>
+                <a:tc>
+                  <a:txBody>
+                    <a:bodyPr/>
+                    <a:lstStyle/>
+                    <a:p>
+                      <a:pPr algn="ctr" fontAlgn="ctr"/>
+                      <a:r>
+                        <a:rPr lang="en-US" sz="1000" u="none" strike="noStrike">
+                          <a:effectLst/>
+                        </a:rPr>
+                        <a:t>5.06</a:t>
+                      </a:r>
+                      <a:endParaRPr lang="en-US" sz="1000" b="0" i="0" u="none" strike="noStrike">
+                        <a:solidFill>
+                          <a:srgbClr val="000000"/>
+                        </a:solidFill>
+                        <a:effectLst/>
+                        <a:latin typeface="Times New Roman" panose="02020603050405020304" pitchFamily="18" charset="0"/>
+                      </a:endParaRPr>
+                    </a:p>
+                  </a:txBody>
+                  <a:tcPr marL="5620" marR="5620" marT="5620" marB="0" anchor="ctr"/>
+                </a:tc>
+                <a:tc>
+                  <a:txBody>
+                    <a:bodyPr/>
+                    <a:lstStyle/>
+                    <a:p>
+                      <a:pPr algn="ctr" fontAlgn="ctr"/>
+                      <a:r>
+                        <a:rPr lang="en-US" sz="1000" u="none" strike="noStrike">
+                          <a:effectLst/>
+                        </a:rPr>
+                        <a:t>2.32</a:t>
+                      </a:r>
+                      <a:endParaRPr lang="en-US" sz="1000" b="0" i="0" u="none" strike="noStrike">
+                        <a:solidFill>
+                          <a:srgbClr val="000000"/>
+                        </a:solidFill>
+                        <a:effectLst/>
+                        <a:latin typeface="Times New Roman" panose="02020603050405020304" pitchFamily="18" charset="0"/>
+                      </a:endParaRPr>
+                    </a:p>
+                  </a:txBody>
+                  <a:tcPr marL="5620" marR="5620" marT="5620" marB="0" anchor="ctr"/>
+                </a:tc>
+                <a:extLst>
+                  <a:ext uri="{0D108BD9-81ED-4DB2-BD59-A6C34878D82A}">
+                    <a16:rowId xmlns:a16="http://schemas.microsoft.com/office/drawing/2014/main" val="2872015063"/>
+                  </a:ext>
+                </a:extLst>
+              </a:tr>
+              <a:tr h="299357">
+                <a:tc>
+                  <a:txBody>
+                    <a:bodyPr/>
+                    <a:lstStyle/>
+                    <a:p>
+                      <a:pPr algn="ctr" fontAlgn="ctr"/>
+                      <a:r>
+                        <a:rPr lang="en-US" sz="1000" u="none" strike="noStrike" dirty="0">
+                          <a:effectLst/>
+                        </a:rPr>
+                        <a:t>SARIMAX(5,1,5)(0,0,0)</a:t>
+                      </a:r>
+                      <a:endParaRPr lang="en-US" sz="1000" b="0" i="0" u="none" strike="noStrike" dirty="0">
+                        <a:solidFill>
+                          <a:srgbClr val="000000"/>
+                        </a:solidFill>
+                        <a:effectLst/>
+                        <a:latin typeface="Times New Roman" panose="02020603050405020304" pitchFamily="18" charset="0"/>
+                      </a:endParaRPr>
+                    </a:p>
+                  </a:txBody>
+                  <a:tcPr marL="5620" marR="5620" marT="5620" marB="0" anchor="ctr"/>
+                </a:tc>
+                <a:tc>
+                  <a:txBody>
+                    <a:bodyPr/>
+                    <a:lstStyle/>
+                    <a:p>
+                      <a:pPr algn="ctr" fontAlgn="ctr"/>
+                      <a:r>
+                        <a:rPr lang="en-US" sz="1000" u="none" strike="noStrike">
+                          <a:effectLst/>
+                        </a:rPr>
+                        <a:t>Linear</a:t>
+                      </a:r>
+                      <a:endParaRPr lang="en-US" sz="1000" b="0" i="0" u="none" strike="noStrike">
+                        <a:solidFill>
+                          <a:srgbClr val="000000"/>
+                        </a:solidFill>
+                        <a:effectLst/>
+                        <a:latin typeface="Times New Roman" panose="02020603050405020304" pitchFamily="18" charset="0"/>
+                      </a:endParaRPr>
+                    </a:p>
+                  </a:txBody>
+                  <a:tcPr marL="5620" marR="5620" marT="5620" marB="0" anchor="ctr"/>
+                </a:tc>
+                <a:tc>
+                  <a:txBody>
+                    <a:bodyPr/>
+                    <a:lstStyle/>
+                    <a:p>
+                      <a:pPr algn="ctr" fontAlgn="ctr"/>
+                      <a:r>
+                        <a:rPr lang="en-US" sz="1000" u="none" strike="noStrike">
+                          <a:effectLst/>
+                        </a:rPr>
+                        <a:t>1460</a:t>
+                      </a:r>
+                      <a:endParaRPr lang="en-US" sz="1000" b="0" i="0" u="none" strike="noStrike">
+                        <a:solidFill>
+                          <a:srgbClr val="000000"/>
+                        </a:solidFill>
+                        <a:effectLst/>
+                        <a:latin typeface="Times New Roman" panose="02020603050405020304" pitchFamily="18" charset="0"/>
+                      </a:endParaRPr>
+                    </a:p>
+                  </a:txBody>
+                  <a:tcPr marL="5620" marR="5620" marT="5620" marB="0" anchor="ctr"/>
+                </a:tc>
+                <a:tc>
+                  <a:txBody>
+                    <a:bodyPr/>
+                    <a:lstStyle/>
+                    <a:p>
+                      <a:pPr algn="ctr" fontAlgn="ctr"/>
+                      <a:r>
+                        <a:rPr lang="en-US" sz="1000" u="none" strike="noStrike">
+                          <a:effectLst/>
+                        </a:rPr>
+                        <a:t>1314</a:t>
+                      </a:r>
+                      <a:endParaRPr lang="en-US" sz="1000" b="0" i="0" u="none" strike="noStrike">
+                        <a:solidFill>
+                          <a:srgbClr val="000000"/>
+                        </a:solidFill>
+                        <a:effectLst/>
+                        <a:latin typeface="Times New Roman" panose="02020603050405020304" pitchFamily="18" charset="0"/>
+                      </a:endParaRPr>
+                    </a:p>
+                  </a:txBody>
+                  <a:tcPr marL="5620" marR="5620" marT="5620" marB="0" anchor="ctr"/>
+                </a:tc>
+                <a:tc>
+                  <a:txBody>
+                    <a:bodyPr/>
+                    <a:lstStyle/>
+                    <a:p>
+                      <a:pPr algn="ctr" fontAlgn="ctr"/>
+                      <a:r>
+                        <a:rPr lang="en-US" sz="1000" u="none" strike="noStrike">
+                          <a:effectLst/>
+                        </a:rPr>
+                        <a:t>-</a:t>
+                      </a:r>
+                      <a:endParaRPr lang="en-US" sz="1000" b="0" i="0" u="none" strike="noStrike">
+                        <a:solidFill>
+                          <a:srgbClr val="000000"/>
+                        </a:solidFill>
+                        <a:effectLst/>
+                        <a:latin typeface="Times New Roman" panose="02020603050405020304" pitchFamily="18" charset="0"/>
+                      </a:endParaRPr>
+                    </a:p>
+                  </a:txBody>
+                  <a:tcPr marL="5620" marR="5620" marT="5620" marB="0" anchor="ctr"/>
+                </a:tc>
+                <a:tc>
+                  <a:txBody>
+                    <a:bodyPr/>
+                    <a:lstStyle/>
+                    <a:p>
+                      <a:pPr algn="ctr" fontAlgn="ctr"/>
+                      <a:r>
+                        <a:rPr lang="en-US" sz="1000" u="none" strike="noStrike">
+                          <a:effectLst/>
+                        </a:rPr>
+                        <a:t>146</a:t>
+                      </a:r>
+                      <a:endParaRPr lang="en-US" sz="1000" b="0" i="0" u="none" strike="noStrike">
+                        <a:solidFill>
+                          <a:srgbClr val="000000"/>
+                        </a:solidFill>
+                        <a:effectLst/>
+                        <a:latin typeface="Times New Roman" panose="02020603050405020304" pitchFamily="18" charset="0"/>
+                      </a:endParaRPr>
+                    </a:p>
+                  </a:txBody>
+                  <a:tcPr marL="5620" marR="5620" marT="5620" marB="0" anchor="ctr"/>
+                </a:tc>
+                <a:tc>
+                  <a:txBody>
+                    <a:bodyPr/>
+                    <a:lstStyle/>
+                    <a:p>
+                      <a:pPr algn="ctr" fontAlgn="ctr"/>
+                      <a:r>
+                        <a:rPr lang="en-US" sz="1000" u="none" strike="noStrike">
+                          <a:effectLst/>
+                        </a:rPr>
+                        <a:t>0.307</a:t>
+                      </a:r>
+                      <a:endParaRPr lang="en-US" sz="1000" b="0" i="0" u="none" strike="noStrike">
+                        <a:solidFill>
+                          <a:srgbClr val="000000"/>
+                        </a:solidFill>
+                        <a:effectLst/>
+                        <a:latin typeface="Times New Roman" panose="02020603050405020304" pitchFamily="18" charset="0"/>
+                      </a:endParaRPr>
+                    </a:p>
+                  </a:txBody>
+                  <a:tcPr marL="5620" marR="5620" marT="5620" marB="0" anchor="ctr"/>
+                </a:tc>
+                <a:tc>
+                  <a:txBody>
+                    <a:bodyPr/>
+                    <a:lstStyle/>
+                    <a:p>
+                      <a:pPr algn="ctr" fontAlgn="ctr"/>
+                      <a:r>
+                        <a:rPr lang="en-US" sz="1000" u="none" strike="noStrike">
+                          <a:effectLst/>
+                        </a:rPr>
+                        <a:t>93.558</a:t>
+                      </a:r>
+                      <a:endParaRPr lang="en-US" sz="1000" b="0" i="0" u="none" strike="noStrike">
+                        <a:solidFill>
+                          <a:srgbClr val="000000"/>
+                        </a:solidFill>
+                        <a:effectLst/>
+                        <a:latin typeface="Times New Roman" panose="02020603050405020304" pitchFamily="18" charset="0"/>
+                      </a:endParaRPr>
+                    </a:p>
+                  </a:txBody>
+                  <a:tcPr marL="5620" marR="5620" marT="5620" marB="0" anchor="ctr"/>
+                </a:tc>
+                <a:tc>
+                  <a:txBody>
+                    <a:bodyPr/>
+                    <a:lstStyle/>
+                    <a:p>
+                      <a:pPr algn="ctr" fontAlgn="ctr"/>
+                      <a:r>
+                        <a:rPr lang="en-US" sz="1000" u="none" strike="noStrike">
+                          <a:effectLst/>
+                        </a:rPr>
+                        <a:t>0.02</a:t>
+                      </a:r>
+                      <a:endParaRPr lang="en-US" sz="1000" b="0" i="0" u="none" strike="noStrike">
+                        <a:solidFill>
+                          <a:srgbClr val="000000"/>
+                        </a:solidFill>
+                        <a:effectLst/>
+                        <a:latin typeface="Times New Roman" panose="02020603050405020304" pitchFamily="18" charset="0"/>
+                      </a:endParaRPr>
+                    </a:p>
+                  </a:txBody>
+                  <a:tcPr marL="5620" marR="5620" marT="5620" marB="0" anchor="ctr"/>
+                </a:tc>
+                <a:tc>
+                  <a:txBody>
+                    <a:bodyPr/>
+                    <a:lstStyle/>
+                    <a:p>
+                      <a:pPr algn="ctr" fontAlgn="ctr"/>
+                      <a:r>
+                        <a:rPr lang="en-US" sz="1000" u="none" strike="noStrike">
+                          <a:effectLst/>
+                        </a:rPr>
+                        <a:t>5.06</a:t>
+                      </a:r>
+                      <a:endParaRPr lang="en-US" sz="1000" b="0" i="0" u="none" strike="noStrike">
+                        <a:solidFill>
+                          <a:srgbClr val="000000"/>
+                        </a:solidFill>
+                        <a:effectLst/>
+                        <a:latin typeface="Times New Roman" panose="02020603050405020304" pitchFamily="18" charset="0"/>
+                      </a:endParaRPr>
+                    </a:p>
+                  </a:txBody>
+                  <a:tcPr marL="5620" marR="5620" marT="5620" marB="0" anchor="ctr"/>
+                </a:tc>
+                <a:tc>
+                  <a:txBody>
+                    <a:bodyPr/>
+                    <a:lstStyle/>
+                    <a:p>
+                      <a:pPr algn="ctr" fontAlgn="ctr"/>
+                      <a:r>
+                        <a:rPr lang="en-US" sz="1000" u="none" strike="noStrike">
+                          <a:effectLst/>
+                        </a:rPr>
+                        <a:t>2.33</a:t>
+                      </a:r>
+                      <a:endParaRPr lang="en-US" sz="1000" b="0" i="0" u="none" strike="noStrike">
+                        <a:solidFill>
+                          <a:srgbClr val="000000"/>
+                        </a:solidFill>
+                        <a:effectLst/>
+                        <a:latin typeface="Times New Roman" panose="02020603050405020304" pitchFamily="18" charset="0"/>
+                      </a:endParaRPr>
+                    </a:p>
+                  </a:txBody>
+                  <a:tcPr marL="5620" marR="5620" marT="5620" marB="0" anchor="ctr"/>
+                </a:tc>
+                <a:extLst>
+                  <a:ext uri="{0D108BD9-81ED-4DB2-BD59-A6C34878D82A}">
+                    <a16:rowId xmlns:a16="http://schemas.microsoft.com/office/drawing/2014/main" val="1609689084"/>
+                  </a:ext>
+                </a:extLst>
+              </a:tr>
+              <a:tr h="299357">
+                <a:tc>
+                  <a:txBody>
+                    <a:bodyPr/>
+                    <a:lstStyle/>
+                    <a:p>
+                      <a:pPr algn="ctr" fontAlgn="ctr"/>
+                      <a:r>
+                        <a:rPr lang="en-US" sz="1000" u="none" strike="noStrike">
+                          <a:effectLst/>
+                        </a:rPr>
+                        <a:t>SARIMAX(5,1,5)(0,0,0)</a:t>
+                      </a:r>
+                      <a:endParaRPr lang="en-US" sz="1000" b="0" i="0" u="none" strike="noStrike">
+                        <a:solidFill>
+                          <a:srgbClr val="000000"/>
+                        </a:solidFill>
+                        <a:effectLst/>
+                        <a:latin typeface="Times New Roman" panose="02020603050405020304" pitchFamily="18" charset="0"/>
+                      </a:endParaRPr>
+                    </a:p>
+                  </a:txBody>
+                  <a:tcPr marL="5620" marR="5620" marT="5620" marB="0" anchor="ctr"/>
+                </a:tc>
+                <a:tc>
+                  <a:txBody>
+                    <a:bodyPr/>
+                    <a:lstStyle/>
+                    <a:p>
+                      <a:pPr algn="ctr" fontAlgn="ctr"/>
+                      <a:r>
+                        <a:rPr lang="en-US" sz="1000" u="none" strike="noStrike">
+                          <a:effectLst/>
+                        </a:rPr>
+                        <a:t>Moved</a:t>
+                      </a:r>
+                      <a:endParaRPr lang="en-US" sz="1000" b="0" i="0" u="none" strike="noStrike">
+                        <a:solidFill>
+                          <a:srgbClr val="000000"/>
+                        </a:solidFill>
+                        <a:effectLst/>
+                        <a:latin typeface="Times New Roman" panose="02020603050405020304" pitchFamily="18" charset="0"/>
+                      </a:endParaRPr>
+                    </a:p>
+                  </a:txBody>
+                  <a:tcPr marL="5620" marR="5620" marT="5620" marB="0" anchor="ctr"/>
+                </a:tc>
+                <a:tc>
+                  <a:txBody>
+                    <a:bodyPr/>
+                    <a:lstStyle/>
+                    <a:p>
+                      <a:pPr algn="ctr" fontAlgn="ctr"/>
+                      <a:r>
+                        <a:rPr lang="en-US" sz="1000" u="none" strike="noStrike">
+                          <a:effectLst/>
+                        </a:rPr>
+                        <a:t>1006</a:t>
+                      </a:r>
+                      <a:endParaRPr lang="en-US" sz="1000" b="0" i="0" u="none" strike="noStrike">
+                        <a:solidFill>
+                          <a:srgbClr val="000000"/>
+                        </a:solidFill>
+                        <a:effectLst/>
+                        <a:latin typeface="Times New Roman" panose="02020603050405020304" pitchFamily="18" charset="0"/>
+                      </a:endParaRPr>
+                    </a:p>
+                  </a:txBody>
+                  <a:tcPr marL="5620" marR="5620" marT="5620" marB="0" anchor="ctr"/>
+                </a:tc>
+                <a:tc>
+                  <a:txBody>
+                    <a:bodyPr/>
+                    <a:lstStyle/>
+                    <a:p>
+                      <a:pPr algn="ctr" fontAlgn="ctr"/>
+                      <a:r>
+                        <a:rPr lang="en-US" sz="1000" u="none" strike="noStrike">
+                          <a:effectLst/>
+                        </a:rPr>
+                        <a:t>905</a:t>
+                      </a:r>
+                      <a:endParaRPr lang="en-US" sz="1000" b="0" i="0" u="none" strike="noStrike">
+                        <a:solidFill>
+                          <a:srgbClr val="000000"/>
+                        </a:solidFill>
+                        <a:effectLst/>
+                        <a:latin typeface="Times New Roman" panose="02020603050405020304" pitchFamily="18" charset="0"/>
+                      </a:endParaRPr>
+                    </a:p>
+                  </a:txBody>
+                  <a:tcPr marL="5620" marR="5620" marT="5620" marB="0" anchor="ctr"/>
+                </a:tc>
+                <a:tc>
+                  <a:txBody>
+                    <a:bodyPr/>
+                    <a:lstStyle/>
+                    <a:p>
+                      <a:pPr algn="ctr" fontAlgn="ctr"/>
+                      <a:r>
+                        <a:rPr lang="en-US" sz="1000" u="none" strike="noStrike">
+                          <a:effectLst/>
+                        </a:rPr>
+                        <a:t>-</a:t>
+                      </a:r>
+                      <a:endParaRPr lang="en-US" sz="1000" b="0" i="0" u="none" strike="noStrike">
+                        <a:solidFill>
+                          <a:srgbClr val="000000"/>
+                        </a:solidFill>
+                        <a:effectLst/>
+                        <a:latin typeface="Times New Roman" panose="02020603050405020304" pitchFamily="18" charset="0"/>
+                      </a:endParaRPr>
+                    </a:p>
+                  </a:txBody>
+                  <a:tcPr marL="5620" marR="5620" marT="5620" marB="0" anchor="ctr"/>
+                </a:tc>
+                <a:tc>
+                  <a:txBody>
+                    <a:bodyPr/>
+                    <a:lstStyle/>
+                    <a:p>
+                      <a:pPr algn="ctr" fontAlgn="ctr"/>
+                      <a:r>
+                        <a:rPr lang="en-US" sz="1000" u="none" strike="noStrike">
+                          <a:effectLst/>
+                        </a:rPr>
+                        <a:t>101</a:t>
+                      </a:r>
+                      <a:endParaRPr lang="en-US" sz="1000" b="0" i="0" u="none" strike="noStrike">
+                        <a:solidFill>
+                          <a:srgbClr val="000000"/>
+                        </a:solidFill>
+                        <a:effectLst/>
+                        <a:latin typeface="Times New Roman" panose="02020603050405020304" pitchFamily="18" charset="0"/>
+                      </a:endParaRPr>
+                    </a:p>
+                  </a:txBody>
+                  <a:tcPr marL="5620" marR="5620" marT="5620" marB="0" anchor="ctr"/>
+                </a:tc>
+                <a:tc>
+                  <a:txBody>
+                    <a:bodyPr/>
+                    <a:lstStyle/>
+                    <a:p>
+                      <a:pPr algn="ctr" fontAlgn="ctr"/>
+                      <a:r>
+                        <a:rPr lang="en-US" sz="1000" u="none" strike="noStrike">
+                          <a:effectLst/>
+                        </a:rPr>
+                        <a:t>0.365</a:t>
+                      </a:r>
+                      <a:endParaRPr lang="en-US" sz="1000" b="0" i="0" u="none" strike="noStrike">
+                        <a:solidFill>
+                          <a:srgbClr val="000000"/>
+                        </a:solidFill>
+                        <a:effectLst/>
+                        <a:latin typeface="Times New Roman" panose="02020603050405020304" pitchFamily="18" charset="0"/>
+                      </a:endParaRPr>
+                    </a:p>
+                  </a:txBody>
+                  <a:tcPr marL="5620" marR="5620" marT="5620" marB="0" anchor="ctr"/>
+                </a:tc>
+                <a:tc>
+                  <a:txBody>
+                    <a:bodyPr/>
+                    <a:lstStyle/>
+                    <a:p>
+                      <a:pPr algn="ctr" fontAlgn="ctr"/>
+                      <a:r>
+                        <a:rPr lang="en-US" sz="1000" u="none" strike="noStrike">
+                          <a:effectLst/>
+                        </a:rPr>
+                        <a:t>94.304</a:t>
+                      </a:r>
+                      <a:endParaRPr lang="en-US" sz="1000" b="0" i="0" u="none" strike="noStrike">
+                        <a:solidFill>
+                          <a:srgbClr val="000000"/>
+                        </a:solidFill>
+                        <a:effectLst/>
+                        <a:latin typeface="Times New Roman" panose="02020603050405020304" pitchFamily="18" charset="0"/>
+                      </a:endParaRPr>
+                    </a:p>
+                  </a:txBody>
+                  <a:tcPr marL="5620" marR="5620" marT="5620" marB="0" anchor="ctr"/>
+                </a:tc>
+                <a:tc>
+                  <a:txBody>
+                    <a:bodyPr/>
+                    <a:lstStyle/>
+                    <a:p>
+                      <a:pPr algn="ctr" fontAlgn="ctr"/>
+                      <a:r>
+                        <a:rPr lang="en-US" sz="1000" u="none" strike="noStrike">
+                          <a:effectLst/>
+                        </a:rPr>
+                        <a:t>0.02</a:t>
+                      </a:r>
+                      <a:endParaRPr lang="en-US" sz="1000" b="0" i="0" u="none" strike="noStrike">
+                        <a:solidFill>
+                          <a:srgbClr val="000000"/>
+                        </a:solidFill>
+                        <a:effectLst/>
+                        <a:latin typeface="Times New Roman" panose="02020603050405020304" pitchFamily="18" charset="0"/>
+                      </a:endParaRPr>
+                    </a:p>
+                  </a:txBody>
+                  <a:tcPr marL="5620" marR="5620" marT="5620" marB="0" anchor="ctr"/>
+                </a:tc>
+                <a:tc>
+                  <a:txBody>
+                    <a:bodyPr/>
+                    <a:lstStyle/>
+                    <a:p>
+                      <a:pPr algn="ctr" fontAlgn="ctr"/>
+                      <a:r>
+                        <a:rPr lang="en-US" sz="1000" u="none" strike="noStrike">
+                          <a:effectLst/>
+                        </a:rPr>
+                        <a:t>5.1</a:t>
+                      </a:r>
+                      <a:endParaRPr lang="en-US" sz="1000" b="0" i="0" u="none" strike="noStrike">
+                        <a:solidFill>
+                          <a:srgbClr val="000000"/>
+                        </a:solidFill>
+                        <a:effectLst/>
+                        <a:latin typeface="Times New Roman" panose="02020603050405020304" pitchFamily="18" charset="0"/>
+                      </a:endParaRPr>
+                    </a:p>
+                  </a:txBody>
+                  <a:tcPr marL="5620" marR="5620" marT="5620" marB="0" anchor="ctr"/>
+                </a:tc>
+                <a:tc>
+                  <a:txBody>
+                    <a:bodyPr/>
+                    <a:lstStyle/>
+                    <a:p>
+                      <a:pPr algn="ctr" fontAlgn="ctr"/>
+                      <a:r>
+                        <a:rPr lang="en-US" sz="1000" u="none" strike="noStrike">
+                          <a:effectLst/>
+                        </a:rPr>
+                        <a:t>2.29</a:t>
+                      </a:r>
+                      <a:endParaRPr lang="en-US" sz="1000" b="0" i="0" u="none" strike="noStrike">
+                        <a:solidFill>
+                          <a:srgbClr val="000000"/>
+                        </a:solidFill>
+                        <a:effectLst/>
+                        <a:latin typeface="Times New Roman" panose="02020603050405020304" pitchFamily="18" charset="0"/>
+                      </a:endParaRPr>
+                    </a:p>
+                  </a:txBody>
+                  <a:tcPr marL="5620" marR="5620" marT="5620" marB="0" anchor="ctr"/>
+                </a:tc>
+                <a:extLst>
+                  <a:ext uri="{0D108BD9-81ED-4DB2-BD59-A6C34878D82A}">
+                    <a16:rowId xmlns:a16="http://schemas.microsoft.com/office/drawing/2014/main" val="2841541357"/>
+                  </a:ext>
+                </a:extLst>
+              </a:tr>
+              <a:tr h="149679">
+                <a:tc>
+                  <a:txBody>
+                    <a:bodyPr/>
+                    <a:lstStyle/>
+                    <a:p>
+                      <a:pPr algn="ctr" fontAlgn="ctr"/>
+                      <a:r>
+                        <a:rPr lang="en-US" sz="1000" u="none" strike="noStrike">
+                          <a:effectLst/>
+                        </a:rPr>
+                        <a:t>GRU</a:t>
+                      </a:r>
+                      <a:endParaRPr lang="en-US" sz="1000" b="0" i="0" u="none" strike="noStrike">
+                        <a:solidFill>
+                          <a:srgbClr val="000000"/>
+                        </a:solidFill>
+                        <a:effectLst/>
+                        <a:latin typeface="Times New Roman" panose="02020603050405020304" pitchFamily="18" charset="0"/>
+                      </a:endParaRPr>
+                    </a:p>
+                  </a:txBody>
+                  <a:tcPr marL="5620" marR="5620" marT="5620" marB="0" anchor="ctr"/>
+                </a:tc>
+                <a:tc>
+                  <a:txBody>
+                    <a:bodyPr/>
+                    <a:lstStyle/>
+                    <a:p>
+                      <a:pPr algn="ctr" fontAlgn="ctr"/>
+                      <a:r>
+                        <a:rPr lang="en-US" sz="1000" u="none" strike="noStrike">
+                          <a:effectLst/>
+                        </a:rPr>
+                        <a:t>Forward fill</a:t>
+                      </a:r>
+                      <a:endParaRPr lang="en-US" sz="1000" b="0" i="0" u="none" strike="noStrike">
+                        <a:solidFill>
+                          <a:srgbClr val="000000"/>
+                        </a:solidFill>
+                        <a:effectLst/>
+                        <a:latin typeface="Times New Roman" panose="02020603050405020304" pitchFamily="18" charset="0"/>
+                      </a:endParaRPr>
+                    </a:p>
+                  </a:txBody>
+                  <a:tcPr marL="5620" marR="5620" marT="5620" marB="0" anchor="ctr"/>
+                </a:tc>
+                <a:tc>
+                  <a:txBody>
+                    <a:bodyPr/>
+                    <a:lstStyle/>
+                    <a:p>
+                      <a:pPr algn="ctr" fontAlgn="ctr"/>
+                      <a:r>
+                        <a:rPr lang="en-US" sz="1000" u="none" strike="noStrike">
+                          <a:effectLst/>
+                        </a:rPr>
+                        <a:t>1460</a:t>
+                      </a:r>
+                      <a:endParaRPr lang="en-US" sz="1000" b="0" i="0" u="none" strike="noStrike">
+                        <a:solidFill>
+                          <a:srgbClr val="000000"/>
+                        </a:solidFill>
+                        <a:effectLst/>
+                        <a:latin typeface="Times New Roman" panose="02020603050405020304" pitchFamily="18" charset="0"/>
+                      </a:endParaRPr>
+                    </a:p>
+                  </a:txBody>
+                  <a:tcPr marL="5620" marR="5620" marT="5620" marB="0" anchor="ctr"/>
+                </a:tc>
+                <a:tc>
+                  <a:txBody>
+                    <a:bodyPr/>
+                    <a:lstStyle/>
+                    <a:p>
+                      <a:pPr algn="ctr" fontAlgn="ctr"/>
+                      <a:r>
+                        <a:rPr lang="en-US" sz="1000" u="none" strike="noStrike">
+                          <a:effectLst/>
+                        </a:rPr>
+                        <a:t>951</a:t>
+                      </a:r>
+                      <a:endParaRPr lang="en-US" sz="1000" b="0" i="0" u="none" strike="noStrike">
+                        <a:solidFill>
+                          <a:srgbClr val="000000"/>
+                        </a:solidFill>
+                        <a:effectLst/>
+                        <a:latin typeface="Times New Roman" panose="02020603050405020304" pitchFamily="18" charset="0"/>
+                      </a:endParaRPr>
+                    </a:p>
+                  </a:txBody>
+                  <a:tcPr marL="5620" marR="5620" marT="5620" marB="0" anchor="ctr"/>
+                </a:tc>
+                <a:tc>
+                  <a:txBody>
+                    <a:bodyPr/>
+                    <a:lstStyle/>
+                    <a:p>
+                      <a:pPr algn="ctr" fontAlgn="ctr"/>
+                      <a:r>
+                        <a:rPr lang="en-US" sz="1000" u="none" strike="noStrike">
+                          <a:effectLst/>
+                        </a:rPr>
+                        <a:t>262</a:t>
+                      </a:r>
+                      <a:endParaRPr lang="en-US" sz="1000" b="0" i="0" u="none" strike="noStrike">
+                        <a:solidFill>
+                          <a:srgbClr val="000000"/>
+                        </a:solidFill>
+                        <a:effectLst/>
+                        <a:latin typeface="Times New Roman" panose="02020603050405020304" pitchFamily="18" charset="0"/>
+                      </a:endParaRPr>
+                    </a:p>
+                  </a:txBody>
+                  <a:tcPr marL="5620" marR="5620" marT="5620" marB="0" anchor="ctr"/>
+                </a:tc>
+                <a:tc>
+                  <a:txBody>
+                    <a:bodyPr/>
+                    <a:lstStyle/>
+                    <a:p>
+                      <a:pPr algn="ctr" fontAlgn="ctr"/>
+                      <a:r>
+                        <a:rPr lang="en-US" sz="1000" u="none" strike="noStrike">
+                          <a:effectLst/>
+                        </a:rPr>
+                        <a:t>146</a:t>
+                      </a:r>
+                      <a:endParaRPr lang="en-US" sz="1000" b="0" i="0" u="none" strike="noStrike">
+                        <a:solidFill>
+                          <a:srgbClr val="000000"/>
+                        </a:solidFill>
+                        <a:effectLst/>
+                        <a:latin typeface="Times New Roman" panose="02020603050405020304" pitchFamily="18" charset="0"/>
+                      </a:endParaRPr>
+                    </a:p>
+                  </a:txBody>
+                  <a:tcPr marL="5620" marR="5620" marT="5620" marB="0" anchor="ctr"/>
+                </a:tc>
+                <a:tc>
+                  <a:txBody>
+                    <a:bodyPr/>
+                    <a:lstStyle/>
+                    <a:p>
+                      <a:pPr algn="ctr" fontAlgn="ctr"/>
+                      <a:r>
+                        <a:rPr lang="en-US" sz="1000" u="none" strike="noStrike">
+                          <a:effectLst/>
+                        </a:rPr>
+                        <a:t>0.012</a:t>
+                      </a:r>
+                      <a:endParaRPr lang="en-US" sz="1000" b="0" i="0" u="none" strike="noStrike">
+                        <a:solidFill>
+                          <a:srgbClr val="000000"/>
+                        </a:solidFill>
+                        <a:effectLst/>
+                        <a:latin typeface="Times New Roman" panose="02020603050405020304" pitchFamily="18" charset="0"/>
+                      </a:endParaRPr>
+                    </a:p>
+                  </a:txBody>
+                  <a:tcPr marL="5620" marR="5620" marT="5620" marB="0" anchor="ctr"/>
+                </a:tc>
+                <a:tc>
+                  <a:txBody>
+                    <a:bodyPr/>
+                    <a:lstStyle/>
+                    <a:p>
+                      <a:pPr algn="ctr" fontAlgn="ctr"/>
+                      <a:r>
+                        <a:rPr lang="en-US" sz="1000" u="none" strike="noStrike">
+                          <a:effectLst/>
+                        </a:rPr>
+                        <a:t>55.14</a:t>
+                      </a:r>
+                      <a:endParaRPr lang="en-US" sz="1000" b="0" i="0" u="none" strike="noStrike">
+                        <a:solidFill>
+                          <a:srgbClr val="000000"/>
+                        </a:solidFill>
+                        <a:effectLst/>
+                        <a:latin typeface="Times New Roman" panose="02020603050405020304" pitchFamily="18" charset="0"/>
+                      </a:endParaRPr>
+                    </a:p>
+                  </a:txBody>
+                  <a:tcPr marL="5620" marR="5620" marT="5620" marB="0" anchor="ctr"/>
+                </a:tc>
+                <a:tc>
+                  <a:txBody>
+                    <a:bodyPr/>
+                    <a:lstStyle/>
+                    <a:p>
+                      <a:pPr algn="ctr" fontAlgn="ctr"/>
+                      <a:r>
+                        <a:rPr lang="en-US" sz="1000" u="none" strike="noStrike">
+                          <a:effectLst/>
+                        </a:rPr>
+                        <a:t>0</a:t>
+                      </a:r>
+                      <a:endParaRPr lang="en-US" sz="1000" b="0" i="0" u="none" strike="noStrike">
+                        <a:solidFill>
+                          <a:srgbClr val="000000"/>
+                        </a:solidFill>
+                        <a:effectLst/>
+                        <a:latin typeface="Times New Roman" panose="02020603050405020304" pitchFamily="18" charset="0"/>
+                      </a:endParaRPr>
+                    </a:p>
+                  </a:txBody>
+                  <a:tcPr marL="5620" marR="5620" marT="5620" marB="0" anchor="ctr"/>
+                </a:tc>
+                <a:tc>
+                  <a:txBody>
+                    <a:bodyPr/>
+                    <a:lstStyle/>
+                    <a:p>
+                      <a:pPr algn="ctr" fontAlgn="ctr"/>
+                      <a:r>
+                        <a:rPr lang="en-US" sz="1000" u="none" strike="noStrike">
+                          <a:effectLst/>
+                        </a:rPr>
+                        <a:t>2.98</a:t>
+                      </a:r>
+                      <a:endParaRPr lang="en-US" sz="1000" b="0" i="0" u="none" strike="noStrike">
+                        <a:solidFill>
+                          <a:srgbClr val="000000"/>
+                        </a:solidFill>
+                        <a:effectLst/>
+                        <a:latin typeface="Times New Roman" panose="02020603050405020304" pitchFamily="18" charset="0"/>
+                      </a:endParaRPr>
+                    </a:p>
+                  </a:txBody>
+                  <a:tcPr marL="5620" marR="5620" marT="5620" marB="0" anchor="ctr"/>
+                </a:tc>
+                <a:tc>
+                  <a:txBody>
+                    <a:bodyPr/>
+                    <a:lstStyle/>
+                    <a:p>
+                      <a:pPr algn="ctr" fontAlgn="ctr"/>
+                      <a:r>
+                        <a:rPr lang="en-US" sz="1000" u="none" strike="noStrike">
+                          <a:effectLst/>
+                        </a:rPr>
+                        <a:t>1.03</a:t>
+                      </a:r>
+                      <a:endParaRPr lang="en-US" sz="1000" b="0" i="0" u="none" strike="noStrike">
+                        <a:solidFill>
+                          <a:srgbClr val="000000"/>
+                        </a:solidFill>
+                        <a:effectLst/>
+                        <a:latin typeface="Times New Roman" panose="02020603050405020304" pitchFamily="18" charset="0"/>
+                      </a:endParaRPr>
+                    </a:p>
+                  </a:txBody>
+                  <a:tcPr marL="5620" marR="5620" marT="5620" marB="0" anchor="ctr"/>
+                </a:tc>
+                <a:extLst>
+                  <a:ext uri="{0D108BD9-81ED-4DB2-BD59-A6C34878D82A}">
+                    <a16:rowId xmlns:a16="http://schemas.microsoft.com/office/drawing/2014/main" val="1241371292"/>
+                  </a:ext>
+                </a:extLst>
+              </a:tr>
+              <a:tr h="149679">
+                <a:tc>
+                  <a:txBody>
+                    <a:bodyPr/>
+                    <a:lstStyle/>
+                    <a:p>
+                      <a:pPr algn="ctr" fontAlgn="ctr"/>
+                      <a:r>
+                        <a:rPr lang="en-US" sz="1000" u="none" strike="noStrike">
+                          <a:effectLst/>
+                        </a:rPr>
+                        <a:t>GRU</a:t>
+                      </a:r>
+                      <a:endParaRPr lang="en-US" sz="1000" b="0" i="0" u="none" strike="noStrike">
+                        <a:solidFill>
+                          <a:srgbClr val="000000"/>
+                        </a:solidFill>
+                        <a:effectLst/>
+                        <a:latin typeface="Times New Roman" panose="02020603050405020304" pitchFamily="18" charset="0"/>
+                      </a:endParaRPr>
+                    </a:p>
+                  </a:txBody>
+                  <a:tcPr marL="5620" marR="5620" marT="5620" marB="0" anchor="ctr"/>
+                </a:tc>
+                <a:tc>
+                  <a:txBody>
+                    <a:bodyPr/>
+                    <a:lstStyle/>
+                    <a:p>
+                      <a:pPr algn="ctr" fontAlgn="ctr"/>
+                      <a:r>
+                        <a:rPr lang="en-US" sz="1000" u="none" strike="noStrike">
+                          <a:effectLst/>
+                        </a:rPr>
+                        <a:t>Linear</a:t>
+                      </a:r>
+                      <a:endParaRPr lang="en-US" sz="1000" b="0" i="0" u="none" strike="noStrike">
+                        <a:solidFill>
+                          <a:srgbClr val="000000"/>
+                        </a:solidFill>
+                        <a:effectLst/>
+                        <a:latin typeface="Times New Roman" panose="02020603050405020304" pitchFamily="18" charset="0"/>
+                      </a:endParaRPr>
+                    </a:p>
+                  </a:txBody>
+                  <a:tcPr marL="5620" marR="5620" marT="5620" marB="0" anchor="ctr"/>
+                </a:tc>
+                <a:tc>
+                  <a:txBody>
+                    <a:bodyPr/>
+                    <a:lstStyle/>
+                    <a:p>
+                      <a:pPr algn="ctr" fontAlgn="b"/>
+                      <a:r>
+                        <a:rPr lang="en-US" sz="1000" u="none" strike="noStrike">
+                          <a:effectLst/>
+                        </a:rPr>
+                        <a:t>1460</a:t>
+                      </a:r>
+                      <a:endParaRPr lang="en-US" sz="1000" b="0" i="0" u="none" strike="noStrike">
+                        <a:solidFill>
+                          <a:srgbClr val="000000"/>
+                        </a:solidFill>
+                        <a:effectLst/>
+                        <a:latin typeface="Times New Roman" panose="02020603050405020304" pitchFamily="18" charset="0"/>
+                      </a:endParaRPr>
+                    </a:p>
+                  </a:txBody>
+                  <a:tcPr marL="5620" marR="5620" marT="5620" marB="0" anchor="b"/>
+                </a:tc>
+                <a:tc>
+                  <a:txBody>
+                    <a:bodyPr/>
+                    <a:lstStyle/>
+                    <a:p>
+                      <a:pPr algn="ctr" fontAlgn="b"/>
+                      <a:r>
+                        <a:rPr lang="en-US" sz="1000" u="none" strike="noStrike">
+                          <a:effectLst/>
+                        </a:rPr>
+                        <a:t>951</a:t>
+                      </a:r>
+                      <a:endParaRPr lang="en-US" sz="1000" b="0" i="0" u="none" strike="noStrike">
+                        <a:solidFill>
+                          <a:srgbClr val="000000"/>
+                        </a:solidFill>
+                        <a:effectLst/>
+                        <a:latin typeface="Times New Roman" panose="02020603050405020304" pitchFamily="18" charset="0"/>
+                      </a:endParaRPr>
+                    </a:p>
+                  </a:txBody>
+                  <a:tcPr marL="5620" marR="5620" marT="5620" marB="0" anchor="b"/>
+                </a:tc>
+                <a:tc>
+                  <a:txBody>
+                    <a:bodyPr/>
+                    <a:lstStyle/>
+                    <a:p>
+                      <a:pPr algn="ctr" fontAlgn="b"/>
+                      <a:r>
+                        <a:rPr lang="en-US" sz="1000" u="none" strike="noStrike">
+                          <a:effectLst/>
+                        </a:rPr>
+                        <a:t>262</a:t>
+                      </a:r>
+                      <a:endParaRPr lang="en-US" sz="1000" b="0" i="0" u="none" strike="noStrike">
+                        <a:solidFill>
+                          <a:srgbClr val="000000"/>
+                        </a:solidFill>
+                        <a:effectLst/>
+                        <a:latin typeface="Times New Roman" panose="02020603050405020304" pitchFamily="18" charset="0"/>
+                      </a:endParaRPr>
+                    </a:p>
+                  </a:txBody>
+                  <a:tcPr marL="5620" marR="5620" marT="5620" marB="0" anchor="b"/>
+                </a:tc>
+                <a:tc>
+                  <a:txBody>
+                    <a:bodyPr/>
+                    <a:lstStyle/>
+                    <a:p>
+                      <a:pPr algn="ctr" fontAlgn="b"/>
+                      <a:r>
+                        <a:rPr lang="en-US" sz="1000" u="none" strike="noStrike">
+                          <a:effectLst/>
+                        </a:rPr>
+                        <a:t>146</a:t>
+                      </a:r>
+                      <a:endParaRPr lang="en-US" sz="1000" b="0" i="0" u="none" strike="noStrike">
+                        <a:solidFill>
+                          <a:srgbClr val="000000"/>
+                        </a:solidFill>
+                        <a:effectLst/>
+                        <a:latin typeface="Times New Roman" panose="02020603050405020304" pitchFamily="18" charset="0"/>
+                      </a:endParaRPr>
+                    </a:p>
+                  </a:txBody>
+                  <a:tcPr marL="5620" marR="5620" marT="5620" marB="0" anchor="b"/>
+                </a:tc>
+                <a:tc>
+                  <a:txBody>
+                    <a:bodyPr/>
+                    <a:lstStyle/>
+                    <a:p>
+                      <a:pPr algn="ctr" fontAlgn="b"/>
+                      <a:r>
+                        <a:rPr lang="en-US" sz="1000" u="none" strike="noStrike">
+                          <a:effectLst/>
+                        </a:rPr>
+                        <a:t>0.04</a:t>
+                      </a:r>
+                      <a:endParaRPr lang="en-US" sz="1000" b="0" i="0" u="none" strike="noStrike">
+                        <a:solidFill>
+                          <a:srgbClr val="000000"/>
+                        </a:solidFill>
+                        <a:effectLst/>
+                        <a:latin typeface="Times New Roman" panose="02020603050405020304" pitchFamily="18" charset="0"/>
+                      </a:endParaRPr>
+                    </a:p>
+                  </a:txBody>
+                  <a:tcPr marL="5620" marR="5620" marT="5620" marB="0" anchor="b"/>
+                </a:tc>
+                <a:tc>
+                  <a:txBody>
+                    <a:bodyPr/>
+                    <a:lstStyle/>
+                    <a:p>
+                      <a:pPr algn="ctr" fontAlgn="b"/>
+                      <a:r>
+                        <a:rPr lang="en-US" sz="1000" u="none" strike="noStrike">
+                          <a:effectLst/>
+                        </a:rPr>
+                        <a:t>53.17</a:t>
+                      </a:r>
+                      <a:endParaRPr lang="en-US" sz="1000" b="0" i="0" u="none" strike="noStrike">
+                        <a:solidFill>
+                          <a:srgbClr val="000000"/>
+                        </a:solidFill>
+                        <a:effectLst/>
+                        <a:latin typeface="Times New Roman" panose="02020603050405020304" pitchFamily="18" charset="0"/>
+                      </a:endParaRPr>
+                    </a:p>
+                  </a:txBody>
+                  <a:tcPr marL="5620" marR="5620" marT="5620" marB="0" anchor="b"/>
+                </a:tc>
+                <a:tc>
+                  <a:txBody>
+                    <a:bodyPr/>
+                    <a:lstStyle/>
+                    <a:p>
+                      <a:pPr algn="ctr" fontAlgn="b"/>
+                      <a:r>
+                        <a:rPr lang="en-US" sz="1000" u="none" strike="noStrike">
+                          <a:effectLst/>
+                        </a:rPr>
+                        <a:t>0</a:t>
+                      </a:r>
+                      <a:endParaRPr lang="en-US" sz="1000" b="0" i="0" u="none" strike="noStrike">
+                        <a:solidFill>
+                          <a:srgbClr val="000000"/>
+                        </a:solidFill>
+                        <a:effectLst/>
+                        <a:latin typeface="Times New Roman" panose="02020603050405020304" pitchFamily="18" charset="0"/>
+                      </a:endParaRPr>
+                    </a:p>
+                  </a:txBody>
+                  <a:tcPr marL="5620" marR="5620" marT="5620" marB="0" anchor="b"/>
+                </a:tc>
+                <a:tc>
+                  <a:txBody>
+                    <a:bodyPr/>
+                    <a:lstStyle/>
+                    <a:p>
+                      <a:pPr algn="ctr" fontAlgn="b"/>
+                      <a:r>
+                        <a:rPr lang="en-US" sz="1000" u="none" strike="noStrike">
+                          <a:effectLst/>
+                        </a:rPr>
+                        <a:t>2.88</a:t>
+                      </a:r>
+                      <a:endParaRPr lang="en-US" sz="1000" b="0" i="0" u="none" strike="noStrike">
+                        <a:solidFill>
+                          <a:srgbClr val="000000"/>
+                        </a:solidFill>
+                        <a:effectLst/>
+                        <a:latin typeface="Times New Roman" panose="02020603050405020304" pitchFamily="18" charset="0"/>
+                      </a:endParaRPr>
+                    </a:p>
+                  </a:txBody>
+                  <a:tcPr marL="5620" marR="5620" marT="5620" marB="0" anchor="b"/>
+                </a:tc>
+                <a:tc>
+                  <a:txBody>
+                    <a:bodyPr/>
+                    <a:lstStyle/>
+                    <a:p>
+                      <a:pPr algn="ctr" fontAlgn="b"/>
+                      <a:r>
+                        <a:rPr lang="en-US" sz="1000" u="none" strike="noStrike">
+                          <a:effectLst/>
+                        </a:rPr>
+                        <a:t>0.78</a:t>
+                      </a:r>
+                      <a:endParaRPr lang="en-US" sz="1000" b="0" i="0" u="none" strike="noStrike">
+                        <a:solidFill>
+                          <a:srgbClr val="000000"/>
+                        </a:solidFill>
+                        <a:effectLst/>
+                        <a:latin typeface="Times New Roman" panose="02020603050405020304" pitchFamily="18" charset="0"/>
+                      </a:endParaRPr>
+                    </a:p>
+                  </a:txBody>
+                  <a:tcPr marL="5620" marR="5620" marT="5620" marB="0" anchor="b"/>
+                </a:tc>
+                <a:extLst>
+                  <a:ext uri="{0D108BD9-81ED-4DB2-BD59-A6C34878D82A}">
+                    <a16:rowId xmlns:a16="http://schemas.microsoft.com/office/drawing/2014/main" val="2386312865"/>
+                  </a:ext>
+                </a:extLst>
+              </a:tr>
+              <a:tr h="149679">
+                <a:tc>
+                  <a:txBody>
+                    <a:bodyPr/>
+                    <a:lstStyle/>
+                    <a:p>
+                      <a:pPr algn="ctr" fontAlgn="ctr"/>
+                      <a:r>
+                        <a:rPr lang="en-US" sz="1000" u="none" strike="noStrike">
+                          <a:effectLst/>
+                        </a:rPr>
+                        <a:t>GRU</a:t>
+                      </a:r>
+                      <a:endParaRPr lang="en-US" sz="1000" b="0" i="0" u="none" strike="noStrike">
+                        <a:solidFill>
+                          <a:srgbClr val="000000"/>
+                        </a:solidFill>
+                        <a:effectLst/>
+                        <a:latin typeface="Times New Roman" panose="02020603050405020304" pitchFamily="18" charset="0"/>
+                      </a:endParaRPr>
+                    </a:p>
+                  </a:txBody>
+                  <a:tcPr marL="5620" marR="5620" marT="5620" marB="0" anchor="ctr"/>
+                </a:tc>
+                <a:tc>
+                  <a:txBody>
+                    <a:bodyPr/>
+                    <a:lstStyle/>
+                    <a:p>
+                      <a:pPr algn="ctr" fontAlgn="ctr"/>
+                      <a:r>
+                        <a:rPr lang="en-US" sz="1000" u="none" strike="noStrike">
+                          <a:effectLst/>
+                        </a:rPr>
+                        <a:t>Moved</a:t>
+                      </a:r>
+                      <a:endParaRPr lang="en-US" sz="1000" b="0" i="0" u="none" strike="noStrike">
+                        <a:solidFill>
+                          <a:srgbClr val="000000"/>
+                        </a:solidFill>
+                        <a:effectLst/>
+                        <a:latin typeface="Times New Roman" panose="02020603050405020304" pitchFamily="18" charset="0"/>
+                      </a:endParaRPr>
+                    </a:p>
+                  </a:txBody>
+                  <a:tcPr marL="5620" marR="5620" marT="5620" marB="0" anchor="ctr"/>
+                </a:tc>
+                <a:tc>
+                  <a:txBody>
+                    <a:bodyPr/>
+                    <a:lstStyle/>
+                    <a:p>
+                      <a:pPr algn="ctr" fontAlgn="b"/>
+                      <a:r>
+                        <a:rPr lang="en-US" sz="1000" u="none" strike="noStrike">
+                          <a:effectLst/>
+                        </a:rPr>
+                        <a:t>1006</a:t>
+                      </a:r>
+                      <a:endParaRPr lang="en-US" sz="1000" b="0" i="0" u="none" strike="noStrike">
+                        <a:solidFill>
+                          <a:srgbClr val="000000"/>
+                        </a:solidFill>
+                        <a:effectLst/>
+                        <a:latin typeface="Times New Roman" panose="02020603050405020304" pitchFamily="18" charset="0"/>
+                      </a:endParaRPr>
+                    </a:p>
+                  </a:txBody>
+                  <a:tcPr marL="5620" marR="5620" marT="5620" marB="0" anchor="b"/>
+                </a:tc>
+                <a:tc>
+                  <a:txBody>
+                    <a:bodyPr/>
+                    <a:lstStyle/>
+                    <a:p>
+                      <a:pPr algn="ctr" fontAlgn="b"/>
+                      <a:r>
+                        <a:rPr lang="en-US" sz="1000" u="none" strike="noStrike">
+                          <a:effectLst/>
+                        </a:rPr>
+                        <a:t>633</a:t>
+                      </a:r>
+                      <a:endParaRPr lang="en-US" sz="1000" b="0" i="0" u="none" strike="noStrike">
+                        <a:solidFill>
+                          <a:srgbClr val="000000"/>
+                        </a:solidFill>
+                        <a:effectLst/>
+                        <a:latin typeface="Times New Roman" panose="02020603050405020304" pitchFamily="18" charset="0"/>
+                      </a:endParaRPr>
+                    </a:p>
+                  </a:txBody>
+                  <a:tcPr marL="5620" marR="5620" marT="5620" marB="0" anchor="b"/>
+                </a:tc>
+                <a:tc>
+                  <a:txBody>
+                    <a:bodyPr/>
+                    <a:lstStyle/>
+                    <a:p>
+                      <a:pPr algn="ctr" fontAlgn="b"/>
+                      <a:r>
+                        <a:rPr lang="en-US" sz="1000" u="none" strike="noStrike">
+                          <a:effectLst/>
+                        </a:rPr>
+                        <a:t>172</a:t>
+                      </a:r>
+                      <a:endParaRPr lang="en-US" sz="1000" b="0" i="0" u="none" strike="noStrike">
+                        <a:solidFill>
+                          <a:srgbClr val="000000"/>
+                        </a:solidFill>
+                        <a:effectLst/>
+                        <a:latin typeface="Times New Roman" panose="02020603050405020304" pitchFamily="18" charset="0"/>
+                      </a:endParaRPr>
+                    </a:p>
+                  </a:txBody>
+                  <a:tcPr marL="5620" marR="5620" marT="5620" marB="0" anchor="b"/>
+                </a:tc>
+                <a:tc>
+                  <a:txBody>
+                    <a:bodyPr/>
+                    <a:lstStyle/>
+                    <a:p>
+                      <a:pPr algn="ctr" fontAlgn="b"/>
+                      <a:r>
+                        <a:rPr lang="en-US" sz="1000" u="none" strike="noStrike">
+                          <a:effectLst/>
+                        </a:rPr>
+                        <a:t>100</a:t>
+                      </a:r>
+                      <a:endParaRPr lang="en-US" sz="1000" b="0" i="0" u="none" strike="noStrike">
+                        <a:solidFill>
+                          <a:srgbClr val="000000"/>
+                        </a:solidFill>
+                        <a:effectLst/>
+                        <a:latin typeface="Times New Roman" panose="02020603050405020304" pitchFamily="18" charset="0"/>
+                      </a:endParaRPr>
+                    </a:p>
+                  </a:txBody>
+                  <a:tcPr marL="5620" marR="5620" marT="5620" marB="0" anchor="b"/>
+                </a:tc>
+                <a:tc>
+                  <a:txBody>
+                    <a:bodyPr/>
+                    <a:lstStyle/>
+                    <a:p>
+                      <a:pPr algn="ctr" fontAlgn="b"/>
+                      <a:r>
+                        <a:rPr lang="en-US" sz="1000" u="none" strike="noStrike">
+                          <a:effectLst/>
+                        </a:rPr>
+                        <a:t>0.223</a:t>
+                      </a:r>
+                      <a:endParaRPr lang="en-US" sz="1000" b="0" i="0" u="none" strike="noStrike">
+                        <a:solidFill>
+                          <a:srgbClr val="000000"/>
+                        </a:solidFill>
+                        <a:effectLst/>
+                        <a:latin typeface="Times New Roman" panose="02020603050405020304" pitchFamily="18" charset="0"/>
+                      </a:endParaRPr>
+                    </a:p>
+                  </a:txBody>
+                  <a:tcPr marL="5620" marR="5620" marT="5620" marB="0" anchor="b"/>
+                </a:tc>
+                <a:tc>
+                  <a:txBody>
+                    <a:bodyPr/>
+                    <a:lstStyle/>
+                    <a:p>
+                      <a:pPr algn="ctr" fontAlgn="b"/>
+                      <a:r>
+                        <a:rPr lang="en-US" sz="1000" u="none" strike="noStrike">
+                          <a:effectLst/>
+                        </a:rPr>
+                        <a:t>57.935</a:t>
+                      </a:r>
+                      <a:endParaRPr lang="en-US" sz="1000" b="0" i="0" u="none" strike="noStrike">
+                        <a:solidFill>
+                          <a:srgbClr val="000000"/>
+                        </a:solidFill>
+                        <a:effectLst/>
+                        <a:latin typeface="Times New Roman" panose="02020603050405020304" pitchFamily="18" charset="0"/>
+                      </a:endParaRPr>
+                    </a:p>
+                  </a:txBody>
+                  <a:tcPr marL="5620" marR="5620" marT="5620" marB="0" anchor="b"/>
+                </a:tc>
+                <a:tc>
+                  <a:txBody>
+                    <a:bodyPr/>
+                    <a:lstStyle/>
+                    <a:p>
+                      <a:pPr algn="ctr" fontAlgn="b"/>
+                      <a:r>
+                        <a:rPr lang="en-US" sz="1000" u="none" strike="noStrike">
+                          <a:effectLst/>
+                        </a:rPr>
+                        <a:t>0.01</a:t>
+                      </a:r>
+                      <a:endParaRPr lang="en-US" sz="1000" b="0" i="0" u="none" strike="noStrike">
+                        <a:solidFill>
+                          <a:srgbClr val="000000"/>
+                        </a:solidFill>
+                        <a:effectLst/>
+                        <a:latin typeface="Times New Roman" panose="02020603050405020304" pitchFamily="18" charset="0"/>
+                      </a:endParaRPr>
+                    </a:p>
+                  </a:txBody>
+                  <a:tcPr marL="5620" marR="5620" marT="5620" marB="0" anchor="b"/>
+                </a:tc>
+                <a:tc>
+                  <a:txBody>
+                    <a:bodyPr/>
+                    <a:lstStyle/>
+                    <a:p>
+                      <a:pPr algn="ctr" fontAlgn="b"/>
+                      <a:r>
+                        <a:rPr lang="en-US" sz="1000" u="none" strike="noStrike">
+                          <a:effectLst/>
+                        </a:rPr>
+                        <a:t>3.13</a:t>
+                      </a:r>
+                      <a:endParaRPr lang="en-US" sz="1000" b="0" i="0" u="none" strike="noStrike">
+                        <a:solidFill>
+                          <a:srgbClr val="000000"/>
+                        </a:solidFill>
+                        <a:effectLst/>
+                        <a:latin typeface="Times New Roman" panose="02020603050405020304" pitchFamily="18" charset="0"/>
+                      </a:endParaRPr>
+                    </a:p>
+                  </a:txBody>
+                  <a:tcPr marL="5620" marR="5620" marT="5620" marB="0" anchor="b"/>
+                </a:tc>
+                <a:tc>
+                  <a:txBody>
+                    <a:bodyPr/>
+                    <a:lstStyle/>
+                    <a:p>
+                      <a:pPr algn="ctr" fontAlgn="b"/>
+                      <a:r>
+                        <a:rPr lang="en-US" sz="1000" u="none" strike="noStrike">
+                          <a:effectLst/>
+                        </a:rPr>
+                        <a:t>1.51</a:t>
+                      </a:r>
+                      <a:endParaRPr lang="en-US" sz="1000" b="0" i="0" u="none" strike="noStrike">
+                        <a:solidFill>
+                          <a:srgbClr val="000000"/>
+                        </a:solidFill>
+                        <a:effectLst/>
+                        <a:latin typeface="Times New Roman" panose="02020603050405020304" pitchFamily="18" charset="0"/>
+                      </a:endParaRPr>
+                    </a:p>
+                  </a:txBody>
+                  <a:tcPr marL="5620" marR="5620" marT="5620" marB="0" anchor="b"/>
+                </a:tc>
+                <a:extLst>
+                  <a:ext uri="{0D108BD9-81ED-4DB2-BD59-A6C34878D82A}">
+                    <a16:rowId xmlns:a16="http://schemas.microsoft.com/office/drawing/2014/main" val="929550354"/>
+                  </a:ext>
+                </a:extLst>
+              </a:tr>
+              <a:tr h="149679">
+                <a:tc>
+                  <a:txBody>
+                    <a:bodyPr/>
+                    <a:lstStyle/>
+                    <a:p>
+                      <a:pPr algn="ctr" fontAlgn="b"/>
+                      <a:r>
+                        <a:rPr lang="en-US" sz="1000" u="none" strike="noStrike">
+                          <a:effectLst/>
+                        </a:rPr>
+                        <a:t>LSTM</a:t>
+                      </a:r>
+                      <a:endParaRPr lang="en-US" sz="1000" b="0" i="0" u="none" strike="noStrike">
+                        <a:solidFill>
+                          <a:srgbClr val="000000"/>
+                        </a:solidFill>
+                        <a:effectLst/>
+                        <a:latin typeface="Times New Roman" panose="02020603050405020304" pitchFamily="18" charset="0"/>
+                      </a:endParaRPr>
+                    </a:p>
+                  </a:txBody>
+                  <a:tcPr marL="5620" marR="5620" marT="5620" marB="0" anchor="b"/>
+                </a:tc>
+                <a:tc>
+                  <a:txBody>
+                    <a:bodyPr/>
+                    <a:lstStyle/>
+                    <a:p>
+                      <a:pPr algn="ctr" fontAlgn="ctr"/>
+                      <a:r>
+                        <a:rPr lang="en-US" sz="1000" u="none" strike="noStrike">
+                          <a:effectLst/>
+                        </a:rPr>
+                        <a:t>Forward fill</a:t>
+                      </a:r>
+                      <a:endParaRPr lang="en-US" sz="1000" b="0" i="0" u="none" strike="noStrike">
+                        <a:solidFill>
+                          <a:srgbClr val="000000"/>
+                        </a:solidFill>
+                        <a:effectLst/>
+                        <a:latin typeface="Times New Roman" panose="02020603050405020304" pitchFamily="18" charset="0"/>
+                      </a:endParaRPr>
+                    </a:p>
+                  </a:txBody>
+                  <a:tcPr marL="5620" marR="5620" marT="5620" marB="0" anchor="ctr"/>
+                </a:tc>
+                <a:tc>
+                  <a:txBody>
+                    <a:bodyPr/>
+                    <a:lstStyle/>
+                    <a:p>
+                      <a:pPr algn="ctr" fontAlgn="ctr"/>
+                      <a:r>
+                        <a:rPr lang="en-US" sz="1000" u="none" strike="noStrike">
+                          <a:effectLst/>
+                        </a:rPr>
+                        <a:t>1460</a:t>
+                      </a:r>
+                      <a:endParaRPr lang="en-US" sz="1000" b="0" i="0" u="none" strike="noStrike">
+                        <a:solidFill>
+                          <a:srgbClr val="000000"/>
+                        </a:solidFill>
+                        <a:effectLst/>
+                        <a:latin typeface="Times New Roman" panose="02020603050405020304" pitchFamily="18" charset="0"/>
+                      </a:endParaRPr>
+                    </a:p>
+                  </a:txBody>
+                  <a:tcPr marL="5620" marR="5620" marT="5620" marB="0" anchor="ctr"/>
+                </a:tc>
+                <a:tc>
+                  <a:txBody>
+                    <a:bodyPr/>
+                    <a:lstStyle/>
+                    <a:p>
+                      <a:pPr algn="ctr" fontAlgn="ctr"/>
+                      <a:r>
+                        <a:rPr lang="en-US" sz="1000" u="none" strike="noStrike">
+                          <a:effectLst/>
+                        </a:rPr>
+                        <a:t>951</a:t>
+                      </a:r>
+                      <a:endParaRPr lang="en-US" sz="1000" b="0" i="0" u="none" strike="noStrike">
+                        <a:solidFill>
+                          <a:srgbClr val="000000"/>
+                        </a:solidFill>
+                        <a:effectLst/>
+                        <a:latin typeface="Times New Roman" panose="02020603050405020304" pitchFamily="18" charset="0"/>
+                      </a:endParaRPr>
+                    </a:p>
+                  </a:txBody>
+                  <a:tcPr marL="5620" marR="5620" marT="5620" marB="0" anchor="ctr"/>
+                </a:tc>
+                <a:tc>
+                  <a:txBody>
+                    <a:bodyPr/>
+                    <a:lstStyle/>
+                    <a:p>
+                      <a:pPr algn="ctr" fontAlgn="ctr"/>
+                      <a:r>
+                        <a:rPr lang="en-US" sz="1000" u="none" strike="noStrike">
+                          <a:effectLst/>
+                        </a:rPr>
+                        <a:t>262</a:t>
+                      </a:r>
+                      <a:endParaRPr lang="en-US" sz="1000" b="0" i="0" u="none" strike="noStrike">
+                        <a:solidFill>
+                          <a:srgbClr val="000000"/>
+                        </a:solidFill>
+                        <a:effectLst/>
+                        <a:latin typeface="Times New Roman" panose="02020603050405020304" pitchFamily="18" charset="0"/>
+                      </a:endParaRPr>
+                    </a:p>
+                  </a:txBody>
+                  <a:tcPr marL="5620" marR="5620" marT="5620" marB="0" anchor="ctr"/>
+                </a:tc>
+                <a:tc>
+                  <a:txBody>
+                    <a:bodyPr/>
+                    <a:lstStyle/>
+                    <a:p>
+                      <a:pPr algn="ctr" fontAlgn="ctr"/>
+                      <a:r>
+                        <a:rPr lang="en-US" sz="1000" u="none" strike="noStrike">
+                          <a:effectLst/>
+                        </a:rPr>
+                        <a:t>146</a:t>
+                      </a:r>
+                      <a:endParaRPr lang="en-US" sz="1000" b="0" i="0" u="none" strike="noStrike">
+                        <a:solidFill>
+                          <a:srgbClr val="000000"/>
+                        </a:solidFill>
+                        <a:effectLst/>
+                        <a:latin typeface="Times New Roman" panose="02020603050405020304" pitchFamily="18" charset="0"/>
+                      </a:endParaRPr>
+                    </a:p>
+                  </a:txBody>
+                  <a:tcPr marL="5620" marR="5620" marT="5620" marB="0" anchor="ctr"/>
+                </a:tc>
+                <a:tc>
+                  <a:txBody>
+                    <a:bodyPr/>
+                    <a:lstStyle/>
+                    <a:p>
+                      <a:pPr algn="ctr" fontAlgn="b"/>
+                      <a:r>
+                        <a:rPr lang="en-US" sz="1000" u="none" strike="noStrike">
+                          <a:effectLst/>
+                        </a:rPr>
+                        <a:t>0.118</a:t>
+                      </a:r>
+                      <a:endParaRPr lang="en-US" sz="1000" b="0" i="0" u="none" strike="noStrike">
+                        <a:solidFill>
+                          <a:srgbClr val="000000"/>
+                        </a:solidFill>
+                        <a:effectLst/>
+                        <a:latin typeface="Times New Roman" panose="02020603050405020304" pitchFamily="18" charset="0"/>
+                      </a:endParaRPr>
+                    </a:p>
+                  </a:txBody>
+                  <a:tcPr marL="5620" marR="5620" marT="5620" marB="0" anchor="b"/>
+                </a:tc>
+                <a:tc>
+                  <a:txBody>
+                    <a:bodyPr/>
+                    <a:lstStyle/>
+                    <a:p>
+                      <a:pPr algn="ctr" fontAlgn="b"/>
+                      <a:r>
+                        <a:rPr lang="en-US" sz="1000" u="none" strike="noStrike">
+                          <a:effectLst/>
+                        </a:rPr>
+                        <a:t>44.799</a:t>
+                      </a:r>
+                      <a:endParaRPr lang="en-US" sz="1000" b="0" i="0" u="none" strike="noStrike">
+                        <a:solidFill>
+                          <a:srgbClr val="000000"/>
+                        </a:solidFill>
+                        <a:effectLst/>
+                        <a:latin typeface="Times New Roman" panose="02020603050405020304" pitchFamily="18" charset="0"/>
+                      </a:endParaRPr>
+                    </a:p>
+                  </a:txBody>
+                  <a:tcPr marL="5620" marR="5620" marT="5620" marB="0" anchor="b"/>
+                </a:tc>
+                <a:tc>
+                  <a:txBody>
+                    <a:bodyPr/>
+                    <a:lstStyle/>
+                    <a:p>
+                      <a:pPr algn="ctr" fontAlgn="b"/>
+                      <a:r>
+                        <a:rPr lang="en-US" sz="1000" u="none" strike="noStrike">
+                          <a:effectLst/>
+                        </a:rPr>
+                        <a:t>0.01</a:t>
+                      </a:r>
+                      <a:endParaRPr lang="en-US" sz="1000" b="0" i="0" u="none" strike="noStrike">
+                        <a:solidFill>
+                          <a:srgbClr val="000000"/>
+                        </a:solidFill>
+                        <a:effectLst/>
+                        <a:latin typeface="Times New Roman" panose="02020603050405020304" pitchFamily="18" charset="0"/>
+                      </a:endParaRPr>
+                    </a:p>
+                  </a:txBody>
+                  <a:tcPr marL="5620" marR="5620" marT="5620" marB="0" anchor="b"/>
+                </a:tc>
+                <a:tc>
+                  <a:txBody>
+                    <a:bodyPr/>
+                    <a:lstStyle/>
+                    <a:p>
+                      <a:pPr algn="ctr" fontAlgn="b"/>
+                      <a:r>
+                        <a:rPr lang="en-US" sz="1000" u="none" strike="noStrike">
+                          <a:effectLst/>
+                        </a:rPr>
+                        <a:t>2.42</a:t>
+                      </a:r>
+                      <a:endParaRPr lang="en-US" sz="1000" b="0" i="0" u="none" strike="noStrike">
+                        <a:solidFill>
+                          <a:srgbClr val="000000"/>
+                        </a:solidFill>
+                        <a:effectLst/>
+                        <a:latin typeface="Times New Roman" panose="02020603050405020304" pitchFamily="18" charset="0"/>
+                      </a:endParaRPr>
+                    </a:p>
+                  </a:txBody>
+                  <a:tcPr marL="5620" marR="5620" marT="5620" marB="0" anchor="b"/>
+                </a:tc>
+                <a:tc>
+                  <a:txBody>
+                    <a:bodyPr/>
+                    <a:lstStyle/>
+                    <a:p>
+                      <a:pPr algn="ctr" fontAlgn="b"/>
+                      <a:r>
+                        <a:rPr lang="en-US" sz="1000" u="none" strike="noStrike">
+                          <a:effectLst/>
+                        </a:rPr>
+                        <a:t>0.98</a:t>
+                      </a:r>
+                      <a:endParaRPr lang="en-US" sz="1000" b="0" i="0" u="none" strike="noStrike">
+                        <a:solidFill>
+                          <a:srgbClr val="000000"/>
+                        </a:solidFill>
+                        <a:effectLst/>
+                        <a:latin typeface="Times New Roman" panose="02020603050405020304" pitchFamily="18" charset="0"/>
+                      </a:endParaRPr>
+                    </a:p>
+                  </a:txBody>
+                  <a:tcPr marL="5620" marR="5620" marT="5620" marB="0" anchor="b"/>
+                </a:tc>
+                <a:extLst>
+                  <a:ext uri="{0D108BD9-81ED-4DB2-BD59-A6C34878D82A}">
+                    <a16:rowId xmlns:a16="http://schemas.microsoft.com/office/drawing/2014/main" val="1472265762"/>
+                  </a:ext>
+                </a:extLst>
+              </a:tr>
+              <a:tr h="149679">
+                <a:tc>
+                  <a:txBody>
+                    <a:bodyPr/>
+                    <a:lstStyle/>
+                    <a:p>
+                      <a:pPr algn="ctr" fontAlgn="b"/>
+                      <a:r>
+                        <a:rPr lang="en-US" sz="1000" u="none" strike="noStrike">
+                          <a:effectLst/>
+                        </a:rPr>
+                        <a:t>LSTM</a:t>
+                      </a:r>
+                      <a:endParaRPr lang="en-US" sz="1000" b="0" i="0" u="none" strike="noStrike">
+                        <a:solidFill>
+                          <a:srgbClr val="000000"/>
+                        </a:solidFill>
+                        <a:effectLst/>
+                        <a:latin typeface="Times New Roman" panose="02020603050405020304" pitchFamily="18" charset="0"/>
+                      </a:endParaRPr>
+                    </a:p>
+                  </a:txBody>
+                  <a:tcPr marL="5620" marR="5620" marT="5620" marB="0" anchor="b"/>
+                </a:tc>
+                <a:tc>
+                  <a:txBody>
+                    <a:bodyPr/>
+                    <a:lstStyle/>
+                    <a:p>
+                      <a:pPr algn="ctr" fontAlgn="ctr"/>
+                      <a:r>
+                        <a:rPr lang="en-US" sz="1000" u="none" strike="noStrike">
+                          <a:effectLst/>
+                        </a:rPr>
+                        <a:t>Linear</a:t>
+                      </a:r>
+                      <a:endParaRPr lang="en-US" sz="1000" b="0" i="0" u="none" strike="noStrike">
+                        <a:solidFill>
+                          <a:srgbClr val="000000"/>
+                        </a:solidFill>
+                        <a:effectLst/>
+                        <a:latin typeface="Times New Roman" panose="02020603050405020304" pitchFamily="18" charset="0"/>
+                      </a:endParaRPr>
+                    </a:p>
+                  </a:txBody>
+                  <a:tcPr marL="5620" marR="5620" marT="5620" marB="0" anchor="ctr"/>
+                </a:tc>
+                <a:tc>
+                  <a:txBody>
+                    <a:bodyPr/>
+                    <a:lstStyle/>
+                    <a:p>
+                      <a:pPr algn="ctr" fontAlgn="b"/>
+                      <a:r>
+                        <a:rPr lang="en-US" sz="1000" u="none" strike="noStrike">
+                          <a:effectLst/>
+                        </a:rPr>
+                        <a:t>1460</a:t>
+                      </a:r>
+                      <a:endParaRPr lang="en-US" sz="1000" b="0" i="0" u="none" strike="noStrike">
+                        <a:solidFill>
+                          <a:srgbClr val="000000"/>
+                        </a:solidFill>
+                        <a:effectLst/>
+                        <a:latin typeface="Times New Roman" panose="02020603050405020304" pitchFamily="18" charset="0"/>
+                      </a:endParaRPr>
+                    </a:p>
+                  </a:txBody>
+                  <a:tcPr marL="5620" marR="5620" marT="5620" marB="0" anchor="b"/>
+                </a:tc>
+                <a:tc>
+                  <a:txBody>
+                    <a:bodyPr/>
+                    <a:lstStyle/>
+                    <a:p>
+                      <a:pPr algn="ctr" fontAlgn="b"/>
+                      <a:r>
+                        <a:rPr lang="en-US" sz="1000" u="none" strike="noStrike">
+                          <a:effectLst/>
+                        </a:rPr>
+                        <a:t>951</a:t>
+                      </a:r>
+                      <a:endParaRPr lang="en-US" sz="1000" b="0" i="0" u="none" strike="noStrike">
+                        <a:solidFill>
+                          <a:srgbClr val="000000"/>
+                        </a:solidFill>
+                        <a:effectLst/>
+                        <a:latin typeface="Times New Roman" panose="02020603050405020304" pitchFamily="18" charset="0"/>
+                      </a:endParaRPr>
+                    </a:p>
+                  </a:txBody>
+                  <a:tcPr marL="5620" marR="5620" marT="5620" marB="0" anchor="b"/>
+                </a:tc>
+                <a:tc>
+                  <a:txBody>
+                    <a:bodyPr/>
+                    <a:lstStyle/>
+                    <a:p>
+                      <a:pPr algn="ctr" fontAlgn="b"/>
+                      <a:r>
+                        <a:rPr lang="en-US" sz="1000" u="none" strike="noStrike">
+                          <a:effectLst/>
+                        </a:rPr>
+                        <a:t>262</a:t>
+                      </a:r>
+                      <a:endParaRPr lang="en-US" sz="1000" b="0" i="0" u="none" strike="noStrike">
+                        <a:solidFill>
+                          <a:srgbClr val="000000"/>
+                        </a:solidFill>
+                        <a:effectLst/>
+                        <a:latin typeface="Times New Roman" panose="02020603050405020304" pitchFamily="18" charset="0"/>
+                      </a:endParaRPr>
+                    </a:p>
+                  </a:txBody>
+                  <a:tcPr marL="5620" marR="5620" marT="5620" marB="0" anchor="b"/>
+                </a:tc>
+                <a:tc>
+                  <a:txBody>
+                    <a:bodyPr/>
+                    <a:lstStyle/>
+                    <a:p>
+                      <a:pPr algn="ctr" fontAlgn="b"/>
+                      <a:r>
+                        <a:rPr lang="en-US" sz="1000" u="none" strike="noStrike">
+                          <a:effectLst/>
+                        </a:rPr>
+                        <a:t>146</a:t>
+                      </a:r>
+                      <a:endParaRPr lang="en-US" sz="1000" b="0" i="0" u="none" strike="noStrike">
+                        <a:solidFill>
+                          <a:srgbClr val="000000"/>
+                        </a:solidFill>
+                        <a:effectLst/>
+                        <a:latin typeface="Times New Roman" panose="02020603050405020304" pitchFamily="18" charset="0"/>
+                      </a:endParaRPr>
+                    </a:p>
+                  </a:txBody>
+                  <a:tcPr marL="5620" marR="5620" marT="5620" marB="0" anchor="b"/>
+                </a:tc>
+                <a:tc>
+                  <a:txBody>
+                    <a:bodyPr/>
+                    <a:lstStyle/>
+                    <a:p>
+                      <a:pPr algn="ctr" fontAlgn="b"/>
+                      <a:r>
+                        <a:rPr lang="en-US" sz="1000" u="none" strike="noStrike">
+                          <a:effectLst/>
+                        </a:rPr>
+                        <a:t>1.85</a:t>
+                      </a:r>
+                      <a:endParaRPr lang="en-US" sz="1000" b="0" i="0" u="none" strike="noStrike">
+                        <a:solidFill>
+                          <a:srgbClr val="000000"/>
+                        </a:solidFill>
+                        <a:effectLst/>
+                        <a:latin typeface="Times New Roman" panose="02020603050405020304" pitchFamily="18" charset="0"/>
+                      </a:endParaRPr>
+                    </a:p>
+                  </a:txBody>
+                  <a:tcPr marL="5620" marR="5620" marT="5620" marB="0" anchor="b"/>
+                </a:tc>
+                <a:tc>
+                  <a:txBody>
+                    <a:bodyPr/>
+                    <a:lstStyle/>
+                    <a:p>
+                      <a:pPr algn="ctr" fontAlgn="b"/>
+                      <a:r>
+                        <a:rPr lang="en-US" sz="1000" u="none" strike="noStrike">
+                          <a:effectLst/>
+                        </a:rPr>
+                        <a:t>63.689</a:t>
+                      </a:r>
+                      <a:endParaRPr lang="en-US" sz="1000" b="0" i="0" u="none" strike="noStrike">
+                        <a:solidFill>
+                          <a:srgbClr val="000000"/>
+                        </a:solidFill>
+                        <a:effectLst/>
+                        <a:latin typeface="Times New Roman" panose="02020603050405020304" pitchFamily="18" charset="0"/>
+                      </a:endParaRPr>
+                    </a:p>
+                  </a:txBody>
+                  <a:tcPr marL="5620" marR="5620" marT="5620" marB="0" anchor="b"/>
+                </a:tc>
+                <a:tc>
+                  <a:txBody>
+                    <a:bodyPr/>
+                    <a:lstStyle/>
+                    <a:p>
+                      <a:pPr algn="ctr" fontAlgn="b"/>
+                      <a:r>
+                        <a:rPr lang="en-US" sz="1000" u="none" strike="noStrike">
+                          <a:effectLst/>
+                        </a:rPr>
+                        <a:t>0.1</a:t>
+                      </a:r>
+                      <a:endParaRPr lang="en-US" sz="1000" b="0" i="0" u="none" strike="noStrike">
+                        <a:solidFill>
+                          <a:srgbClr val="000000"/>
+                        </a:solidFill>
+                        <a:effectLst/>
+                        <a:latin typeface="Times New Roman" panose="02020603050405020304" pitchFamily="18" charset="0"/>
+                      </a:endParaRPr>
+                    </a:p>
+                  </a:txBody>
+                  <a:tcPr marL="5620" marR="5620" marT="5620" marB="0" anchor="b"/>
+                </a:tc>
+                <a:tc>
+                  <a:txBody>
+                    <a:bodyPr/>
+                    <a:lstStyle/>
+                    <a:p>
+                      <a:pPr algn="ctr" fontAlgn="b"/>
+                      <a:r>
+                        <a:rPr lang="en-US" sz="1000" u="none" strike="noStrike">
+                          <a:effectLst/>
+                        </a:rPr>
+                        <a:t>3.45</a:t>
+                      </a:r>
+                      <a:endParaRPr lang="en-US" sz="1000" b="0" i="0" u="none" strike="noStrike">
+                        <a:solidFill>
+                          <a:srgbClr val="000000"/>
+                        </a:solidFill>
+                        <a:effectLst/>
+                        <a:latin typeface="Times New Roman" panose="02020603050405020304" pitchFamily="18" charset="0"/>
+                      </a:endParaRPr>
+                    </a:p>
+                  </a:txBody>
+                  <a:tcPr marL="5620" marR="5620" marT="5620" marB="0" anchor="b"/>
+                </a:tc>
+                <a:tc>
+                  <a:txBody>
+                    <a:bodyPr/>
+                    <a:lstStyle/>
+                    <a:p>
+                      <a:pPr algn="ctr" fontAlgn="b"/>
+                      <a:r>
+                        <a:rPr lang="en-US" sz="1000" u="none" strike="noStrike">
+                          <a:effectLst/>
+                        </a:rPr>
+                        <a:t>1.71</a:t>
+                      </a:r>
+                      <a:endParaRPr lang="en-US" sz="1000" b="0" i="0" u="none" strike="noStrike">
+                        <a:solidFill>
+                          <a:srgbClr val="000000"/>
+                        </a:solidFill>
+                        <a:effectLst/>
+                        <a:latin typeface="Times New Roman" panose="02020603050405020304" pitchFamily="18" charset="0"/>
+                      </a:endParaRPr>
+                    </a:p>
+                  </a:txBody>
+                  <a:tcPr marL="5620" marR="5620" marT="5620" marB="0" anchor="b"/>
+                </a:tc>
+                <a:extLst>
+                  <a:ext uri="{0D108BD9-81ED-4DB2-BD59-A6C34878D82A}">
+                    <a16:rowId xmlns:a16="http://schemas.microsoft.com/office/drawing/2014/main" val="3829647827"/>
+                  </a:ext>
+                </a:extLst>
+              </a:tr>
+              <a:tr h="149679">
+                <a:tc>
+                  <a:txBody>
+                    <a:bodyPr/>
+                    <a:lstStyle/>
+                    <a:p>
+                      <a:pPr algn="ctr" fontAlgn="b"/>
+                      <a:r>
+                        <a:rPr lang="en-US" sz="1000" u="none" strike="noStrike">
+                          <a:effectLst/>
+                        </a:rPr>
+                        <a:t>LSTM</a:t>
+                      </a:r>
+                      <a:endParaRPr lang="en-US" sz="1000" b="0" i="0" u="none" strike="noStrike">
+                        <a:solidFill>
+                          <a:srgbClr val="000000"/>
+                        </a:solidFill>
+                        <a:effectLst/>
+                        <a:latin typeface="Times New Roman" panose="02020603050405020304" pitchFamily="18" charset="0"/>
+                      </a:endParaRPr>
+                    </a:p>
+                  </a:txBody>
+                  <a:tcPr marL="5620" marR="5620" marT="5620" marB="0" anchor="b"/>
+                </a:tc>
+                <a:tc>
+                  <a:txBody>
+                    <a:bodyPr/>
+                    <a:lstStyle/>
+                    <a:p>
+                      <a:pPr algn="ctr" fontAlgn="ctr"/>
+                      <a:r>
+                        <a:rPr lang="en-US" sz="1000" u="none" strike="noStrike">
+                          <a:effectLst/>
+                        </a:rPr>
+                        <a:t>Moved</a:t>
+                      </a:r>
+                      <a:endParaRPr lang="en-US" sz="1000" b="0" i="0" u="none" strike="noStrike">
+                        <a:solidFill>
+                          <a:srgbClr val="000000"/>
+                        </a:solidFill>
+                        <a:effectLst/>
+                        <a:latin typeface="Times New Roman" panose="02020603050405020304" pitchFamily="18" charset="0"/>
+                      </a:endParaRPr>
+                    </a:p>
+                  </a:txBody>
+                  <a:tcPr marL="5620" marR="5620" marT="5620" marB="0" anchor="ctr"/>
+                </a:tc>
+                <a:tc>
+                  <a:txBody>
+                    <a:bodyPr/>
+                    <a:lstStyle/>
+                    <a:p>
+                      <a:pPr algn="ctr" fontAlgn="b"/>
+                      <a:r>
+                        <a:rPr lang="en-US" sz="1000" u="none" strike="noStrike">
+                          <a:effectLst/>
+                        </a:rPr>
+                        <a:t>1006</a:t>
+                      </a:r>
+                      <a:endParaRPr lang="en-US" sz="1000" b="0" i="0" u="none" strike="noStrike">
+                        <a:solidFill>
+                          <a:srgbClr val="000000"/>
+                        </a:solidFill>
+                        <a:effectLst/>
+                        <a:latin typeface="Times New Roman" panose="02020603050405020304" pitchFamily="18" charset="0"/>
+                      </a:endParaRPr>
+                    </a:p>
+                  </a:txBody>
+                  <a:tcPr marL="5620" marR="5620" marT="5620" marB="0" anchor="b"/>
+                </a:tc>
+                <a:tc>
+                  <a:txBody>
+                    <a:bodyPr/>
+                    <a:lstStyle/>
+                    <a:p>
+                      <a:pPr algn="ctr" fontAlgn="b"/>
+                      <a:r>
+                        <a:rPr lang="en-US" sz="1000" u="none" strike="noStrike">
+                          <a:effectLst/>
+                        </a:rPr>
+                        <a:t>633</a:t>
+                      </a:r>
+                      <a:endParaRPr lang="en-US" sz="1000" b="0" i="0" u="none" strike="noStrike">
+                        <a:solidFill>
+                          <a:srgbClr val="000000"/>
+                        </a:solidFill>
+                        <a:effectLst/>
+                        <a:latin typeface="Times New Roman" panose="02020603050405020304" pitchFamily="18" charset="0"/>
+                      </a:endParaRPr>
+                    </a:p>
+                  </a:txBody>
+                  <a:tcPr marL="5620" marR="5620" marT="5620" marB="0" anchor="b"/>
+                </a:tc>
+                <a:tc>
+                  <a:txBody>
+                    <a:bodyPr/>
+                    <a:lstStyle/>
+                    <a:p>
+                      <a:pPr algn="ctr" fontAlgn="b"/>
+                      <a:r>
+                        <a:rPr lang="en-US" sz="1000" u="none" strike="noStrike">
+                          <a:effectLst/>
+                        </a:rPr>
+                        <a:t>172</a:t>
+                      </a:r>
+                      <a:endParaRPr lang="en-US" sz="1000" b="0" i="0" u="none" strike="noStrike">
+                        <a:solidFill>
+                          <a:srgbClr val="000000"/>
+                        </a:solidFill>
+                        <a:effectLst/>
+                        <a:latin typeface="Times New Roman" panose="02020603050405020304" pitchFamily="18" charset="0"/>
+                      </a:endParaRPr>
+                    </a:p>
+                  </a:txBody>
+                  <a:tcPr marL="5620" marR="5620" marT="5620" marB="0" anchor="b"/>
+                </a:tc>
+                <a:tc>
+                  <a:txBody>
+                    <a:bodyPr/>
+                    <a:lstStyle/>
+                    <a:p>
+                      <a:pPr algn="ctr" fontAlgn="b"/>
+                      <a:r>
+                        <a:rPr lang="en-US" sz="1000" u="none" strike="noStrike">
+                          <a:effectLst/>
+                        </a:rPr>
+                        <a:t>100</a:t>
+                      </a:r>
+                      <a:endParaRPr lang="en-US" sz="1000" b="0" i="0" u="none" strike="noStrike">
+                        <a:solidFill>
+                          <a:srgbClr val="000000"/>
+                        </a:solidFill>
+                        <a:effectLst/>
+                        <a:latin typeface="Times New Roman" panose="02020603050405020304" pitchFamily="18" charset="0"/>
+                      </a:endParaRPr>
+                    </a:p>
+                  </a:txBody>
+                  <a:tcPr marL="5620" marR="5620" marT="5620" marB="0" anchor="b"/>
+                </a:tc>
+                <a:tc>
+                  <a:txBody>
+                    <a:bodyPr/>
+                    <a:lstStyle/>
+                    <a:p>
+                      <a:pPr algn="ctr" fontAlgn="b"/>
+                      <a:r>
+                        <a:rPr lang="en-US" sz="1000" u="none" strike="noStrike">
+                          <a:effectLst/>
+                        </a:rPr>
+                        <a:t>0.113</a:t>
+                      </a:r>
+                      <a:endParaRPr lang="en-US" sz="1000" b="0" i="0" u="none" strike="noStrike">
+                        <a:solidFill>
+                          <a:srgbClr val="000000"/>
+                        </a:solidFill>
+                        <a:effectLst/>
+                        <a:latin typeface="Times New Roman" panose="02020603050405020304" pitchFamily="18" charset="0"/>
+                      </a:endParaRPr>
+                    </a:p>
+                  </a:txBody>
+                  <a:tcPr marL="5620" marR="5620" marT="5620" marB="0" anchor="b"/>
+                </a:tc>
+                <a:tc>
+                  <a:txBody>
+                    <a:bodyPr/>
+                    <a:lstStyle/>
+                    <a:p>
+                      <a:pPr algn="ctr" fontAlgn="b"/>
+                      <a:r>
+                        <a:rPr lang="en-US" sz="1000" u="none" strike="noStrike">
+                          <a:effectLst/>
+                        </a:rPr>
+                        <a:t>53.549</a:t>
+                      </a:r>
+                      <a:endParaRPr lang="en-US" sz="1000" b="0" i="0" u="none" strike="noStrike">
+                        <a:solidFill>
+                          <a:srgbClr val="000000"/>
+                        </a:solidFill>
+                        <a:effectLst/>
+                        <a:latin typeface="Times New Roman" panose="02020603050405020304" pitchFamily="18" charset="0"/>
+                      </a:endParaRPr>
+                    </a:p>
+                  </a:txBody>
+                  <a:tcPr marL="5620" marR="5620" marT="5620" marB="0" anchor="b"/>
+                </a:tc>
+                <a:tc>
+                  <a:txBody>
+                    <a:bodyPr/>
+                    <a:lstStyle/>
+                    <a:p>
+                      <a:pPr algn="ctr" fontAlgn="b"/>
+                      <a:r>
+                        <a:rPr lang="en-US" sz="1000" u="none" strike="noStrike">
+                          <a:effectLst/>
+                        </a:rPr>
+                        <a:t>0.01</a:t>
+                      </a:r>
+                      <a:endParaRPr lang="en-US" sz="1000" b="0" i="0" u="none" strike="noStrike">
+                        <a:solidFill>
+                          <a:srgbClr val="000000"/>
+                        </a:solidFill>
+                        <a:effectLst/>
+                        <a:latin typeface="Times New Roman" panose="02020603050405020304" pitchFamily="18" charset="0"/>
+                      </a:endParaRPr>
+                    </a:p>
+                  </a:txBody>
+                  <a:tcPr marL="5620" marR="5620" marT="5620" marB="0" anchor="b"/>
+                </a:tc>
+                <a:tc>
+                  <a:txBody>
+                    <a:bodyPr/>
+                    <a:lstStyle/>
+                    <a:p>
+                      <a:pPr algn="ctr" fontAlgn="b"/>
+                      <a:r>
+                        <a:rPr lang="en-US" sz="1000" u="none" strike="noStrike">
+                          <a:effectLst/>
+                        </a:rPr>
+                        <a:t>2.9</a:t>
+                      </a:r>
+                      <a:endParaRPr lang="en-US" sz="1000" b="0" i="0" u="none" strike="noStrike">
+                        <a:solidFill>
+                          <a:srgbClr val="000000"/>
+                        </a:solidFill>
+                        <a:effectLst/>
+                        <a:latin typeface="Times New Roman" panose="02020603050405020304" pitchFamily="18" charset="0"/>
+                      </a:endParaRPr>
+                    </a:p>
+                  </a:txBody>
+                  <a:tcPr marL="5620" marR="5620" marT="5620" marB="0" anchor="b"/>
+                </a:tc>
+                <a:tc>
+                  <a:txBody>
+                    <a:bodyPr/>
+                    <a:lstStyle/>
+                    <a:p>
+                      <a:pPr algn="ctr" fontAlgn="b"/>
+                      <a:r>
+                        <a:rPr lang="en-US" sz="1000" u="none" strike="noStrike">
+                          <a:effectLst/>
+                        </a:rPr>
+                        <a:t>1.19</a:t>
+                      </a:r>
+                      <a:endParaRPr lang="en-US" sz="1000" b="0" i="0" u="none" strike="noStrike">
+                        <a:solidFill>
+                          <a:srgbClr val="000000"/>
+                        </a:solidFill>
+                        <a:effectLst/>
+                        <a:latin typeface="Times New Roman" panose="02020603050405020304" pitchFamily="18" charset="0"/>
+                      </a:endParaRPr>
+                    </a:p>
+                  </a:txBody>
+                  <a:tcPr marL="5620" marR="5620" marT="5620" marB="0" anchor="b"/>
+                </a:tc>
+                <a:extLst>
+                  <a:ext uri="{0D108BD9-81ED-4DB2-BD59-A6C34878D82A}">
+                    <a16:rowId xmlns:a16="http://schemas.microsoft.com/office/drawing/2014/main" val="3316448303"/>
+                  </a:ext>
+                </a:extLst>
+              </a:tr>
+              <a:tr h="149679">
+                <a:tc>
+                  <a:txBody>
+                    <a:bodyPr/>
+                    <a:lstStyle/>
+                    <a:p>
+                      <a:pPr algn="ctr" fontAlgn="b"/>
+                      <a:r>
+                        <a:rPr lang="en-US" sz="1000" u="none" strike="noStrike">
+                          <a:effectLst/>
+                        </a:rPr>
+                        <a:t>Prophet</a:t>
+                      </a:r>
+                      <a:endParaRPr lang="en-US" sz="1000" b="0" i="0" u="none" strike="noStrike">
+                        <a:solidFill>
+                          <a:srgbClr val="000000"/>
+                        </a:solidFill>
+                        <a:effectLst/>
+                        <a:latin typeface="Times New Roman" panose="02020603050405020304" pitchFamily="18" charset="0"/>
+                      </a:endParaRPr>
+                    </a:p>
+                  </a:txBody>
+                  <a:tcPr marL="5620" marR="5620" marT="5620" marB="0" anchor="b"/>
+                </a:tc>
+                <a:tc>
+                  <a:txBody>
+                    <a:bodyPr/>
+                    <a:lstStyle/>
+                    <a:p>
+                      <a:pPr algn="ctr" fontAlgn="ctr"/>
+                      <a:r>
+                        <a:rPr lang="en-US" sz="1000" u="none" strike="noStrike">
+                          <a:effectLst/>
+                        </a:rPr>
+                        <a:t>Forward fill</a:t>
+                      </a:r>
+                      <a:endParaRPr lang="en-US" sz="1000" b="0" i="0" u="none" strike="noStrike">
+                        <a:solidFill>
+                          <a:srgbClr val="000000"/>
+                        </a:solidFill>
+                        <a:effectLst/>
+                        <a:latin typeface="Times New Roman" panose="02020603050405020304" pitchFamily="18" charset="0"/>
+                      </a:endParaRPr>
+                    </a:p>
+                  </a:txBody>
+                  <a:tcPr marL="5620" marR="5620" marT="5620" marB="0" anchor="ctr"/>
+                </a:tc>
+                <a:tc>
+                  <a:txBody>
+                    <a:bodyPr/>
+                    <a:lstStyle/>
+                    <a:p>
+                      <a:pPr algn="ctr" fontAlgn="b"/>
+                      <a:r>
+                        <a:rPr lang="en-US" sz="1000" u="none" strike="noStrike">
+                          <a:effectLst/>
+                        </a:rPr>
+                        <a:t>1460</a:t>
+                      </a:r>
+                      <a:endParaRPr lang="en-US" sz="1000" b="0" i="0" u="none" strike="noStrike">
+                        <a:solidFill>
+                          <a:srgbClr val="000000"/>
+                        </a:solidFill>
+                        <a:effectLst/>
+                        <a:latin typeface="Times New Roman" panose="02020603050405020304" pitchFamily="18" charset="0"/>
+                      </a:endParaRPr>
+                    </a:p>
+                  </a:txBody>
+                  <a:tcPr marL="5620" marR="5620" marT="5620" marB="0" anchor="b"/>
+                </a:tc>
+                <a:tc>
+                  <a:txBody>
+                    <a:bodyPr/>
+                    <a:lstStyle/>
+                    <a:p>
+                      <a:pPr algn="ctr" fontAlgn="b"/>
+                      <a:r>
+                        <a:rPr lang="en-US" sz="1000" u="none" strike="noStrike">
+                          <a:effectLst/>
+                        </a:rPr>
+                        <a:t>1314</a:t>
+                      </a:r>
+                      <a:endParaRPr lang="en-US" sz="1000" b="0" i="0" u="none" strike="noStrike">
+                        <a:solidFill>
+                          <a:srgbClr val="000000"/>
+                        </a:solidFill>
+                        <a:effectLst/>
+                        <a:latin typeface="Times New Roman" panose="02020603050405020304" pitchFamily="18" charset="0"/>
+                      </a:endParaRPr>
+                    </a:p>
+                  </a:txBody>
+                  <a:tcPr marL="5620" marR="5620" marT="5620" marB="0" anchor="b"/>
+                </a:tc>
+                <a:tc>
+                  <a:txBody>
+                    <a:bodyPr/>
+                    <a:lstStyle/>
+                    <a:p>
+                      <a:pPr algn="ctr" fontAlgn="b"/>
+                      <a:r>
+                        <a:rPr lang="en-US" sz="1000" u="none" strike="noStrike">
+                          <a:effectLst/>
+                        </a:rPr>
+                        <a:t>-</a:t>
+                      </a:r>
+                      <a:endParaRPr lang="en-US" sz="1000" b="0" i="0" u="none" strike="noStrike">
+                        <a:solidFill>
+                          <a:srgbClr val="000000"/>
+                        </a:solidFill>
+                        <a:effectLst/>
+                        <a:latin typeface="Times New Roman" panose="02020603050405020304" pitchFamily="18" charset="0"/>
+                      </a:endParaRPr>
+                    </a:p>
+                  </a:txBody>
+                  <a:tcPr marL="5620" marR="5620" marT="5620" marB="0" anchor="b"/>
+                </a:tc>
+                <a:tc>
+                  <a:txBody>
+                    <a:bodyPr/>
+                    <a:lstStyle/>
+                    <a:p>
+                      <a:pPr algn="ctr" fontAlgn="b"/>
+                      <a:r>
+                        <a:rPr lang="en-US" sz="1000" u="none" strike="noStrike">
+                          <a:effectLst/>
+                        </a:rPr>
+                        <a:t>146</a:t>
+                      </a:r>
+                      <a:endParaRPr lang="en-US" sz="1000" b="0" i="0" u="none" strike="noStrike">
+                        <a:solidFill>
+                          <a:srgbClr val="000000"/>
+                        </a:solidFill>
+                        <a:effectLst/>
+                        <a:latin typeface="Times New Roman" panose="02020603050405020304" pitchFamily="18" charset="0"/>
+                      </a:endParaRPr>
+                    </a:p>
+                  </a:txBody>
+                  <a:tcPr marL="5620" marR="5620" marT="5620" marB="0" anchor="b"/>
+                </a:tc>
+                <a:tc>
+                  <a:txBody>
+                    <a:bodyPr/>
+                    <a:lstStyle/>
+                    <a:p>
+                      <a:pPr algn="ctr" fontAlgn="b"/>
+                      <a:r>
+                        <a:rPr lang="en-US" sz="1000" u="none" strike="noStrike">
+                          <a:effectLst/>
+                        </a:rPr>
+                        <a:t>2.649</a:t>
+                      </a:r>
+                      <a:endParaRPr lang="en-US" sz="1000" b="0" i="0" u="none" strike="noStrike">
+                        <a:solidFill>
+                          <a:srgbClr val="000000"/>
+                        </a:solidFill>
+                        <a:effectLst/>
+                        <a:latin typeface="Times New Roman" panose="02020603050405020304" pitchFamily="18" charset="0"/>
+                      </a:endParaRPr>
+                    </a:p>
+                  </a:txBody>
+                  <a:tcPr marL="5620" marR="5620" marT="5620" marB="0" anchor="b"/>
+                </a:tc>
+                <a:tc>
+                  <a:txBody>
+                    <a:bodyPr/>
+                    <a:lstStyle/>
+                    <a:p>
+                      <a:pPr algn="ctr" fontAlgn="b"/>
+                      <a:r>
+                        <a:rPr lang="en-US" sz="1000" u="none" strike="noStrike">
+                          <a:effectLst/>
+                        </a:rPr>
+                        <a:t>127.154</a:t>
+                      </a:r>
+                      <a:endParaRPr lang="en-US" sz="1000" b="0" i="0" u="none" strike="noStrike">
+                        <a:solidFill>
+                          <a:srgbClr val="000000"/>
+                        </a:solidFill>
+                        <a:effectLst/>
+                        <a:latin typeface="Times New Roman" panose="02020603050405020304" pitchFamily="18" charset="0"/>
+                      </a:endParaRPr>
+                    </a:p>
+                  </a:txBody>
+                  <a:tcPr marL="5620" marR="5620" marT="5620" marB="0" anchor="b"/>
+                </a:tc>
+                <a:tc>
+                  <a:txBody>
+                    <a:bodyPr/>
+                    <a:lstStyle/>
+                    <a:p>
+                      <a:pPr algn="ctr" fontAlgn="b"/>
+                      <a:r>
+                        <a:rPr lang="en-US" sz="1000" u="none" strike="noStrike">
+                          <a:effectLst/>
+                        </a:rPr>
+                        <a:t>0.14</a:t>
+                      </a:r>
+                      <a:endParaRPr lang="en-US" sz="1000" b="0" i="0" u="none" strike="noStrike">
+                        <a:solidFill>
+                          <a:srgbClr val="000000"/>
+                        </a:solidFill>
+                        <a:effectLst/>
+                        <a:latin typeface="Times New Roman" panose="02020603050405020304" pitchFamily="18" charset="0"/>
+                      </a:endParaRPr>
+                    </a:p>
+                  </a:txBody>
+                  <a:tcPr marL="5620" marR="5620" marT="5620" marB="0" anchor="b"/>
+                </a:tc>
+                <a:tc>
+                  <a:txBody>
+                    <a:bodyPr/>
+                    <a:lstStyle/>
+                    <a:p>
+                      <a:pPr algn="ctr" fontAlgn="b"/>
+                      <a:r>
+                        <a:rPr lang="en-US" sz="1000" u="none" strike="noStrike">
+                          <a:effectLst/>
+                        </a:rPr>
+                        <a:t>6.88</a:t>
+                      </a:r>
+                      <a:endParaRPr lang="en-US" sz="1000" b="0" i="0" u="none" strike="noStrike">
+                        <a:solidFill>
+                          <a:srgbClr val="000000"/>
+                        </a:solidFill>
+                        <a:effectLst/>
+                        <a:latin typeface="Times New Roman" panose="02020603050405020304" pitchFamily="18" charset="0"/>
+                      </a:endParaRPr>
+                    </a:p>
+                  </a:txBody>
+                  <a:tcPr marL="5620" marR="5620" marT="5620" marB="0" anchor="b"/>
+                </a:tc>
+                <a:tc>
+                  <a:txBody>
+                    <a:bodyPr/>
+                    <a:lstStyle/>
+                    <a:p>
+                      <a:pPr algn="ctr" fontAlgn="b"/>
+                      <a:r>
+                        <a:rPr lang="en-US" sz="1000" u="none" strike="noStrike">
+                          <a:effectLst/>
+                        </a:rPr>
+                        <a:t>2.94</a:t>
+                      </a:r>
+                      <a:endParaRPr lang="en-US" sz="1000" b="0" i="0" u="none" strike="noStrike">
+                        <a:solidFill>
+                          <a:srgbClr val="000000"/>
+                        </a:solidFill>
+                        <a:effectLst/>
+                        <a:latin typeface="Times New Roman" panose="02020603050405020304" pitchFamily="18" charset="0"/>
+                      </a:endParaRPr>
+                    </a:p>
+                  </a:txBody>
+                  <a:tcPr marL="5620" marR="5620" marT="5620" marB="0" anchor="b"/>
+                </a:tc>
+                <a:extLst>
+                  <a:ext uri="{0D108BD9-81ED-4DB2-BD59-A6C34878D82A}">
+                    <a16:rowId xmlns:a16="http://schemas.microsoft.com/office/drawing/2014/main" val="2382653894"/>
+                  </a:ext>
+                </a:extLst>
+              </a:tr>
+              <a:tr h="149679">
+                <a:tc>
+                  <a:txBody>
+                    <a:bodyPr/>
+                    <a:lstStyle/>
+                    <a:p>
+                      <a:pPr algn="ctr" fontAlgn="b"/>
+                      <a:r>
+                        <a:rPr lang="en-US" sz="1000" u="none" strike="noStrike">
+                          <a:effectLst/>
+                        </a:rPr>
+                        <a:t>Prophet</a:t>
+                      </a:r>
+                      <a:endParaRPr lang="en-US" sz="1000" b="0" i="0" u="none" strike="noStrike">
+                        <a:solidFill>
+                          <a:srgbClr val="000000"/>
+                        </a:solidFill>
+                        <a:effectLst/>
+                        <a:latin typeface="Times New Roman" panose="02020603050405020304" pitchFamily="18" charset="0"/>
+                      </a:endParaRPr>
+                    </a:p>
+                  </a:txBody>
+                  <a:tcPr marL="5620" marR="5620" marT="5620" marB="0" anchor="b"/>
+                </a:tc>
+                <a:tc>
+                  <a:txBody>
+                    <a:bodyPr/>
+                    <a:lstStyle/>
+                    <a:p>
+                      <a:pPr algn="ctr" fontAlgn="ctr"/>
+                      <a:r>
+                        <a:rPr lang="en-US" sz="1000" u="none" strike="noStrike">
+                          <a:effectLst/>
+                        </a:rPr>
+                        <a:t>Linear</a:t>
+                      </a:r>
+                      <a:endParaRPr lang="en-US" sz="1000" b="0" i="0" u="none" strike="noStrike">
+                        <a:solidFill>
+                          <a:srgbClr val="000000"/>
+                        </a:solidFill>
+                        <a:effectLst/>
+                        <a:latin typeface="Times New Roman" panose="02020603050405020304" pitchFamily="18" charset="0"/>
+                      </a:endParaRPr>
+                    </a:p>
+                  </a:txBody>
+                  <a:tcPr marL="5620" marR="5620" marT="5620" marB="0" anchor="ctr"/>
+                </a:tc>
+                <a:tc>
+                  <a:txBody>
+                    <a:bodyPr/>
+                    <a:lstStyle/>
+                    <a:p>
+                      <a:pPr algn="ctr" fontAlgn="b"/>
+                      <a:r>
+                        <a:rPr lang="en-US" sz="1000" u="none" strike="noStrike">
+                          <a:effectLst/>
+                        </a:rPr>
+                        <a:t>1460</a:t>
+                      </a:r>
+                      <a:endParaRPr lang="en-US" sz="1000" b="0" i="0" u="none" strike="noStrike">
+                        <a:solidFill>
+                          <a:srgbClr val="000000"/>
+                        </a:solidFill>
+                        <a:effectLst/>
+                        <a:latin typeface="Times New Roman" panose="02020603050405020304" pitchFamily="18" charset="0"/>
+                      </a:endParaRPr>
+                    </a:p>
+                  </a:txBody>
+                  <a:tcPr marL="5620" marR="5620" marT="5620" marB="0" anchor="b"/>
+                </a:tc>
+                <a:tc>
+                  <a:txBody>
+                    <a:bodyPr/>
+                    <a:lstStyle/>
+                    <a:p>
+                      <a:pPr algn="ctr" fontAlgn="b"/>
+                      <a:r>
+                        <a:rPr lang="en-US" sz="1000" u="none" strike="noStrike">
+                          <a:effectLst/>
+                        </a:rPr>
+                        <a:t>1314</a:t>
+                      </a:r>
+                      <a:endParaRPr lang="en-US" sz="1000" b="0" i="0" u="none" strike="noStrike">
+                        <a:solidFill>
+                          <a:srgbClr val="000000"/>
+                        </a:solidFill>
+                        <a:effectLst/>
+                        <a:latin typeface="Times New Roman" panose="02020603050405020304" pitchFamily="18" charset="0"/>
+                      </a:endParaRPr>
+                    </a:p>
+                  </a:txBody>
+                  <a:tcPr marL="5620" marR="5620" marT="5620" marB="0" anchor="b"/>
+                </a:tc>
+                <a:tc>
+                  <a:txBody>
+                    <a:bodyPr/>
+                    <a:lstStyle/>
+                    <a:p>
+                      <a:pPr algn="ctr" fontAlgn="b"/>
+                      <a:r>
+                        <a:rPr lang="en-US" sz="1000" u="none" strike="noStrike">
+                          <a:effectLst/>
+                        </a:rPr>
+                        <a:t>-</a:t>
+                      </a:r>
+                      <a:endParaRPr lang="en-US" sz="1000" b="0" i="0" u="none" strike="noStrike">
+                        <a:solidFill>
+                          <a:srgbClr val="000000"/>
+                        </a:solidFill>
+                        <a:effectLst/>
+                        <a:latin typeface="Times New Roman" panose="02020603050405020304" pitchFamily="18" charset="0"/>
+                      </a:endParaRPr>
+                    </a:p>
+                  </a:txBody>
+                  <a:tcPr marL="5620" marR="5620" marT="5620" marB="0" anchor="b"/>
+                </a:tc>
+                <a:tc>
+                  <a:txBody>
+                    <a:bodyPr/>
+                    <a:lstStyle/>
+                    <a:p>
+                      <a:pPr algn="ctr" fontAlgn="b"/>
+                      <a:r>
+                        <a:rPr lang="en-US" sz="1000" u="none" strike="noStrike">
+                          <a:effectLst/>
+                        </a:rPr>
+                        <a:t>146</a:t>
+                      </a:r>
+                      <a:endParaRPr lang="en-US" sz="1000" b="0" i="0" u="none" strike="noStrike">
+                        <a:solidFill>
+                          <a:srgbClr val="000000"/>
+                        </a:solidFill>
+                        <a:effectLst/>
+                        <a:latin typeface="Times New Roman" panose="02020603050405020304" pitchFamily="18" charset="0"/>
+                      </a:endParaRPr>
+                    </a:p>
+                  </a:txBody>
+                  <a:tcPr marL="5620" marR="5620" marT="5620" marB="0" anchor="b"/>
+                </a:tc>
+                <a:tc>
+                  <a:txBody>
+                    <a:bodyPr/>
+                    <a:lstStyle/>
+                    <a:p>
+                      <a:pPr algn="ctr" fontAlgn="b"/>
+                      <a:r>
+                        <a:rPr lang="en-US" sz="1000" u="none" strike="noStrike">
+                          <a:effectLst/>
+                        </a:rPr>
+                        <a:t>2.99</a:t>
+                      </a:r>
+                      <a:endParaRPr lang="en-US" sz="1000" b="0" i="0" u="none" strike="noStrike">
+                        <a:solidFill>
+                          <a:srgbClr val="000000"/>
+                        </a:solidFill>
+                        <a:effectLst/>
+                        <a:latin typeface="Times New Roman" panose="02020603050405020304" pitchFamily="18" charset="0"/>
+                      </a:endParaRPr>
+                    </a:p>
+                  </a:txBody>
+                  <a:tcPr marL="5620" marR="5620" marT="5620" marB="0" anchor="b"/>
+                </a:tc>
+                <a:tc>
+                  <a:txBody>
+                    <a:bodyPr/>
+                    <a:lstStyle/>
+                    <a:p>
+                      <a:pPr algn="ctr" fontAlgn="b"/>
+                      <a:r>
+                        <a:rPr lang="en-US" sz="1000" u="none" strike="noStrike">
+                          <a:effectLst/>
+                        </a:rPr>
+                        <a:t>135.138</a:t>
+                      </a:r>
+                      <a:endParaRPr lang="en-US" sz="1000" b="0" i="0" u="none" strike="noStrike">
+                        <a:solidFill>
+                          <a:srgbClr val="000000"/>
+                        </a:solidFill>
+                        <a:effectLst/>
+                        <a:latin typeface="Times New Roman" panose="02020603050405020304" pitchFamily="18" charset="0"/>
+                      </a:endParaRPr>
+                    </a:p>
+                  </a:txBody>
+                  <a:tcPr marL="5620" marR="5620" marT="5620" marB="0" anchor="b"/>
+                </a:tc>
+                <a:tc>
+                  <a:txBody>
+                    <a:bodyPr/>
+                    <a:lstStyle/>
+                    <a:p>
+                      <a:pPr algn="ctr" fontAlgn="b"/>
+                      <a:r>
+                        <a:rPr lang="en-US" sz="1000" u="none" strike="noStrike">
+                          <a:effectLst/>
+                        </a:rPr>
+                        <a:t>0.16</a:t>
+                      </a:r>
+                      <a:endParaRPr lang="en-US" sz="1000" b="0" i="0" u="none" strike="noStrike">
+                        <a:solidFill>
+                          <a:srgbClr val="000000"/>
+                        </a:solidFill>
+                        <a:effectLst/>
+                        <a:latin typeface="Times New Roman" panose="02020603050405020304" pitchFamily="18" charset="0"/>
+                      </a:endParaRPr>
+                    </a:p>
+                  </a:txBody>
+                  <a:tcPr marL="5620" marR="5620" marT="5620" marB="0" anchor="b"/>
+                </a:tc>
+                <a:tc>
+                  <a:txBody>
+                    <a:bodyPr/>
+                    <a:lstStyle/>
+                    <a:p>
+                      <a:pPr algn="ctr" fontAlgn="b"/>
+                      <a:r>
+                        <a:rPr lang="en-US" sz="1000" u="none" strike="noStrike">
+                          <a:effectLst/>
+                        </a:rPr>
+                        <a:t>7.31</a:t>
+                      </a:r>
+                      <a:endParaRPr lang="en-US" sz="1000" b="0" i="0" u="none" strike="noStrike">
+                        <a:solidFill>
+                          <a:srgbClr val="000000"/>
+                        </a:solidFill>
+                        <a:effectLst/>
+                        <a:latin typeface="Times New Roman" panose="02020603050405020304" pitchFamily="18" charset="0"/>
+                      </a:endParaRPr>
+                    </a:p>
+                  </a:txBody>
+                  <a:tcPr marL="5620" marR="5620" marT="5620" marB="0" anchor="b"/>
+                </a:tc>
+                <a:tc>
+                  <a:txBody>
+                    <a:bodyPr/>
+                    <a:lstStyle/>
+                    <a:p>
+                      <a:pPr algn="ctr" fontAlgn="b"/>
+                      <a:r>
+                        <a:rPr lang="en-US" sz="1000" u="none" strike="noStrike">
+                          <a:effectLst/>
+                        </a:rPr>
+                        <a:t>3.27</a:t>
+                      </a:r>
+                      <a:endParaRPr lang="en-US" sz="1000" b="0" i="0" u="none" strike="noStrike">
+                        <a:solidFill>
+                          <a:srgbClr val="000000"/>
+                        </a:solidFill>
+                        <a:effectLst/>
+                        <a:latin typeface="Times New Roman" panose="02020603050405020304" pitchFamily="18" charset="0"/>
+                      </a:endParaRPr>
+                    </a:p>
+                  </a:txBody>
+                  <a:tcPr marL="5620" marR="5620" marT="5620" marB="0" anchor="b"/>
+                </a:tc>
+                <a:extLst>
+                  <a:ext uri="{0D108BD9-81ED-4DB2-BD59-A6C34878D82A}">
+                    <a16:rowId xmlns:a16="http://schemas.microsoft.com/office/drawing/2014/main" val="1904057495"/>
+                  </a:ext>
+                </a:extLst>
+              </a:tr>
+              <a:tr h="149679">
+                <a:tc>
+                  <a:txBody>
+                    <a:bodyPr/>
+                    <a:lstStyle/>
+                    <a:p>
+                      <a:pPr algn="ctr" fontAlgn="b"/>
+                      <a:r>
+                        <a:rPr lang="en-US" sz="1000" u="none" strike="noStrike">
+                          <a:effectLst/>
+                        </a:rPr>
+                        <a:t>Prophet</a:t>
+                      </a:r>
+                      <a:endParaRPr lang="en-US" sz="1000" b="0" i="0" u="none" strike="noStrike">
+                        <a:solidFill>
+                          <a:srgbClr val="000000"/>
+                        </a:solidFill>
+                        <a:effectLst/>
+                        <a:latin typeface="Times New Roman" panose="02020603050405020304" pitchFamily="18" charset="0"/>
+                      </a:endParaRPr>
+                    </a:p>
+                  </a:txBody>
+                  <a:tcPr marL="5620" marR="5620" marT="5620" marB="0" anchor="b"/>
+                </a:tc>
+                <a:tc>
+                  <a:txBody>
+                    <a:bodyPr/>
+                    <a:lstStyle/>
+                    <a:p>
+                      <a:pPr algn="ctr" fontAlgn="ctr"/>
+                      <a:r>
+                        <a:rPr lang="en-US" sz="1000" u="none" strike="noStrike">
+                          <a:effectLst/>
+                        </a:rPr>
+                        <a:t>Moved</a:t>
+                      </a:r>
+                      <a:endParaRPr lang="en-US" sz="1000" b="0" i="0" u="none" strike="noStrike">
+                        <a:solidFill>
+                          <a:srgbClr val="000000"/>
+                        </a:solidFill>
+                        <a:effectLst/>
+                        <a:latin typeface="Times New Roman" panose="02020603050405020304" pitchFamily="18" charset="0"/>
+                      </a:endParaRPr>
+                    </a:p>
+                  </a:txBody>
+                  <a:tcPr marL="5620" marR="5620" marT="5620" marB="0" anchor="ctr"/>
+                </a:tc>
+                <a:tc>
+                  <a:txBody>
+                    <a:bodyPr/>
+                    <a:lstStyle/>
+                    <a:p>
+                      <a:pPr algn="ctr" fontAlgn="ctr"/>
+                      <a:r>
+                        <a:rPr lang="en-US" sz="1000" u="none" strike="noStrike">
+                          <a:effectLst/>
+                        </a:rPr>
+                        <a:t>1006</a:t>
+                      </a:r>
+                      <a:endParaRPr lang="en-US" sz="1000" b="0" i="0" u="none" strike="noStrike">
+                        <a:solidFill>
+                          <a:srgbClr val="000000"/>
+                        </a:solidFill>
+                        <a:effectLst/>
+                        <a:latin typeface="Times New Roman" panose="02020603050405020304" pitchFamily="18" charset="0"/>
+                      </a:endParaRPr>
+                    </a:p>
+                  </a:txBody>
+                  <a:tcPr marL="5620" marR="5620" marT="5620" marB="0" anchor="ctr"/>
+                </a:tc>
+                <a:tc>
+                  <a:txBody>
+                    <a:bodyPr/>
+                    <a:lstStyle/>
+                    <a:p>
+                      <a:pPr algn="ctr" fontAlgn="ctr"/>
+                      <a:r>
+                        <a:rPr lang="en-US" sz="1000" u="none" strike="noStrike">
+                          <a:effectLst/>
+                        </a:rPr>
+                        <a:t>905</a:t>
+                      </a:r>
+                      <a:endParaRPr lang="en-US" sz="1000" b="0" i="0" u="none" strike="noStrike">
+                        <a:solidFill>
+                          <a:srgbClr val="000000"/>
+                        </a:solidFill>
+                        <a:effectLst/>
+                        <a:latin typeface="Times New Roman" panose="02020603050405020304" pitchFamily="18" charset="0"/>
+                      </a:endParaRPr>
+                    </a:p>
+                  </a:txBody>
+                  <a:tcPr marL="5620" marR="5620" marT="5620" marB="0" anchor="ctr"/>
+                </a:tc>
+                <a:tc>
+                  <a:txBody>
+                    <a:bodyPr/>
+                    <a:lstStyle/>
+                    <a:p>
+                      <a:pPr algn="ctr" fontAlgn="ctr"/>
+                      <a:r>
+                        <a:rPr lang="en-US" sz="1000" u="none" strike="noStrike">
+                          <a:effectLst/>
+                        </a:rPr>
+                        <a:t>-</a:t>
+                      </a:r>
+                      <a:endParaRPr lang="en-US" sz="1000" b="0" i="0" u="none" strike="noStrike">
+                        <a:solidFill>
+                          <a:srgbClr val="000000"/>
+                        </a:solidFill>
+                        <a:effectLst/>
+                        <a:latin typeface="Times New Roman" panose="02020603050405020304" pitchFamily="18" charset="0"/>
+                      </a:endParaRPr>
+                    </a:p>
+                  </a:txBody>
+                  <a:tcPr marL="5620" marR="5620" marT="5620" marB="0" anchor="ctr"/>
+                </a:tc>
+                <a:tc>
+                  <a:txBody>
+                    <a:bodyPr/>
+                    <a:lstStyle/>
+                    <a:p>
+                      <a:pPr algn="ctr" fontAlgn="ctr"/>
+                      <a:r>
+                        <a:rPr lang="en-US" sz="1000" u="none" strike="noStrike">
+                          <a:effectLst/>
+                        </a:rPr>
+                        <a:t>101</a:t>
+                      </a:r>
+                      <a:endParaRPr lang="en-US" sz="1000" b="0" i="0" u="none" strike="noStrike">
+                        <a:solidFill>
+                          <a:srgbClr val="000000"/>
+                        </a:solidFill>
+                        <a:effectLst/>
+                        <a:latin typeface="Times New Roman" panose="02020603050405020304" pitchFamily="18" charset="0"/>
+                      </a:endParaRPr>
+                    </a:p>
+                  </a:txBody>
+                  <a:tcPr marL="5620" marR="5620" marT="5620" marB="0" anchor="ctr"/>
+                </a:tc>
+                <a:tc>
+                  <a:txBody>
+                    <a:bodyPr/>
+                    <a:lstStyle/>
+                    <a:p>
+                      <a:pPr algn="ctr" fontAlgn="b"/>
+                      <a:r>
+                        <a:rPr lang="en-US" sz="1000" u="none" strike="noStrike">
+                          <a:effectLst/>
+                        </a:rPr>
+                        <a:t>22.04</a:t>
+                      </a:r>
+                      <a:endParaRPr lang="en-US" sz="1000" b="0" i="0" u="none" strike="noStrike">
+                        <a:solidFill>
+                          <a:srgbClr val="000000"/>
+                        </a:solidFill>
+                        <a:effectLst/>
+                        <a:latin typeface="Times New Roman" panose="02020603050405020304" pitchFamily="18" charset="0"/>
+                      </a:endParaRPr>
+                    </a:p>
+                  </a:txBody>
+                  <a:tcPr marL="5620" marR="5620" marT="5620" marB="0" anchor="b"/>
+                </a:tc>
+                <a:tc>
+                  <a:txBody>
+                    <a:bodyPr/>
+                    <a:lstStyle/>
+                    <a:p>
+                      <a:pPr algn="ctr" fontAlgn="b"/>
+                      <a:r>
+                        <a:rPr lang="en-US" sz="1000" u="none" strike="noStrike">
+                          <a:effectLst/>
+                        </a:rPr>
+                        <a:t>158.325</a:t>
+                      </a:r>
+                      <a:endParaRPr lang="en-US" sz="1000" b="0" i="0" u="none" strike="noStrike">
+                        <a:solidFill>
+                          <a:srgbClr val="000000"/>
+                        </a:solidFill>
+                        <a:effectLst/>
+                        <a:latin typeface="Times New Roman" panose="02020603050405020304" pitchFamily="18" charset="0"/>
+                      </a:endParaRPr>
+                    </a:p>
+                  </a:txBody>
+                  <a:tcPr marL="5620" marR="5620" marT="5620" marB="0" anchor="b"/>
+                </a:tc>
+                <a:tc>
+                  <a:txBody>
+                    <a:bodyPr/>
+                    <a:lstStyle/>
+                    <a:p>
+                      <a:pPr algn="ctr" fontAlgn="b"/>
+                      <a:r>
+                        <a:rPr lang="en-US" sz="1000" u="none" strike="noStrike">
+                          <a:effectLst/>
+                        </a:rPr>
+                        <a:t>1.19</a:t>
+                      </a:r>
+                      <a:endParaRPr lang="en-US" sz="1000" b="0" i="0" u="none" strike="noStrike">
+                        <a:solidFill>
+                          <a:srgbClr val="000000"/>
+                        </a:solidFill>
+                        <a:effectLst/>
+                        <a:latin typeface="Times New Roman" panose="02020603050405020304" pitchFamily="18" charset="0"/>
+                      </a:endParaRPr>
+                    </a:p>
+                  </a:txBody>
+                  <a:tcPr marL="5620" marR="5620" marT="5620" marB="0" anchor="b"/>
+                </a:tc>
+                <a:tc>
+                  <a:txBody>
+                    <a:bodyPr/>
+                    <a:lstStyle/>
+                    <a:p>
+                      <a:pPr algn="ctr" fontAlgn="b"/>
+                      <a:r>
+                        <a:rPr lang="en-US" sz="1000" u="none" strike="noStrike">
+                          <a:effectLst/>
+                        </a:rPr>
+                        <a:t>8.57</a:t>
+                      </a:r>
+                      <a:endParaRPr lang="en-US" sz="1000" b="0" i="0" u="none" strike="noStrike">
+                        <a:solidFill>
+                          <a:srgbClr val="000000"/>
+                        </a:solidFill>
+                        <a:effectLst/>
+                        <a:latin typeface="Times New Roman" panose="02020603050405020304" pitchFamily="18" charset="0"/>
+                      </a:endParaRPr>
+                    </a:p>
+                  </a:txBody>
+                  <a:tcPr marL="5620" marR="5620" marT="5620" marB="0" anchor="b"/>
+                </a:tc>
+                <a:tc>
+                  <a:txBody>
+                    <a:bodyPr/>
+                    <a:lstStyle/>
+                    <a:p>
+                      <a:pPr algn="ctr" fontAlgn="b"/>
+                      <a:r>
+                        <a:rPr lang="en-US" sz="1000" u="none" strike="noStrike">
+                          <a:effectLst/>
+                        </a:rPr>
+                        <a:t>4.91</a:t>
+                      </a:r>
+                      <a:endParaRPr lang="en-US" sz="1000" b="0" i="0" u="none" strike="noStrike">
+                        <a:solidFill>
+                          <a:srgbClr val="000000"/>
+                        </a:solidFill>
+                        <a:effectLst/>
+                        <a:latin typeface="Times New Roman" panose="02020603050405020304" pitchFamily="18" charset="0"/>
+                      </a:endParaRPr>
+                    </a:p>
+                  </a:txBody>
+                  <a:tcPr marL="5620" marR="5620" marT="5620" marB="0" anchor="b"/>
+                </a:tc>
+                <a:extLst>
+                  <a:ext uri="{0D108BD9-81ED-4DB2-BD59-A6C34878D82A}">
+                    <a16:rowId xmlns:a16="http://schemas.microsoft.com/office/drawing/2014/main" val="2642330669"/>
+                  </a:ext>
+                </a:extLst>
+              </a:tr>
+              <a:tr h="149679">
+                <a:tc>
+                  <a:txBody>
+                    <a:bodyPr/>
+                    <a:lstStyle/>
+                    <a:p>
+                      <a:pPr algn="ctr" fontAlgn="b"/>
+                      <a:r>
+                        <a:rPr lang="en-US" sz="1000" u="none" strike="noStrike">
+                          <a:effectLst/>
+                        </a:rPr>
+                        <a:t>Prophet</a:t>
+                      </a:r>
+                      <a:endParaRPr lang="en-US" sz="1000" b="0" i="0" u="none" strike="noStrike">
+                        <a:solidFill>
+                          <a:srgbClr val="000000"/>
+                        </a:solidFill>
+                        <a:effectLst/>
+                        <a:latin typeface="Times New Roman" panose="02020603050405020304" pitchFamily="18" charset="0"/>
+                      </a:endParaRPr>
+                    </a:p>
+                  </a:txBody>
+                  <a:tcPr marL="5620" marR="5620" marT="5620" marB="0" anchor="b"/>
+                </a:tc>
+                <a:tc>
+                  <a:txBody>
+                    <a:bodyPr/>
+                    <a:lstStyle/>
+                    <a:p>
+                      <a:pPr algn="ctr" fontAlgn="ctr"/>
+                      <a:r>
+                        <a:rPr lang="en-US" sz="1000" u="none" strike="noStrike">
+                          <a:effectLst/>
+                        </a:rPr>
+                        <a:t>Forward fill</a:t>
+                      </a:r>
+                      <a:endParaRPr lang="en-US" sz="1000" b="0" i="0" u="none" strike="noStrike">
+                        <a:solidFill>
+                          <a:srgbClr val="000000"/>
+                        </a:solidFill>
+                        <a:effectLst/>
+                        <a:latin typeface="Times New Roman" panose="02020603050405020304" pitchFamily="18" charset="0"/>
+                      </a:endParaRPr>
+                    </a:p>
+                  </a:txBody>
+                  <a:tcPr marL="5620" marR="5620" marT="5620" marB="0" anchor="ctr"/>
+                </a:tc>
+                <a:tc>
+                  <a:txBody>
+                    <a:bodyPr/>
+                    <a:lstStyle/>
+                    <a:p>
+                      <a:pPr algn="ctr" fontAlgn="b"/>
+                      <a:r>
+                        <a:rPr lang="en-US" sz="1000" u="none" strike="noStrike">
+                          <a:effectLst/>
+                        </a:rPr>
+                        <a:t>1460</a:t>
+                      </a:r>
+                      <a:endParaRPr lang="en-US" sz="1000" b="0" i="0" u="none" strike="noStrike">
+                        <a:solidFill>
+                          <a:srgbClr val="000000"/>
+                        </a:solidFill>
+                        <a:effectLst/>
+                        <a:latin typeface="Times New Roman" panose="02020603050405020304" pitchFamily="18" charset="0"/>
+                      </a:endParaRPr>
+                    </a:p>
+                  </a:txBody>
+                  <a:tcPr marL="5620" marR="5620" marT="5620" marB="0" anchor="b"/>
+                </a:tc>
+                <a:tc>
+                  <a:txBody>
+                    <a:bodyPr/>
+                    <a:lstStyle/>
+                    <a:p>
+                      <a:pPr algn="ctr" fontAlgn="b"/>
+                      <a:r>
+                        <a:rPr lang="en-US" sz="1000" u="none" strike="noStrike">
+                          <a:effectLst/>
+                        </a:rPr>
+                        <a:t>1021</a:t>
+                      </a:r>
+                      <a:endParaRPr lang="en-US" sz="1000" b="0" i="0" u="none" strike="noStrike">
+                        <a:solidFill>
+                          <a:srgbClr val="000000"/>
+                        </a:solidFill>
+                        <a:effectLst/>
+                        <a:latin typeface="Times New Roman" panose="02020603050405020304" pitchFamily="18" charset="0"/>
+                      </a:endParaRPr>
+                    </a:p>
+                  </a:txBody>
+                  <a:tcPr marL="5620" marR="5620" marT="5620" marB="0" anchor="b"/>
+                </a:tc>
+                <a:tc>
+                  <a:txBody>
+                    <a:bodyPr/>
+                    <a:lstStyle/>
+                    <a:p>
+                      <a:pPr algn="ctr" fontAlgn="b"/>
+                      <a:r>
+                        <a:rPr lang="en-US" sz="1000" u="none" strike="noStrike">
+                          <a:effectLst/>
+                        </a:rPr>
+                        <a:t>-</a:t>
+                      </a:r>
+                      <a:endParaRPr lang="en-US" sz="1000" b="0" i="0" u="none" strike="noStrike">
+                        <a:solidFill>
+                          <a:srgbClr val="000000"/>
+                        </a:solidFill>
+                        <a:effectLst/>
+                        <a:latin typeface="Times New Roman" panose="02020603050405020304" pitchFamily="18" charset="0"/>
+                      </a:endParaRPr>
+                    </a:p>
+                  </a:txBody>
+                  <a:tcPr marL="5620" marR="5620" marT="5620" marB="0" anchor="b"/>
+                </a:tc>
+                <a:tc>
+                  <a:txBody>
+                    <a:bodyPr/>
+                    <a:lstStyle/>
+                    <a:p>
+                      <a:pPr algn="ctr" fontAlgn="b"/>
+                      <a:r>
+                        <a:rPr lang="en-US" sz="1000" u="none" strike="noStrike">
+                          <a:effectLst/>
+                        </a:rPr>
+                        <a:t>439</a:t>
+                      </a:r>
+                      <a:endParaRPr lang="en-US" sz="1000" b="0" i="0" u="none" strike="noStrike">
+                        <a:solidFill>
+                          <a:srgbClr val="000000"/>
+                        </a:solidFill>
+                        <a:effectLst/>
+                        <a:latin typeface="Times New Roman" panose="02020603050405020304" pitchFamily="18" charset="0"/>
+                      </a:endParaRPr>
+                    </a:p>
+                  </a:txBody>
+                  <a:tcPr marL="5620" marR="5620" marT="5620" marB="0" anchor="b"/>
+                </a:tc>
+                <a:tc>
+                  <a:txBody>
+                    <a:bodyPr/>
+                    <a:lstStyle/>
+                    <a:p>
+                      <a:pPr algn="ctr" fontAlgn="b"/>
+                      <a:r>
+                        <a:rPr lang="en-US" sz="1000" u="none" strike="noStrike">
+                          <a:effectLst/>
+                        </a:rPr>
+                        <a:t>9.13</a:t>
+                      </a:r>
+                      <a:endParaRPr lang="en-US" sz="1000" b="0" i="0" u="none" strike="noStrike">
+                        <a:solidFill>
+                          <a:srgbClr val="000000"/>
+                        </a:solidFill>
+                        <a:effectLst/>
+                        <a:latin typeface="Times New Roman" panose="02020603050405020304" pitchFamily="18" charset="0"/>
+                      </a:endParaRPr>
+                    </a:p>
+                  </a:txBody>
+                  <a:tcPr marL="5620" marR="5620" marT="5620" marB="0" anchor="b"/>
+                </a:tc>
+                <a:tc>
+                  <a:txBody>
+                    <a:bodyPr/>
+                    <a:lstStyle/>
+                    <a:p>
+                      <a:pPr algn="ctr" fontAlgn="b"/>
+                      <a:r>
+                        <a:rPr lang="en-US" sz="1000" u="none" strike="noStrike">
+                          <a:effectLst/>
+                        </a:rPr>
+                        <a:t>221.26</a:t>
+                      </a:r>
+                      <a:endParaRPr lang="en-US" sz="1000" b="0" i="0" u="none" strike="noStrike">
+                        <a:solidFill>
+                          <a:srgbClr val="000000"/>
+                        </a:solidFill>
+                        <a:effectLst/>
+                        <a:latin typeface="Times New Roman" panose="02020603050405020304" pitchFamily="18" charset="0"/>
+                      </a:endParaRPr>
+                    </a:p>
+                  </a:txBody>
+                  <a:tcPr marL="5620" marR="5620" marT="5620" marB="0" anchor="b"/>
+                </a:tc>
+                <a:tc>
+                  <a:txBody>
+                    <a:bodyPr/>
+                    <a:lstStyle/>
+                    <a:p>
+                      <a:pPr algn="ctr" fontAlgn="b"/>
+                      <a:r>
+                        <a:rPr lang="en-US" sz="1000" u="none" strike="noStrike">
+                          <a:effectLst/>
+                        </a:rPr>
+                        <a:t>0.49</a:t>
+                      </a:r>
+                      <a:endParaRPr lang="en-US" sz="1000" b="0" i="0" u="none" strike="noStrike">
+                        <a:solidFill>
+                          <a:srgbClr val="000000"/>
+                        </a:solidFill>
+                        <a:effectLst/>
+                        <a:latin typeface="Times New Roman" panose="02020603050405020304" pitchFamily="18" charset="0"/>
+                      </a:endParaRPr>
+                    </a:p>
+                  </a:txBody>
+                  <a:tcPr marL="5620" marR="5620" marT="5620" marB="0" anchor="b"/>
+                </a:tc>
+                <a:tc>
+                  <a:txBody>
+                    <a:bodyPr/>
+                    <a:lstStyle/>
+                    <a:p>
+                      <a:pPr algn="ctr" fontAlgn="b"/>
+                      <a:r>
+                        <a:rPr lang="en-US" sz="1000" u="none" strike="noStrike">
+                          <a:effectLst/>
+                        </a:rPr>
+                        <a:t>11.97</a:t>
+                      </a:r>
+                      <a:endParaRPr lang="en-US" sz="1000" b="0" i="0" u="none" strike="noStrike">
+                        <a:solidFill>
+                          <a:srgbClr val="000000"/>
+                        </a:solidFill>
+                        <a:effectLst/>
+                        <a:latin typeface="Times New Roman" panose="02020603050405020304" pitchFamily="18" charset="0"/>
+                      </a:endParaRPr>
+                    </a:p>
+                  </a:txBody>
+                  <a:tcPr marL="5620" marR="5620" marT="5620" marB="0" anchor="b"/>
+                </a:tc>
+                <a:tc>
+                  <a:txBody>
+                    <a:bodyPr/>
+                    <a:lstStyle/>
+                    <a:p>
+                      <a:pPr algn="ctr" fontAlgn="b"/>
+                      <a:r>
+                        <a:rPr lang="en-US" sz="1000" u="none" strike="noStrike">
+                          <a:effectLst/>
+                        </a:rPr>
+                        <a:t>7.8</a:t>
+                      </a:r>
+                      <a:endParaRPr lang="en-US" sz="1000" b="0" i="0" u="none" strike="noStrike">
+                        <a:solidFill>
+                          <a:srgbClr val="000000"/>
+                        </a:solidFill>
+                        <a:effectLst/>
+                        <a:latin typeface="Times New Roman" panose="02020603050405020304" pitchFamily="18" charset="0"/>
+                      </a:endParaRPr>
+                    </a:p>
+                  </a:txBody>
+                  <a:tcPr marL="5620" marR="5620" marT="5620" marB="0" anchor="b"/>
+                </a:tc>
+                <a:extLst>
+                  <a:ext uri="{0D108BD9-81ED-4DB2-BD59-A6C34878D82A}">
+                    <a16:rowId xmlns:a16="http://schemas.microsoft.com/office/drawing/2014/main" val="1495746116"/>
+                  </a:ext>
+                </a:extLst>
+              </a:tr>
+              <a:tr h="149679">
+                <a:tc>
+                  <a:txBody>
+                    <a:bodyPr/>
+                    <a:lstStyle/>
+                    <a:p>
+                      <a:pPr algn="ctr" fontAlgn="b"/>
+                      <a:r>
+                        <a:rPr lang="en-US" sz="1000" u="none" strike="noStrike">
+                          <a:effectLst/>
+                        </a:rPr>
+                        <a:t>Prophet</a:t>
+                      </a:r>
+                      <a:endParaRPr lang="en-US" sz="1000" b="0" i="0" u="none" strike="noStrike">
+                        <a:solidFill>
+                          <a:srgbClr val="000000"/>
+                        </a:solidFill>
+                        <a:effectLst/>
+                        <a:latin typeface="Times New Roman" panose="02020603050405020304" pitchFamily="18" charset="0"/>
+                      </a:endParaRPr>
+                    </a:p>
+                  </a:txBody>
+                  <a:tcPr marL="5620" marR="5620" marT="5620" marB="0" anchor="b"/>
+                </a:tc>
+                <a:tc>
+                  <a:txBody>
+                    <a:bodyPr/>
+                    <a:lstStyle/>
+                    <a:p>
+                      <a:pPr algn="ctr" fontAlgn="ctr"/>
+                      <a:r>
+                        <a:rPr lang="en-US" sz="1000" u="none" strike="noStrike">
+                          <a:effectLst/>
+                        </a:rPr>
+                        <a:t>Linear</a:t>
+                      </a:r>
+                      <a:endParaRPr lang="en-US" sz="1000" b="0" i="0" u="none" strike="noStrike">
+                        <a:solidFill>
+                          <a:srgbClr val="000000"/>
+                        </a:solidFill>
+                        <a:effectLst/>
+                        <a:latin typeface="Times New Roman" panose="02020603050405020304" pitchFamily="18" charset="0"/>
+                      </a:endParaRPr>
+                    </a:p>
+                  </a:txBody>
+                  <a:tcPr marL="5620" marR="5620" marT="5620" marB="0" anchor="ctr"/>
+                </a:tc>
+                <a:tc>
+                  <a:txBody>
+                    <a:bodyPr/>
+                    <a:lstStyle/>
+                    <a:p>
+                      <a:pPr algn="ctr" fontAlgn="b"/>
+                      <a:r>
+                        <a:rPr lang="en-US" sz="1000" u="none" strike="noStrike">
+                          <a:effectLst/>
+                        </a:rPr>
+                        <a:t>1460</a:t>
+                      </a:r>
+                      <a:endParaRPr lang="en-US" sz="1000" b="0" i="0" u="none" strike="noStrike">
+                        <a:solidFill>
+                          <a:srgbClr val="000000"/>
+                        </a:solidFill>
+                        <a:effectLst/>
+                        <a:latin typeface="Times New Roman" panose="02020603050405020304" pitchFamily="18" charset="0"/>
+                      </a:endParaRPr>
+                    </a:p>
+                  </a:txBody>
+                  <a:tcPr marL="5620" marR="5620" marT="5620" marB="0" anchor="b"/>
+                </a:tc>
+                <a:tc>
+                  <a:txBody>
+                    <a:bodyPr/>
+                    <a:lstStyle/>
+                    <a:p>
+                      <a:pPr algn="ctr" fontAlgn="b"/>
+                      <a:r>
+                        <a:rPr lang="en-US" sz="1000" u="none" strike="noStrike">
+                          <a:effectLst/>
+                        </a:rPr>
+                        <a:t>1021</a:t>
+                      </a:r>
+                      <a:endParaRPr lang="en-US" sz="1000" b="0" i="0" u="none" strike="noStrike">
+                        <a:solidFill>
+                          <a:srgbClr val="000000"/>
+                        </a:solidFill>
+                        <a:effectLst/>
+                        <a:latin typeface="Times New Roman" panose="02020603050405020304" pitchFamily="18" charset="0"/>
+                      </a:endParaRPr>
+                    </a:p>
+                  </a:txBody>
+                  <a:tcPr marL="5620" marR="5620" marT="5620" marB="0" anchor="b"/>
+                </a:tc>
+                <a:tc>
+                  <a:txBody>
+                    <a:bodyPr/>
+                    <a:lstStyle/>
+                    <a:p>
+                      <a:pPr algn="ctr" fontAlgn="b"/>
+                      <a:r>
+                        <a:rPr lang="en-US" sz="1000" u="none" strike="noStrike">
+                          <a:effectLst/>
+                        </a:rPr>
+                        <a:t>-</a:t>
+                      </a:r>
+                      <a:endParaRPr lang="en-US" sz="1000" b="0" i="0" u="none" strike="noStrike">
+                        <a:solidFill>
+                          <a:srgbClr val="000000"/>
+                        </a:solidFill>
+                        <a:effectLst/>
+                        <a:latin typeface="Times New Roman" panose="02020603050405020304" pitchFamily="18" charset="0"/>
+                      </a:endParaRPr>
+                    </a:p>
+                  </a:txBody>
+                  <a:tcPr marL="5620" marR="5620" marT="5620" marB="0" anchor="b"/>
+                </a:tc>
+                <a:tc>
+                  <a:txBody>
+                    <a:bodyPr/>
+                    <a:lstStyle/>
+                    <a:p>
+                      <a:pPr algn="ctr" fontAlgn="b"/>
+                      <a:r>
+                        <a:rPr lang="en-US" sz="1000" u="none" strike="noStrike">
+                          <a:effectLst/>
+                        </a:rPr>
+                        <a:t>439</a:t>
+                      </a:r>
+                      <a:endParaRPr lang="en-US" sz="1000" b="0" i="0" u="none" strike="noStrike">
+                        <a:solidFill>
+                          <a:srgbClr val="000000"/>
+                        </a:solidFill>
+                        <a:effectLst/>
+                        <a:latin typeface="Times New Roman" panose="02020603050405020304" pitchFamily="18" charset="0"/>
+                      </a:endParaRPr>
+                    </a:p>
+                  </a:txBody>
+                  <a:tcPr marL="5620" marR="5620" marT="5620" marB="0" anchor="b"/>
+                </a:tc>
+                <a:tc>
+                  <a:txBody>
+                    <a:bodyPr/>
+                    <a:lstStyle/>
+                    <a:p>
+                      <a:pPr algn="ctr" fontAlgn="b"/>
+                      <a:r>
+                        <a:rPr lang="en-US" sz="1000" u="none" strike="noStrike">
+                          <a:effectLst/>
+                        </a:rPr>
+                        <a:t>9.67</a:t>
+                      </a:r>
+                      <a:endParaRPr lang="en-US" sz="1000" b="0" i="0" u="none" strike="noStrike">
+                        <a:solidFill>
+                          <a:srgbClr val="000000"/>
+                        </a:solidFill>
+                        <a:effectLst/>
+                        <a:latin typeface="Times New Roman" panose="02020603050405020304" pitchFamily="18" charset="0"/>
+                      </a:endParaRPr>
+                    </a:p>
+                  </a:txBody>
+                  <a:tcPr marL="5620" marR="5620" marT="5620" marB="0" anchor="b"/>
+                </a:tc>
+                <a:tc>
+                  <a:txBody>
+                    <a:bodyPr/>
+                    <a:lstStyle/>
+                    <a:p>
+                      <a:pPr algn="ctr" fontAlgn="b"/>
+                      <a:r>
+                        <a:rPr lang="en-US" sz="1000" u="none" strike="noStrike">
+                          <a:effectLst/>
+                        </a:rPr>
+                        <a:t>218.611</a:t>
+                      </a:r>
+                      <a:endParaRPr lang="en-US" sz="1000" b="0" i="0" u="none" strike="noStrike">
+                        <a:solidFill>
+                          <a:srgbClr val="000000"/>
+                        </a:solidFill>
+                        <a:effectLst/>
+                        <a:latin typeface="Times New Roman" panose="02020603050405020304" pitchFamily="18" charset="0"/>
+                      </a:endParaRPr>
+                    </a:p>
+                  </a:txBody>
+                  <a:tcPr marL="5620" marR="5620" marT="5620" marB="0" anchor="b"/>
+                </a:tc>
+                <a:tc>
+                  <a:txBody>
+                    <a:bodyPr/>
+                    <a:lstStyle/>
+                    <a:p>
+                      <a:pPr algn="ctr" fontAlgn="b"/>
+                      <a:r>
+                        <a:rPr lang="en-US" sz="1000" u="none" strike="noStrike">
+                          <a:effectLst/>
+                        </a:rPr>
+                        <a:t>0.52</a:t>
+                      </a:r>
+                      <a:endParaRPr lang="en-US" sz="1000" b="0" i="0" u="none" strike="noStrike">
+                        <a:solidFill>
+                          <a:srgbClr val="000000"/>
+                        </a:solidFill>
+                        <a:effectLst/>
+                        <a:latin typeface="Times New Roman" panose="02020603050405020304" pitchFamily="18" charset="0"/>
+                      </a:endParaRPr>
+                    </a:p>
+                  </a:txBody>
+                  <a:tcPr marL="5620" marR="5620" marT="5620" marB="0" anchor="b"/>
+                </a:tc>
+                <a:tc>
+                  <a:txBody>
+                    <a:bodyPr/>
+                    <a:lstStyle/>
+                    <a:p>
+                      <a:pPr algn="ctr" fontAlgn="b"/>
+                      <a:r>
+                        <a:rPr lang="en-US" sz="1000" u="none" strike="noStrike">
+                          <a:effectLst/>
+                        </a:rPr>
+                        <a:t>11.83</a:t>
+                      </a:r>
+                      <a:endParaRPr lang="en-US" sz="1000" b="0" i="0" u="none" strike="noStrike">
+                        <a:solidFill>
+                          <a:srgbClr val="000000"/>
+                        </a:solidFill>
+                        <a:effectLst/>
+                        <a:latin typeface="Times New Roman" panose="02020603050405020304" pitchFamily="18" charset="0"/>
+                      </a:endParaRPr>
+                    </a:p>
+                  </a:txBody>
+                  <a:tcPr marL="5620" marR="5620" marT="5620" marB="0" anchor="b"/>
+                </a:tc>
+                <a:tc>
+                  <a:txBody>
+                    <a:bodyPr/>
+                    <a:lstStyle/>
+                    <a:p>
+                      <a:pPr algn="ctr" fontAlgn="b"/>
+                      <a:r>
+                        <a:rPr lang="en-US" sz="1000" u="none" strike="noStrike">
+                          <a:effectLst/>
+                        </a:rPr>
+                        <a:t>7.88</a:t>
+                      </a:r>
+                      <a:endParaRPr lang="en-US" sz="1000" b="0" i="0" u="none" strike="noStrike">
+                        <a:solidFill>
+                          <a:srgbClr val="000000"/>
+                        </a:solidFill>
+                        <a:effectLst/>
+                        <a:latin typeface="Times New Roman" panose="02020603050405020304" pitchFamily="18" charset="0"/>
+                      </a:endParaRPr>
+                    </a:p>
+                  </a:txBody>
+                  <a:tcPr marL="5620" marR="5620" marT="5620" marB="0" anchor="b"/>
+                </a:tc>
+                <a:extLst>
+                  <a:ext uri="{0D108BD9-81ED-4DB2-BD59-A6C34878D82A}">
+                    <a16:rowId xmlns:a16="http://schemas.microsoft.com/office/drawing/2014/main" val="1323294011"/>
+                  </a:ext>
+                </a:extLst>
+              </a:tr>
+              <a:tr h="149679">
+                <a:tc>
+                  <a:txBody>
+                    <a:bodyPr/>
+                    <a:lstStyle/>
+                    <a:p>
+                      <a:pPr algn="ctr" fontAlgn="b"/>
+                      <a:r>
+                        <a:rPr lang="en-US" sz="1000" u="none" strike="noStrike">
+                          <a:effectLst/>
+                        </a:rPr>
+                        <a:t>Prophet</a:t>
+                      </a:r>
+                      <a:endParaRPr lang="en-US" sz="1000" b="0" i="0" u="none" strike="noStrike">
+                        <a:solidFill>
+                          <a:srgbClr val="000000"/>
+                        </a:solidFill>
+                        <a:effectLst/>
+                        <a:latin typeface="Times New Roman" panose="02020603050405020304" pitchFamily="18" charset="0"/>
+                      </a:endParaRPr>
+                    </a:p>
+                  </a:txBody>
+                  <a:tcPr marL="5620" marR="5620" marT="5620" marB="0" anchor="b"/>
+                </a:tc>
+                <a:tc>
+                  <a:txBody>
+                    <a:bodyPr/>
+                    <a:lstStyle/>
+                    <a:p>
+                      <a:pPr algn="ctr" fontAlgn="ctr"/>
+                      <a:r>
+                        <a:rPr lang="en-US" sz="1000" u="none" strike="noStrike">
+                          <a:effectLst/>
+                        </a:rPr>
+                        <a:t>Moved</a:t>
+                      </a:r>
+                      <a:endParaRPr lang="en-US" sz="1000" b="0" i="0" u="none" strike="noStrike">
+                        <a:solidFill>
+                          <a:srgbClr val="000000"/>
+                        </a:solidFill>
+                        <a:effectLst/>
+                        <a:latin typeface="Times New Roman" panose="02020603050405020304" pitchFamily="18" charset="0"/>
+                      </a:endParaRPr>
+                    </a:p>
+                  </a:txBody>
+                  <a:tcPr marL="5620" marR="5620" marT="5620" marB="0" anchor="ctr"/>
+                </a:tc>
+                <a:tc>
+                  <a:txBody>
+                    <a:bodyPr/>
+                    <a:lstStyle/>
+                    <a:p>
+                      <a:pPr algn="ctr" fontAlgn="ctr"/>
+                      <a:r>
+                        <a:rPr lang="en-US" sz="1000" u="none" strike="noStrike">
+                          <a:effectLst/>
+                        </a:rPr>
+                        <a:t>1006</a:t>
+                      </a:r>
+                      <a:endParaRPr lang="en-US" sz="1000" b="0" i="0" u="none" strike="noStrike">
+                        <a:solidFill>
+                          <a:srgbClr val="000000"/>
+                        </a:solidFill>
+                        <a:effectLst/>
+                        <a:latin typeface="Times New Roman" panose="02020603050405020304" pitchFamily="18" charset="0"/>
+                      </a:endParaRPr>
+                    </a:p>
+                  </a:txBody>
+                  <a:tcPr marL="5620" marR="5620" marT="5620" marB="0" anchor="ctr"/>
+                </a:tc>
+                <a:tc>
+                  <a:txBody>
+                    <a:bodyPr/>
+                    <a:lstStyle/>
+                    <a:p>
+                      <a:pPr algn="ctr" fontAlgn="ctr"/>
+                      <a:r>
+                        <a:rPr lang="en-US" sz="1000" u="none" strike="noStrike">
+                          <a:effectLst/>
+                        </a:rPr>
+                        <a:t>704</a:t>
+                      </a:r>
+                      <a:endParaRPr lang="en-US" sz="1000" b="0" i="0" u="none" strike="noStrike">
+                        <a:solidFill>
+                          <a:srgbClr val="000000"/>
+                        </a:solidFill>
+                        <a:effectLst/>
+                        <a:latin typeface="Times New Roman" panose="02020603050405020304" pitchFamily="18" charset="0"/>
+                      </a:endParaRPr>
+                    </a:p>
+                  </a:txBody>
+                  <a:tcPr marL="5620" marR="5620" marT="5620" marB="0" anchor="ctr"/>
+                </a:tc>
+                <a:tc>
+                  <a:txBody>
+                    <a:bodyPr/>
+                    <a:lstStyle/>
+                    <a:p>
+                      <a:pPr algn="ctr" fontAlgn="ctr"/>
+                      <a:r>
+                        <a:rPr lang="en-US" sz="1000" u="none" strike="noStrike">
+                          <a:effectLst/>
+                        </a:rPr>
+                        <a:t>-</a:t>
+                      </a:r>
+                      <a:endParaRPr lang="en-US" sz="1000" b="0" i="0" u="none" strike="noStrike">
+                        <a:solidFill>
+                          <a:srgbClr val="000000"/>
+                        </a:solidFill>
+                        <a:effectLst/>
+                        <a:latin typeface="Times New Roman" panose="02020603050405020304" pitchFamily="18" charset="0"/>
+                      </a:endParaRPr>
+                    </a:p>
+                  </a:txBody>
+                  <a:tcPr marL="5620" marR="5620" marT="5620" marB="0" anchor="ctr"/>
+                </a:tc>
+                <a:tc>
+                  <a:txBody>
+                    <a:bodyPr/>
+                    <a:lstStyle/>
+                    <a:p>
+                      <a:pPr algn="ctr" fontAlgn="ctr"/>
+                      <a:r>
+                        <a:rPr lang="en-US" sz="1000" u="none" strike="noStrike">
+                          <a:effectLst/>
+                        </a:rPr>
+                        <a:t>302</a:t>
+                      </a:r>
+                      <a:endParaRPr lang="en-US" sz="1000" b="0" i="0" u="none" strike="noStrike">
+                        <a:solidFill>
+                          <a:srgbClr val="000000"/>
+                        </a:solidFill>
+                        <a:effectLst/>
+                        <a:latin typeface="Times New Roman" panose="02020603050405020304" pitchFamily="18" charset="0"/>
+                      </a:endParaRPr>
+                    </a:p>
+                  </a:txBody>
+                  <a:tcPr marL="5620" marR="5620" marT="5620" marB="0" anchor="ctr"/>
+                </a:tc>
+                <a:tc>
+                  <a:txBody>
+                    <a:bodyPr/>
+                    <a:lstStyle/>
+                    <a:p>
+                      <a:pPr algn="ctr" fontAlgn="b"/>
+                      <a:r>
+                        <a:rPr lang="en-US" sz="1000" u="none" strike="noStrike">
+                          <a:effectLst/>
+                        </a:rPr>
+                        <a:t>1.467</a:t>
+                      </a:r>
+                      <a:endParaRPr lang="en-US" sz="1000" b="0" i="0" u="none" strike="noStrike">
+                        <a:solidFill>
+                          <a:srgbClr val="000000"/>
+                        </a:solidFill>
+                        <a:effectLst/>
+                        <a:latin typeface="Times New Roman" panose="02020603050405020304" pitchFamily="18" charset="0"/>
+                      </a:endParaRPr>
+                    </a:p>
+                  </a:txBody>
+                  <a:tcPr marL="5620" marR="5620" marT="5620" marB="0" anchor="b"/>
+                </a:tc>
+                <a:tc>
+                  <a:txBody>
+                    <a:bodyPr/>
+                    <a:lstStyle/>
+                    <a:p>
+                      <a:pPr algn="ctr" fontAlgn="b"/>
+                      <a:r>
+                        <a:rPr lang="en-US" sz="1000" u="none" strike="noStrike">
+                          <a:effectLst/>
+                        </a:rPr>
+                        <a:t>282.704</a:t>
+                      </a:r>
+                      <a:endParaRPr lang="en-US" sz="1000" b="0" i="0" u="none" strike="noStrike">
+                        <a:solidFill>
+                          <a:srgbClr val="000000"/>
+                        </a:solidFill>
+                        <a:effectLst/>
+                        <a:latin typeface="Times New Roman" panose="02020603050405020304" pitchFamily="18" charset="0"/>
+                      </a:endParaRPr>
+                    </a:p>
+                  </a:txBody>
+                  <a:tcPr marL="5620" marR="5620" marT="5620" marB="0" anchor="b"/>
+                </a:tc>
+                <a:tc>
+                  <a:txBody>
+                    <a:bodyPr/>
+                    <a:lstStyle/>
+                    <a:p>
+                      <a:pPr algn="ctr" fontAlgn="b"/>
+                      <a:r>
+                        <a:rPr lang="en-US" sz="1000" u="none" strike="noStrike">
+                          <a:effectLst/>
+                        </a:rPr>
+                        <a:t>0.08</a:t>
+                      </a:r>
+                      <a:endParaRPr lang="en-US" sz="1000" b="0" i="0" u="none" strike="noStrike">
+                        <a:solidFill>
+                          <a:srgbClr val="000000"/>
+                        </a:solidFill>
+                        <a:effectLst/>
+                        <a:latin typeface="Times New Roman" panose="02020603050405020304" pitchFamily="18" charset="0"/>
+                      </a:endParaRPr>
+                    </a:p>
+                  </a:txBody>
+                  <a:tcPr marL="5620" marR="5620" marT="5620" marB="0" anchor="b"/>
+                </a:tc>
+                <a:tc>
+                  <a:txBody>
+                    <a:bodyPr/>
+                    <a:lstStyle/>
+                    <a:p>
+                      <a:pPr algn="ctr" fontAlgn="b"/>
+                      <a:r>
+                        <a:rPr lang="en-US" sz="1000" u="none" strike="noStrike">
+                          <a:effectLst/>
+                        </a:rPr>
+                        <a:t>15.29</a:t>
+                      </a:r>
+                      <a:endParaRPr lang="en-US" sz="1000" b="0" i="0" u="none" strike="noStrike">
+                        <a:solidFill>
+                          <a:srgbClr val="000000"/>
+                        </a:solidFill>
+                        <a:effectLst/>
+                        <a:latin typeface="Times New Roman" panose="02020603050405020304" pitchFamily="18" charset="0"/>
+                      </a:endParaRPr>
+                    </a:p>
+                  </a:txBody>
+                  <a:tcPr marL="5620" marR="5620" marT="5620" marB="0" anchor="b"/>
+                </a:tc>
+                <a:tc>
+                  <a:txBody>
+                    <a:bodyPr/>
+                    <a:lstStyle/>
+                    <a:p>
+                      <a:pPr algn="ctr" fontAlgn="b"/>
+                      <a:r>
+                        <a:rPr lang="en-US" sz="1000" u="none" strike="noStrike">
+                          <a:effectLst/>
+                        </a:rPr>
+                        <a:t>7.17</a:t>
+                      </a:r>
+                      <a:endParaRPr lang="en-US" sz="1000" b="0" i="0" u="none" strike="noStrike">
+                        <a:solidFill>
+                          <a:srgbClr val="000000"/>
+                        </a:solidFill>
+                        <a:effectLst/>
+                        <a:latin typeface="Times New Roman" panose="02020603050405020304" pitchFamily="18" charset="0"/>
+                      </a:endParaRPr>
+                    </a:p>
+                  </a:txBody>
+                  <a:tcPr marL="5620" marR="5620" marT="5620" marB="0" anchor="b"/>
+                </a:tc>
+                <a:extLst>
+                  <a:ext uri="{0D108BD9-81ED-4DB2-BD59-A6C34878D82A}">
+                    <a16:rowId xmlns:a16="http://schemas.microsoft.com/office/drawing/2014/main" val="1314364882"/>
+                  </a:ext>
+                </a:extLst>
+              </a:tr>
+              <a:tr h="149679">
+                <a:tc>
+                  <a:txBody>
+                    <a:bodyPr/>
+                    <a:lstStyle/>
+                    <a:p>
+                      <a:pPr algn="ctr" fontAlgn="b"/>
+                      <a:r>
+                        <a:rPr lang="en-US" sz="1000" u="none" strike="noStrike">
+                          <a:effectLst/>
+                        </a:rPr>
+                        <a:t>RNN</a:t>
+                      </a:r>
+                      <a:endParaRPr lang="en-US" sz="1000" b="0" i="0" u="none" strike="noStrike">
+                        <a:solidFill>
+                          <a:srgbClr val="000000"/>
+                        </a:solidFill>
+                        <a:effectLst/>
+                        <a:latin typeface="Times New Roman" panose="02020603050405020304" pitchFamily="18" charset="0"/>
+                      </a:endParaRPr>
+                    </a:p>
+                  </a:txBody>
+                  <a:tcPr marL="5620" marR="5620" marT="5620" marB="0" anchor="b"/>
+                </a:tc>
+                <a:tc>
+                  <a:txBody>
+                    <a:bodyPr/>
+                    <a:lstStyle/>
+                    <a:p>
+                      <a:pPr algn="ctr" fontAlgn="ctr"/>
+                      <a:r>
+                        <a:rPr lang="en-US" sz="1000" u="none" strike="noStrike">
+                          <a:effectLst/>
+                        </a:rPr>
+                        <a:t>Forward fill</a:t>
+                      </a:r>
+                      <a:endParaRPr lang="en-US" sz="1000" b="0" i="0" u="none" strike="noStrike">
+                        <a:solidFill>
+                          <a:srgbClr val="000000"/>
+                        </a:solidFill>
+                        <a:effectLst/>
+                        <a:latin typeface="Times New Roman" panose="02020603050405020304" pitchFamily="18" charset="0"/>
+                      </a:endParaRPr>
+                    </a:p>
+                  </a:txBody>
+                  <a:tcPr marL="5620" marR="5620" marT="5620" marB="0" anchor="ctr"/>
+                </a:tc>
+                <a:tc>
+                  <a:txBody>
+                    <a:bodyPr/>
+                    <a:lstStyle/>
+                    <a:p>
+                      <a:pPr algn="ctr" fontAlgn="b"/>
+                      <a:r>
+                        <a:rPr lang="en-US" sz="1000" u="none" strike="noStrike">
+                          <a:effectLst/>
+                        </a:rPr>
+                        <a:t>1460</a:t>
+                      </a:r>
+                      <a:endParaRPr lang="en-US" sz="1000" b="0" i="0" u="none" strike="noStrike">
+                        <a:solidFill>
+                          <a:srgbClr val="000000"/>
+                        </a:solidFill>
+                        <a:effectLst/>
+                        <a:latin typeface="Times New Roman" panose="02020603050405020304" pitchFamily="18" charset="0"/>
+                      </a:endParaRPr>
+                    </a:p>
+                  </a:txBody>
+                  <a:tcPr marL="5620" marR="5620" marT="5620" marB="0" anchor="b"/>
+                </a:tc>
+                <a:tc>
+                  <a:txBody>
+                    <a:bodyPr/>
+                    <a:lstStyle/>
+                    <a:p>
+                      <a:pPr algn="ctr" fontAlgn="b"/>
+                      <a:r>
+                        <a:rPr lang="en-US" sz="1000" u="none" strike="noStrike">
+                          <a:effectLst/>
+                        </a:rPr>
+                        <a:t>951</a:t>
+                      </a:r>
+                      <a:endParaRPr lang="en-US" sz="1000" b="0" i="0" u="none" strike="noStrike">
+                        <a:solidFill>
+                          <a:srgbClr val="000000"/>
+                        </a:solidFill>
+                        <a:effectLst/>
+                        <a:latin typeface="Times New Roman" panose="02020603050405020304" pitchFamily="18" charset="0"/>
+                      </a:endParaRPr>
+                    </a:p>
+                  </a:txBody>
+                  <a:tcPr marL="5620" marR="5620" marT="5620" marB="0" anchor="b"/>
+                </a:tc>
+                <a:tc>
+                  <a:txBody>
+                    <a:bodyPr/>
+                    <a:lstStyle/>
+                    <a:p>
+                      <a:pPr algn="ctr" fontAlgn="b"/>
+                      <a:r>
+                        <a:rPr lang="en-US" sz="1000" u="none" strike="noStrike">
+                          <a:effectLst/>
+                        </a:rPr>
+                        <a:t>262</a:t>
+                      </a:r>
+                      <a:endParaRPr lang="en-US" sz="1000" b="0" i="0" u="none" strike="noStrike">
+                        <a:solidFill>
+                          <a:srgbClr val="000000"/>
+                        </a:solidFill>
+                        <a:effectLst/>
+                        <a:latin typeface="Times New Roman" panose="02020603050405020304" pitchFamily="18" charset="0"/>
+                      </a:endParaRPr>
+                    </a:p>
+                  </a:txBody>
+                  <a:tcPr marL="5620" marR="5620" marT="5620" marB="0" anchor="b"/>
+                </a:tc>
+                <a:tc>
+                  <a:txBody>
+                    <a:bodyPr/>
+                    <a:lstStyle/>
+                    <a:p>
+                      <a:pPr algn="ctr" fontAlgn="b"/>
+                      <a:r>
+                        <a:rPr lang="en-US" sz="1000" u="none" strike="noStrike">
+                          <a:effectLst/>
+                        </a:rPr>
+                        <a:t>146</a:t>
+                      </a:r>
+                      <a:endParaRPr lang="en-US" sz="1000" b="0" i="0" u="none" strike="noStrike">
+                        <a:solidFill>
+                          <a:srgbClr val="000000"/>
+                        </a:solidFill>
+                        <a:effectLst/>
+                        <a:latin typeface="Times New Roman" panose="02020603050405020304" pitchFamily="18" charset="0"/>
+                      </a:endParaRPr>
+                    </a:p>
+                  </a:txBody>
+                  <a:tcPr marL="5620" marR="5620" marT="5620" marB="0" anchor="b"/>
+                </a:tc>
+                <a:tc>
+                  <a:txBody>
+                    <a:bodyPr/>
+                    <a:lstStyle/>
+                    <a:p>
+                      <a:pPr algn="ctr" fontAlgn="b"/>
+                      <a:r>
+                        <a:rPr lang="en-US" sz="1000" u="none" strike="noStrike">
+                          <a:effectLst/>
+                        </a:rPr>
+                        <a:t>1.43</a:t>
+                      </a:r>
+                      <a:endParaRPr lang="en-US" sz="1000" b="0" i="0" u="none" strike="noStrike">
+                        <a:solidFill>
+                          <a:srgbClr val="000000"/>
+                        </a:solidFill>
+                        <a:effectLst/>
+                        <a:latin typeface="Times New Roman" panose="02020603050405020304" pitchFamily="18" charset="0"/>
+                      </a:endParaRPr>
+                    </a:p>
+                  </a:txBody>
+                  <a:tcPr marL="5620" marR="5620" marT="5620" marB="0" anchor="b"/>
+                </a:tc>
+                <a:tc>
+                  <a:txBody>
+                    <a:bodyPr/>
+                    <a:lstStyle/>
+                    <a:p>
+                      <a:pPr algn="ctr" fontAlgn="b"/>
+                      <a:r>
+                        <a:rPr lang="en-US" sz="1000" u="none" strike="noStrike">
+                          <a:effectLst/>
+                        </a:rPr>
+                        <a:t>77.827</a:t>
+                      </a:r>
+                      <a:endParaRPr lang="en-US" sz="1000" b="0" i="0" u="none" strike="noStrike">
+                        <a:solidFill>
+                          <a:srgbClr val="000000"/>
+                        </a:solidFill>
+                        <a:effectLst/>
+                        <a:latin typeface="Times New Roman" panose="02020603050405020304" pitchFamily="18" charset="0"/>
+                      </a:endParaRPr>
+                    </a:p>
+                  </a:txBody>
+                  <a:tcPr marL="5620" marR="5620" marT="5620" marB="0" anchor="b"/>
+                </a:tc>
+                <a:tc>
+                  <a:txBody>
+                    <a:bodyPr/>
+                    <a:lstStyle/>
+                    <a:p>
+                      <a:pPr algn="ctr" fontAlgn="b"/>
+                      <a:r>
+                        <a:rPr lang="en-US" sz="1000" u="none" strike="noStrike">
+                          <a:effectLst/>
+                        </a:rPr>
+                        <a:t>0.08</a:t>
+                      </a:r>
+                      <a:endParaRPr lang="en-US" sz="1000" b="0" i="0" u="none" strike="noStrike">
+                        <a:solidFill>
+                          <a:srgbClr val="000000"/>
+                        </a:solidFill>
+                        <a:effectLst/>
+                        <a:latin typeface="Times New Roman" panose="02020603050405020304" pitchFamily="18" charset="0"/>
+                      </a:endParaRPr>
+                    </a:p>
+                  </a:txBody>
+                  <a:tcPr marL="5620" marR="5620" marT="5620" marB="0" anchor="b"/>
+                </a:tc>
+                <a:tc>
+                  <a:txBody>
+                    <a:bodyPr/>
+                    <a:lstStyle/>
+                    <a:p>
+                      <a:pPr algn="ctr" fontAlgn="b"/>
+                      <a:r>
+                        <a:rPr lang="en-US" sz="1000" u="none" strike="noStrike">
+                          <a:effectLst/>
+                        </a:rPr>
+                        <a:t>4.21</a:t>
+                      </a:r>
+                      <a:endParaRPr lang="en-US" sz="1000" b="0" i="0" u="none" strike="noStrike">
+                        <a:solidFill>
+                          <a:srgbClr val="000000"/>
+                        </a:solidFill>
+                        <a:effectLst/>
+                        <a:latin typeface="Times New Roman" panose="02020603050405020304" pitchFamily="18" charset="0"/>
+                      </a:endParaRPr>
+                    </a:p>
+                  </a:txBody>
+                  <a:tcPr marL="5620" marR="5620" marT="5620" marB="0" anchor="b"/>
+                </a:tc>
+                <a:tc>
+                  <a:txBody>
+                    <a:bodyPr/>
+                    <a:lstStyle/>
+                    <a:p>
+                      <a:pPr algn="ctr" fontAlgn="b"/>
+                      <a:r>
+                        <a:rPr lang="en-US" sz="1000" u="none" strike="noStrike">
+                          <a:effectLst/>
+                        </a:rPr>
+                        <a:t>2.65</a:t>
+                      </a:r>
+                      <a:endParaRPr lang="en-US" sz="1000" b="0" i="0" u="none" strike="noStrike">
+                        <a:solidFill>
+                          <a:srgbClr val="000000"/>
+                        </a:solidFill>
+                        <a:effectLst/>
+                        <a:latin typeface="Times New Roman" panose="02020603050405020304" pitchFamily="18" charset="0"/>
+                      </a:endParaRPr>
+                    </a:p>
+                  </a:txBody>
+                  <a:tcPr marL="5620" marR="5620" marT="5620" marB="0" anchor="b"/>
+                </a:tc>
+                <a:extLst>
+                  <a:ext uri="{0D108BD9-81ED-4DB2-BD59-A6C34878D82A}">
+                    <a16:rowId xmlns:a16="http://schemas.microsoft.com/office/drawing/2014/main" val="767489711"/>
+                  </a:ext>
+                </a:extLst>
+              </a:tr>
+              <a:tr h="149679">
+                <a:tc>
+                  <a:txBody>
+                    <a:bodyPr/>
+                    <a:lstStyle/>
+                    <a:p>
+                      <a:pPr algn="ctr" fontAlgn="b"/>
+                      <a:r>
+                        <a:rPr lang="en-US" sz="1000" u="none" strike="noStrike">
+                          <a:effectLst/>
+                        </a:rPr>
+                        <a:t>RNN</a:t>
+                      </a:r>
+                      <a:endParaRPr lang="en-US" sz="1000" b="0" i="0" u="none" strike="noStrike">
+                        <a:solidFill>
+                          <a:srgbClr val="000000"/>
+                        </a:solidFill>
+                        <a:effectLst/>
+                        <a:latin typeface="Times New Roman" panose="02020603050405020304" pitchFamily="18" charset="0"/>
+                      </a:endParaRPr>
+                    </a:p>
+                  </a:txBody>
+                  <a:tcPr marL="5620" marR="5620" marT="5620" marB="0" anchor="b"/>
+                </a:tc>
+                <a:tc>
+                  <a:txBody>
+                    <a:bodyPr/>
+                    <a:lstStyle/>
+                    <a:p>
+                      <a:pPr algn="ctr" fontAlgn="ctr"/>
+                      <a:r>
+                        <a:rPr lang="en-US" sz="1000" u="none" strike="noStrike">
+                          <a:effectLst/>
+                        </a:rPr>
+                        <a:t>Linear</a:t>
+                      </a:r>
+                      <a:endParaRPr lang="en-US" sz="1000" b="0" i="0" u="none" strike="noStrike">
+                        <a:solidFill>
+                          <a:srgbClr val="000000"/>
+                        </a:solidFill>
+                        <a:effectLst/>
+                        <a:latin typeface="Times New Roman" panose="02020603050405020304" pitchFamily="18" charset="0"/>
+                      </a:endParaRPr>
+                    </a:p>
+                  </a:txBody>
+                  <a:tcPr marL="5620" marR="5620" marT="5620" marB="0" anchor="ctr"/>
+                </a:tc>
+                <a:tc>
+                  <a:txBody>
+                    <a:bodyPr/>
+                    <a:lstStyle/>
+                    <a:p>
+                      <a:pPr algn="ctr" fontAlgn="b"/>
+                      <a:r>
+                        <a:rPr lang="en-US" sz="1000" u="none" strike="noStrike">
+                          <a:effectLst/>
+                        </a:rPr>
+                        <a:t>1460</a:t>
+                      </a:r>
+                      <a:endParaRPr lang="en-US" sz="1000" b="0" i="0" u="none" strike="noStrike">
+                        <a:solidFill>
+                          <a:srgbClr val="000000"/>
+                        </a:solidFill>
+                        <a:effectLst/>
+                        <a:latin typeface="Times New Roman" panose="02020603050405020304" pitchFamily="18" charset="0"/>
+                      </a:endParaRPr>
+                    </a:p>
+                  </a:txBody>
+                  <a:tcPr marL="5620" marR="5620" marT="5620" marB="0" anchor="b"/>
+                </a:tc>
+                <a:tc>
+                  <a:txBody>
+                    <a:bodyPr/>
+                    <a:lstStyle/>
+                    <a:p>
+                      <a:pPr algn="ctr" fontAlgn="b"/>
+                      <a:r>
+                        <a:rPr lang="en-US" sz="1000" u="none" strike="noStrike">
+                          <a:effectLst/>
+                        </a:rPr>
+                        <a:t>951</a:t>
+                      </a:r>
+                      <a:endParaRPr lang="en-US" sz="1000" b="0" i="0" u="none" strike="noStrike">
+                        <a:solidFill>
+                          <a:srgbClr val="000000"/>
+                        </a:solidFill>
+                        <a:effectLst/>
+                        <a:latin typeface="Times New Roman" panose="02020603050405020304" pitchFamily="18" charset="0"/>
+                      </a:endParaRPr>
+                    </a:p>
+                  </a:txBody>
+                  <a:tcPr marL="5620" marR="5620" marT="5620" marB="0" anchor="b"/>
+                </a:tc>
+                <a:tc>
+                  <a:txBody>
+                    <a:bodyPr/>
+                    <a:lstStyle/>
+                    <a:p>
+                      <a:pPr algn="ctr" fontAlgn="b"/>
+                      <a:r>
+                        <a:rPr lang="en-US" sz="1000" u="none" strike="noStrike">
+                          <a:effectLst/>
+                        </a:rPr>
+                        <a:t>262</a:t>
+                      </a:r>
+                      <a:endParaRPr lang="en-US" sz="1000" b="0" i="0" u="none" strike="noStrike">
+                        <a:solidFill>
+                          <a:srgbClr val="000000"/>
+                        </a:solidFill>
+                        <a:effectLst/>
+                        <a:latin typeface="Times New Roman" panose="02020603050405020304" pitchFamily="18" charset="0"/>
+                      </a:endParaRPr>
+                    </a:p>
+                  </a:txBody>
+                  <a:tcPr marL="5620" marR="5620" marT="5620" marB="0" anchor="b"/>
+                </a:tc>
+                <a:tc>
+                  <a:txBody>
+                    <a:bodyPr/>
+                    <a:lstStyle/>
+                    <a:p>
+                      <a:pPr algn="ctr" fontAlgn="b"/>
+                      <a:r>
+                        <a:rPr lang="en-US" sz="1000" u="none" strike="noStrike">
+                          <a:effectLst/>
+                        </a:rPr>
+                        <a:t>146</a:t>
+                      </a:r>
+                      <a:endParaRPr lang="en-US" sz="1000" b="0" i="0" u="none" strike="noStrike">
+                        <a:solidFill>
+                          <a:srgbClr val="000000"/>
+                        </a:solidFill>
+                        <a:effectLst/>
+                        <a:latin typeface="Times New Roman" panose="02020603050405020304" pitchFamily="18" charset="0"/>
+                      </a:endParaRPr>
+                    </a:p>
+                  </a:txBody>
+                  <a:tcPr marL="5620" marR="5620" marT="5620" marB="0" anchor="b"/>
+                </a:tc>
+                <a:tc>
+                  <a:txBody>
+                    <a:bodyPr/>
+                    <a:lstStyle/>
+                    <a:p>
+                      <a:pPr algn="ctr" fontAlgn="b"/>
+                      <a:r>
+                        <a:rPr lang="en-US" sz="1000" u="none" strike="noStrike">
+                          <a:effectLst/>
+                        </a:rPr>
+                        <a:t>1.568</a:t>
+                      </a:r>
+                      <a:endParaRPr lang="en-US" sz="1000" b="0" i="0" u="none" strike="noStrike">
+                        <a:solidFill>
+                          <a:srgbClr val="000000"/>
+                        </a:solidFill>
+                        <a:effectLst/>
+                        <a:latin typeface="Times New Roman" panose="02020603050405020304" pitchFamily="18" charset="0"/>
+                      </a:endParaRPr>
+                    </a:p>
+                  </a:txBody>
+                  <a:tcPr marL="5620" marR="5620" marT="5620" marB="0" anchor="b"/>
+                </a:tc>
+                <a:tc>
+                  <a:txBody>
+                    <a:bodyPr/>
+                    <a:lstStyle/>
+                    <a:p>
+                      <a:pPr algn="ctr" fontAlgn="b"/>
+                      <a:r>
+                        <a:rPr lang="en-US" sz="1000" u="none" strike="noStrike">
+                          <a:effectLst/>
+                        </a:rPr>
+                        <a:t>69.945</a:t>
+                      </a:r>
+                      <a:endParaRPr lang="en-US" sz="1000" b="0" i="0" u="none" strike="noStrike">
+                        <a:solidFill>
+                          <a:srgbClr val="000000"/>
+                        </a:solidFill>
+                        <a:effectLst/>
+                        <a:latin typeface="Times New Roman" panose="02020603050405020304" pitchFamily="18" charset="0"/>
+                      </a:endParaRPr>
+                    </a:p>
+                  </a:txBody>
+                  <a:tcPr marL="5620" marR="5620" marT="5620" marB="0" anchor="b"/>
+                </a:tc>
+                <a:tc>
+                  <a:txBody>
+                    <a:bodyPr/>
+                    <a:lstStyle/>
+                    <a:p>
+                      <a:pPr algn="ctr" fontAlgn="b"/>
+                      <a:r>
+                        <a:rPr lang="en-US" sz="1000" u="none" strike="noStrike">
+                          <a:effectLst/>
+                        </a:rPr>
+                        <a:t>0.08</a:t>
+                      </a:r>
+                      <a:endParaRPr lang="en-US" sz="1000" b="0" i="0" u="none" strike="noStrike">
+                        <a:solidFill>
+                          <a:srgbClr val="000000"/>
+                        </a:solidFill>
+                        <a:effectLst/>
+                        <a:latin typeface="Times New Roman" panose="02020603050405020304" pitchFamily="18" charset="0"/>
+                      </a:endParaRPr>
+                    </a:p>
+                  </a:txBody>
+                  <a:tcPr marL="5620" marR="5620" marT="5620" marB="0" anchor="b"/>
+                </a:tc>
+                <a:tc>
+                  <a:txBody>
+                    <a:bodyPr/>
+                    <a:lstStyle/>
+                    <a:p>
+                      <a:pPr algn="ctr" fontAlgn="b"/>
+                      <a:r>
+                        <a:rPr lang="en-US" sz="1000" u="none" strike="noStrike">
+                          <a:effectLst/>
+                        </a:rPr>
+                        <a:t>3.78</a:t>
+                      </a:r>
+                      <a:endParaRPr lang="en-US" sz="1000" b="0" i="0" u="none" strike="noStrike">
+                        <a:solidFill>
+                          <a:srgbClr val="000000"/>
+                        </a:solidFill>
+                        <a:effectLst/>
+                        <a:latin typeface="Times New Roman" panose="02020603050405020304" pitchFamily="18" charset="0"/>
+                      </a:endParaRPr>
+                    </a:p>
+                  </a:txBody>
+                  <a:tcPr marL="5620" marR="5620" marT="5620" marB="0" anchor="b"/>
+                </a:tc>
+                <a:tc>
+                  <a:txBody>
+                    <a:bodyPr/>
+                    <a:lstStyle/>
+                    <a:p>
+                      <a:pPr algn="ctr" fontAlgn="b"/>
+                      <a:r>
+                        <a:rPr lang="en-US" sz="1000" u="none" strike="noStrike">
+                          <a:effectLst/>
+                        </a:rPr>
+                        <a:t>2.02</a:t>
+                      </a:r>
+                      <a:endParaRPr lang="en-US" sz="1000" b="0" i="0" u="none" strike="noStrike">
+                        <a:solidFill>
+                          <a:srgbClr val="000000"/>
+                        </a:solidFill>
+                        <a:effectLst/>
+                        <a:latin typeface="Times New Roman" panose="02020603050405020304" pitchFamily="18" charset="0"/>
+                      </a:endParaRPr>
+                    </a:p>
+                  </a:txBody>
+                  <a:tcPr marL="5620" marR="5620" marT="5620" marB="0" anchor="b"/>
+                </a:tc>
+                <a:extLst>
+                  <a:ext uri="{0D108BD9-81ED-4DB2-BD59-A6C34878D82A}">
+                    <a16:rowId xmlns:a16="http://schemas.microsoft.com/office/drawing/2014/main" val="1111847596"/>
+                  </a:ext>
+                </a:extLst>
+              </a:tr>
+              <a:tr h="149679">
+                <a:tc>
+                  <a:txBody>
+                    <a:bodyPr/>
+                    <a:lstStyle/>
+                    <a:p>
+                      <a:pPr algn="ctr" fontAlgn="b"/>
+                      <a:r>
+                        <a:rPr lang="en-US" sz="1000" u="none" strike="noStrike">
+                          <a:effectLst/>
+                        </a:rPr>
+                        <a:t>RNN</a:t>
+                      </a:r>
+                      <a:endParaRPr lang="en-US" sz="1000" b="0" i="0" u="none" strike="noStrike">
+                        <a:solidFill>
+                          <a:srgbClr val="000000"/>
+                        </a:solidFill>
+                        <a:effectLst/>
+                        <a:latin typeface="Times New Roman" panose="02020603050405020304" pitchFamily="18" charset="0"/>
+                      </a:endParaRPr>
+                    </a:p>
+                  </a:txBody>
+                  <a:tcPr marL="5620" marR="5620" marT="5620" marB="0" anchor="b"/>
+                </a:tc>
+                <a:tc>
+                  <a:txBody>
+                    <a:bodyPr/>
+                    <a:lstStyle/>
+                    <a:p>
+                      <a:pPr algn="ctr" fontAlgn="ctr"/>
+                      <a:r>
+                        <a:rPr lang="en-US" sz="1000" u="none" strike="noStrike">
+                          <a:effectLst/>
+                        </a:rPr>
+                        <a:t>Moved</a:t>
+                      </a:r>
+                      <a:endParaRPr lang="en-US" sz="1000" b="0" i="0" u="none" strike="noStrike">
+                        <a:solidFill>
+                          <a:srgbClr val="000000"/>
+                        </a:solidFill>
+                        <a:effectLst/>
+                        <a:latin typeface="Times New Roman" panose="02020603050405020304" pitchFamily="18" charset="0"/>
+                      </a:endParaRPr>
+                    </a:p>
+                  </a:txBody>
+                  <a:tcPr marL="5620" marR="5620" marT="5620" marB="0" anchor="ctr"/>
+                </a:tc>
+                <a:tc>
+                  <a:txBody>
+                    <a:bodyPr/>
+                    <a:lstStyle/>
+                    <a:p>
+                      <a:pPr algn="ctr" fontAlgn="b"/>
+                      <a:r>
+                        <a:rPr lang="en-US" sz="1000" u="none" strike="noStrike">
+                          <a:effectLst/>
+                        </a:rPr>
+                        <a:t>1006</a:t>
+                      </a:r>
+                      <a:endParaRPr lang="en-US" sz="1000" b="0" i="0" u="none" strike="noStrike">
+                        <a:solidFill>
+                          <a:srgbClr val="000000"/>
+                        </a:solidFill>
+                        <a:effectLst/>
+                        <a:latin typeface="Times New Roman" panose="02020603050405020304" pitchFamily="18" charset="0"/>
+                      </a:endParaRPr>
+                    </a:p>
+                  </a:txBody>
+                  <a:tcPr marL="5620" marR="5620" marT="5620" marB="0" anchor="b"/>
+                </a:tc>
+                <a:tc>
+                  <a:txBody>
+                    <a:bodyPr/>
+                    <a:lstStyle/>
+                    <a:p>
+                      <a:pPr algn="ctr" fontAlgn="b"/>
+                      <a:r>
+                        <a:rPr lang="en-US" sz="1000" u="none" strike="noStrike">
+                          <a:effectLst/>
+                        </a:rPr>
+                        <a:t>633</a:t>
+                      </a:r>
+                      <a:endParaRPr lang="en-US" sz="1000" b="0" i="0" u="none" strike="noStrike">
+                        <a:solidFill>
+                          <a:srgbClr val="000000"/>
+                        </a:solidFill>
+                        <a:effectLst/>
+                        <a:latin typeface="Times New Roman" panose="02020603050405020304" pitchFamily="18" charset="0"/>
+                      </a:endParaRPr>
+                    </a:p>
+                  </a:txBody>
+                  <a:tcPr marL="5620" marR="5620" marT="5620" marB="0" anchor="b"/>
+                </a:tc>
+                <a:tc>
+                  <a:txBody>
+                    <a:bodyPr/>
+                    <a:lstStyle/>
+                    <a:p>
+                      <a:pPr algn="ctr" fontAlgn="b"/>
+                      <a:r>
+                        <a:rPr lang="en-US" sz="1000" u="none" strike="noStrike">
+                          <a:effectLst/>
+                        </a:rPr>
+                        <a:t>172</a:t>
+                      </a:r>
+                      <a:endParaRPr lang="en-US" sz="1000" b="0" i="0" u="none" strike="noStrike">
+                        <a:solidFill>
+                          <a:srgbClr val="000000"/>
+                        </a:solidFill>
+                        <a:effectLst/>
+                        <a:latin typeface="Times New Roman" panose="02020603050405020304" pitchFamily="18" charset="0"/>
+                      </a:endParaRPr>
+                    </a:p>
+                  </a:txBody>
+                  <a:tcPr marL="5620" marR="5620" marT="5620" marB="0" anchor="b"/>
+                </a:tc>
+                <a:tc>
+                  <a:txBody>
+                    <a:bodyPr/>
+                    <a:lstStyle/>
+                    <a:p>
+                      <a:pPr algn="ctr" fontAlgn="b"/>
+                      <a:r>
+                        <a:rPr lang="en-US" sz="1000" u="none" strike="noStrike">
+                          <a:effectLst/>
+                        </a:rPr>
+                        <a:t>100</a:t>
+                      </a:r>
+                      <a:endParaRPr lang="en-US" sz="1000" b="0" i="0" u="none" strike="noStrike">
+                        <a:solidFill>
+                          <a:srgbClr val="000000"/>
+                        </a:solidFill>
+                        <a:effectLst/>
+                        <a:latin typeface="Times New Roman" panose="02020603050405020304" pitchFamily="18" charset="0"/>
+                      </a:endParaRPr>
+                    </a:p>
+                  </a:txBody>
+                  <a:tcPr marL="5620" marR="5620" marT="5620" marB="0" anchor="b"/>
+                </a:tc>
+                <a:tc>
+                  <a:txBody>
+                    <a:bodyPr/>
+                    <a:lstStyle/>
+                    <a:p>
+                      <a:pPr algn="ctr" fontAlgn="b"/>
+                      <a:r>
+                        <a:rPr lang="en-US" sz="1000" u="none" strike="noStrike">
+                          <a:effectLst/>
+                        </a:rPr>
+                        <a:t>0.87</a:t>
+                      </a:r>
+                      <a:endParaRPr lang="en-US" sz="1000" b="0" i="0" u="none" strike="noStrike">
+                        <a:solidFill>
+                          <a:srgbClr val="000000"/>
+                        </a:solidFill>
+                        <a:effectLst/>
+                        <a:latin typeface="Times New Roman" panose="02020603050405020304" pitchFamily="18" charset="0"/>
+                      </a:endParaRPr>
+                    </a:p>
+                  </a:txBody>
+                  <a:tcPr marL="5620" marR="5620" marT="5620" marB="0" anchor="b"/>
+                </a:tc>
+                <a:tc>
+                  <a:txBody>
+                    <a:bodyPr/>
+                    <a:lstStyle/>
+                    <a:p>
+                      <a:pPr algn="ctr" fontAlgn="b"/>
+                      <a:r>
+                        <a:rPr lang="en-US" sz="1000" u="none" strike="noStrike">
+                          <a:effectLst/>
+                        </a:rPr>
+                        <a:t>75.219</a:t>
+                      </a:r>
+                      <a:endParaRPr lang="en-US" sz="1000" b="0" i="0" u="none" strike="noStrike">
+                        <a:solidFill>
+                          <a:srgbClr val="000000"/>
+                        </a:solidFill>
+                        <a:effectLst/>
+                        <a:latin typeface="Times New Roman" panose="02020603050405020304" pitchFamily="18" charset="0"/>
+                      </a:endParaRPr>
+                    </a:p>
+                  </a:txBody>
+                  <a:tcPr marL="5620" marR="5620" marT="5620" marB="0" anchor="b"/>
+                </a:tc>
+                <a:tc>
+                  <a:txBody>
+                    <a:bodyPr/>
+                    <a:lstStyle/>
+                    <a:p>
+                      <a:pPr algn="ctr" fontAlgn="b"/>
+                      <a:r>
+                        <a:rPr lang="en-US" sz="1000" u="none" strike="noStrike">
+                          <a:effectLst/>
+                        </a:rPr>
+                        <a:t>0.05</a:t>
+                      </a:r>
+                      <a:endParaRPr lang="en-US" sz="1000" b="0" i="0" u="none" strike="noStrike">
+                        <a:solidFill>
+                          <a:srgbClr val="000000"/>
+                        </a:solidFill>
+                        <a:effectLst/>
+                        <a:latin typeface="Times New Roman" panose="02020603050405020304" pitchFamily="18" charset="0"/>
+                      </a:endParaRPr>
+                    </a:p>
+                  </a:txBody>
+                  <a:tcPr marL="5620" marR="5620" marT="5620" marB="0" anchor="b"/>
+                </a:tc>
+                <a:tc>
+                  <a:txBody>
+                    <a:bodyPr/>
+                    <a:lstStyle/>
+                    <a:p>
+                      <a:pPr algn="ctr" fontAlgn="b"/>
+                      <a:r>
+                        <a:rPr lang="en-US" sz="1000" u="none" strike="noStrike">
+                          <a:effectLst/>
+                        </a:rPr>
+                        <a:t>4.07</a:t>
+                      </a:r>
+                      <a:endParaRPr lang="en-US" sz="1000" b="0" i="0" u="none" strike="noStrike">
+                        <a:solidFill>
+                          <a:srgbClr val="000000"/>
+                        </a:solidFill>
+                        <a:effectLst/>
+                        <a:latin typeface="Times New Roman" panose="02020603050405020304" pitchFamily="18" charset="0"/>
+                      </a:endParaRPr>
+                    </a:p>
+                  </a:txBody>
+                  <a:tcPr marL="5620" marR="5620" marT="5620" marB="0" anchor="b"/>
+                </a:tc>
+                <a:tc>
+                  <a:txBody>
+                    <a:bodyPr/>
+                    <a:lstStyle/>
+                    <a:p>
+                      <a:pPr algn="ctr" fontAlgn="b"/>
+                      <a:r>
+                        <a:rPr lang="en-US" sz="1000" u="none" strike="noStrike" dirty="0">
+                          <a:effectLst/>
+                        </a:rPr>
+                        <a:t>2.21</a:t>
+                      </a:r>
+                      <a:endParaRPr lang="en-US" sz="1000" b="0" i="0" u="none" strike="noStrike" dirty="0">
+                        <a:solidFill>
+                          <a:srgbClr val="000000"/>
+                        </a:solidFill>
+                        <a:effectLst/>
+                        <a:latin typeface="Times New Roman" panose="02020603050405020304" pitchFamily="18" charset="0"/>
+                      </a:endParaRPr>
+                    </a:p>
+                  </a:txBody>
+                  <a:tcPr marL="5620" marR="5620" marT="5620" marB="0" anchor="b"/>
+                </a:tc>
+                <a:extLst>
+                  <a:ext uri="{0D108BD9-81ED-4DB2-BD59-A6C34878D82A}">
+                    <a16:rowId xmlns:a16="http://schemas.microsoft.com/office/drawing/2014/main" val="216882058"/>
+                  </a:ext>
+                </a:extLst>
+              </a:tr>
+            </a:tbl>
+          </a:graphicData>
+        </a:graphic>
+      </p:graphicFrame>
+    </p:spTree>
+    <p:extLst>
+      <p:ext uri="{BB962C8B-B14F-4D97-AF65-F5344CB8AC3E}">
+        <p14:creationId xmlns:p14="http://schemas.microsoft.com/office/powerpoint/2010/main" val="289362019"/>
+      </p:ext>
+    </p:extLst>
+  </p:cSld>
+  <p:clrMapOvr>
+    <a:masterClrMapping/>
+  </p:clrMapOvr>
+</p:sld>
+</file>
+
+<file path=ppt/slides/slide16.xml><?xml version="1.0" encoding="utf-8"?>
 <p:sld xmlns:a="http://schemas.openxmlformats.org/drawingml/2006/main" xmlns:r="http://schemas.openxmlformats.org/officeDocument/2006/relationships" xmlns:p="http://schemas.openxmlformats.org/presentationml/2006/main" show="0">
   <p:cSld>
     <p:spTree>
@@ -6830,7 +12940,7 @@
 </p:sld>
 </file>
 
-<file path=ppt/slides/slide16.xml><?xml version="1.0" encoding="utf-8"?>
+<file path=ppt/slides/slide17.xml><?xml version="1.0" encoding="utf-8"?>
 <p:sld xmlns:a="http://schemas.openxmlformats.org/drawingml/2006/main" xmlns:r="http://schemas.openxmlformats.org/officeDocument/2006/relationships" xmlns:p="http://schemas.openxmlformats.org/presentationml/2006/main">
   <p:cSld>
     <p:spTree>
@@ -6901,7 +13011,7 @@
               <a:rPr lang="en-US" sz="2000" dirty="0">
                 <a:latin typeface="Monotype Corsiva" panose="03010101010201010101" pitchFamily="66" charset="0"/>
               </a:rPr>
-              <a:t>14/18</a:t>
+              <a:t>15/19</a:t>
             </a:r>
           </a:p>
         </p:txBody>
@@ -7270,7 +13380,7 @@
 </p:sld>
 </file>
 
-<file path=ppt/slides/slide17.xml><?xml version="1.0" encoding="utf-8"?>
+<file path=ppt/slides/slide18.xml><?xml version="1.0" encoding="utf-8"?>
 <p:sld xmlns:a="http://schemas.openxmlformats.org/drawingml/2006/main" xmlns:r="http://schemas.openxmlformats.org/officeDocument/2006/relationships" xmlns:p="http://schemas.openxmlformats.org/presentationml/2006/main">
   <p:cSld>
     <p:spTree>
@@ -7412,7 +13522,7 @@
               <a:rPr lang="en-US" sz="2000" dirty="0">
                 <a:latin typeface="Monotype Corsiva" panose="03010101010201010101" pitchFamily="66" charset="0"/>
               </a:rPr>
-              <a:t>15/18</a:t>
+              <a:t>16/19</a:t>
             </a:r>
           </a:p>
         </p:txBody>
@@ -7565,7 +13675,7 @@
 </p:sld>
 </file>
 
-<file path=ppt/slides/slide18.xml><?xml version="1.0" encoding="utf-8"?>
+<file path=ppt/slides/slide19.xml><?xml version="1.0" encoding="utf-8"?>
 <p:sld xmlns:a="http://schemas.openxmlformats.org/drawingml/2006/main" xmlns:r="http://schemas.openxmlformats.org/officeDocument/2006/relationships" xmlns:p="http://schemas.openxmlformats.org/presentationml/2006/main">
   <p:cSld>
     <p:spTree>
@@ -7636,7 +13746,7 @@
               <a:rPr lang="en-US" sz="2000" dirty="0">
                 <a:latin typeface="Monotype Corsiva" panose="03010101010201010101" pitchFamily="66" charset="0"/>
               </a:rPr>
-              <a:t>16/18</a:t>
+              <a:t>17/19</a:t>
             </a:r>
           </a:p>
         </p:txBody>
@@ -7874,7 +13984,384 @@
 </p:sld>
 </file>
 
-<file path=ppt/slides/slide19.xml><?xml version="1.0" encoding="utf-8"?>
+<file path=ppt/slides/slide2.xml><?xml version="1.0" encoding="utf-8"?>
+<p:sld xmlns:a="http://schemas.openxmlformats.org/drawingml/2006/main" xmlns:r="http://schemas.openxmlformats.org/officeDocument/2006/relationships" xmlns:p="http://schemas.openxmlformats.org/presentationml/2006/main" show="0">
+  <p:cSld>
+    <p:spTree>
+      <p:nvGrpSpPr>
+        <p:cNvPr id="1" name=""/>
+        <p:cNvGrpSpPr/>
+        <p:nvPr/>
+      </p:nvGrpSpPr>
+      <p:grpSpPr>
+        <a:xfrm>
+          <a:off x="0" y="0"/>
+          <a:ext cx="0" cy="0"/>
+          <a:chOff x="0" y="0"/>
+          <a:chExt cx="0" cy="0"/>
+        </a:xfrm>
+      </p:grpSpPr>
+      <p:sp>
+        <p:nvSpPr>
+          <p:cNvPr id="3" name="Content Placeholder 2">
+            <a:extLst>
+              <a:ext uri="{FF2B5EF4-FFF2-40B4-BE49-F238E27FC236}">
+                <a16:creationId xmlns:a16="http://schemas.microsoft.com/office/drawing/2014/main" id="{CAE995B6-FFC5-4F79-B15F-B80A151B0091}"/>
+              </a:ext>
+            </a:extLst>
+          </p:cNvPr>
+          <p:cNvSpPr>
+            <a:spLocks noGrp="1"/>
+          </p:cNvSpPr>
+          <p:nvPr>
+            <p:ph idx="1"/>
+          </p:nvPr>
+        </p:nvSpPr>
+        <p:spPr>
+          <a:xfrm>
+            <a:off x="838200" y="1114425"/>
+            <a:ext cx="10515600" cy="5062538"/>
+          </a:xfrm>
+        </p:spPr>
+        <p:txBody>
+          <a:bodyPr/>
+          <a:lstStyle/>
+          <a:p>
+            <a:pPr marL="514350" indent="-514350">
+              <a:buFont typeface="+mj-lt"/>
+              <a:buAutoNum type="arabicPeriod"/>
+            </a:pPr>
+            <a:r>
+              <a:rPr lang="ru-RU" dirty="0"/>
+              <a:t>Область применения</a:t>
+            </a:r>
+          </a:p>
+          <a:p>
+            <a:pPr marL="514350" indent="-514350">
+              <a:buFont typeface="+mj-lt"/>
+              <a:buAutoNum type="arabicPeriod"/>
+            </a:pPr>
+            <a:r>
+              <a:rPr lang="ru-RU" dirty="0"/>
+              <a:t>Цели и задачи</a:t>
+            </a:r>
+          </a:p>
+          <a:p>
+            <a:pPr marL="514350" indent="-514350">
+              <a:buFont typeface="+mj-lt"/>
+              <a:buAutoNum type="arabicPeriod"/>
+            </a:pPr>
+            <a:r>
+              <a:rPr lang="ru-RU" dirty="0"/>
+              <a:t>Ход работы</a:t>
+            </a:r>
+          </a:p>
+          <a:p>
+            <a:pPr marL="514350" indent="-514350">
+              <a:buFont typeface="+mj-lt"/>
+              <a:buAutoNum type="arabicPeriod"/>
+            </a:pPr>
+            <a:r>
+              <a:rPr lang="ru-RU" dirty="0"/>
+              <a:t>Результаты</a:t>
+            </a:r>
+          </a:p>
+          <a:p>
+            <a:pPr marL="514350" indent="-514350">
+              <a:buFont typeface="+mj-lt"/>
+              <a:buAutoNum type="arabicPeriod"/>
+            </a:pPr>
+            <a:r>
+              <a:rPr lang="ru-RU" dirty="0"/>
+              <a:t>Дальнейшие задачи</a:t>
+            </a:r>
+          </a:p>
+          <a:p>
+            <a:pPr marL="514350" indent="-514350">
+              <a:buFont typeface="+mj-lt"/>
+              <a:buAutoNum type="arabicPeriod"/>
+            </a:pPr>
+            <a:r>
+              <a:rPr lang="ru-RU" dirty="0"/>
+              <a:t>Выводы</a:t>
+            </a:r>
+          </a:p>
+          <a:p>
+            <a:pPr marL="514350" indent="-514350">
+              <a:buFont typeface="+mj-lt"/>
+              <a:buAutoNum type="arabicPeriod"/>
+            </a:pPr>
+            <a:endParaRPr lang="en-US" dirty="0"/>
+          </a:p>
+        </p:txBody>
+      </p:sp>
+      <p:sp>
+        <p:nvSpPr>
+          <p:cNvPr id="5" name="Rectangle 4">
+            <a:extLst>
+              <a:ext uri="{FF2B5EF4-FFF2-40B4-BE49-F238E27FC236}">
+                <a16:creationId xmlns:a16="http://schemas.microsoft.com/office/drawing/2014/main" id="{A3ECF34F-A96C-472C-A32B-D1CA6F6DA3AD}"/>
+              </a:ext>
+            </a:extLst>
+          </p:cNvPr>
+          <p:cNvSpPr/>
+          <p:nvPr/>
+        </p:nvSpPr>
+        <p:spPr>
+          <a:xfrm>
+            <a:off x="0" y="0"/>
+            <a:ext cx="12192000" cy="587229"/>
+          </a:xfrm>
+          <a:prstGeom prst="rect">
+            <a:avLst/>
+          </a:prstGeom>
+          <a:solidFill>
+            <a:schemeClr val="accent1"/>
+          </a:solidFill>
+          <a:ln>
+            <a:solidFill>
+              <a:schemeClr val="accent1"/>
+            </a:solidFill>
+          </a:ln>
+        </p:spPr>
+        <p:style>
+          <a:lnRef idx="2">
+            <a:schemeClr val="accent2">
+              <a:shade val="50000"/>
+            </a:schemeClr>
+          </a:lnRef>
+          <a:fillRef idx="1">
+            <a:schemeClr val="accent2"/>
+          </a:fillRef>
+          <a:effectRef idx="0">
+            <a:schemeClr val="accent2"/>
+          </a:effectRef>
+          <a:fontRef idx="minor">
+            <a:schemeClr val="lt1"/>
+          </a:fontRef>
+        </p:style>
+        <p:txBody>
+          <a:bodyPr rtlCol="0" anchor="ctr"/>
+          <a:lstStyle/>
+          <a:p>
+            <a:r>
+              <a:rPr lang="ru-RU" sz="3800" dirty="0"/>
+              <a:t>Структура</a:t>
+            </a:r>
+            <a:endParaRPr lang="en-US" sz="3800" dirty="0">
+              <a:latin typeface="Comic Sans MS" panose="030F0702030302020204" pitchFamily="66" charset="0"/>
+            </a:endParaRPr>
+          </a:p>
+        </p:txBody>
+      </p:sp>
+      <p:sp>
+        <p:nvSpPr>
+          <p:cNvPr id="6" name="Rectangle 5">
+            <a:extLst>
+              <a:ext uri="{FF2B5EF4-FFF2-40B4-BE49-F238E27FC236}">
+                <a16:creationId xmlns:a16="http://schemas.microsoft.com/office/drawing/2014/main" id="{B03085B9-447A-4B3C-AD8E-E00D1D72339B}"/>
+              </a:ext>
+            </a:extLst>
+          </p:cNvPr>
+          <p:cNvSpPr/>
+          <p:nvPr/>
+        </p:nvSpPr>
+        <p:spPr>
+          <a:xfrm>
+            <a:off x="0" y="0"/>
+            <a:ext cx="12192000" cy="587229"/>
+          </a:xfrm>
+          <a:prstGeom prst="rect">
+            <a:avLst/>
+          </a:prstGeom>
+          <a:solidFill>
+            <a:schemeClr val="accent1"/>
+          </a:solidFill>
+          <a:ln>
+            <a:solidFill>
+              <a:schemeClr val="accent1"/>
+            </a:solidFill>
+          </a:ln>
+        </p:spPr>
+        <p:style>
+          <a:lnRef idx="2">
+            <a:schemeClr val="accent2">
+              <a:shade val="50000"/>
+            </a:schemeClr>
+          </a:lnRef>
+          <a:fillRef idx="1">
+            <a:schemeClr val="accent2"/>
+          </a:fillRef>
+          <a:effectRef idx="0">
+            <a:schemeClr val="accent2"/>
+          </a:effectRef>
+          <a:fontRef idx="minor">
+            <a:schemeClr val="lt1"/>
+          </a:fontRef>
+        </p:style>
+        <p:txBody>
+          <a:bodyPr rtlCol="0" anchor="ctr"/>
+          <a:lstStyle/>
+          <a:p>
+            <a:r>
+              <a:rPr lang="ru-RU" sz="3200" dirty="0">
+                <a:latin typeface="Comic Sans MS" panose="030F0702030302020204" pitchFamily="66" charset="0"/>
+              </a:rPr>
+              <a:t>Область применения</a:t>
+            </a:r>
+            <a:endParaRPr lang="en-US" sz="3200" dirty="0">
+              <a:latin typeface="Comic Sans MS" panose="030F0702030302020204" pitchFamily="66" charset="0"/>
+            </a:endParaRPr>
+          </a:p>
+        </p:txBody>
+      </p:sp>
+      <p:sp>
+        <p:nvSpPr>
+          <p:cNvPr id="7" name="Rectangle 6">
+            <a:extLst>
+              <a:ext uri="{FF2B5EF4-FFF2-40B4-BE49-F238E27FC236}">
+                <a16:creationId xmlns:a16="http://schemas.microsoft.com/office/drawing/2014/main" id="{0AA4B231-877E-488E-85B5-10E881B5B754}"/>
+              </a:ext>
+            </a:extLst>
+          </p:cNvPr>
+          <p:cNvSpPr/>
+          <p:nvPr/>
+        </p:nvSpPr>
+        <p:spPr>
+          <a:xfrm>
+            <a:off x="6096000" y="6602136"/>
+            <a:ext cx="6096000" cy="255864"/>
+          </a:xfrm>
+          <a:prstGeom prst="rect">
+            <a:avLst/>
+          </a:prstGeom>
+          <a:solidFill>
+            <a:schemeClr val="accent1"/>
+          </a:solidFill>
+          <a:ln>
+            <a:solidFill>
+              <a:schemeClr val="accent1"/>
+            </a:solidFill>
+          </a:ln>
+        </p:spPr>
+        <p:style>
+          <a:lnRef idx="2">
+            <a:schemeClr val="accent2">
+              <a:shade val="50000"/>
+            </a:schemeClr>
+          </a:lnRef>
+          <a:fillRef idx="1">
+            <a:schemeClr val="accent2"/>
+          </a:fillRef>
+          <a:effectRef idx="0">
+            <a:schemeClr val="accent2"/>
+          </a:effectRef>
+          <a:fontRef idx="minor">
+            <a:schemeClr val="lt1"/>
+          </a:fontRef>
+        </p:style>
+        <p:txBody>
+          <a:bodyPr rtlCol="0" anchor="ctr"/>
+          <a:lstStyle/>
+          <a:p>
+            <a:pPr algn="r"/>
+            <a:r>
+              <a:rPr lang="en-US" sz="2000" dirty="0">
+                <a:latin typeface="Monotype Corsiva" panose="03010101010201010101" pitchFamily="66" charset="0"/>
+              </a:rPr>
+              <a:t>2/17</a:t>
+            </a:r>
+          </a:p>
+        </p:txBody>
+      </p:sp>
+      <p:sp>
+        <p:nvSpPr>
+          <p:cNvPr id="8" name="Rectangle 7">
+            <a:extLst>
+              <a:ext uri="{FF2B5EF4-FFF2-40B4-BE49-F238E27FC236}">
+                <a16:creationId xmlns:a16="http://schemas.microsoft.com/office/drawing/2014/main" id="{9DBF0F07-8F9D-4DD0-B3A7-8279F0D33522}"/>
+              </a:ext>
+            </a:extLst>
+          </p:cNvPr>
+          <p:cNvSpPr/>
+          <p:nvPr/>
+        </p:nvSpPr>
+        <p:spPr>
+          <a:xfrm>
+            <a:off x="0" y="6602136"/>
+            <a:ext cx="6096000" cy="255864"/>
+          </a:xfrm>
+          <a:prstGeom prst="rect">
+            <a:avLst/>
+          </a:prstGeom>
+          <a:solidFill>
+            <a:schemeClr val="accent1">
+              <a:lumMod val="50000"/>
+            </a:schemeClr>
+          </a:solidFill>
+          <a:ln>
+            <a:solidFill>
+              <a:schemeClr val="accent1">
+                <a:lumMod val="50000"/>
+              </a:schemeClr>
+            </a:solidFill>
+          </a:ln>
+        </p:spPr>
+        <p:style>
+          <a:lnRef idx="2">
+            <a:schemeClr val="accent2">
+              <a:shade val="50000"/>
+            </a:schemeClr>
+          </a:lnRef>
+          <a:fillRef idx="1">
+            <a:schemeClr val="accent2"/>
+          </a:fillRef>
+          <a:effectRef idx="0">
+            <a:schemeClr val="accent2"/>
+          </a:effectRef>
+          <a:fontRef idx="minor">
+            <a:schemeClr val="lt1"/>
+          </a:fontRef>
+        </p:style>
+        <p:txBody>
+          <a:bodyPr rtlCol="0" anchor="ctr"/>
+          <a:lstStyle/>
+          <a:p>
+            <a:r>
+              <a:rPr lang="en-US" sz="1700" b="0" i="0" dirty="0">
+                <a:solidFill>
+                  <a:schemeClr val="bg1"/>
+                </a:solidFill>
+                <a:effectLst/>
+                <a:latin typeface="Microsoft YaHei UI Light" panose="020B0502040204020203" pitchFamily="34" charset="-122"/>
+                <a:ea typeface="Microsoft YaHei UI Light" panose="020B0502040204020203" pitchFamily="34" charset="-122"/>
+              </a:rPr>
+              <a:t>a.khorunzhenko@g.nsu.ru</a:t>
+            </a:r>
+            <a:endParaRPr lang="en-US" sz="1700" dirty="0">
+              <a:solidFill>
+                <a:schemeClr val="bg1"/>
+              </a:solidFill>
+              <a:latin typeface="Microsoft YaHei UI Light" panose="020B0502040204020203" pitchFamily="34" charset="-122"/>
+              <a:ea typeface="Microsoft YaHei UI Light" panose="020B0502040204020203" pitchFamily="34" charset="-122"/>
+            </a:endParaRPr>
+          </a:p>
+        </p:txBody>
+      </p:sp>
+    </p:spTree>
+    <p:extLst>
+      <p:ext uri="{BB962C8B-B14F-4D97-AF65-F5344CB8AC3E}">
+        <p14:creationId xmlns:p14="http://schemas.microsoft.com/office/powerpoint/2010/main" val="4011826732"/>
+      </p:ext>
+    </p:extLst>
+  </p:cSld>
+  <p:clrMapOvr>
+    <a:masterClrMapping/>
+  </p:clrMapOvr>
+</p:sld>
+</file>
+
+<file path=ppt/slides/slide20.xml><?xml version="1.0" encoding="utf-8"?>
 <p:sld xmlns:a="http://schemas.openxmlformats.org/drawingml/2006/main" xmlns:r="http://schemas.openxmlformats.org/officeDocument/2006/relationships" xmlns:p="http://schemas.openxmlformats.org/presentationml/2006/main">
   <p:cSld>
     <p:spTree>
@@ -8017,7 +14504,7 @@
               <a:rPr lang="en-US" sz="2000" dirty="0">
                 <a:latin typeface="Monotype Corsiva" panose="03010101010201010101" pitchFamily="66" charset="0"/>
               </a:rPr>
-              <a:t>17/18</a:t>
+              <a:t>18/19</a:t>
             </a:r>
           </a:p>
         </p:txBody>
@@ -8170,384 +14657,7 @@
 </p:sld>
 </file>
 
-<file path=ppt/slides/slide2.xml><?xml version="1.0" encoding="utf-8"?>
-<p:sld xmlns:a="http://schemas.openxmlformats.org/drawingml/2006/main" xmlns:r="http://schemas.openxmlformats.org/officeDocument/2006/relationships" xmlns:p="http://schemas.openxmlformats.org/presentationml/2006/main" show="0">
-  <p:cSld>
-    <p:spTree>
-      <p:nvGrpSpPr>
-        <p:cNvPr id="1" name=""/>
-        <p:cNvGrpSpPr/>
-        <p:nvPr/>
-      </p:nvGrpSpPr>
-      <p:grpSpPr>
-        <a:xfrm>
-          <a:off x="0" y="0"/>
-          <a:ext cx="0" cy="0"/>
-          <a:chOff x="0" y="0"/>
-          <a:chExt cx="0" cy="0"/>
-        </a:xfrm>
-      </p:grpSpPr>
-      <p:sp>
-        <p:nvSpPr>
-          <p:cNvPr id="3" name="Content Placeholder 2">
-            <a:extLst>
-              <a:ext uri="{FF2B5EF4-FFF2-40B4-BE49-F238E27FC236}">
-                <a16:creationId xmlns:a16="http://schemas.microsoft.com/office/drawing/2014/main" id="{CAE995B6-FFC5-4F79-B15F-B80A151B0091}"/>
-              </a:ext>
-            </a:extLst>
-          </p:cNvPr>
-          <p:cNvSpPr>
-            <a:spLocks noGrp="1"/>
-          </p:cNvSpPr>
-          <p:nvPr>
-            <p:ph idx="1"/>
-          </p:nvPr>
-        </p:nvSpPr>
-        <p:spPr>
-          <a:xfrm>
-            <a:off x="838200" y="1114425"/>
-            <a:ext cx="10515600" cy="5062538"/>
-          </a:xfrm>
-        </p:spPr>
-        <p:txBody>
-          <a:bodyPr/>
-          <a:lstStyle/>
-          <a:p>
-            <a:pPr marL="514350" indent="-514350">
-              <a:buFont typeface="+mj-lt"/>
-              <a:buAutoNum type="arabicPeriod"/>
-            </a:pPr>
-            <a:r>
-              <a:rPr lang="ru-RU" dirty="0"/>
-              <a:t>Область применения</a:t>
-            </a:r>
-          </a:p>
-          <a:p>
-            <a:pPr marL="514350" indent="-514350">
-              <a:buFont typeface="+mj-lt"/>
-              <a:buAutoNum type="arabicPeriod"/>
-            </a:pPr>
-            <a:r>
-              <a:rPr lang="ru-RU" dirty="0"/>
-              <a:t>Цели и задачи</a:t>
-            </a:r>
-          </a:p>
-          <a:p>
-            <a:pPr marL="514350" indent="-514350">
-              <a:buFont typeface="+mj-lt"/>
-              <a:buAutoNum type="arabicPeriod"/>
-            </a:pPr>
-            <a:r>
-              <a:rPr lang="ru-RU" dirty="0"/>
-              <a:t>Ход работы</a:t>
-            </a:r>
-          </a:p>
-          <a:p>
-            <a:pPr marL="514350" indent="-514350">
-              <a:buFont typeface="+mj-lt"/>
-              <a:buAutoNum type="arabicPeriod"/>
-            </a:pPr>
-            <a:r>
-              <a:rPr lang="ru-RU" dirty="0"/>
-              <a:t>Результаты</a:t>
-            </a:r>
-          </a:p>
-          <a:p>
-            <a:pPr marL="514350" indent="-514350">
-              <a:buFont typeface="+mj-lt"/>
-              <a:buAutoNum type="arabicPeriod"/>
-            </a:pPr>
-            <a:r>
-              <a:rPr lang="ru-RU" dirty="0"/>
-              <a:t>Дальнейшие задачи</a:t>
-            </a:r>
-          </a:p>
-          <a:p>
-            <a:pPr marL="514350" indent="-514350">
-              <a:buFont typeface="+mj-lt"/>
-              <a:buAutoNum type="arabicPeriod"/>
-            </a:pPr>
-            <a:r>
-              <a:rPr lang="ru-RU" dirty="0"/>
-              <a:t>Выводы</a:t>
-            </a:r>
-          </a:p>
-          <a:p>
-            <a:pPr marL="514350" indent="-514350">
-              <a:buFont typeface="+mj-lt"/>
-              <a:buAutoNum type="arabicPeriod"/>
-            </a:pPr>
-            <a:endParaRPr lang="en-US" dirty="0"/>
-          </a:p>
-        </p:txBody>
-      </p:sp>
-      <p:sp>
-        <p:nvSpPr>
-          <p:cNvPr id="5" name="Rectangle 4">
-            <a:extLst>
-              <a:ext uri="{FF2B5EF4-FFF2-40B4-BE49-F238E27FC236}">
-                <a16:creationId xmlns:a16="http://schemas.microsoft.com/office/drawing/2014/main" id="{A3ECF34F-A96C-472C-A32B-D1CA6F6DA3AD}"/>
-              </a:ext>
-            </a:extLst>
-          </p:cNvPr>
-          <p:cNvSpPr/>
-          <p:nvPr/>
-        </p:nvSpPr>
-        <p:spPr>
-          <a:xfrm>
-            <a:off x="0" y="0"/>
-            <a:ext cx="12192000" cy="587229"/>
-          </a:xfrm>
-          <a:prstGeom prst="rect">
-            <a:avLst/>
-          </a:prstGeom>
-          <a:solidFill>
-            <a:schemeClr val="accent1"/>
-          </a:solidFill>
-          <a:ln>
-            <a:solidFill>
-              <a:schemeClr val="accent1"/>
-            </a:solidFill>
-          </a:ln>
-        </p:spPr>
-        <p:style>
-          <a:lnRef idx="2">
-            <a:schemeClr val="accent2">
-              <a:shade val="50000"/>
-            </a:schemeClr>
-          </a:lnRef>
-          <a:fillRef idx="1">
-            <a:schemeClr val="accent2"/>
-          </a:fillRef>
-          <a:effectRef idx="0">
-            <a:schemeClr val="accent2"/>
-          </a:effectRef>
-          <a:fontRef idx="minor">
-            <a:schemeClr val="lt1"/>
-          </a:fontRef>
-        </p:style>
-        <p:txBody>
-          <a:bodyPr rtlCol="0" anchor="ctr"/>
-          <a:lstStyle/>
-          <a:p>
-            <a:r>
-              <a:rPr lang="ru-RU" sz="3800" dirty="0"/>
-              <a:t>Структура</a:t>
-            </a:r>
-            <a:endParaRPr lang="en-US" sz="3800" dirty="0">
-              <a:latin typeface="Comic Sans MS" panose="030F0702030302020204" pitchFamily="66" charset="0"/>
-            </a:endParaRPr>
-          </a:p>
-        </p:txBody>
-      </p:sp>
-      <p:sp>
-        <p:nvSpPr>
-          <p:cNvPr id="6" name="Rectangle 5">
-            <a:extLst>
-              <a:ext uri="{FF2B5EF4-FFF2-40B4-BE49-F238E27FC236}">
-                <a16:creationId xmlns:a16="http://schemas.microsoft.com/office/drawing/2014/main" id="{B03085B9-447A-4B3C-AD8E-E00D1D72339B}"/>
-              </a:ext>
-            </a:extLst>
-          </p:cNvPr>
-          <p:cNvSpPr/>
-          <p:nvPr/>
-        </p:nvSpPr>
-        <p:spPr>
-          <a:xfrm>
-            <a:off x="0" y="0"/>
-            <a:ext cx="12192000" cy="587229"/>
-          </a:xfrm>
-          <a:prstGeom prst="rect">
-            <a:avLst/>
-          </a:prstGeom>
-          <a:solidFill>
-            <a:schemeClr val="accent1"/>
-          </a:solidFill>
-          <a:ln>
-            <a:solidFill>
-              <a:schemeClr val="accent1"/>
-            </a:solidFill>
-          </a:ln>
-        </p:spPr>
-        <p:style>
-          <a:lnRef idx="2">
-            <a:schemeClr val="accent2">
-              <a:shade val="50000"/>
-            </a:schemeClr>
-          </a:lnRef>
-          <a:fillRef idx="1">
-            <a:schemeClr val="accent2"/>
-          </a:fillRef>
-          <a:effectRef idx="0">
-            <a:schemeClr val="accent2"/>
-          </a:effectRef>
-          <a:fontRef idx="minor">
-            <a:schemeClr val="lt1"/>
-          </a:fontRef>
-        </p:style>
-        <p:txBody>
-          <a:bodyPr rtlCol="0" anchor="ctr"/>
-          <a:lstStyle/>
-          <a:p>
-            <a:r>
-              <a:rPr lang="ru-RU" sz="3200" dirty="0">
-                <a:latin typeface="Comic Sans MS" panose="030F0702030302020204" pitchFamily="66" charset="0"/>
-              </a:rPr>
-              <a:t>Область применения</a:t>
-            </a:r>
-            <a:endParaRPr lang="en-US" sz="3200" dirty="0">
-              <a:latin typeface="Comic Sans MS" panose="030F0702030302020204" pitchFamily="66" charset="0"/>
-            </a:endParaRPr>
-          </a:p>
-        </p:txBody>
-      </p:sp>
-      <p:sp>
-        <p:nvSpPr>
-          <p:cNvPr id="7" name="Rectangle 6">
-            <a:extLst>
-              <a:ext uri="{FF2B5EF4-FFF2-40B4-BE49-F238E27FC236}">
-                <a16:creationId xmlns:a16="http://schemas.microsoft.com/office/drawing/2014/main" id="{0AA4B231-877E-488E-85B5-10E881B5B754}"/>
-              </a:ext>
-            </a:extLst>
-          </p:cNvPr>
-          <p:cNvSpPr/>
-          <p:nvPr/>
-        </p:nvSpPr>
-        <p:spPr>
-          <a:xfrm>
-            <a:off x="6096000" y="6602136"/>
-            <a:ext cx="6096000" cy="255864"/>
-          </a:xfrm>
-          <a:prstGeom prst="rect">
-            <a:avLst/>
-          </a:prstGeom>
-          <a:solidFill>
-            <a:schemeClr val="accent1"/>
-          </a:solidFill>
-          <a:ln>
-            <a:solidFill>
-              <a:schemeClr val="accent1"/>
-            </a:solidFill>
-          </a:ln>
-        </p:spPr>
-        <p:style>
-          <a:lnRef idx="2">
-            <a:schemeClr val="accent2">
-              <a:shade val="50000"/>
-            </a:schemeClr>
-          </a:lnRef>
-          <a:fillRef idx="1">
-            <a:schemeClr val="accent2"/>
-          </a:fillRef>
-          <a:effectRef idx="0">
-            <a:schemeClr val="accent2"/>
-          </a:effectRef>
-          <a:fontRef idx="minor">
-            <a:schemeClr val="lt1"/>
-          </a:fontRef>
-        </p:style>
-        <p:txBody>
-          <a:bodyPr rtlCol="0" anchor="ctr"/>
-          <a:lstStyle/>
-          <a:p>
-            <a:pPr algn="r"/>
-            <a:r>
-              <a:rPr lang="en-US" sz="2000" dirty="0">
-                <a:latin typeface="Monotype Corsiva" panose="03010101010201010101" pitchFamily="66" charset="0"/>
-              </a:rPr>
-              <a:t>2/17</a:t>
-            </a:r>
-          </a:p>
-        </p:txBody>
-      </p:sp>
-      <p:sp>
-        <p:nvSpPr>
-          <p:cNvPr id="8" name="Rectangle 7">
-            <a:extLst>
-              <a:ext uri="{FF2B5EF4-FFF2-40B4-BE49-F238E27FC236}">
-                <a16:creationId xmlns:a16="http://schemas.microsoft.com/office/drawing/2014/main" id="{9DBF0F07-8F9D-4DD0-B3A7-8279F0D33522}"/>
-              </a:ext>
-            </a:extLst>
-          </p:cNvPr>
-          <p:cNvSpPr/>
-          <p:nvPr/>
-        </p:nvSpPr>
-        <p:spPr>
-          <a:xfrm>
-            <a:off x="0" y="6602136"/>
-            <a:ext cx="6096000" cy="255864"/>
-          </a:xfrm>
-          <a:prstGeom prst="rect">
-            <a:avLst/>
-          </a:prstGeom>
-          <a:solidFill>
-            <a:schemeClr val="accent1">
-              <a:lumMod val="50000"/>
-            </a:schemeClr>
-          </a:solidFill>
-          <a:ln>
-            <a:solidFill>
-              <a:schemeClr val="accent1">
-                <a:lumMod val="50000"/>
-              </a:schemeClr>
-            </a:solidFill>
-          </a:ln>
-        </p:spPr>
-        <p:style>
-          <a:lnRef idx="2">
-            <a:schemeClr val="accent2">
-              <a:shade val="50000"/>
-            </a:schemeClr>
-          </a:lnRef>
-          <a:fillRef idx="1">
-            <a:schemeClr val="accent2"/>
-          </a:fillRef>
-          <a:effectRef idx="0">
-            <a:schemeClr val="accent2"/>
-          </a:effectRef>
-          <a:fontRef idx="minor">
-            <a:schemeClr val="lt1"/>
-          </a:fontRef>
-        </p:style>
-        <p:txBody>
-          <a:bodyPr rtlCol="0" anchor="ctr"/>
-          <a:lstStyle/>
-          <a:p>
-            <a:r>
-              <a:rPr lang="en-US" sz="1700" b="0" i="0" dirty="0">
-                <a:solidFill>
-                  <a:schemeClr val="bg1"/>
-                </a:solidFill>
-                <a:effectLst/>
-                <a:latin typeface="Microsoft YaHei UI Light" panose="020B0502040204020203" pitchFamily="34" charset="-122"/>
-                <a:ea typeface="Microsoft YaHei UI Light" panose="020B0502040204020203" pitchFamily="34" charset="-122"/>
-              </a:rPr>
-              <a:t>a.khorunzhenko@g.nsu.ru</a:t>
-            </a:r>
-            <a:endParaRPr lang="en-US" sz="1700" dirty="0">
-              <a:solidFill>
-                <a:schemeClr val="bg1"/>
-              </a:solidFill>
-              <a:latin typeface="Microsoft YaHei UI Light" panose="020B0502040204020203" pitchFamily="34" charset="-122"/>
-              <a:ea typeface="Microsoft YaHei UI Light" panose="020B0502040204020203" pitchFamily="34" charset="-122"/>
-            </a:endParaRPr>
-          </a:p>
-        </p:txBody>
-      </p:sp>
-    </p:spTree>
-    <p:extLst>
-      <p:ext uri="{BB962C8B-B14F-4D97-AF65-F5344CB8AC3E}">
-        <p14:creationId xmlns:p14="http://schemas.microsoft.com/office/powerpoint/2010/main" val="4011826732"/>
-      </p:ext>
-    </p:extLst>
-  </p:cSld>
-  <p:clrMapOvr>
-    <a:masterClrMapping/>
-  </p:clrMapOvr>
-</p:sld>
-</file>
-
-<file path=ppt/slides/slide20.xml><?xml version="1.0" encoding="utf-8"?>
+<file path=ppt/slides/slide21.xml><?xml version="1.0" encoding="utf-8"?>
 <p:sld xmlns:a="http://schemas.openxmlformats.org/drawingml/2006/main" xmlns:r="http://schemas.openxmlformats.org/officeDocument/2006/relationships" xmlns:p="http://schemas.openxmlformats.org/presentationml/2006/main">
   <p:cSld>
     <p:spTree>
@@ -8609,7 +14719,7 @@
               </a:tabLst>
             </a:pPr>
             <a:r>
-              <a:rPr lang="ru-RU" sz="840" u="sng" dirty="0">
+              <a:rPr lang="ru-RU" sz="770" u="sng" dirty="0">
                 <a:solidFill>
                   <a:srgbClr val="0000FF"/>
                 </a:solidFill>
@@ -8619,9 +14729,35 @@
                 <a:cs typeface="Times New Roman" panose="02020603050405020304" pitchFamily="18" charset="0"/>
                 <a:hlinkClick r:id="rId2"/>
               </a:rPr>
-              <a:t>https://www.finam.ru/profile/fyuchersy-usa/nq-100-fut/export/?market=7&amp;em=21719&amp;token=&amp;code=NDX&amp;apply=0&amp;df=1&amp;mf=0&amp;yf=2010&amp;from=01.01.2010&amp;dt=1&amp;mt=0&amp;yt=2014&amp;to=01.01.2014&amp;p=2&amp;f=NDX_100101_140101&amp;e=.txt&amp;cn=NDX&amp;dtf=1&amp;tmf=1&amp;MSOR=1&amp;mstime=on&amp;mstimever=1&amp;sep=1&amp;sep2=1&amp;datf=1&amp;at=1</a:t>
-            </a:r>
-            <a:endParaRPr lang="en-US" sz="840" dirty="0">
+              <a:t>https://www.finam.ru/profile/fyuchersy-usa/nq-100</a:t>
+            </a:r>
+            <a:r>
+              <a:rPr lang="ru-RU" sz="770" u="sng" dirty="0">
+                <a:solidFill>
+                  <a:srgbClr val="0000FF"/>
+                </a:solidFill>
+                <a:effectLst/>
+                <a:latin typeface="Times New Roman" panose="02020603050405020304" pitchFamily="18" charset="0"/>
+                <a:ea typeface="Calibri" panose="020F0502020204030204" pitchFamily="34" charset="0"/>
+                <a:cs typeface="Times New Roman" panose="02020603050405020304" pitchFamily="18" charset="0"/>
+                <a:hlinkClick r:id="rId2"/>
+              </a:rPr>
+              <a:t>-</a:t>
+            </a:r>
+            <a:r>
+              <a:rPr lang="ru-RU" sz="770" u="sng" dirty="0">
+                <a:solidFill>
+                  <a:srgbClr val="0000FF"/>
+                </a:solidFill>
+                <a:effectLst/>
+                <a:latin typeface="Times New Roman" panose="02020603050405020304" pitchFamily="18" charset="0"/>
+                <a:ea typeface="Calibri" panose="020F0502020204030204" pitchFamily="34" charset="0"/>
+                <a:cs typeface="Times New Roman" panose="02020603050405020304" pitchFamily="18" charset="0"/>
+                <a:hlinkClick r:id="rId2"/>
+              </a:rPr>
+              <a:t>fut/export/?market=7&amp;em=21719&amp;token=&amp;code=NDX&amp;apply=0&amp;df=1&amp;mf=0&amp;yf=2010&amp;from=01.01.2010&amp;dt=1&amp;mt=0&amp;yt=2014&amp;to=01.01.2014&amp;p=2&amp;f=NDX_100101_140101&amp;e=.txt&amp;cn=NDX&amp;dtf=1&amp;tmf=1&amp;MSOR=1&amp;mstime=on&amp;mstimever=1&amp;sep=1&amp;sep2=1&amp;datf=1&amp;at=1</a:t>
+            </a:r>
+            <a:endParaRPr lang="en-US" sz="770" dirty="0">
               <a:effectLst/>
               <a:latin typeface="Times New Roman" panose="02020603050405020304" pitchFamily="18" charset="0"/>
               <a:ea typeface="Calibri" panose="020F0502020204030204" pitchFamily="34" charset="0"/>
@@ -8646,7 +14782,7 @@
               </a:tabLst>
             </a:pPr>
             <a:r>
-              <a:rPr lang="ru-RU" sz="840" dirty="0">
+              <a:rPr lang="ru-RU" sz="770" dirty="0">
                 <a:effectLst/>
                 <a:latin typeface="Times New Roman" panose="02020603050405020304" pitchFamily="18" charset="0"/>
                 <a:ea typeface="Calibri" panose="020F0502020204030204" pitchFamily="34" charset="0"/>
@@ -8654,7 +14790,7 @@
               </a:rPr>
               <a:t>https://www.finam.ru/profile/fyuchersy-usa/sandp-fut/export/?market=7&amp;em=108&amp;token=&amp;code=SP&amp;apply=0&amp;df=1&amp;mf=0&amp;yf=2010&amp;from=01.01.2010&amp;dt=1&amp;mt=0&amp;yt=2014&amp;to=01.01.2014&amp;p=2&amp;f=SP_100101_140101&amp;e=.txt&amp;cn=SP&amp;dtf=1&amp;tmf=1&amp;MSOR=1&amp;mstime=on&amp;mstimever=1&amp;sep=1&amp;sep2=1&amp;datf=1&amp;at=1</a:t>
             </a:r>
-            <a:endParaRPr lang="en-US" sz="840" dirty="0">
+            <a:endParaRPr lang="en-US" sz="770" dirty="0">
               <a:effectLst/>
               <a:latin typeface="Times New Roman" panose="02020603050405020304" pitchFamily="18" charset="0"/>
               <a:ea typeface="Calibri" panose="020F0502020204030204" pitchFamily="34" charset="0"/>
@@ -8679,7 +14815,7 @@
               </a:tabLst>
             </a:pPr>
             <a:r>
-              <a:rPr lang="en-US" sz="840" dirty="0">
+              <a:rPr lang="en-US" sz="770" dirty="0">
                 <a:effectLst/>
                 <a:latin typeface="Times New Roman" panose="02020603050405020304" pitchFamily="18" charset="0"/>
                 <a:ea typeface="Calibri" panose="020F0502020204030204" pitchFamily="34" charset="0"/>
@@ -8688,7 +14824,7 @@
               <a:t>Engle, Robert F, Autoregressive Conditional Heteroskedasticity with Estimates of the Variance of United Kingdom Inflation. 1982, p. 987–1007, </a:t>
             </a:r>
             <a:r>
-              <a:rPr lang="en-US" sz="840" dirty="0" err="1">
+              <a:rPr lang="en-US" sz="770" dirty="0" err="1">
                 <a:effectLst/>
                 <a:latin typeface="Times New Roman" panose="02020603050405020304" pitchFamily="18" charset="0"/>
                 <a:ea typeface="Calibri" panose="020F0502020204030204" pitchFamily="34" charset="0"/>
@@ -8697,7 +14833,7 @@
               <a:t>Econometrica</a:t>
             </a:r>
             <a:r>
-              <a:rPr lang="en-US" sz="840" dirty="0">
+              <a:rPr lang="en-US" sz="770" dirty="0">
                 <a:effectLst/>
                 <a:latin typeface="Times New Roman" panose="02020603050405020304" pitchFamily="18" charset="0"/>
                 <a:ea typeface="Calibri" panose="020F0502020204030204" pitchFamily="34" charset="0"/>
@@ -8724,7 +14860,7 @@
               </a:tabLst>
             </a:pPr>
             <a:r>
-              <a:rPr lang="en-US" sz="840" u="none" strike="noStrike" dirty="0" err="1">
+              <a:rPr lang="en-US" sz="770" u="none" strike="noStrike" dirty="0" err="1">
                 <a:solidFill>
                   <a:srgbClr val="0000FF"/>
                 </a:solidFill>
@@ -8736,7 +14872,7 @@
               <a:t>Bollerslev</a:t>
             </a:r>
             <a:r>
-              <a:rPr lang="en-US" sz="840" u="none" strike="noStrike" dirty="0">
+              <a:rPr lang="en-US" sz="770" u="none" strike="noStrike" dirty="0">
                 <a:solidFill>
                   <a:srgbClr val="0000FF"/>
                 </a:solidFill>
@@ -8747,7 +14883,7 @@
               </a:rPr>
               <a:t>, Tim, Generalized Autoregressive Conditional Heteroskedasticity, 1986, p. 307–327, Journal of Econometrics.</a:t>
             </a:r>
-            <a:endParaRPr lang="en-US" sz="840" dirty="0">
+            <a:endParaRPr lang="en-US" sz="770" dirty="0">
               <a:effectLst/>
               <a:latin typeface="Times New Roman" panose="02020603050405020304" pitchFamily="18" charset="0"/>
               <a:ea typeface="Calibri" panose="020F0502020204030204" pitchFamily="34" charset="0"/>
@@ -8772,7 +14908,7 @@
               </a:tabLst>
             </a:pPr>
             <a:r>
-              <a:rPr lang="en-US" sz="840" u="sng" dirty="0">
+              <a:rPr lang="en-US" sz="770" u="sng" dirty="0">
                 <a:solidFill>
                   <a:srgbClr val="0000FF"/>
                 </a:solidFill>
@@ -8784,7 +14920,7 @@
               </a:rPr>
               <a:t>http://colah.github.io/posts/2015-08-Understanding-LSTMs/</a:t>
             </a:r>
-            <a:endParaRPr lang="en-US" sz="840" dirty="0">
+            <a:endParaRPr lang="en-US" sz="770" dirty="0">
               <a:effectLst/>
               <a:latin typeface="Times New Roman" panose="02020603050405020304" pitchFamily="18" charset="0"/>
               <a:ea typeface="Calibri" panose="020F0502020204030204" pitchFamily="34" charset="0"/>
@@ -8809,7 +14945,7 @@
               </a:tabLst>
             </a:pPr>
             <a:r>
-              <a:rPr lang="en-US" sz="840" dirty="0">
+              <a:rPr lang="en-US" sz="770" dirty="0">
                 <a:effectLst/>
                 <a:latin typeface="Times New Roman" panose="02020603050405020304" pitchFamily="18" charset="0"/>
                 <a:ea typeface="Calibri" panose="020F0502020204030204" pitchFamily="34" charset="0"/>
@@ -8836,7 +14972,7 @@
               </a:tabLst>
             </a:pPr>
             <a:r>
-              <a:rPr lang="ru-RU" sz="840" u="sng" dirty="0">
+              <a:rPr lang="ru-RU" sz="770" u="sng" dirty="0">
                 <a:solidFill>
                   <a:srgbClr val="0000FF"/>
                 </a:solidFill>
@@ -8848,7 +14984,7 @@
               </a:rPr>
               <a:t>https://github.com/SkivHisink/MasterWork</a:t>
             </a:r>
-            <a:endParaRPr lang="en-US" sz="840" dirty="0">
+            <a:endParaRPr lang="en-US" sz="770" dirty="0">
               <a:effectLst/>
               <a:latin typeface="Times New Roman" panose="02020603050405020304" pitchFamily="18" charset="0"/>
               <a:ea typeface="Calibri" panose="020F0502020204030204" pitchFamily="34" charset="0"/>
@@ -8873,7 +15009,7 @@
               </a:tabLst>
             </a:pPr>
             <a:r>
-              <a:rPr lang="ru-RU" sz="840" u="sng" dirty="0">
+              <a:rPr lang="ru-RU" sz="770" u="sng" dirty="0">
                 <a:solidFill>
                   <a:srgbClr val="0000FF"/>
                 </a:solidFill>
@@ -8885,7 +15021,7 @@
               </a:rPr>
               <a:t>https://web.archive.org/web/20211110112626/http://www.wildml.com/2015/10/recurrent-neural-network-tutorial-part-4-implementing-a-grulstm-rnn-with-python-and-theano/</a:t>
             </a:r>
-            <a:endParaRPr lang="en-US" sz="840" dirty="0">
+            <a:endParaRPr lang="en-US" sz="770" dirty="0">
               <a:effectLst/>
               <a:latin typeface="Times New Roman" panose="02020603050405020304" pitchFamily="18" charset="0"/>
               <a:ea typeface="Calibri" panose="020F0502020204030204" pitchFamily="34" charset="0"/>
@@ -8910,7 +15046,7 @@
               </a:tabLst>
             </a:pPr>
             <a:r>
-              <a:rPr lang="ru-RU" sz="840" u="sng" dirty="0">
+              <a:rPr lang="ru-RU" sz="770" u="sng" dirty="0">
                 <a:solidFill>
                   <a:srgbClr val="0000FF"/>
                 </a:solidFill>
@@ -8922,7 +15058,7 @@
               </a:rPr>
               <a:t>https://arxiv.org/abs/1412.3555</a:t>
             </a:r>
-            <a:endParaRPr lang="en-US" sz="840" dirty="0">
+            <a:endParaRPr lang="en-US" sz="770" dirty="0">
               <a:effectLst/>
               <a:latin typeface="Times New Roman" panose="02020603050405020304" pitchFamily="18" charset="0"/>
               <a:ea typeface="Calibri" panose="020F0502020204030204" pitchFamily="34" charset="0"/>
@@ -8947,7 +15083,7 @@
               </a:tabLst>
             </a:pPr>
             <a:r>
-              <a:rPr lang="ru-RU" sz="840" u="sng" dirty="0">
+              <a:rPr lang="ru-RU" sz="770" u="sng" dirty="0">
                 <a:solidFill>
                   <a:srgbClr val="0000FF"/>
                 </a:solidFill>
@@ -8959,7 +15095,7 @@
               </a:rPr>
               <a:t>https://www.sciencedirect.com/science/article/pii/S2212827121003796?ref=pdf_download&amp;fr=RR-2&amp;rr=79fdf5739bb63aad</a:t>
             </a:r>
-            <a:endParaRPr lang="en-US" sz="840" dirty="0">
+            <a:endParaRPr lang="en-US" sz="770" dirty="0">
               <a:effectLst/>
               <a:latin typeface="Times New Roman" panose="02020603050405020304" pitchFamily="18" charset="0"/>
               <a:ea typeface="Calibri" panose="020F0502020204030204" pitchFamily="34" charset="0"/>
@@ -8984,7 +15120,7 @@
               </a:tabLst>
             </a:pPr>
             <a:r>
-              <a:rPr lang="ru-RU" sz="840" dirty="0">
+              <a:rPr lang="ru-RU" sz="770" dirty="0">
                 <a:effectLst/>
                 <a:latin typeface="Times New Roman" panose="02020603050405020304" pitchFamily="18" charset="0"/>
                 <a:ea typeface="Calibri" panose="020F0502020204030204" pitchFamily="34" charset="0"/>
@@ -8992,7 +15128,7 @@
               </a:rPr>
               <a:t>“Лекционные и методические материалы”, Канторович Г.Г., </a:t>
             </a:r>
-            <a:endParaRPr lang="en-US" sz="840" dirty="0">
+            <a:endParaRPr lang="en-US" sz="770" dirty="0">
               <a:effectLst/>
               <a:latin typeface="Times New Roman" panose="02020603050405020304" pitchFamily="18" charset="0"/>
               <a:ea typeface="Calibri" panose="020F0502020204030204" pitchFamily="34" charset="0"/>
@@ -9017,7 +15153,7 @@
               </a:tabLst>
             </a:pPr>
             <a:r>
-              <a:rPr lang="en-US" sz="840" dirty="0">
+              <a:rPr lang="en-US" sz="770" dirty="0">
                 <a:effectLst/>
                 <a:latin typeface="Times New Roman" panose="02020603050405020304" pitchFamily="18" charset="0"/>
                 <a:ea typeface="Calibri" panose="020F0502020204030204" pitchFamily="34" charset="0"/>
@@ -9026,7 +15162,7 @@
               <a:t>Time Series Forecasting in Python, Marco </a:t>
             </a:r>
             <a:r>
-              <a:rPr lang="en-US" sz="840" dirty="0" err="1">
+              <a:rPr lang="en-US" sz="770" dirty="0" err="1">
                 <a:effectLst/>
                 <a:latin typeface="Times New Roman" panose="02020603050405020304" pitchFamily="18" charset="0"/>
                 <a:ea typeface="Calibri" panose="020F0502020204030204" pitchFamily="34" charset="0"/>
@@ -9035,7 +15171,7 @@
               <a:t>Peixeiro</a:t>
             </a:r>
             <a:r>
-              <a:rPr lang="en-US" sz="840" dirty="0">
+              <a:rPr lang="en-US" sz="770" dirty="0">
                 <a:effectLst/>
                 <a:latin typeface="Times New Roman" panose="02020603050405020304" pitchFamily="18" charset="0"/>
                 <a:ea typeface="Calibri" panose="020F0502020204030204" pitchFamily="34" charset="0"/>
@@ -9044,7 +15180,7 @@
               <a:t>, ISBN: 9781617299889</a:t>
             </a:r>
             <a:r>
-              <a:rPr lang="ru-RU" sz="840" dirty="0">
+              <a:rPr lang="ru-RU" sz="770" dirty="0">
                 <a:effectLst/>
                 <a:latin typeface="Times New Roman" panose="02020603050405020304" pitchFamily="18" charset="0"/>
                 <a:ea typeface="Calibri" panose="020F0502020204030204" pitchFamily="34" charset="0"/>
@@ -9053,7 +15189,7 @@
               <a:t>б</a:t>
             </a:r>
             <a:r>
-              <a:rPr lang="en-US" sz="840" dirty="0">
+              <a:rPr lang="en-US" sz="770" dirty="0">
                 <a:effectLst/>
                 <a:latin typeface="Times New Roman" panose="02020603050405020304" pitchFamily="18" charset="0"/>
                 <a:ea typeface="Calibri" panose="020F0502020204030204" pitchFamily="34" charset="0"/>
@@ -9062,7 +15198,7 @@
               <a:t> 2022</a:t>
             </a:r>
             <a:r>
-              <a:rPr lang="ru-RU" sz="840" dirty="0">
+              <a:rPr lang="ru-RU" sz="770" dirty="0">
                 <a:effectLst/>
                 <a:latin typeface="Times New Roman" panose="02020603050405020304" pitchFamily="18" charset="0"/>
                 <a:ea typeface="Calibri" panose="020F0502020204030204" pitchFamily="34" charset="0"/>
@@ -9071,7 +15207,7 @@
               <a:t>г</a:t>
             </a:r>
             <a:r>
-              <a:rPr lang="en-US" sz="840" dirty="0">
+              <a:rPr lang="en-US" sz="770" dirty="0">
                 <a:effectLst/>
                 <a:latin typeface="Times New Roman" panose="02020603050405020304" pitchFamily="18" charset="0"/>
                 <a:ea typeface="Calibri" panose="020F0502020204030204" pitchFamily="34" charset="0"/>
@@ -9098,7 +15234,7 @@
               </a:tabLst>
             </a:pPr>
             <a:r>
-              <a:rPr lang="en-US" sz="840" dirty="0">
+              <a:rPr lang="en-US" sz="770" dirty="0">
                 <a:effectLst/>
                 <a:latin typeface="Times New Roman" panose="02020603050405020304" pitchFamily="18" charset="0"/>
                 <a:ea typeface="Calibri" panose="020F0502020204030204" pitchFamily="34" charset="0"/>
@@ -9125,7 +15261,7 @@
               </a:tabLst>
             </a:pPr>
             <a:r>
-              <a:rPr lang="en-US" sz="840" dirty="0">
+              <a:rPr lang="en-US" sz="770" dirty="0">
                 <a:effectLst/>
                 <a:latin typeface="Times New Roman" panose="02020603050405020304" pitchFamily="18" charset="0"/>
                 <a:ea typeface="Calibri" panose="020F0502020204030204" pitchFamily="34" charset="0"/>
@@ -9134,7 +15270,7 @@
               <a:t>Introduction to Time Series and Forecasting Second Edition, Peter J. Brockwell Richard A. Davis, ISBN 0387953515, 2002 </a:t>
             </a:r>
             <a:r>
-              <a:rPr lang="ru-RU" sz="840" dirty="0">
+              <a:rPr lang="ru-RU" sz="770" dirty="0">
                 <a:effectLst/>
                 <a:latin typeface="Times New Roman" panose="02020603050405020304" pitchFamily="18" charset="0"/>
                 <a:ea typeface="Calibri" panose="020F0502020204030204" pitchFamily="34" charset="0"/>
@@ -9143,7 +15279,7 @@
               <a:t>г</a:t>
             </a:r>
             <a:r>
-              <a:rPr lang="en-US" sz="840" dirty="0">
+              <a:rPr lang="en-US" sz="770" dirty="0">
                 <a:effectLst/>
                 <a:latin typeface="Times New Roman" panose="02020603050405020304" pitchFamily="18" charset="0"/>
                 <a:ea typeface="Calibri" panose="020F0502020204030204" pitchFamily="34" charset="0"/>
@@ -9170,7 +15306,7 @@
               </a:tabLst>
             </a:pPr>
             <a:r>
-              <a:rPr lang="en-US" sz="840" dirty="0">
+              <a:rPr lang="en-US" sz="770" dirty="0">
                 <a:effectLst/>
                 <a:latin typeface="Times New Roman" panose="02020603050405020304" pitchFamily="18" charset="0"/>
                 <a:ea typeface="Calibri" panose="020F0502020204030204" pitchFamily="34" charset="0"/>
@@ -9179,7 +15315,7 @@
               <a:t>Machine Learning for Time Series Forecasting with Python, Francesca </a:t>
             </a:r>
             <a:r>
-              <a:rPr lang="en-US" sz="840" dirty="0" err="1">
+              <a:rPr lang="en-US" sz="770" dirty="0" err="1">
                 <a:effectLst/>
                 <a:latin typeface="Times New Roman" panose="02020603050405020304" pitchFamily="18" charset="0"/>
                 <a:ea typeface="Calibri" panose="020F0502020204030204" pitchFamily="34" charset="0"/>
@@ -9188,7 +15324,7 @@
               <a:t>Lazzeri</a:t>
             </a:r>
             <a:r>
-              <a:rPr lang="en-US" sz="840" dirty="0">
+              <a:rPr lang="en-US" sz="770" dirty="0">
                 <a:effectLst/>
                 <a:latin typeface="Times New Roman" panose="02020603050405020304" pitchFamily="18" charset="0"/>
                 <a:ea typeface="Calibri" panose="020F0502020204030204" pitchFamily="34" charset="0"/>
@@ -9197,7 +15333,7 @@
               <a:t>, ISBN: 9781119682363, 2021</a:t>
             </a:r>
             <a:r>
-              <a:rPr lang="ru-RU" sz="840" dirty="0">
+              <a:rPr lang="ru-RU" sz="770" dirty="0">
                 <a:effectLst/>
                 <a:latin typeface="Times New Roman" panose="02020603050405020304" pitchFamily="18" charset="0"/>
                 <a:ea typeface="Calibri" panose="020F0502020204030204" pitchFamily="34" charset="0"/>
@@ -9206,7 +15342,7 @@
               <a:t>г</a:t>
             </a:r>
             <a:r>
-              <a:rPr lang="en-US" sz="840" dirty="0">
+              <a:rPr lang="en-US" sz="770" dirty="0">
                 <a:effectLst/>
                 <a:latin typeface="Times New Roman" panose="02020603050405020304" pitchFamily="18" charset="0"/>
                 <a:ea typeface="Calibri" panose="020F0502020204030204" pitchFamily="34" charset="0"/>
@@ -9233,7 +15369,7 @@
               </a:tabLst>
             </a:pPr>
             <a:r>
-              <a:rPr lang="ru-RU" sz="840" b="0" i="0" dirty="0">
+              <a:rPr lang="ru-RU" sz="770" b="0" i="0" dirty="0">
                 <a:solidFill>
                   <a:srgbClr val="333333"/>
                 </a:solidFill>
@@ -9243,7 +15379,7 @@
               </a:rPr>
               <a:t>Кобзарь А.И. Прикладная математическая статистика. Для инженеров и научных работников. - М.: ФИЗМАТЛИТ, 2006. - 816 с.</a:t>
             </a:r>
-            <a:endParaRPr lang="en-US" sz="840" b="0" i="0" dirty="0">
+            <a:endParaRPr lang="en-US" sz="770" b="0" i="0" dirty="0">
               <a:solidFill>
                 <a:srgbClr val="333333"/>
               </a:solidFill>
@@ -9270,7 +15406,7 @@
               </a:tabLst>
             </a:pPr>
             <a:r>
-              <a:rPr lang="ru-RU" sz="840" b="0" i="0" dirty="0">
+              <a:rPr lang="ru-RU" sz="770" b="0" i="0" dirty="0">
                 <a:solidFill>
                   <a:srgbClr val="333333"/>
                 </a:solidFill>
@@ -9280,7 +15416,7 @@
               </a:rPr>
               <a:t>Львовский Е.Н. Статистические методы построения эмпирических формул. - М.: Высшая школа, 1988. - 239 с.</a:t>
             </a:r>
-            <a:endParaRPr lang="en-US" sz="840" b="0" i="0" dirty="0">
+            <a:endParaRPr lang="en-US" sz="770" b="0" i="0" dirty="0">
               <a:solidFill>
                 <a:srgbClr val="333333"/>
               </a:solidFill>
@@ -9307,7 +15443,7 @@
               </a:tabLst>
             </a:pPr>
             <a:r>
-              <a:rPr lang="ru-RU" sz="840" b="0" i="0" dirty="0" err="1">
+              <a:rPr lang="ru-RU" sz="770" b="0" i="0" dirty="0" err="1">
                 <a:solidFill>
                   <a:srgbClr val="333333"/>
                 </a:solidFill>
@@ -9318,7 +15454,7 @@
               <a:t>Фёрстер</a:t>
             </a:r>
             <a:r>
-              <a:rPr lang="ru-RU" sz="840" b="0" i="0" dirty="0">
+              <a:rPr lang="ru-RU" sz="770" b="0" i="0" dirty="0">
                 <a:solidFill>
                   <a:srgbClr val="333333"/>
                 </a:solidFill>
@@ -9329,7 +15465,7 @@
               <a:t> Э., </a:t>
             </a:r>
             <a:r>
-              <a:rPr lang="ru-RU" sz="840" b="0" i="0" dirty="0" err="1">
+              <a:rPr lang="ru-RU" sz="770" b="0" i="0" dirty="0" err="1">
                 <a:solidFill>
                   <a:srgbClr val="333333"/>
                 </a:solidFill>
@@ -9340,7 +15476,7 @@
               <a:t>Рёнц</a:t>
             </a:r>
             <a:r>
-              <a:rPr lang="ru-RU" sz="840" b="0" i="0" dirty="0">
+              <a:rPr lang="ru-RU" sz="770" b="0" i="0" dirty="0">
                 <a:solidFill>
                   <a:srgbClr val="333333"/>
                 </a:solidFill>
@@ -9350,7 +15486,7 @@
               </a:rPr>
               <a:t> Б. Методы корреляционного и регрессионного анализа / пер с нем. - М.: Финансы и статистика, 1983. - 302 с.</a:t>
             </a:r>
-            <a:endParaRPr lang="en-US" sz="840" b="0" i="0" dirty="0">
+            <a:endParaRPr lang="en-US" sz="770" b="0" i="0" dirty="0">
               <a:solidFill>
                 <a:srgbClr val="333333"/>
               </a:solidFill>
@@ -9377,7 +15513,7 @@
               </a:tabLst>
             </a:pPr>
             <a:r>
-              <a:rPr lang="ru-RU" sz="840" b="0" i="0" dirty="0">
+              <a:rPr lang="ru-RU" sz="770" b="0" i="0" dirty="0">
                 <a:solidFill>
                   <a:srgbClr val="333333"/>
                 </a:solidFill>
@@ -9388,7 +15524,7 @@
               <a:t>Афифи А., </a:t>
             </a:r>
             <a:r>
-              <a:rPr lang="ru-RU" sz="840" b="0" i="0" dirty="0" err="1">
+              <a:rPr lang="ru-RU" sz="770" b="0" i="0" dirty="0" err="1">
                 <a:solidFill>
                   <a:srgbClr val="333333"/>
                 </a:solidFill>
@@ -9399,7 +15535,7 @@
               <a:t>Эйзен</a:t>
             </a:r>
             <a:r>
-              <a:rPr lang="ru-RU" sz="840" b="0" i="0" dirty="0">
+              <a:rPr lang="ru-RU" sz="770" b="0" i="0" dirty="0">
                 <a:solidFill>
                   <a:srgbClr val="333333"/>
                 </a:solidFill>
@@ -9409,7 +15545,7 @@
               </a:rPr>
               <a:t> С. Статистический анализ. Подход с использованием ЭВМ / пер с англ. - М.: Мир, 1982. - 488 с.</a:t>
             </a:r>
-            <a:endParaRPr lang="en-US" sz="840" b="0" i="0" dirty="0">
+            <a:endParaRPr lang="en-US" sz="770" b="0" i="0" dirty="0">
               <a:solidFill>
                 <a:srgbClr val="333333"/>
               </a:solidFill>
@@ -9436,7 +15572,7 @@
               </a:tabLst>
             </a:pPr>
             <a:r>
-              <a:rPr lang="ru-RU" sz="840" b="0" i="0" dirty="0">
+              <a:rPr lang="ru-RU" sz="770" b="0" i="0" dirty="0">
                 <a:solidFill>
                   <a:srgbClr val="333333"/>
                 </a:solidFill>
@@ -9447,7 +15583,7 @@
               <a:t>Дрейпер Н., Смит Г. Прикладной регрессионный анализ. Книга 1 / </a:t>
             </a:r>
             <a:r>
-              <a:rPr lang="ru-RU" sz="840" b="0" i="0" dirty="0" err="1">
+              <a:rPr lang="ru-RU" sz="770" b="0" i="0" dirty="0" err="1">
                 <a:solidFill>
                   <a:srgbClr val="333333"/>
                 </a:solidFill>
@@ -9458,7 +15594,7 @@
               <a:t>пер.с</a:t>
             </a:r>
             <a:r>
-              <a:rPr lang="ru-RU" sz="840" b="0" i="0" dirty="0">
+              <a:rPr lang="ru-RU" sz="770" b="0" i="0" dirty="0">
                 <a:solidFill>
                   <a:srgbClr val="333333"/>
                 </a:solidFill>
@@ -9468,7 +15604,7 @@
               </a:rPr>
               <a:t> англ. - М.: Финансы и статистика, 1986. - 366 с.</a:t>
             </a:r>
-            <a:endParaRPr lang="en-US" sz="840" b="0" i="0" dirty="0">
+            <a:endParaRPr lang="en-US" sz="770" b="0" i="0" dirty="0">
               <a:solidFill>
                 <a:srgbClr val="333333"/>
               </a:solidFill>
@@ -9495,7 +15631,7 @@
               </a:tabLst>
             </a:pPr>
             <a:r>
-              <a:rPr lang="ru-RU" sz="840" b="0" i="0" dirty="0">
+              <a:rPr lang="ru-RU" sz="770" b="0" i="0" dirty="0">
                 <a:solidFill>
                   <a:srgbClr val="333333"/>
                 </a:solidFill>
@@ -9505,7 +15641,7 @@
               </a:rPr>
               <a:t>Айвазян С.А. и др. Прикладная статистика: Исследование зависимостей. - М.: Финансы и статистика, 1985. - 487 с.</a:t>
             </a:r>
-            <a:endParaRPr lang="en-US" sz="840" b="0" i="0" dirty="0">
+            <a:endParaRPr lang="en-US" sz="770" b="0" i="0" dirty="0">
               <a:solidFill>
                 <a:srgbClr val="333333"/>
               </a:solidFill>
@@ -9532,7 +15668,7 @@
               </a:tabLst>
             </a:pPr>
             <a:r>
-              <a:rPr lang="ru-RU" sz="840" b="0" i="0" dirty="0">
+              <a:rPr lang="ru-RU" sz="770" b="0" i="0" dirty="0">
                 <a:solidFill>
                   <a:srgbClr val="333333"/>
                 </a:solidFill>
@@ -9543,7 +15679,7 @@
               <a:t>Прикладная статистика. Основы эконометрики: В 2 т. 2-е изд., </a:t>
             </a:r>
             <a:r>
-              <a:rPr lang="ru-RU" sz="840" b="0" i="0" dirty="0" err="1">
+              <a:rPr lang="ru-RU" sz="770" b="0" i="0" dirty="0" err="1">
                 <a:solidFill>
                   <a:srgbClr val="333333"/>
                 </a:solidFill>
@@ -9554,7 +15690,7 @@
               <a:t>испр</a:t>
             </a:r>
             <a:r>
-              <a:rPr lang="ru-RU" sz="840" b="0" i="0" dirty="0">
+              <a:rPr lang="ru-RU" sz="770" b="0" i="0" dirty="0">
                 <a:solidFill>
                   <a:srgbClr val="333333"/>
                 </a:solidFill>
@@ -9564,7 +15700,7 @@
               </a:rPr>
               <a:t>. - Т.2: Айвазян С.А. Основы эконометрики. - М.: ЮНИТИ-ДАНА, 2001. - 432 с.</a:t>
             </a:r>
-            <a:endParaRPr lang="en-US" sz="840" b="0" i="0" dirty="0">
+            <a:endParaRPr lang="en-US" sz="770" b="0" i="0" dirty="0">
               <a:solidFill>
                 <a:srgbClr val="333333"/>
               </a:solidFill>
@@ -9591,7 +15727,7 @@
               </a:tabLst>
             </a:pPr>
             <a:r>
-              <a:rPr lang="ru-RU" sz="840" b="0" i="0" dirty="0">
+              <a:rPr lang="ru-RU" sz="770" b="0" i="0" dirty="0">
                 <a:solidFill>
                   <a:srgbClr val="333333"/>
                 </a:solidFill>
@@ -9601,7 +15737,7 @@
               </a:rPr>
               <a:t>Магнус Я.Р. и др. Эконометрика. Начальный курс - М.: Дело, 2004. - 576 с.</a:t>
             </a:r>
-            <a:endParaRPr lang="en-US" sz="840" b="0" i="0" dirty="0">
+            <a:endParaRPr lang="en-US" sz="770" b="0" i="0" dirty="0">
               <a:solidFill>
                 <a:srgbClr val="333333"/>
               </a:solidFill>
@@ -9628,7 +15764,7 @@
               </a:tabLst>
             </a:pPr>
             <a:r>
-              <a:rPr lang="ru-RU" sz="840" b="0" i="0" dirty="0">
+              <a:rPr lang="ru-RU" sz="770" b="0" i="0" dirty="0">
                 <a:solidFill>
                   <a:srgbClr val="333333"/>
                 </a:solidFill>
@@ -9638,7 +15774,7 @@
               </a:rPr>
               <a:t>Носко В.П. Эконометрика. Книга 1. - М.: Издательский дом "Дело" РАНХиГС, 2011. - 672 с.</a:t>
             </a:r>
-            <a:endParaRPr lang="en-US" sz="840" b="0" i="0" dirty="0">
+            <a:endParaRPr lang="en-US" sz="770" b="0" i="0" dirty="0">
               <a:solidFill>
                 <a:srgbClr val="333333"/>
               </a:solidFill>
@@ -9665,7 +15801,7 @@
               </a:tabLst>
             </a:pPr>
             <a:r>
-              <a:rPr lang="ru-RU" sz="840" b="0" i="0" dirty="0">
+              <a:rPr lang="ru-RU" sz="770" b="0" i="0" dirty="0">
                 <a:solidFill>
                   <a:srgbClr val="333333"/>
                 </a:solidFill>
@@ -9675,7 +15811,7 @@
               </a:rPr>
               <a:t>Брюс П. Практическая статистика для специалистов Data Science / пер. с англ. - СПб.: БХВ-Петербург, 2018. - 304 с.</a:t>
             </a:r>
-            <a:endParaRPr lang="en-US" sz="840" b="0" i="0" dirty="0">
+            <a:endParaRPr lang="en-US" sz="770" b="0" i="0" dirty="0">
               <a:solidFill>
                 <a:srgbClr val="333333"/>
               </a:solidFill>
@@ -9702,7 +15838,7 @@
               </a:tabLst>
             </a:pPr>
             <a:r>
-              <a:rPr lang="ru-RU" sz="840" b="0" i="0" dirty="0">
+              <a:rPr lang="ru-RU" sz="770" b="0" i="0" dirty="0">
                 <a:solidFill>
                   <a:srgbClr val="333333"/>
                 </a:solidFill>
@@ -9711,6 +15847,224 @@
                 <a:cs typeface="Times New Roman" panose="02020603050405020304" pitchFamily="18" charset="0"/>
               </a:rPr>
               <a:t>Уатт Дж. и др. Машинное обучение: основы, алгоритмы и практика применения / пер. с англ. - СПб.: БХВ-Петербург, 2022. - 640 с.</a:t>
+            </a:r>
+            <a:endParaRPr lang="en-US" sz="770" dirty="0">
+              <a:solidFill>
+                <a:srgbClr val="333333"/>
+              </a:solidFill>
+              <a:latin typeface="Times New Roman" panose="02020603050405020304" pitchFamily="18" charset="0"/>
+              <a:cs typeface="Times New Roman" panose="02020603050405020304" pitchFamily="18" charset="0"/>
+            </a:endParaRPr>
+          </a:p>
+          <a:p>
+            <a:pPr marL="342900" marR="0" lvl="0" indent="-342900" algn="just">
+              <a:lnSpc>
+                <a:spcPct val="150000"/>
+              </a:lnSpc>
+              <a:spcBef>
+                <a:spcPts val="0"/>
+              </a:spcBef>
+              <a:spcAft>
+                <a:spcPts val="0"/>
+              </a:spcAft>
+              <a:buFont typeface="+mj-lt"/>
+              <a:buAutoNum type="arabicPeriod"/>
+              <a:tabLst>
+                <a:tab pos="720090" algn="l"/>
+              </a:tabLst>
+            </a:pPr>
+            <a:r>
+              <a:rPr lang="en-US" sz="770" b="0" i="0" dirty="0">
+                <a:solidFill>
+                  <a:srgbClr val="333333"/>
+                </a:solidFill>
+                <a:effectLst/>
+                <a:latin typeface="Times New Roman" panose="02020603050405020304" pitchFamily="18" charset="0"/>
+                <a:cs typeface="Times New Roman" panose="02020603050405020304" pitchFamily="18" charset="0"/>
+              </a:rPr>
+              <a:t>http://learningsys.org/nips17/assets/papers/paper_11.pdf</a:t>
+            </a:r>
+          </a:p>
+          <a:p>
+            <a:pPr marL="342900" marR="0" lvl="0" indent="-342900" algn="just">
+              <a:lnSpc>
+                <a:spcPct val="150000"/>
+              </a:lnSpc>
+              <a:spcBef>
+                <a:spcPts val="0"/>
+              </a:spcBef>
+              <a:spcAft>
+                <a:spcPts val="0"/>
+              </a:spcAft>
+              <a:buFont typeface="+mj-lt"/>
+              <a:buAutoNum type="arabicPeriod"/>
+              <a:tabLst>
+                <a:tab pos="720090" algn="l"/>
+              </a:tabLst>
+            </a:pPr>
+            <a:r>
+              <a:rPr lang="en-US" sz="770" b="0" i="0" dirty="0">
+                <a:solidFill>
+                  <a:srgbClr val="333333"/>
+                </a:solidFill>
+                <a:effectLst/>
+                <a:latin typeface="Times New Roman" panose="02020603050405020304" pitchFamily="18" charset="0"/>
+                <a:cs typeface="Times New Roman" panose="02020603050405020304" pitchFamily="18" charset="0"/>
+              </a:rPr>
+              <a:t>https://arxiv.org/pdf/1910.13204.pdf</a:t>
+            </a:r>
+          </a:p>
+          <a:p>
+            <a:pPr marL="342900" marR="0" lvl="0" indent="-342900" algn="just">
+              <a:lnSpc>
+                <a:spcPct val="150000"/>
+              </a:lnSpc>
+              <a:spcBef>
+                <a:spcPts val="0"/>
+              </a:spcBef>
+              <a:spcAft>
+                <a:spcPts val="0"/>
+              </a:spcAft>
+              <a:buFont typeface="+mj-lt"/>
+              <a:buAutoNum type="arabicPeriod"/>
+              <a:tabLst>
+                <a:tab pos="720090" algn="l"/>
+              </a:tabLst>
+            </a:pPr>
+            <a:r>
+              <a:rPr lang="en-US" sz="770" b="0" i="0" dirty="0">
+                <a:solidFill>
+                  <a:srgbClr val="333333"/>
+                </a:solidFill>
+                <a:effectLst/>
+                <a:latin typeface="Times New Roman" panose="02020603050405020304" pitchFamily="18" charset="0"/>
+                <a:cs typeface="Times New Roman" panose="02020603050405020304" pitchFamily="18" charset="0"/>
+              </a:rPr>
+              <a:t>Jerome H Friedman. 2001. Greedy function approximation: a gradient </a:t>
+            </a:r>
+            <a:r>
+              <a:rPr lang="en-US" sz="770" b="0" i="0" dirty="0" err="1">
+                <a:solidFill>
+                  <a:srgbClr val="333333"/>
+                </a:solidFill>
+                <a:effectLst/>
+                <a:latin typeface="Times New Roman" panose="02020603050405020304" pitchFamily="18" charset="0"/>
+                <a:cs typeface="Times New Roman" panose="02020603050405020304" pitchFamily="18" charset="0"/>
+              </a:rPr>
+              <a:t>boostingmachine</a:t>
+            </a:r>
+            <a:r>
+              <a:rPr lang="en-US" sz="770" b="0" i="0" dirty="0">
+                <a:solidFill>
+                  <a:srgbClr val="333333"/>
+                </a:solidFill>
+                <a:effectLst/>
+                <a:latin typeface="Times New Roman" panose="02020603050405020304" pitchFamily="18" charset="0"/>
+                <a:cs typeface="Times New Roman" panose="02020603050405020304" pitchFamily="18" charset="0"/>
+              </a:rPr>
+              <a:t>. Annals of statistics (2001), 1189–1232.</a:t>
+            </a:r>
+          </a:p>
+          <a:p>
+            <a:pPr marL="342900" marR="0" lvl="0" indent="-342900" algn="just">
+              <a:lnSpc>
+                <a:spcPct val="150000"/>
+              </a:lnSpc>
+              <a:spcBef>
+                <a:spcPts val="0"/>
+              </a:spcBef>
+              <a:spcAft>
+                <a:spcPts val="0"/>
+              </a:spcAft>
+              <a:buFont typeface="+mj-lt"/>
+              <a:buAutoNum type="arabicPeriod"/>
+              <a:tabLst>
+                <a:tab pos="720090" algn="l"/>
+              </a:tabLst>
+            </a:pPr>
+            <a:r>
+              <a:rPr lang="en-US" sz="770" b="0" i="0" dirty="0">
+                <a:solidFill>
+                  <a:srgbClr val="333333"/>
+                </a:solidFill>
+                <a:effectLst/>
+                <a:latin typeface="Times New Roman" panose="02020603050405020304" pitchFamily="18" charset="0"/>
+                <a:cs typeface="Times New Roman" panose="02020603050405020304" pitchFamily="18" charset="0"/>
+              </a:rPr>
+              <a:t>Tianqi Chen and Carlos </a:t>
+            </a:r>
+            <a:r>
+              <a:rPr lang="en-US" sz="770" b="0" i="0" dirty="0" err="1">
+                <a:solidFill>
+                  <a:srgbClr val="333333"/>
+                </a:solidFill>
+                <a:effectLst/>
+                <a:latin typeface="Times New Roman" panose="02020603050405020304" pitchFamily="18" charset="0"/>
+                <a:cs typeface="Times New Roman" panose="02020603050405020304" pitchFamily="18" charset="0"/>
+              </a:rPr>
+              <a:t>Guestrin</a:t>
+            </a:r>
+            <a:r>
+              <a:rPr lang="en-US" sz="770" b="0" i="0" dirty="0">
+                <a:solidFill>
+                  <a:srgbClr val="333333"/>
+                </a:solidFill>
+                <a:effectLst/>
+                <a:latin typeface="Times New Roman" panose="02020603050405020304" pitchFamily="18" charset="0"/>
+                <a:cs typeface="Times New Roman" panose="02020603050405020304" pitchFamily="18" charset="0"/>
+              </a:rPr>
+              <a:t>. 2016. </a:t>
+            </a:r>
+            <a:r>
+              <a:rPr lang="en-US" sz="770" b="0" i="0" dirty="0" err="1">
+                <a:solidFill>
+                  <a:srgbClr val="333333"/>
+                </a:solidFill>
+                <a:effectLst/>
+                <a:latin typeface="Times New Roman" panose="02020603050405020304" pitchFamily="18" charset="0"/>
+                <a:cs typeface="Times New Roman" panose="02020603050405020304" pitchFamily="18" charset="0"/>
+              </a:rPr>
+              <a:t>Xgboost</a:t>
+            </a:r>
+            <a:r>
+              <a:rPr lang="en-US" sz="770" b="0" i="0" dirty="0">
+                <a:solidFill>
+                  <a:srgbClr val="333333"/>
+                </a:solidFill>
+                <a:effectLst/>
+                <a:latin typeface="Times New Roman" panose="02020603050405020304" pitchFamily="18" charset="0"/>
+                <a:cs typeface="Times New Roman" panose="02020603050405020304" pitchFamily="18" charset="0"/>
+              </a:rPr>
+              <a:t>: A scalable tree boosting system. In Proceedings of the 22Nd ACM SIGKDD International Conference on Knowledge Discovery and Data Mining. ACM, 785–794.</a:t>
+            </a:r>
+          </a:p>
+          <a:p>
+            <a:pPr marL="342900" marR="0" lvl="0" indent="-342900" algn="just">
+              <a:lnSpc>
+                <a:spcPct val="150000"/>
+              </a:lnSpc>
+              <a:spcBef>
+                <a:spcPts val="0"/>
+              </a:spcBef>
+              <a:spcAft>
+                <a:spcPts val="0"/>
+              </a:spcAft>
+              <a:buFont typeface="+mj-lt"/>
+              <a:buAutoNum type="arabicPeriod"/>
+              <a:tabLst>
+                <a:tab pos="720090" algn="l"/>
+              </a:tabLst>
+            </a:pPr>
+            <a:r>
+              <a:rPr lang="en-US" sz="770" b="0" i="0" dirty="0">
+                <a:solidFill>
+                  <a:srgbClr val="333333"/>
+                </a:solidFill>
+                <a:effectLst/>
+                <a:latin typeface="Times New Roman" panose="02020603050405020304" pitchFamily="18" charset="0"/>
+                <a:cs typeface="Times New Roman" panose="02020603050405020304" pitchFamily="18" charset="0"/>
+              </a:rPr>
+              <a:t>https://doi.org/10.7287/peerj.preprints.3190v2</a:t>
             </a:r>
           </a:p>
         </p:txBody>
@@ -9769,7 +16123,7 @@
               <a:rPr lang="en-US" sz="2000" dirty="0">
                 <a:latin typeface="Monotype Corsiva" panose="03010101010201010101" pitchFamily="66" charset="0"/>
               </a:rPr>
-              <a:t>18/18</a:t>
+              <a:t>19/19</a:t>
             </a:r>
           </a:p>
         </p:txBody>
@@ -10343,7 +16697,7 @@
               <a:rPr lang="en-US" sz="2000" dirty="0">
                 <a:latin typeface="Monotype Corsiva" panose="03010101010201010101" pitchFamily="66" charset="0"/>
               </a:rPr>
-              <a:t>2/18</a:t>
+              <a:t>2/19</a:t>
             </a:r>
           </a:p>
         </p:txBody>
@@ -10565,7 +16919,7 @@
               <a:rPr lang="en-US" sz="2000" dirty="0">
                 <a:latin typeface="Monotype Corsiva" panose="03010101010201010101" pitchFamily="66" charset="0"/>
               </a:rPr>
-              <a:t>3/18</a:t>
+              <a:t>3/19</a:t>
             </a:r>
           </a:p>
         </p:txBody>
@@ -10946,7 +17300,7 @@
               <a:rPr lang="en-US" sz="2000" dirty="0">
                 <a:latin typeface="Monotype Corsiva" panose="03010101010201010101" pitchFamily="66" charset="0"/>
               </a:rPr>
-              <a:t>4/18</a:t>
+              <a:t>4/19</a:t>
             </a:r>
           </a:p>
         </p:txBody>
@@ -11482,7 +17836,7 @@
               <a:rPr lang="en-US" sz="2000" dirty="0">
                 <a:latin typeface="Monotype Corsiva" panose="03010101010201010101" pitchFamily="66" charset="0"/>
               </a:rPr>
-              <a:t>5/18</a:t>
+              <a:t>5/19</a:t>
             </a:r>
           </a:p>
         </p:txBody>
@@ -11761,7 +18115,7 @@
               <a:rPr lang="en-US" sz="2000" dirty="0">
                 <a:latin typeface="Monotype Corsiva" panose="03010101010201010101" pitchFamily="66" charset="0"/>
               </a:rPr>
-              <a:t>6/18</a:t>
+              <a:t>6/19</a:t>
             </a:r>
           </a:p>
         </p:txBody>
@@ -11901,8 +18255,8 @@
           </a:p>
         </p:txBody>
       </p:sp>
-      <mc:AlternateContent xmlns:mc="http://schemas.openxmlformats.org/markup-compatibility/2006">
-        <mc:Choice xmlns:a14="http://schemas.microsoft.com/office/drawing/2010/main" Requires="a14">
+      <mc:AlternateContent xmlns:mc="http://schemas.openxmlformats.org/markup-compatibility/2006" xmlns:a14="http://schemas.microsoft.com/office/drawing/2010/main">
+        <mc:Choice Requires="a14">
           <p:sp>
             <p:nvSpPr>
               <p:cNvPr id="19" name="TextBox 18">
@@ -12129,7 +18483,7 @@
             </p:txBody>
           </p:sp>
         </mc:Choice>
-        <mc:Fallback>
+        <mc:Fallback xmlns="">
           <p:sp>
             <p:nvSpPr>
               <p:cNvPr id="19" name="TextBox 18">
@@ -12214,8 +18568,8 @@
           </a:p>
         </p:txBody>
       </p:sp>
-      <mc:AlternateContent xmlns:mc="http://schemas.openxmlformats.org/markup-compatibility/2006">
-        <mc:Choice xmlns:a14="http://schemas.microsoft.com/office/drawing/2010/main" Requires="a14">
+      <mc:AlternateContent xmlns:mc="http://schemas.openxmlformats.org/markup-compatibility/2006" xmlns:a14="http://schemas.microsoft.com/office/drawing/2010/main">
+        <mc:Choice Requires="a14">
           <p:sp>
             <p:nvSpPr>
               <p:cNvPr id="20" name="TextBox 19">
@@ -12551,7 +18905,7 @@
             </p:txBody>
           </p:sp>
         </mc:Choice>
-        <mc:Fallback>
+        <mc:Fallback xmlns="">
           <p:sp>
             <p:nvSpPr>
               <p:cNvPr id="20" name="TextBox 19">
@@ -12631,8 +18985,8 @@
           </a:p>
         </p:txBody>
       </p:sp>
-      <mc:AlternateContent xmlns:mc="http://schemas.openxmlformats.org/markup-compatibility/2006">
-        <mc:Choice xmlns:a14="http://schemas.microsoft.com/office/drawing/2010/main" Requires="a14">
+      <mc:AlternateContent xmlns:mc="http://schemas.openxmlformats.org/markup-compatibility/2006" xmlns:a14="http://schemas.microsoft.com/office/drawing/2010/main">
+        <mc:Choice Requires="a14">
           <p:sp>
             <p:nvSpPr>
               <p:cNvPr id="23" name="TextBox 22">
@@ -12999,7 +19353,7 @@
             </p:txBody>
           </p:sp>
         </mc:Choice>
-        <mc:Fallback>
+        <mc:Fallback xmlns="">
           <p:sp>
             <p:nvSpPr>
               <p:cNvPr id="23" name="TextBox 22">
@@ -13079,8 +19433,8 @@
           </a:p>
         </p:txBody>
       </p:sp>
-      <mc:AlternateContent xmlns:mc="http://schemas.openxmlformats.org/markup-compatibility/2006">
-        <mc:Choice xmlns:a14="http://schemas.microsoft.com/office/drawing/2010/main" Requires="a14">
+      <mc:AlternateContent xmlns:mc="http://schemas.openxmlformats.org/markup-compatibility/2006" xmlns:a14="http://schemas.microsoft.com/office/drawing/2010/main">
+        <mc:Choice Requires="a14">
           <p:sp>
             <p:nvSpPr>
               <p:cNvPr id="26" name="TextBox 25">
@@ -13638,7 +19992,7 @@
             </p:txBody>
           </p:sp>
         </mc:Choice>
-        <mc:Fallback>
+        <mc:Fallback xmlns="">
           <p:sp>
             <p:nvSpPr>
               <p:cNvPr id="26" name="TextBox 25">
@@ -13718,8 +20072,8 @@
           </a:p>
         </p:txBody>
       </p:sp>
-      <mc:AlternateContent xmlns:mc="http://schemas.openxmlformats.org/markup-compatibility/2006">
-        <mc:Choice xmlns:a14="http://schemas.microsoft.com/office/drawing/2010/main" Requires="a14">
+      <mc:AlternateContent xmlns:mc="http://schemas.openxmlformats.org/markup-compatibility/2006" xmlns:a14="http://schemas.microsoft.com/office/drawing/2010/main">
+        <mc:Choice Requires="a14">
           <p:sp>
             <p:nvSpPr>
               <p:cNvPr id="29" name="TextBox 28">
@@ -14266,7 +20620,7 @@
             </p:txBody>
           </p:sp>
         </mc:Choice>
-        <mc:Fallback>
+        <mc:Fallback xmlns="">
           <p:sp>
             <p:nvSpPr>
               <p:cNvPr id="29" name="TextBox 28">
@@ -14703,7 +21057,7 @@
               <a:rPr lang="en-US" sz="2000" dirty="0">
                 <a:latin typeface="Monotype Corsiva" panose="03010101010201010101" pitchFamily="66" charset="0"/>
               </a:rPr>
-              <a:t>7/18</a:t>
+              <a:t>7/19</a:t>
             </a:r>
           </a:p>
         </p:txBody>
@@ -15197,7 +21551,7 @@
               <a:rPr lang="en-US" sz="2000" dirty="0">
                 <a:latin typeface="Monotype Corsiva" panose="03010101010201010101" pitchFamily="66" charset="0"/>
               </a:rPr>
-              <a:t>8/18</a:t>
+              <a:t>8/19</a:t>
             </a:r>
           </a:p>
         </p:txBody>

--- a/Text/Хорунженко_презентация_3_сем.pptx
+++ b/Text/Хорунженко_презентация_3_сем.pptx
@@ -217,7 +217,7 @@
           <a:p>
             <a:fld id="{81248907-F516-46AB-BD86-AD7F77155939}" type="datetimeFigureOut">
               <a:rPr lang="en-US" smtClean="0"/>
-              <a:t>12/26/2023</a:t>
+              <a:t>2/23/2024</a:t>
             </a:fld>
             <a:endParaRPr lang="en-US"/>
           </a:p>
@@ -730,7 +730,7 @@
           <a:p>
             <a:fld id="{2977B670-CD6F-44BD-91AC-635F81E02A72}" type="datetimeFigureOut">
               <a:rPr lang="en-US" smtClean="0"/>
-              <a:t>12/26/2023</a:t>
+              <a:t>2/23/2024</a:t>
             </a:fld>
             <a:endParaRPr lang="en-US"/>
           </a:p>
@@ -928,7 +928,7 @@
           <a:p>
             <a:fld id="{2977B670-CD6F-44BD-91AC-635F81E02A72}" type="datetimeFigureOut">
               <a:rPr lang="en-US" smtClean="0"/>
-              <a:t>12/26/2023</a:t>
+              <a:t>2/23/2024</a:t>
             </a:fld>
             <a:endParaRPr lang="en-US"/>
           </a:p>
@@ -1136,7 +1136,7 @@
           <a:p>
             <a:fld id="{2977B670-CD6F-44BD-91AC-635F81E02A72}" type="datetimeFigureOut">
               <a:rPr lang="en-US" smtClean="0"/>
-              <a:t>12/26/2023</a:t>
+              <a:t>2/23/2024</a:t>
             </a:fld>
             <a:endParaRPr lang="en-US"/>
           </a:p>
@@ -1334,7 +1334,7 @@
           <a:p>
             <a:fld id="{2977B670-CD6F-44BD-91AC-635F81E02A72}" type="datetimeFigureOut">
               <a:rPr lang="en-US" smtClean="0"/>
-              <a:t>12/26/2023</a:t>
+              <a:t>2/23/2024</a:t>
             </a:fld>
             <a:endParaRPr lang="en-US"/>
           </a:p>
@@ -1609,7 +1609,7 @@
           <a:p>
             <a:fld id="{2977B670-CD6F-44BD-91AC-635F81E02A72}" type="datetimeFigureOut">
               <a:rPr lang="en-US" smtClean="0"/>
-              <a:t>12/26/2023</a:t>
+              <a:t>2/23/2024</a:t>
             </a:fld>
             <a:endParaRPr lang="en-US"/>
           </a:p>
@@ -1874,7 +1874,7 @@
           <a:p>
             <a:fld id="{2977B670-CD6F-44BD-91AC-635F81E02A72}" type="datetimeFigureOut">
               <a:rPr lang="en-US" smtClean="0"/>
-              <a:t>12/26/2023</a:t>
+              <a:t>2/23/2024</a:t>
             </a:fld>
             <a:endParaRPr lang="en-US"/>
           </a:p>
@@ -2286,7 +2286,7 @@
           <a:p>
             <a:fld id="{2977B670-CD6F-44BD-91AC-635F81E02A72}" type="datetimeFigureOut">
               <a:rPr lang="en-US" smtClean="0"/>
-              <a:t>12/26/2023</a:t>
+              <a:t>2/23/2024</a:t>
             </a:fld>
             <a:endParaRPr lang="en-US"/>
           </a:p>
@@ -2427,7 +2427,7 @@
           <a:p>
             <a:fld id="{2977B670-CD6F-44BD-91AC-635F81E02A72}" type="datetimeFigureOut">
               <a:rPr lang="en-US" smtClean="0"/>
-              <a:t>12/26/2023</a:t>
+              <a:t>2/23/2024</a:t>
             </a:fld>
             <a:endParaRPr lang="en-US"/>
           </a:p>
@@ -2540,7 +2540,7 @@
           <a:p>
             <a:fld id="{2977B670-CD6F-44BD-91AC-635F81E02A72}" type="datetimeFigureOut">
               <a:rPr lang="en-US" smtClean="0"/>
-              <a:t>12/26/2023</a:t>
+              <a:t>2/23/2024</a:t>
             </a:fld>
             <a:endParaRPr lang="en-US"/>
           </a:p>
@@ -2851,7 +2851,7 @@
           <a:p>
             <a:fld id="{2977B670-CD6F-44BD-91AC-635F81E02A72}" type="datetimeFigureOut">
               <a:rPr lang="en-US" smtClean="0"/>
-              <a:t>12/26/2023</a:t>
+              <a:t>2/23/2024</a:t>
             </a:fld>
             <a:endParaRPr lang="en-US"/>
           </a:p>
@@ -3139,7 +3139,7 @@
           <a:p>
             <a:fld id="{2977B670-CD6F-44BD-91AC-635F81E02A72}" type="datetimeFigureOut">
               <a:rPr lang="en-US" smtClean="0"/>
-              <a:t>12/26/2023</a:t>
+              <a:t>2/23/2024</a:t>
             </a:fld>
             <a:endParaRPr lang="en-US"/>
           </a:p>
@@ -3380,7 +3380,7 @@
           <a:p>
             <a:fld id="{2977B670-CD6F-44BD-91AC-635F81E02A72}" type="datetimeFigureOut">
               <a:rPr lang="en-US" smtClean="0"/>
-              <a:t>12/26/2023</a:t>
+              <a:t>2/23/2024</a:t>
             </a:fld>
             <a:endParaRPr lang="en-US"/>
           </a:p>
@@ -3831,14 +3831,14 @@
                 <a:latin typeface="Times New Roman" panose="02020603050405020304" pitchFamily="18" charset="0"/>
                 <a:ea typeface="Calibri" panose="020F0502020204030204" pitchFamily="34" charset="0"/>
               </a:rPr>
-              <a:t>Исследование эффе</a:t>
+              <a:t>Анализ эффективности нейронны</a:t>
             </a:r>
             <a:r>
               <a:rPr lang="ru-RU" sz="3400" b="1" dirty="0">
                 <a:latin typeface="Times New Roman" panose="02020603050405020304" pitchFamily="18" charset="0"/>
                 <a:ea typeface="Calibri" panose="020F0502020204030204" pitchFamily="34" charset="0"/>
               </a:rPr>
-              <a:t>ктивности </a:t>
+              <a:t>х</a:t>
             </a:r>
             <a:r>
               <a:rPr lang="ru-RU" sz="3400" b="1" dirty="0">
@@ -3846,7 +3846,7 @@
                 <a:latin typeface="Times New Roman" panose="02020603050405020304" pitchFamily="18" charset="0"/>
                 <a:ea typeface="Calibri" panose="020F0502020204030204" pitchFamily="34" charset="0"/>
               </a:rPr>
-              <a:t>нейронных сетей для прогнозирования финансовых временных рядов</a:t>
+              <a:t> сетей для среднесрочного прогнозирования временных рядов разных частот</a:t>
             </a:r>
             <a:endParaRPr lang="en-US" sz="3400" b="1" dirty="0"/>
           </a:p>
@@ -14729,33 +14729,7 @@
                 <a:cs typeface="Times New Roman" panose="02020603050405020304" pitchFamily="18" charset="0"/>
                 <a:hlinkClick r:id="rId2"/>
               </a:rPr>
-              <a:t>https://www.finam.ru/profile/fyuchersy-usa/nq-100</a:t>
-            </a:r>
-            <a:r>
-              <a:rPr lang="ru-RU" sz="770" u="sng" dirty="0">
-                <a:solidFill>
-                  <a:srgbClr val="0000FF"/>
-                </a:solidFill>
-                <a:effectLst/>
-                <a:latin typeface="Times New Roman" panose="02020603050405020304" pitchFamily="18" charset="0"/>
-                <a:ea typeface="Calibri" panose="020F0502020204030204" pitchFamily="34" charset="0"/>
-                <a:cs typeface="Times New Roman" panose="02020603050405020304" pitchFamily="18" charset="0"/>
-                <a:hlinkClick r:id="rId2"/>
-              </a:rPr>
-              <a:t>-</a:t>
-            </a:r>
-            <a:r>
-              <a:rPr lang="ru-RU" sz="770" u="sng" dirty="0">
-                <a:solidFill>
-                  <a:srgbClr val="0000FF"/>
-                </a:solidFill>
-                <a:effectLst/>
-                <a:latin typeface="Times New Roman" panose="02020603050405020304" pitchFamily="18" charset="0"/>
-                <a:ea typeface="Calibri" panose="020F0502020204030204" pitchFamily="34" charset="0"/>
-                <a:cs typeface="Times New Roman" panose="02020603050405020304" pitchFamily="18" charset="0"/>
-                <a:hlinkClick r:id="rId2"/>
-              </a:rPr>
-              <a:t>fut/export/?market=7&amp;em=21719&amp;token=&amp;code=NDX&amp;apply=0&amp;df=1&amp;mf=0&amp;yf=2010&amp;from=01.01.2010&amp;dt=1&amp;mt=0&amp;yt=2014&amp;to=01.01.2014&amp;p=2&amp;f=NDX_100101_140101&amp;e=.txt&amp;cn=NDX&amp;dtf=1&amp;tmf=1&amp;MSOR=1&amp;mstime=on&amp;mstimever=1&amp;sep=1&amp;sep2=1&amp;datf=1&amp;at=1</a:t>
+              <a:t>https://www.finam.ru/profile/fyuchersy-usa/nq-100-fut/export/?market=7&amp;em=21719&amp;token=&amp;code=NDX&amp;apply=0&amp;df=1&amp;mf=0&amp;yf=2010&amp;from=01.01.2010&amp;dt=1&amp;mt=0&amp;yt=2014&amp;to=01.01.2014&amp;p=2&amp;f=NDX_100101_140101&amp;e=.txt&amp;cn=NDX&amp;dtf=1&amp;tmf=1&amp;MSOR=1&amp;mstime=on&amp;mstimever=1&amp;sep=1&amp;sep2=1&amp;datf=1&amp;at=1</a:t>
             </a:r>
             <a:endParaRPr lang="en-US" sz="770" dirty="0">
               <a:effectLst/>
@@ -18255,8 +18229,8 @@
           </a:p>
         </p:txBody>
       </p:sp>
-      <mc:AlternateContent xmlns:mc="http://schemas.openxmlformats.org/markup-compatibility/2006" xmlns:a14="http://schemas.microsoft.com/office/drawing/2010/main">
-        <mc:Choice Requires="a14">
+      <mc:AlternateContent xmlns:mc="http://schemas.openxmlformats.org/markup-compatibility/2006">
+        <mc:Choice xmlns:a14="http://schemas.microsoft.com/office/drawing/2010/main" Requires="a14">
           <p:sp>
             <p:nvSpPr>
               <p:cNvPr id="19" name="TextBox 18">
@@ -18271,7 +18245,7 @@
             </p:nvSpPr>
             <p:spPr>
               <a:xfrm>
-                <a:off x="706358" y="2018353"/>
+                <a:off x="4755844" y="2238047"/>
                 <a:ext cx="2623127" cy="848566"/>
               </a:xfrm>
               <a:prstGeom prst="rect">
@@ -18483,7 +18457,7 @@
             </p:txBody>
           </p:sp>
         </mc:Choice>
-        <mc:Fallback xmlns="">
+        <mc:Fallback>
           <p:sp>
             <p:nvSpPr>
               <p:cNvPr id="19" name="TextBox 18">
@@ -18500,7 +18474,7 @@
             </p:nvSpPr>
             <p:spPr>
               <a:xfrm>
-                <a:off x="706358" y="2018353"/>
+                <a:off x="4755844" y="2238047"/>
                 <a:ext cx="2623127" cy="848566"/>
               </a:xfrm>
               <a:prstGeom prst="rect">
@@ -18542,7 +18516,7 @@
         </p:nvSpPr>
         <p:spPr>
           <a:xfrm>
-            <a:off x="578790" y="2896026"/>
+            <a:off x="4628276" y="3115720"/>
             <a:ext cx="2887201" cy="369332"/>
           </a:xfrm>
           <a:prstGeom prst="rect">
@@ -18568,8 +18542,8 @@
           </a:p>
         </p:txBody>
       </p:sp>
-      <mc:AlternateContent xmlns:mc="http://schemas.openxmlformats.org/markup-compatibility/2006" xmlns:a14="http://schemas.microsoft.com/office/drawing/2010/main">
-        <mc:Choice Requires="a14">
+      <mc:AlternateContent xmlns:mc="http://schemas.openxmlformats.org/markup-compatibility/2006">
+        <mc:Choice xmlns:a14="http://schemas.microsoft.com/office/drawing/2010/main" Requires="a14">
           <p:sp>
             <p:nvSpPr>
               <p:cNvPr id="20" name="TextBox 19">
@@ -18584,7 +18558,7 @@
             </p:nvSpPr>
             <p:spPr>
               <a:xfrm>
-                <a:off x="277457" y="3587294"/>
+                <a:off x="4326943" y="3806988"/>
                 <a:ext cx="3706511" cy="848566"/>
               </a:xfrm>
               <a:prstGeom prst="rect">
@@ -18905,7 +18879,7 @@
             </p:txBody>
           </p:sp>
         </mc:Choice>
-        <mc:Fallback xmlns="">
+        <mc:Fallback>
           <p:sp>
             <p:nvSpPr>
               <p:cNvPr id="20" name="TextBox 19">
@@ -18922,7 +18896,7 @@
             </p:nvSpPr>
             <p:spPr>
               <a:xfrm>
-                <a:off x="277457" y="3587294"/>
+                <a:off x="4326943" y="3806988"/>
                 <a:ext cx="3706511" cy="848566"/>
               </a:xfrm>
               <a:prstGeom prst="rect">
@@ -18964,7 +18938,7 @@
         </p:nvSpPr>
         <p:spPr>
           <a:xfrm>
-            <a:off x="1631438" y="4444951"/>
+            <a:off x="5680924" y="4664645"/>
             <a:ext cx="772969" cy="369332"/>
           </a:xfrm>
           <a:prstGeom prst="rect">
@@ -18985,8 +18959,8 @@
           </a:p>
         </p:txBody>
       </p:sp>
-      <mc:AlternateContent xmlns:mc="http://schemas.openxmlformats.org/markup-compatibility/2006" xmlns:a14="http://schemas.microsoft.com/office/drawing/2010/main">
-        <mc:Choice Requires="a14">
+      <mc:AlternateContent xmlns:mc="http://schemas.openxmlformats.org/markup-compatibility/2006">
+        <mc:Choice xmlns:a14="http://schemas.microsoft.com/office/drawing/2010/main" Requires="a14">
           <p:sp>
             <p:nvSpPr>
               <p:cNvPr id="23" name="TextBox 22">
@@ -19001,7 +18975,7 @@
             </p:nvSpPr>
             <p:spPr>
               <a:xfrm>
-                <a:off x="101705" y="4942462"/>
+                <a:off x="4151191" y="5162156"/>
                 <a:ext cx="4058016" cy="848566"/>
               </a:xfrm>
               <a:prstGeom prst="rect">
@@ -19353,7 +19327,7 @@
             </p:txBody>
           </p:sp>
         </mc:Choice>
-        <mc:Fallback xmlns="">
+        <mc:Fallback>
           <p:sp>
             <p:nvSpPr>
               <p:cNvPr id="23" name="TextBox 22">
@@ -19370,7 +19344,7 @@
             </p:nvSpPr>
             <p:spPr>
               <a:xfrm>
-                <a:off x="101705" y="4942462"/>
+                <a:off x="4151191" y="5162156"/>
                 <a:ext cx="4058016" cy="848566"/>
               </a:xfrm>
               <a:prstGeom prst="rect">
@@ -19412,7 +19386,7 @@
         </p:nvSpPr>
         <p:spPr>
           <a:xfrm>
-            <a:off x="1602585" y="5752724"/>
+            <a:off x="5652071" y="5972418"/>
             <a:ext cx="830677" cy="369332"/>
           </a:xfrm>
           <a:prstGeom prst="rect">
@@ -19429,1273 +19403,6 @@
             <a:r>
               <a:rPr lang="en-US" dirty="0"/>
               <a:t>ARIMA</a:t>
-            </a:r>
-          </a:p>
-        </p:txBody>
-      </p:sp>
-      <mc:AlternateContent xmlns:mc="http://schemas.openxmlformats.org/markup-compatibility/2006" xmlns:a14="http://schemas.microsoft.com/office/drawing/2010/main">
-        <mc:Choice Requires="a14">
-          <p:sp>
-            <p:nvSpPr>
-              <p:cNvPr id="26" name="TextBox 25">
-                <a:extLst>
-                  <a:ext uri="{FF2B5EF4-FFF2-40B4-BE49-F238E27FC236}">
-                    <a16:creationId xmlns:a16="http://schemas.microsoft.com/office/drawing/2014/main" id="{41AF8E55-8DE6-4E74-A197-1C44F3AB45E7}"/>
-                  </a:ext>
-                </a:extLst>
-              </p:cNvPr>
-              <p:cNvSpPr txBox="1"/>
-              <p:nvPr/>
-            </p:nvSpPr>
-            <p:spPr>
-              <a:xfrm>
-                <a:off x="6770253" y="2018353"/>
-                <a:ext cx="3424621" cy="818494"/>
-              </a:xfrm>
-              <a:prstGeom prst="rect">
-                <a:avLst/>
-              </a:prstGeom>
-              <a:noFill/>
-            </p:spPr>
-            <p:txBody>
-              <a:bodyPr wrap="square">
-                <a:spAutoFit/>
-              </a:bodyPr>
-              <a:lstStyle/>
-              <a:p>
-                <a:pPr marL="0" marR="0" indent="0" algn="just">
-                  <a:lnSpc>
-                    <a:spcPct val="150000"/>
-                  </a:lnSpc>
-                  <a:spcBef>
-                    <a:spcPts val="0"/>
-                  </a:spcBef>
-                  <a:spcAft>
-                    <a:spcPts val="0"/>
-                  </a:spcAft>
-                </a:pPr>
-                <a14:m>
-                  <m:oMathPara xmlns:m="http://schemas.openxmlformats.org/officeDocument/2006/math">
-                    <m:oMathParaPr>
-                      <m:jc m:val="centerGroup"/>
-                    </m:oMathParaPr>
-                    <m:oMath xmlns:m="http://schemas.openxmlformats.org/officeDocument/2006/math">
-                      <m:sSub>
-                        <m:sSubPr>
-                          <m:ctrlPr>
-                            <a:rPr lang="en-US" sz="1800" i="1" smtClean="0">
-                              <a:solidFill>
-                                <a:srgbClr val="000000"/>
-                              </a:solidFill>
-                              <a:effectLst/>
-                              <a:latin typeface="Cambria Math" panose="02040503050406030204" pitchFamily="18" charset="0"/>
-                              <a:ea typeface="Calibri" panose="020F0502020204030204" pitchFamily="34" charset="0"/>
-                              <a:cs typeface="Times New Roman" panose="02020603050405020304" pitchFamily="18" charset="0"/>
-                            </a:rPr>
-                          </m:ctrlPr>
-                        </m:sSubPr>
-                        <m:e>
-                          <m:r>
-                            <a:rPr lang="ru-RU" sz="1800" i="1">
-                              <a:solidFill>
-                                <a:srgbClr val="000000"/>
-                              </a:solidFill>
-                              <a:effectLst/>
-                              <a:latin typeface="Cambria Math" panose="02040503050406030204" pitchFamily="18" charset="0"/>
-                              <a:ea typeface="Calibri" panose="020F0502020204030204" pitchFamily="34" charset="0"/>
-                              <a:cs typeface="Times New Roman" panose="02020603050405020304" pitchFamily="18" charset="0"/>
-                            </a:rPr>
-                            <m:t>𝑥</m:t>
-                          </m:r>
-                        </m:e>
-                        <m:sub>
-                          <m:r>
-                            <a:rPr lang="ru-RU" sz="1800" i="1">
-                              <a:solidFill>
-                                <a:srgbClr val="000000"/>
-                              </a:solidFill>
-                              <a:effectLst/>
-                              <a:latin typeface="Cambria Math" panose="02040503050406030204" pitchFamily="18" charset="0"/>
-                              <a:ea typeface="Calibri" panose="020F0502020204030204" pitchFamily="34" charset="0"/>
-                              <a:cs typeface="Times New Roman" panose="02020603050405020304" pitchFamily="18" charset="0"/>
-                            </a:rPr>
-                            <m:t>𝑡</m:t>
-                          </m:r>
-                        </m:sub>
-                      </m:sSub>
-                      <m:r>
-                        <a:rPr lang="ru-RU" sz="1800" i="1">
-                          <a:solidFill>
-                            <a:srgbClr val="000000"/>
-                          </a:solidFill>
-                          <a:effectLst/>
-                          <a:latin typeface="Cambria Math" panose="02040503050406030204" pitchFamily="18" charset="0"/>
-                          <a:ea typeface="Calibri" panose="020F0502020204030204" pitchFamily="34" charset="0"/>
-                          <a:cs typeface="Times New Roman" panose="02020603050405020304" pitchFamily="18" charset="0"/>
-                        </a:rPr>
-                        <m:t>=</m:t>
-                      </m:r>
-                      <m:sSub>
-                        <m:sSubPr>
-                          <m:ctrlPr>
-                            <a:rPr lang="en-US" sz="1800" i="1">
-                              <a:solidFill>
-                                <a:srgbClr val="000000"/>
-                              </a:solidFill>
-                              <a:effectLst/>
-                              <a:latin typeface="Cambria Math" panose="02040503050406030204" pitchFamily="18" charset="0"/>
-                              <a:ea typeface="Calibri" panose="020F0502020204030204" pitchFamily="34" charset="0"/>
-                              <a:cs typeface="Times New Roman" panose="02020603050405020304" pitchFamily="18" charset="0"/>
-                            </a:rPr>
-                          </m:ctrlPr>
-                        </m:sSubPr>
-                        <m:e>
-                          <m:r>
-                            <a:rPr lang="ru-RU" sz="1800" i="1">
-                              <a:solidFill>
-                                <a:srgbClr val="000000"/>
-                              </a:solidFill>
-                              <a:effectLst/>
-                              <a:latin typeface="Cambria Math" panose="02040503050406030204" pitchFamily="18" charset="0"/>
-                              <a:ea typeface="Calibri" panose="020F0502020204030204" pitchFamily="34" charset="0"/>
-                              <a:cs typeface="Times New Roman" panose="02020603050405020304" pitchFamily="18" charset="0"/>
-                            </a:rPr>
-                            <m:t>𝜎</m:t>
-                          </m:r>
-                        </m:e>
-                        <m:sub>
-                          <m:r>
-                            <a:rPr lang="ru-RU" sz="1800" i="1">
-                              <a:solidFill>
-                                <a:srgbClr val="000000"/>
-                              </a:solidFill>
-                              <a:effectLst/>
-                              <a:latin typeface="Cambria Math" panose="02040503050406030204" pitchFamily="18" charset="0"/>
-                              <a:ea typeface="Calibri" panose="020F0502020204030204" pitchFamily="34" charset="0"/>
-                              <a:cs typeface="Times New Roman" panose="02020603050405020304" pitchFamily="18" charset="0"/>
-                            </a:rPr>
-                            <m:t>𝑡</m:t>
-                          </m:r>
-                        </m:sub>
-                      </m:sSub>
-                      <m:sSub>
-                        <m:sSubPr>
-                          <m:ctrlPr>
-                            <a:rPr lang="en-US" sz="1800" i="1">
-                              <a:solidFill>
-                                <a:srgbClr val="000000"/>
-                              </a:solidFill>
-                              <a:effectLst/>
-                              <a:latin typeface="Cambria Math" panose="02040503050406030204" pitchFamily="18" charset="0"/>
-                              <a:ea typeface="Calibri" panose="020F0502020204030204" pitchFamily="34" charset="0"/>
-                              <a:cs typeface="Times New Roman" panose="02020603050405020304" pitchFamily="18" charset="0"/>
-                            </a:rPr>
-                          </m:ctrlPr>
-                        </m:sSubPr>
-                        <m:e>
-                          <m:r>
-                            <a:rPr lang="ru-RU" sz="1800" i="1">
-                              <a:solidFill>
-                                <a:srgbClr val="000000"/>
-                              </a:solidFill>
-                              <a:effectLst/>
-                              <a:latin typeface="Cambria Math" panose="02040503050406030204" pitchFamily="18" charset="0"/>
-                              <a:ea typeface="Calibri" panose="020F0502020204030204" pitchFamily="34" charset="0"/>
-                              <a:cs typeface="Times New Roman" panose="02020603050405020304" pitchFamily="18" charset="0"/>
-                            </a:rPr>
-                            <m:t>𝑒</m:t>
-                          </m:r>
-                        </m:e>
-                        <m:sub>
-                          <m:r>
-                            <a:rPr lang="ru-RU" sz="1800" i="1">
-                              <a:solidFill>
-                                <a:srgbClr val="000000"/>
-                              </a:solidFill>
-                              <a:effectLst/>
-                              <a:latin typeface="Cambria Math" panose="02040503050406030204" pitchFamily="18" charset="0"/>
-                              <a:ea typeface="Calibri" panose="020F0502020204030204" pitchFamily="34" charset="0"/>
-                              <a:cs typeface="Times New Roman" panose="02020603050405020304" pitchFamily="18" charset="0"/>
-                            </a:rPr>
-                            <m:t>𝑡</m:t>
-                          </m:r>
-                        </m:sub>
-                      </m:sSub>
-                    </m:oMath>
-                  </m:oMathPara>
-                </a14:m>
-                <a:endParaRPr lang="en-US" sz="1800" dirty="0">
-                  <a:solidFill>
-                    <a:srgbClr val="000000"/>
-                  </a:solidFill>
-                  <a:effectLst/>
-                  <a:latin typeface="Times New Roman" panose="02020603050405020304" pitchFamily="18" charset="0"/>
-                  <a:ea typeface="Calibri" panose="020F0502020204030204" pitchFamily="34" charset="0"/>
-                  <a:cs typeface="Times New Roman" panose="02020603050405020304" pitchFamily="18" charset="0"/>
-                </a:endParaRPr>
-              </a:p>
-              <a:p>
-                <a:pPr/>
-                <a14:m>
-                  <m:oMathPara xmlns:m="http://schemas.openxmlformats.org/officeDocument/2006/math">
-                    <m:oMathParaPr>
-                      <m:jc m:val="centerGroup"/>
-                    </m:oMathParaPr>
-                    <m:oMath xmlns:m="http://schemas.openxmlformats.org/officeDocument/2006/math">
-                      <m:sSubSup>
-                        <m:sSubSupPr>
-                          <m:ctrlPr>
-                            <a:rPr lang="en-US" i="1">
-                              <a:effectLst/>
-                              <a:latin typeface="Cambria Math" panose="02040503050406030204" pitchFamily="18" charset="0"/>
-                            </a:rPr>
-                          </m:ctrlPr>
-                        </m:sSubSupPr>
-                        <m:e>
-                          <m:r>
-                            <a:rPr lang="ru-RU" sz="1800" i="1">
-                              <a:solidFill>
-                                <a:srgbClr val="000000"/>
-                              </a:solidFill>
-                              <a:effectLst/>
-                              <a:latin typeface="Cambria Math" panose="02040503050406030204" pitchFamily="18" charset="0"/>
-                              <a:ea typeface="Calibri" panose="020F0502020204030204" pitchFamily="34" charset="0"/>
-                              <a:cs typeface="Times New Roman" panose="02020603050405020304" pitchFamily="18" charset="0"/>
-                            </a:rPr>
-                            <m:t>𝜎</m:t>
-                          </m:r>
-                        </m:e>
-                        <m:sub>
-                          <m:r>
-                            <a:rPr lang="ru-RU" sz="1800" i="1">
-                              <a:solidFill>
-                                <a:srgbClr val="000000"/>
-                              </a:solidFill>
-                              <a:effectLst/>
-                              <a:latin typeface="Cambria Math" panose="02040503050406030204" pitchFamily="18" charset="0"/>
-                              <a:ea typeface="Calibri" panose="020F0502020204030204" pitchFamily="34" charset="0"/>
-                              <a:cs typeface="Times New Roman" panose="02020603050405020304" pitchFamily="18" charset="0"/>
-                            </a:rPr>
-                            <m:t>𝑡</m:t>
-                          </m:r>
-                        </m:sub>
-                        <m:sup>
-                          <m:r>
-                            <a:rPr lang="ru-RU" sz="1800" i="1">
-                              <a:solidFill>
-                                <a:srgbClr val="000000"/>
-                              </a:solidFill>
-                              <a:effectLst/>
-                              <a:latin typeface="Cambria Math" panose="02040503050406030204" pitchFamily="18" charset="0"/>
-                              <a:ea typeface="Calibri" panose="020F0502020204030204" pitchFamily="34" charset="0"/>
-                              <a:cs typeface="Times New Roman" panose="02020603050405020304" pitchFamily="18" charset="0"/>
-                            </a:rPr>
-                            <m:t>2</m:t>
-                          </m:r>
-                        </m:sup>
-                      </m:sSubSup>
-                      <m:r>
-                        <a:rPr lang="ru-RU" sz="1800" i="1">
-                          <a:solidFill>
-                            <a:srgbClr val="000000"/>
-                          </a:solidFill>
-                          <a:effectLst/>
-                          <a:latin typeface="Cambria Math" panose="02040503050406030204" pitchFamily="18" charset="0"/>
-                          <a:ea typeface="Calibri" panose="020F0502020204030204" pitchFamily="34" charset="0"/>
-                          <a:cs typeface="Times New Roman" panose="02020603050405020304" pitchFamily="18" charset="0"/>
-                        </a:rPr>
-                        <m:t>=</m:t>
-                      </m:r>
-                      <m:sSub>
-                        <m:sSubPr>
-                          <m:ctrlPr>
-                            <a:rPr lang="en-US" i="1">
-                              <a:effectLst/>
-                              <a:latin typeface="Cambria Math" panose="02040503050406030204" pitchFamily="18" charset="0"/>
-                            </a:rPr>
-                          </m:ctrlPr>
-                        </m:sSubPr>
-                        <m:e>
-                          <m:r>
-                            <a:rPr lang="ru-RU" sz="1800" i="1">
-                              <a:solidFill>
-                                <a:srgbClr val="000000"/>
-                              </a:solidFill>
-                              <a:effectLst/>
-                              <a:latin typeface="Cambria Math" panose="02040503050406030204" pitchFamily="18" charset="0"/>
-                              <a:ea typeface="Calibri" panose="020F0502020204030204" pitchFamily="34" charset="0"/>
-                              <a:cs typeface="Times New Roman" panose="02020603050405020304" pitchFamily="18" charset="0"/>
-                            </a:rPr>
-                            <m:t>𝑎</m:t>
-                          </m:r>
-                        </m:e>
-                        <m:sub>
-                          <m:r>
-                            <a:rPr lang="ru-RU" sz="1800" i="1">
-                              <a:solidFill>
-                                <a:srgbClr val="000000"/>
-                              </a:solidFill>
-                              <a:effectLst/>
-                              <a:latin typeface="Cambria Math" panose="02040503050406030204" pitchFamily="18" charset="0"/>
-                              <a:ea typeface="Calibri" panose="020F0502020204030204" pitchFamily="34" charset="0"/>
-                              <a:cs typeface="Times New Roman" panose="02020603050405020304" pitchFamily="18" charset="0"/>
-                            </a:rPr>
-                            <m:t>0</m:t>
-                          </m:r>
-                        </m:sub>
-                      </m:sSub>
-                      <m:r>
-                        <a:rPr lang="ru-RU" sz="1800" i="1">
-                          <a:solidFill>
-                            <a:srgbClr val="000000"/>
-                          </a:solidFill>
-                          <a:effectLst/>
-                          <a:latin typeface="Cambria Math" panose="02040503050406030204" pitchFamily="18" charset="0"/>
-                          <a:ea typeface="Calibri" panose="020F0502020204030204" pitchFamily="34" charset="0"/>
-                          <a:cs typeface="Times New Roman" panose="02020603050405020304" pitchFamily="18" charset="0"/>
-                        </a:rPr>
-                        <m:t>+</m:t>
-                      </m:r>
-                      <m:sSub>
-                        <m:sSubPr>
-                          <m:ctrlPr>
-                            <a:rPr lang="en-US" i="1">
-                              <a:effectLst/>
-                              <a:latin typeface="Cambria Math" panose="02040503050406030204" pitchFamily="18" charset="0"/>
-                            </a:rPr>
-                          </m:ctrlPr>
-                        </m:sSubPr>
-                        <m:e>
-                          <m:r>
-                            <a:rPr lang="ru-RU" sz="1800" i="1">
-                              <a:solidFill>
-                                <a:srgbClr val="000000"/>
-                              </a:solidFill>
-                              <a:effectLst/>
-                              <a:latin typeface="Cambria Math" panose="02040503050406030204" pitchFamily="18" charset="0"/>
-                              <a:ea typeface="Calibri" panose="020F0502020204030204" pitchFamily="34" charset="0"/>
-                              <a:cs typeface="Times New Roman" panose="02020603050405020304" pitchFamily="18" charset="0"/>
-                            </a:rPr>
-                            <m:t>𝑎</m:t>
-                          </m:r>
-                        </m:e>
-                        <m:sub>
-                          <m:r>
-                            <a:rPr lang="ru-RU" sz="1800" i="1">
-                              <a:solidFill>
-                                <a:srgbClr val="000000"/>
-                              </a:solidFill>
-                              <a:effectLst/>
-                              <a:latin typeface="Cambria Math" panose="02040503050406030204" pitchFamily="18" charset="0"/>
-                              <a:ea typeface="Calibri" panose="020F0502020204030204" pitchFamily="34" charset="0"/>
-                              <a:cs typeface="Times New Roman" panose="02020603050405020304" pitchFamily="18" charset="0"/>
-                            </a:rPr>
-                            <m:t>1</m:t>
-                          </m:r>
-                        </m:sub>
-                      </m:sSub>
-                      <m:sSubSup>
-                        <m:sSubSupPr>
-                          <m:ctrlPr>
-                            <a:rPr lang="en-US" i="1">
-                              <a:effectLst/>
-                              <a:latin typeface="Cambria Math" panose="02040503050406030204" pitchFamily="18" charset="0"/>
-                            </a:rPr>
-                          </m:ctrlPr>
-                        </m:sSubSupPr>
-                        <m:e>
-                          <m:r>
-                            <a:rPr lang="ru-RU" sz="1800" i="1">
-                              <a:solidFill>
-                                <a:srgbClr val="000000"/>
-                              </a:solidFill>
-                              <a:effectLst/>
-                              <a:latin typeface="Cambria Math" panose="02040503050406030204" pitchFamily="18" charset="0"/>
-                              <a:ea typeface="Calibri" panose="020F0502020204030204" pitchFamily="34" charset="0"/>
-                              <a:cs typeface="Times New Roman" panose="02020603050405020304" pitchFamily="18" charset="0"/>
-                            </a:rPr>
-                            <m:t>𝑥</m:t>
-                          </m:r>
-                        </m:e>
-                        <m:sub>
-                          <m:r>
-                            <a:rPr lang="ru-RU" sz="1800" i="1">
-                              <a:solidFill>
-                                <a:srgbClr val="000000"/>
-                              </a:solidFill>
-                              <a:effectLst/>
-                              <a:latin typeface="Cambria Math" panose="02040503050406030204" pitchFamily="18" charset="0"/>
-                              <a:ea typeface="Calibri" panose="020F0502020204030204" pitchFamily="34" charset="0"/>
-                              <a:cs typeface="Times New Roman" panose="02020603050405020304" pitchFamily="18" charset="0"/>
-                            </a:rPr>
-                            <m:t>𝑡</m:t>
-                          </m:r>
-                          <m:r>
-                            <a:rPr lang="ru-RU" sz="1800" i="1">
-                              <a:solidFill>
-                                <a:srgbClr val="000000"/>
-                              </a:solidFill>
-                              <a:effectLst/>
-                              <a:latin typeface="Cambria Math" panose="02040503050406030204" pitchFamily="18" charset="0"/>
-                              <a:ea typeface="Calibri" panose="020F0502020204030204" pitchFamily="34" charset="0"/>
-                              <a:cs typeface="Times New Roman" panose="02020603050405020304" pitchFamily="18" charset="0"/>
-                            </a:rPr>
-                            <m:t>−1</m:t>
-                          </m:r>
-                        </m:sub>
-                        <m:sup>
-                          <m:r>
-                            <a:rPr lang="ru-RU" sz="1800" i="1">
-                              <a:solidFill>
-                                <a:srgbClr val="000000"/>
-                              </a:solidFill>
-                              <a:effectLst/>
-                              <a:latin typeface="Cambria Math" panose="02040503050406030204" pitchFamily="18" charset="0"/>
-                              <a:ea typeface="Calibri" panose="020F0502020204030204" pitchFamily="34" charset="0"/>
-                              <a:cs typeface="Times New Roman" panose="02020603050405020304" pitchFamily="18" charset="0"/>
-                            </a:rPr>
-                            <m:t>2</m:t>
-                          </m:r>
-                        </m:sup>
-                      </m:sSubSup>
-                      <m:r>
-                        <a:rPr lang="ru-RU" sz="1800" i="1">
-                          <a:solidFill>
-                            <a:srgbClr val="000000"/>
-                          </a:solidFill>
-                          <a:effectLst/>
-                          <a:latin typeface="Cambria Math" panose="02040503050406030204" pitchFamily="18" charset="0"/>
-                          <a:ea typeface="Times New Roman" panose="02020603050405020304" pitchFamily="18" charset="0"/>
-                          <a:cs typeface="Times New Roman" panose="02020603050405020304" pitchFamily="18" charset="0"/>
-                        </a:rPr>
-                        <m:t>+…+</m:t>
-                      </m:r>
-                      <m:sSub>
-                        <m:sSubPr>
-                          <m:ctrlPr>
-                            <a:rPr lang="en-US" i="1">
-                              <a:effectLst/>
-                              <a:latin typeface="Cambria Math" panose="02040503050406030204" pitchFamily="18" charset="0"/>
-                            </a:rPr>
-                          </m:ctrlPr>
-                        </m:sSubPr>
-                        <m:e>
-                          <m:r>
-                            <a:rPr lang="ru-RU" sz="1800" i="1">
-                              <a:solidFill>
-                                <a:srgbClr val="000000"/>
-                              </a:solidFill>
-                              <a:effectLst/>
-                              <a:latin typeface="Cambria Math" panose="02040503050406030204" pitchFamily="18" charset="0"/>
-                              <a:ea typeface="Calibri" panose="020F0502020204030204" pitchFamily="34" charset="0"/>
-                              <a:cs typeface="Times New Roman" panose="02020603050405020304" pitchFamily="18" charset="0"/>
-                            </a:rPr>
-                            <m:t>𝑎</m:t>
-                          </m:r>
-                        </m:e>
-                        <m:sub>
-                          <m:r>
-                            <a:rPr lang="ru-RU" sz="1800" i="1">
-                              <a:solidFill>
-                                <a:srgbClr val="000000"/>
-                              </a:solidFill>
-                              <a:effectLst/>
-                              <a:latin typeface="Cambria Math" panose="02040503050406030204" pitchFamily="18" charset="0"/>
-                              <a:ea typeface="Calibri" panose="020F0502020204030204" pitchFamily="34" charset="0"/>
-                              <a:cs typeface="Times New Roman" panose="02020603050405020304" pitchFamily="18" charset="0"/>
-                            </a:rPr>
-                            <m:t>𝑝</m:t>
-                          </m:r>
-                        </m:sub>
-                      </m:sSub>
-                      <m:sSubSup>
-                        <m:sSubSupPr>
-                          <m:ctrlPr>
-                            <a:rPr lang="en-US" i="1">
-                              <a:effectLst/>
-                              <a:latin typeface="Cambria Math" panose="02040503050406030204" pitchFamily="18" charset="0"/>
-                            </a:rPr>
-                          </m:ctrlPr>
-                        </m:sSubSupPr>
-                        <m:e>
-                          <m:r>
-                            <a:rPr lang="ru-RU" sz="1800" i="1">
-                              <a:solidFill>
-                                <a:srgbClr val="000000"/>
-                              </a:solidFill>
-                              <a:effectLst/>
-                              <a:latin typeface="Cambria Math" panose="02040503050406030204" pitchFamily="18" charset="0"/>
-                              <a:ea typeface="Calibri" panose="020F0502020204030204" pitchFamily="34" charset="0"/>
-                              <a:cs typeface="Times New Roman" panose="02020603050405020304" pitchFamily="18" charset="0"/>
-                            </a:rPr>
-                            <m:t>𝑥</m:t>
-                          </m:r>
-                        </m:e>
-                        <m:sub>
-                          <m:r>
-                            <a:rPr lang="ru-RU" sz="1800" i="1">
-                              <a:solidFill>
-                                <a:srgbClr val="000000"/>
-                              </a:solidFill>
-                              <a:effectLst/>
-                              <a:latin typeface="Cambria Math" panose="02040503050406030204" pitchFamily="18" charset="0"/>
-                              <a:ea typeface="Calibri" panose="020F0502020204030204" pitchFamily="34" charset="0"/>
-                              <a:cs typeface="Times New Roman" panose="02020603050405020304" pitchFamily="18" charset="0"/>
-                            </a:rPr>
-                            <m:t>𝑡</m:t>
-                          </m:r>
-                          <m:r>
-                            <a:rPr lang="ru-RU" sz="1800" i="1">
-                              <a:solidFill>
-                                <a:srgbClr val="000000"/>
-                              </a:solidFill>
-                              <a:effectLst/>
-                              <a:latin typeface="Cambria Math" panose="02040503050406030204" pitchFamily="18" charset="0"/>
-                              <a:ea typeface="Calibri" panose="020F0502020204030204" pitchFamily="34" charset="0"/>
-                              <a:cs typeface="Times New Roman" panose="02020603050405020304" pitchFamily="18" charset="0"/>
-                            </a:rPr>
-                            <m:t>−</m:t>
-                          </m:r>
-                          <m:r>
-                            <a:rPr lang="ru-RU" sz="1800" i="1">
-                              <a:solidFill>
-                                <a:srgbClr val="000000"/>
-                              </a:solidFill>
-                              <a:effectLst/>
-                              <a:latin typeface="Cambria Math" panose="02040503050406030204" pitchFamily="18" charset="0"/>
-                              <a:ea typeface="Calibri" panose="020F0502020204030204" pitchFamily="34" charset="0"/>
-                              <a:cs typeface="Times New Roman" panose="02020603050405020304" pitchFamily="18" charset="0"/>
-                            </a:rPr>
-                            <m:t>𝑝</m:t>
-                          </m:r>
-                        </m:sub>
-                        <m:sup>
-                          <m:r>
-                            <a:rPr lang="ru-RU" sz="1800" i="1">
-                              <a:solidFill>
-                                <a:srgbClr val="000000"/>
-                              </a:solidFill>
-                              <a:effectLst/>
-                              <a:latin typeface="Cambria Math" panose="02040503050406030204" pitchFamily="18" charset="0"/>
-                              <a:ea typeface="Calibri" panose="020F0502020204030204" pitchFamily="34" charset="0"/>
-                              <a:cs typeface="Times New Roman" panose="02020603050405020304" pitchFamily="18" charset="0"/>
-                            </a:rPr>
-                            <m:t>2</m:t>
-                          </m:r>
-                        </m:sup>
-                      </m:sSubSup>
-                    </m:oMath>
-                  </m:oMathPara>
-                </a14:m>
-                <a:endParaRPr lang="en-US" dirty="0"/>
-              </a:p>
-            </p:txBody>
-          </p:sp>
-        </mc:Choice>
-        <mc:Fallback xmlns="">
-          <p:sp>
-            <p:nvSpPr>
-              <p:cNvPr id="26" name="TextBox 25">
-                <a:extLst>
-                  <a:ext uri="{FF2B5EF4-FFF2-40B4-BE49-F238E27FC236}">
-                    <a16:creationId xmlns:a16="http://schemas.microsoft.com/office/drawing/2014/main" id="{41AF8E55-8DE6-4E74-A197-1C44F3AB45E7}"/>
-                  </a:ext>
-                </a:extLst>
-              </p:cNvPr>
-              <p:cNvSpPr txBox="1">
-                <a:spLocks noRot="1" noChangeAspect="1" noMove="1" noResize="1" noEditPoints="1" noAdjustHandles="1" noChangeArrowheads="1" noChangeShapeType="1" noTextEdit="1"/>
-              </p:cNvSpPr>
-              <p:nvPr/>
-            </p:nvSpPr>
-            <p:spPr>
-              <a:xfrm>
-                <a:off x="6770253" y="2018353"/>
-                <a:ext cx="3424621" cy="818494"/>
-              </a:xfrm>
-              <a:prstGeom prst="rect">
-                <a:avLst/>
-              </a:prstGeom>
-              <a:blipFill>
-                <a:blip r:embed="rId5"/>
-                <a:stretch>
-                  <a:fillRect b="-2239"/>
-                </a:stretch>
-              </a:blipFill>
-            </p:spPr>
-            <p:txBody>
-              <a:bodyPr/>
-              <a:lstStyle/>
-              <a:p>
-                <a:r>
-                  <a:rPr lang="en-US">
-                    <a:noFill/>
-                  </a:rPr>
-                  <a:t> </a:t>
-                </a:r>
-              </a:p>
-            </p:txBody>
-          </p:sp>
-        </mc:Fallback>
-      </mc:AlternateContent>
-      <p:sp>
-        <p:nvSpPr>
-          <p:cNvPr id="22" name="TextBox 21">
-            <a:extLst>
-              <a:ext uri="{FF2B5EF4-FFF2-40B4-BE49-F238E27FC236}">
-                <a16:creationId xmlns:a16="http://schemas.microsoft.com/office/drawing/2014/main" id="{C380E1A6-A61B-4717-8C51-1C325C4EAEA8}"/>
-              </a:ext>
-            </a:extLst>
-          </p:cNvPr>
-          <p:cNvSpPr txBox="1"/>
-          <p:nvPr/>
-        </p:nvSpPr>
-        <p:spPr>
-          <a:xfrm>
-            <a:off x="8128363" y="2855030"/>
-            <a:ext cx="708399" cy="369332"/>
-          </a:xfrm>
-          <a:prstGeom prst="rect">
-            <a:avLst/>
-          </a:prstGeom>
-          <a:noFill/>
-        </p:spPr>
-        <p:txBody>
-          <a:bodyPr wrap="none" rtlCol="0">
-            <a:spAutoFit/>
-          </a:bodyPr>
-          <a:lstStyle/>
-          <a:p>
-            <a:r>
-              <a:rPr lang="en-US" dirty="0"/>
-              <a:t>ARCH</a:t>
-            </a:r>
-          </a:p>
-        </p:txBody>
-      </p:sp>
-      <mc:AlternateContent xmlns:mc="http://schemas.openxmlformats.org/markup-compatibility/2006" xmlns:a14="http://schemas.microsoft.com/office/drawing/2010/main">
-        <mc:Choice Requires="a14">
-          <p:sp>
-            <p:nvSpPr>
-              <p:cNvPr id="29" name="TextBox 28">
-                <a:extLst>
-                  <a:ext uri="{FF2B5EF4-FFF2-40B4-BE49-F238E27FC236}">
-                    <a16:creationId xmlns:a16="http://schemas.microsoft.com/office/drawing/2014/main" id="{9BF045A3-B092-46A4-BD4E-DBB83804F9A5}"/>
-                  </a:ext>
-                </a:extLst>
-              </p:cNvPr>
-              <p:cNvSpPr txBox="1"/>
-              <p:nvPr/>
-            </p:nvSpPr>
-            <p:spPr>
-              <a:xfrm>
-                <a:off x="5379144" y="3332035"/>
-                <a:ext cx="6206836" cy="1667380"/>
-              </a:xfrm>
-              <a:prstGeom prst="rect">
-                <a:avLst/>
-              </a:prstGeom>
-              <a:noFill/>
-            </p:spPr>
-            <p:txBody>
-              <a:bodyPr wrap="square">
-                <a:spAutoFit/>
-              </a:bodyPr>
-              <a:lstStyle/>
-              <a:p>
-                <a:pPr/>
-                <a14:m>
-                  <m:oMathPara xmlns:m="http://schemas.openxmlformats.org/officeDocument/2006/math">
-                    <m:oMathParaPr>
-                      <m:jc m:val="centerGroup"/>
-                    </m:oMathParaPr>
-                    <m:oMath xmlns:m="http://schemas.openxmlformats.org/officeDocument/2006/math">
-                      <m:sSubSup>
-                        <m:sSubSupPr>
-                          <m:ctrlPr>
-                            <a:rPr lang="en-US" i="1" smtClean="0">
-                              <a:solidFill>
-                                <a:srgbClr val="836967"/>
-                              </a:solidFill>
-                              <a:latin typeface="Cambria Math" panose="02040503050406030204" pitchFamily="18" charset="0"/>
-                            </a:rPr>
-                          </m:ctrlPr>
-                        </m:sSubSupPr>
-                        <m:e>
-                          <m:r>
-                            <a:rPr lang="en-US" i="1">
-                              <a:latin typeface="Cambria Math" panose="02040503050406030204" pitchFamily="18" charset="0"/>
-                            </a:rPr>
-                            <m:t>𝜎</m:t>
-                          </m:r>
-                        </m:e>
-                        <m:sub>
-                          <m:r>
-                            <a:rPr lang="en-US" i="1">
-                              <a:latin typeface="Cambria Math" panose="02040503050406030204" pitchFamily="18" charset="0"/>
-                            </a:rPr>
-                            <m:t>𝑡</m:t>
-                          </m:r>
-                        </m:sub>
-                        <m:sup>
-                          <m:r>
-                            <a:rPr lang="en-US" i="0">
-                              <a:latin typeface="Cambria Math" panose="02040503050406030204" pitchFamily="18" charset="0"/>
-                            </a:rPr>
-                            <m:t>2</m:t>
-                          </m:r>
-                        </m:sup>
-                      </m:sSubSup>
-                      <m:r>
-                        <a:rPr lang="en-US" i="0">
-                          <a:latin typeface="Cambria Math" panose="02040503050406030204" pitchFamily="18" charset="0"/>
-                        </a:rPr>
-                        <m:t>=</m:t>
-                      </m:r>
-                      <m:r>
-                        <a:rPr lang="en-US" i="1">
-                          <a:latin typeface="Cambria Math" panose="02040503050406030204" pitchFamily="18" charset="0"/>
-                        </a:rPr>
-                        <m:t>𝜔</m:t>
-                      </m:r>
-                      <m:r>
-                        <a:rPr lang="en-US" i="0">
-                          <a:latin typeface="Cambria Math" panose="02040503050406030204" pitchFamily="18" charset="0"/>
-                        </a:rPr>
-                        <m:t>+</m:t>
-                      </m:r>
-                      <m:nary>
-                        <m:naryPr>
-                          <m:chr m:val="∑"/>
-                          <m:limLoc m:val="undOvr"/>
-                          <m:ctrlPr>
-                            <a:rPr lang="en-US" i="1">
-                              <a:latin typeface="Cambria Math" panose="02040503050406030204" pitchFamily="18" charset="0"/>
-                            </a:rPr>
-                          </m:ctrlPr>
-                        </m:naryPr>
-                        <m:sub>
-                          <m:r>
-                            <a:rPr lang="en-US" i="1">
-                              <a:latin typeface="Cambria Math" panose="02040503050406030204" pitchFamily="18" charset="0"/>
-                            </a:rPr>
-                            <m:t>𝑖</m:t>
-                          </m:r>
-                          <m:r>
-                            <a:rPr lang="en-US" i="0">
-                              <a:latin typeface="Cambria Math" panose="02040503050406030204" pitchFamily="18" charset="0"/>
-                            </a:rPr>
-                            <m:t>=1</m:t>
-                          </m:r>
-                        </m:sub>
-                        <m:sup>
-                          <m:r>
-                            <a:rPr lang="en-US" i="1">
-                              <a:latin typeface="Cambria Math" panose="02040503050406030204" pitchFamily="18" charset="0"/>
-                            </a:rPr>
-                            <m:t>𝑞</m:t>
-                          </m:r>
-                        </m:sup>
-                        <m:e>
-                          <m:sSub>
-                            <m:sSubPr>
-                              <m:ctrlPr>
-                                <a:rPr lang="en-US" i="1">
-                                  <a:solidFill>
-                                    <a:srgbClr val="836967"/>
-                                  </a:solidFill>
-                                  <a:latin typeface="Cambria Math" panose="02040503050406030204" pitchFamily="18" charset="0"/>
-                                </a:rPr>
-                              </m:ctrlPr>
-                            </m:sSubPr>
-                            <m:e>
-                              <m:r>
-                                <a:rPr lang="en-US" i="1">
-                                  <a:latin typeface="Cambria Math" panose="02040503050406030204" pitchFamily="18" charset="0"/>
-                                </a:rPr>
-                                <m:t>𝑎</m:t>
-                              </m:r>
-                            </m:e>
-                            <m:sub>
-                              <m:r>
-                                <a:rPr lang="en-US" i="1">
-                                  <a:latin typeface="Cambria Math" panose="02040503050406030204" pitchFamily="18" charset="0"/>
-                                </a:rPr>
-                                <m:t>𝑖</m:t>
-                              </m:r>
-                            </m:sub>
-                          </m:sSub>
-                          <m:sSubSup>
-                            <m:sSubSupPr>
-                              <m:ctrlPr>
-                                <a:rPr lang="en-US" i="1">
-                                  <a:solidFill>
-                                    <a:srgbClr val="836967"/>
-                                  </a:solidFill>
-                                  <a:latin typeface="Cambria Math" panose="02040503050406030204" pitchFamily="18" charset="0"/>
-                                </a:rPr>
-                              </m:ctrlPr>
-                            </m:sSubSupPr>
-                            <m:e>
-                              <m:r>
-                                <a:rPr lang="en-US" i="1">
-                                  <a:latin typeface="Cambria Math" panose="02040503050406030204" pitchFamily="18" charset="0"/>
-                                </a:rPr>
-                                <m:t>𝑢</m:t>
-                              </m:r>
-                            </m:e>
-                            <m:sub>
-                              <m:r>
-                                <a:rPr lang="en-US" i="1">
-                                  <a:latin typeface="Cambria Math" panose="02040503050406030204" pitchFamily="18" charset="0"/>
-                                </a:rPr>
-                                <m:t>𝑡</m:t>
-                              </m:r>
-                              <m:r>
-                                <a:rPr lang="en-US" i="0">
-                                  <a:latin typeface="Cambria Math" panose="02040503050406030204" pitchFamily="18" charset="0"/>
-                                </a:rPr>
-                                <m:t>−</m:t>
-                              </m:r>
-                              <m:r>
-                                <a:rPr lang="en-US" i="1">
-                                  <a:latin typeface="Cambria Math" panose="02040503050406030204" pitchFamily="18" charset="0"/>
-                                </a:rPr>
-                                <m:t>𝑖</m:t>
-                              </m:r>
-                            </m:sub>
-                            <m:sup>
-                              <m:r>
-                                <a:rPr lang="en-US" i="0">
-                                  <a:latin typeface="Cambria Math" panose="02040503050406030204" pitchFamily="18" charset="0"/>
-                                </a:rPr>
-                                <m:t>2</m:t>
-                              </m:r>
-                            </m:sup>
-                          </m:sSubSup>
-                        </m:e>
-                      </m:nary>
-                      <m:r>
-                        <a:rPr lang="en-US" i="0">
-                          <a:latin typeface="Cambria Math" panose="02040503050406030204" pitchFamily="18" charset="0"/>
-                        </a:rPr>
-                        <m:t>+</m:t>
-                      </m:r>
-                      <m:nary>
-                        <m:naryPr>
-                          <m:chr m:val="∑"/>
-                          <m:limLoc m:val="undOvr"/>
-                          <m:ctrlPr>
-                            <a:rPr lang="en-US" i="1">
-                              <a:latin typeface="Cambria Math" panose="02040503050406030204" pitchFamily="18" charset="0"/>
-                            </a:rPr>
-                          </m:ctrlPr>
-                        </m:naryPr>
-                        <m:sub>
-                          <m:r>
-                            <a:rPr lang="en-US" i="1">
-                              <a:latin typeface="Cambria Math" panose="02040503050406030204" pitchFamily="18" charset="0"/>
-                            </a:rPr>
-                            <m:t>𝑗</m:t>
-                          </m:r>
-                          <m:r>
-                            <a:rPr lang="en-US" i="0">
-                              <a:latin typeface="Cambria Math" panose="02040503050406030204" pitchFamily="18" charset="0"/>
-                            </a:rPr>
-                            <m:t>=1</m:t>
-                          </m:r>
-                        </m:sub>
-                        <m:sup>
-                          <m:r>
-                            <a:rPr lang="en-US" i="1">
-                              <a:latin typeface="Cambria Math" panose="02040503050406030204" pitchFamily="18" charset="0"/>
-                            </a:rPr>
-                            <m:t>𝑝</m:t>
-                          </m:r>
-                        </m:sup>
-                        <m:e>
-                          <m:sSub>
-                            <m:sSubPr>
-                              <m:ctrlPr>
-                                <a:rPr lang="en-US" i="1">
-                                  <a:solidFill>
-                                    <a:srgbClr val="836967"/>
-                                  </a:solidFill>
-                                  <a:latin typeface="Cambria Math" panose="02040503050406030204" pitchFamily="18" charset="0"/>
-                                </a:rPr>
-                              </m:ctrlPr>
-                            </m:sSubPr>
-                            <m:e>
-                              <m:r>
-                                <a:rPr lang="en-US" i="1">
-                                  <a:latin typeface="Cambria Math" panose="02040503050406030204" pitchFamily="18" charset="0"/>
-                                </a:rPr>
-                                <m:t>𝑏</m:t>
-                              </m:r>
-                            </m:e>
-                            <m:sub>
-                              <m:r>
-                                <a:rPr lang="en-US" i="1">
-                                  <a:latin typeface="Cambria Math" panose="02040503050406030204" pitchFamily="18" charset="0"/>
-                                </a:rPr>
-                                <m:t>𝑗</m:t>
-                              </m:r>
-                            </m:sub>
-                          </m:sSub>
-                          <m:sSubSup>
-                            <m:sSubSupPr>
-                              <m:ctrlPr>
-                                <a:rPr lang="en-US" i="1">
-                                  <a:solidFill>
-                                    <a:srgbClr val="836967"/>
-                                  </a:solidFill>
-                                  <a:latin typeface="Cambria Math" panose="02040503050406030204" pitchFamily="18" charset="0"/>
-                                </a:rPr>
-                              </m:ctrlPr>
-                            </m:sSubSupPr>
-                            <m:e>
-                              <m:r>
-                                <a:rPr lang="en-US" i="1">
-                                  <a:latin typeface="Cambria Math" panose="02040503050406030204" pitchFamily="18" charset="0"/>
-                                </a:rPr>
-                                <m:t>𝜎</m:t>
-                              </m:r>
-                            </m:e>
-                            <m:sub>
-                              <m:r>
-                                <a:rPr lang="en-US" i="1">
-                                  <a:latin typeface="Cambria Math" panose="02040503050406030204" pitchFamily="18" charset="0"/>
-                                </a:rPr>
-                                <m:t>𝑡</m:t>
-                              </m:r>
-                              <m:r>
-                                <a:rPr lang="en-US" i="0">
-                                  <a:latin typeface="Cambria Math" panose="02040503050406030204" pitchFamily="18" charset="0"/>
-                                </a:rPr>
-                                <m:t>−</m:t>
-                              </m:r>
-                              <m:r>
-                                <a:rPr lang="en-US" i="1">
-                                  <a:latin typeface="Cambria Math" panose="02040503050406030204" pitchFamily="18" charset="0"/>
-                                </a:rPr>
-                                <m:t>𝑗</m:t>
-                              </m:r>
-                            </m:sub>
-                            <m:sup>
-                              <m:r>
-                                <a:rPr lang="en-US" i="0">
-                                  <a:latin typeface="Cambria Math" panose="02040503050406030204" pitchFamily="18" charset="0"/>
-                                </a:rPr>
-                                <m:t>2</m:t>
-                              </m:r>
-                            </m:sup>
-                          </m:sSubSup>
-                        </m:e>
-                      </m:nary>
-                    </m:oMath>
-                  </m:oMathPara>
-                </a14:m>
-                <a:endParaRPr lang="en-US" dirty="0"/>
-              </a:p>
-              <a:p>
-                <a:pPr/>
-                <a14:m>
-                  <m:oMathPara xmlns:m="http://schemas.openxmlformats.org/officeDocument/2006/math">
-                    <m:oMathParaPr>
-                      <m:jc m:val="centerGroup"/>
-                    </m:oMathParaPr>
-                    <m:oMath xmlns:m="http://schemas.openxmlformats.org/officeDocument/2006/math">
-                      <m:nary>
-                        <m:naryPr>
-                          <m:chr m:val="∑"/>
-                          <m:limLoc m:val="undOvr"/>
-                          <m:ctrlPr>
-                            <a:rPr lang="en-US" i="1" smtClean="0">
-                              <a:effectLst/>
-                              <a:latin typeface="Cambria Math" panose="02040503050406030204" pitchFamily="18" charset="0"/>
-                            </a:rPr>
-                          </m:ctrlPr>
-                        </m:naryPr>
-                        <m:sub>
-                          <m:r>
-                            <a:rPr lang="ru-RU" sz="1800" i="1">
-                              <a:solidFill>
-                                <a:srgbClr val="000000"/>
-                              </a:solidFill>
-                              <a:effectLst/>
-                              <a:latin typeface="Cambria Math" panose="02040503050406030204" pitchFamily="18" charset="0"/>
-                              <a:ea typeface="Calibri" panose="020F0502020204030204" pitchFamily="34" charset="0"/>
-                              <a:cs typeface="Times New Roman" panose="02020603050405020304" pitchFamily="18" charset="0"/>
-                            </a:rPr>
-                            <m:t>𝑖</m:t>
-                          </m:r>
-                          <m:r>
-                            <a:rPr lang="ru-RU" sz="1800" i="1">
-                              <a:solidFill>
-                                <a:srgbClr val="000000"/>
-                              </a:solidFill>
-                              <a:effectLst/>
-                              <a:latin typeface="Cambria Math" panose="02040503050406030204" pitchFamily="18" charset="0"/>
-                              <a:ea typeface="Calibri" panose="020F0502020204030204" pitchFamily="34" charset="0"/>
-                              <a:cs typeface="Times New Roman" panose="02020603050405020304" pitchFamily="18" charset="0"/>
-                            </a:rPr>
-                            <m:t>=1</m:t>
-                          </m:r>
-                        </m:sub>
-                        <m:sup>
-                          <m:r>
-                            <a:rPr lang="ru-RU" sz="1800" i="1">
-                              <a:solidFill>
-                                <a:srgbClr val="000000"/>
-                              </a:solidFill>
-                              <a:effectLst/>
-                              <a:latin typeface="Cambria Math" panose="02040503050406030204" pitchFamily="18" charset="0"/>
-                              <a:ea typeface="Calibri" panose="020F0502020204030204" pitchFamily="34" charset="0"/>
-                              <a:cs typeface="Times New Roman" panose="02020603050405020304" pitchFamily="18" charset="0"/>
-                            </a:rPr>
-                            <m:t>𝑞</m:t>
-                          </m:r>
-                        </m:sup>
-                        <m:e>
-                          <m:sSub>
-                            <m:sSubPr>
-                              <m:ctrlPr>
-                                <a:rPr lang="en-US" i="1">
-                                  <a:effectLst/>
-                                  <a:latin typeface="Cambria Math" panose="02040503050406030204" pitchFamily="18" charset="0"/>
-                                </a:rPr>
-                              </m:ctrlPr>
-                            </m:sSubPr>
-                            <m:e>
-                              <m:r>
-                                <a:rPr lang="ru-RU" sz="1800" i="1">
-                                  <a:solidFill>
-                                    <a:srgbClr val="000000"/>
-                                  </a:solidFill>
-                                  <a:effectLst/>
-                                  <a:latin typeface="Cambria Math" panose="02040503050406030204" pitchFamily="18" charset="0"/>
-                                  <a:ea typeface="Calibri" panose="020F0502020204030204" pitchFamily="34" charset="0"/>
-                                  <a:cs typeface="Times New Roman" panose="02020603050405020304" pitchFamily="18" charset="0"/>
-                                </a:rPr>
-                                <m:t>𝑎</m:t>
-                              </m:r>
-                            </m:e>
-                            <m:sub>
-                              <m:r>
-                                <a:rPr lang="ru-RU" sz="1800" i="1">
-                                  <a:solidFill>
-                                    <a:srgbClr val="000000"/>
-                                  </a:solidFill>
-                                  <a:effectLst/>
-                                  <a:latin typeface="Cambria Math" panose="02040503050406030204" pitchFamily="18" charset="0"/>
-                                  <a:ea typeface="Calibri" panose="020F0502020204030204" pitchFamily="34" charset="0"/>
-                                  <a:cs typeface="Times New Roman" panose="02020603050405020304" pitchFamily="18" charset="0"/>
-                                </a:rPr>
-                                <m:t>𝑖</m:t>
-                              </m:r>
-                            </m:sub>
-                          </m:sSub>
-                        </m:e>
-                      </m:nary>
-                      <m:r>
-                        <a:rPr lang="ru-RU" sz="1800" i="1">
-                          <a:solidFill>
-                            <a:srgbClr val="000000"/>
-                          </a:solidFill>
-                          <a:effectLst/>
-                          <a:latin typeface="Cambria Math" panose="02040503050406030204" pitchFamily="18" charset="0"/>
-                          <a:ea typeface="Calibri" panose="020F0502020204030204" pitchFamily="34" charset="0"/>
-                          <a:cs typeface="Times New Roman" panose="02020603050405020304" pitchFamily="18" charset="0"/>
-                        </a:rPr>
-                        <m:t>+</m:t>
-                      </m:r>
-                      <m:nary>
-                        <m:naryPr>
-                          <m:chr m:val="∑"/>
-                          <m:limLoc m:val="undOvr"/>
-                          <m:ctrlPr>
-                            <a:rPr lang="en-US" i="1">
-                              <a:effectLst/>
-                              <a:latin typeface="Cambria Math" panose="02040503050406030204" pitchFamily="18" charset="0"/>
-                            </a:rPr>
-                          </m:ctrlPr>
-                        </m:naryPr>
-                        <m:sub>
-                          <m:r>
-                            <a:rPr lang="ru-RU" sz="1800" i="1">
-                              <a:solidFill>
-                                <a:srgbClr val="000000"/>
-                              </a:solidFill>
-                              <a:effectLst/>
-                              <a:latin typeface="Cambria Math" panose="02040503050406030204" pitchFamily="18" charset="0"/>
-                              <a:ea typeface="Calibri" panose="020F0502020204030204" pitchFamily="34" charset="0"/>
-                              <a:cs typeface="Times New Roman" panose="02020603050405020304" pitchFamily="18" charset="0"/>
-                            </a:rPr>
-                            <m:t>𝑗</m:t>
-                          </m:r>
-                          <m:r>
-                            <a:rPr lang="ru-RU" sz="1800" i="1">
-                              <a:solidFill>
-                                <a:srgbClr val="000000"/>
-                              </a:solidFill>
-                              <a:effectLst/>
-                              <a:latin typeface="Cambria Math" panose="02040503050406030204" pitchFamily="18" charset="0"/>
-                              <a:ea typeface="Calibri" panose="020F0502020204030204" pitchFamily="34" charset="0"/>
-                              <a:cs typeface="Times New Roman" panose="02020603050405020304" pitchFamily="18" charset="0"/>
-                            </a:rPr>
-                            <m:t>=1</m:t>
-                          </m:r>
-                        </m:sub>
-                        <m:sup>
-                          <m:r>
-                            <a:rPr lang="ru-RU" sz="1800" i="1">
-                              <a:solidFill>
-                                <a:srgbClr val="000000"/>
-                              </a:solidFill>
-                              <a:effectLst/>
-                              <a:latin typeface="Cambria Math" panose="02040503050406030204" pitchFamily="18" charset="0"/>
-                              <a:ea typeface="Calibri" panose="020F0502020204030204" pitchFamily="34" charset="0"/>
-                              <a:cs typeface="Times New Roman" panose="02020603050405020304" pitchFamily="18" charset="0"/>
-                            </a:rPr>
-                            <m:t>𝑝</m:t>
-                          </m:r>
-                        </m:sup>
-                        <m:e>
-                          <m:sSub>
-                            <m:sSubPr>
-                              <m:ctrlPr>
-                                <a:rPr lang="en-US" i="1">
-                                  <a:effectLst/>
-                                  <a:latin typeface="Cambria Math" panose="02040503050406030204" pitchFamily="18" charset="0"/>
-                                </a:rPr>
-                              </m:ctrlPr>
-                            </m:sSubPr>
-                            <m:e>
-                              <m:r>
-                                <a:rPr lang="ru-RU" sz="1800" i="1">
-                                  <a:solidFill>
-                                    <a:srgbClr val="000000"/>
-                                  </a:solidFill>
-                                  <a:effectLst/>
-                                  <a:latin typeface="Cambria Math" panose="02040503050406030204" pitchFamily="18" charset="0"/>
-                                  <a:ea typeface="Calibri" panose="020F0502020204030204" pitchFamily="34" charset="0"/>
-                                  <a:cs typeface="Times New Roman" panose="02020603050405020304" pitchFamily="18" charset="0"/>
-                                </a:rPr>
-                                <m:t>𝑏</m:t>
-                              </m:r>
-                            </m:e>
-                            <m:sub>
-                              <m:r>
-                                <a:rPr lang="ru-RU" sz="1800" i="1">
-                                  <a:solidFill>
-                                    <a:srgbClr val="000000"/>
-                                  </a:solidFill>
-                                  <a:effectLst/>
-                                  <a:latin typeface="Cambria Math" panose="02040503050406030204" pitchFamily="18" charset="0"/>
-                                  <a:ea typeface="Calibri" panose="020F0502020204030204" pitchFamily="34" charset="0"/>
-                                  <a:cs typeface="Times New Roman" panose="02020603050405020304" pitchFamily="18" charset="0"/>
-                                </a:rPr>
-                                <m:t>𝑗</m:t>
-                              </m:r>
-                            </m:sub>
-                          </m:sSub>
-                        </m:e>
-                      </m:nary>
-                      <m:r>
-                        <a:rPr lang="ru-RU" sz="1800" i="1">
-                          <a:solidFill>
-                            <a:srgbClr val="000000"/>
-                          </a:solidFill>
-                          <a:effectLst/>
-                          <a:latin typeface="Cambria Math" panose="02040503050406030204" pitchFamily="18" charset="0"/>
-                          <a:ea typeface="Calibri" panose="020F0502020204030204" pitchFamily="34" charset="0"/>
-                          <a:cs typeface="Times New Roman" panose="02020603050405020304" pitchFamily="18" charset="0"/>
-                        </a:rPr>
-                        <m:t>&lt;1</m:t>
-                      </m:r>
-                    </m:oMath>
-                  </m:oMathPara>
-                </a14:m>
-                <a:endParaRPr lang="en-US" dirty="0"/>
-              </a:p>
-            </p:txBody>
-          </p:sp>
-        </mc:Choice>
-        <mc:Fallback xmlns="">
-          <p:sp>
-            <p:nvSpPr>
-              <p:cNvPr id="29" name="TextBox 28">
-                <a:extLst>
-                  <a:ext uri="{FF2B5EF4-FFF2-40B4-BE49-F238E27FC236}">
-                    <a16:creationId xmlns:a16="http://schemas.microsoft.com/office/drawing/2014/main" id="{9BF045A3-B092-46A4-BD4E-DBB83804F9A5}"/>
-                  </a:ext>
-                </a:extLst>
-              </p:cNvPr>
-              <p:cNvSpPr txBox="1">
-                <a:spLocks noRot="1" noChangeAspect="1" noMove="1" noResize="1" noEditPoints="1" noAdjustHandles="1" noChangeArrowheads="1" noChangeShapeType="1" noTextEdit="1"/>
-              </p:cNvSpPr>
-              <p:nvPr/>
-            </p:nvSpPr>
-            <p:spPr>
-              <a:xfrm>
-                <a:off x="5379144" y="3332035"/>
-                <a:ext cx="6206836" cy="1667380"/>
-              </a:xfrm>
-              <a:prstGeom prst="rect">
-                <a:avLst/>
-              </a:prstGeom>
-              <a:blipFill>
-                <a:blip r:embed="rId6"/>
-                <a:stretch>
-                  <a:fillRect/>
-                </a:stretch>
-              </a:blipFill>
-            </p:spPr>
-            <p:txBody>
-              <a:bodyPr/>
-              <a:lstStyle/>
-              <a:p>
-                <a:r>
-                  <a:rPr lang="en-US">
-                    <a:noFill/>
-                  </a:rPr>
-                  <a:t> </a:t>
-                </a:r>
-              </a:p>
-            </p:txBody>
-          </p:sp>
-        </mc:Fallback>
-      </mc:AlternateContent>
-      <p:sp>
-        <p:nvSpPr>
-          <p:cNvPr id="30" name="TextBox 29">
-            <a:extLst>
-              <a:ext uri="{FF2B5EF4-FFF2-40B4-BE49-F238E27FC236}">
-                <a16:creationId xmlns:a16="http://schemas.microsoft.com/office/drawing/2014/main" id="{D6AA1264-9D23-477D-B90D-481AC4C68A05}"/>
-              </a:ext>
-            </a:extLst>
-          </p:cNvPr>
-          <p:cNvSpPr txBox="1"/>
-          <p:nvPr/>
-        </p:nvSpPr>
-        <p:spPr>
-          <a:xfrm>
-            <a:off x="8055425" y="5017598"/>
-            <a:ext cx="854273" cy="369332"/>
-          </a:xfrm>
-          <a:prstGeom prst="rect">
-            <a:avLst/>
-          </a:prstGeom>
-          <a:noFill/>
-        </p:spPr>
-        <p:txBody>
-          <a:bodyPr wrap="none" rtlCol="0">
-            <a:spAutoFit/>
-          </a:bodyPr>
-          <a:lstStyle/>
-          <a:p>
-            <a:r>
-              <a:rPr lang="en-US" dirty="0"/>
-              <a:t>GARCH</a:t>
             </a:r>
           </a:p>
         </p:txBody>
